--- a/software/Ch_4_pro.pptx
+++ b/software/Ch_4_pro.pptx
@@ -1127,6 +1127,88 @@
 </inkml:ink>
 </file>
 
+<file path=ppt/ink/ink3.xml><?xml version="1.0" encoding="utf-8"?>
+<inkml:ink xmlns:inkml="http://www.w3.org/2003/InkML">
+  <inkml:definitions>
+    <inkml:context xml:id="ctx0">
+      <inkml:inkSource xml:id="inkSrc0">
+        <inkml:traceFormat>
+          <inkml:channel name="X" type="integer" min="-2.14748E9" max="2.14748E9" units="cm"/>
+          <inkml:channel name="Y" type="integer" min="-2.14748E9" max="2.14748E9" units="cm"/>
+        </inkml:traceFormat>
+        <inkml:channelProperties>
+          <inkml:channelProperty channel="X" name="resolution" value="1000" units="1/cm"/>
+          <inkml:channelProperty channel="Y" name="resolution" value="1000" units="1/cm"/>
+        </inkml:channelProperties>
+      </inkml:inkSource>
+      <inkml:timestamp xml:id="ts0" timeString="2020-03-27T02:27:02.177"/>
+    </inkml:context>
+    <inkml:brush xml:id="br0">
+      <inkml:brushProperty name="width" value="0.35" units="cm"/>
+      <inkml:brushProperty name="height" value="0.35" units="cm"/>
+      <inkml:brushProperty name="color" value="#F6630D"/>
+      <inkml:brushProperty name="ignorePressure" value="1"/>
+    </inkml:brush>
+  </inkml:definitions>
+  <inkml:trace contextRef="#ctx0" brushRef="#br0">487 0,'-5'5,"-12"22,-12 21,-7 7,-3 10,-4 9,-4 7,-6 9,-2 5,2-4,5-7,12-13,11-18</inkml:trace>
+</inkml:ink>
+</file>
+
+<file path=ppt/ink/ink4.xml><?xml version="1.0" encoding="utf-8"?>
+<inkml:ink xmlns:inkml="http://www.w3.org/2003/InkML">
+  <inkml:definitions>
+    <inkml:context xml:id="ctx0">
+      <inkml:inkSource xml:id="inkSrc0">
+        <inkml:traceFormat>
+          <inkml:channel name="X" type="integer" min="-2.14748E9" max="2.14748E9" units="cm"/>
+          <inkml:channel name="Y" type="integer" min="-2.14748E9" max="2.14748E9" units="cm"/>
+        </inkml:traceFormat>
+        <inkml:channelProperties>
+          <inkml:channelProperty channel="X" name="resolution" value="1000" units="1/cm"/>
+          <inkml:channelProperty channel="Y" name="resolution" value="1000" units="1/cm"/>
+        </inkml:channelProperties>
+      </inkml:inkSource>
+      <inkml:timestamp xml:id="ts0" timeString="2020-03-27T02:27:03.328"/>
+    </inkml:context>
+    <inkml:brush xml:id="br0">
+      <inkml:brushProperty name="width" value="0.35" units="cm"/>
+      <inkml:brushProperty name="height" value="0.35" units="cm"/>
+      <inkml:brushProperty name="color" value="#F6630D"/>
+      <inkml:brushProperty name="ignorePressure" value="1"/>
+    </inkml:brush>
+  </inkml:definitions>
+  <inkml:trace contextRef="#ctx0" brushRef="#br0">2593 887,'-142'94,"100"-72,1 2,1 2,1 2,2 2,1 1,1 1,1 2,3 2,0 1,3 1,1 1,-10 22,32-52,0 1,1 0,1 0,0 0,0 1,0-1,2 1,-1 0,1-1,1 1,0 0,1 0,0-1,0 1,1 0,0-1,1 0,0 1,1-1,0 0,1-1,2 5,14 18,1-2,1-1,1 0,2-2,1-1,1-1,1-1,1-2,1-1,0-1,2-2,0-1,2-2,-1-1,2-2,-1-1,2-2,-1-1,1-2,0-2,1-1,-1-2,0-1,1-3,-1 0,0-3,0-1,-1-1,0-2,0-2,-1-1,21-13,167-127,-209 142,-1-2,-1 1,0-2,-1 0,0 0,-1-1,0 0,-2-1,1 0,-2 0,0-1,-2 0,5-18,-1-17,-3-1,-2 0,-3-1,-1 1,-4-5,-1 37,-1-1,-1 1,-1 1,-1 0,-1 0,-1 1,0 0,-2 1,0 0,0 1,-11-10,15 16,-5-8,0 1,-1 0,-1 1,-1 1,0 1,-1 0,-1 1,0 1,-1 1,0 1,-1 0,0 2,-1 0,0 2,0 0,0 1,-1 1,-4 1,-205 4,203 1</inkml:trace>
+  <inkml:trace contextRef="#ctx0" brushRef="#br0" timeOffset="926.28">1676 1,'-7'1,"-1"0,1 1,0-1,0 2,-1-1,2 1,-1 0,0 1,1 0,-1 0,1 0,0 0,-2 3,-6 3,-317 265,126-86,-91 102,7 21,112-118,-59 97,218-264,5-3</inkml:trace>
+</inkml:ink>
+</file>
+
+<file path=ppt/ink/ink5.xml><?xml version="1.0" encoding="utf-8"?>
+<inkml:ink xmlns:inkml="http://www.w3.org/2003/InkML">
+  <inkml:definitions>
+    <inkml:context xml:id="ctx0">
+      <inkml:inkSource xml:id="inkSrc0">
+        <inkml:traceFormat>
+          <inkml:channel name="X" type="integer" min="-2.14748E9" max="2.14748E9" units="cm"/>
+          <inkml:channel name="Y" type="integer" min="-2.14748E9" max="2.14748E9" units="cm"/>
+        </inkml:traceFormat>
+        <inkml:channelProperties>
+          <inkml:channelProperty channel="X" name="resolution" value="1000" units="1/cm"/>
+          <inkml:channelProperty channel="Y" name="resolution" value="1000" units="1/cm"/>
+        </inkml:channelProperties>
+      </inkml:inkSource>
+      <inkml:timestamp xml:id="ts0" timeString="2020-03-27T02:27:31.070"/>
+    </inkml:context>
+    <inkml:brush xml:id="br0">
+      <inkml:brushProperty name="width" value="0.35" units="cm"/>
+      <inkml:brushProperty name="height" value="0.35" units="cm"/>
+      <inkml:brushProperty name="color" value="#F6630D"/>
+      <inkml:brushProperty name="ignorePressure" value="1"/>
+    </inkml:brush>
+  </inkml:definitions>
+  <inkml:trace contextRef="#ctx0" brushRef="#br0">0 1,'0'0</inkml:trace>
+</inkml:ink>
+</file>
+
 <file path=ppt/notesMasters/notesMaster1.xml><?xml version="1.0" encoding="utf-8"?>
 <p:notesMaster xmlns:a="http://schemas.openxmlformats.org/drawingml/2006/main" xmlns:r="http://schemas.openxmlformats.org/officeDocument/2006/relationships" xmlns:p="http://schemas.openxmlformats.org/presentationml/2006/main">
   <p:cSld>
@@ -9118,6 +9200,159 @@
           </a:p>
         </p:txBody>
       </p:sp>
+      <mc:AlternateContent xmlns:mc="http://schemas.openxmlformats.org/markup-compatibility/2006">
+        <mc:Choice xmlns:p14="http://schemas.microsoft.com/office/powerpoint/2010/main" Requires="p14">
+          <p:contentPart p14:bwMode="auto" r:id="rId2">
+            <p14:nvContentPartPr>
+              <p14:cNvPr id="21" name="墨迹 20">
+                <a:extLst>
+                  <a:ext uri="{FF2B5EF4-FFF2-40B4-BE49-F238E27FC236}">
+                    <a16:creationId xmlns:a16="http://schemas.microsoft.com/office/drawing/2014/main" id="{A7DC2A65-828A-4F75-AEBB-7563867E86C9}"/>
+                  </a:ext>
+                </a:extLst>
+              </p14:cNvPr>
+              <p14:cNvContentPartPr/>
+              <p14:nvPr/>
+            </p14:nvContentPartPr>
+            <p14:xfrm>
+              <a:off x="5991145" y="3147162"/>
+              <a:ext cx="175320" cy="302040"/>
+            </p14:xfrm>
+          </p:contentPart>
+        </mc:Choice>
+        <mc:Fallback>
+          <p:pic>
+            <p:nvPicPr>
+              <p:cNvPr id="21" name="墨迹 20">
+                <a:extLst>
+                  <a:ext uri="{FF2B5EF4-FFF2-40B4-BE49-F238E27FC236}">
+                    <a16:creationId xmlns:a16="http://schemas.microsoft.com/office/drawing/2014/main" id="{A7DC2A65-828A-4F75-AEBB-7563867E86C9}"/>
+                  </a:ext>
+                </a:extLst>
+              </p:cNvPr>
+              <p:cNvPicPr/>
+              <p:nvPr/>
+            </p:nvPicPr>
+            <p:blipFill>
+              <a:blip r:embed="rId3"/>
+              <a:stretch>
+                <a:fillRect/>
+              </a:stretch>
+            </p:blipFill>
+            <p:spPr>
+              <a:xfrm>
+                <a:off x="5928505" y="3084162"/>
+                <a:ext cx="300960" cy="427680"/>
+              </a:xfrm>
+              <a:prstGeom prst="rect">
+                <a:avLst/>
+              </a:prstGeom>
+            </p:spPr>
+          </p:pic>
+        </mc:Fallback>
+      </mc:AlternateContent>
+      <mc:AlternateContent xmlns:mc="http://schemas.openxmlformats.org/markup-compatibility/2006">
+        <mc:Choice xmlns:p14="http://schemas.microsoft.com/office/powerpoint/2010/main" Requires="p14">
+          <p:contentPart p14:bwMode="auto" r:id="rId4">
+            <p14:nvContentPartPr>
+              <p14:cNvPr id="24" name="墨迹 23">
+                <a:extLst>
+                  <a:ext uri="{FF2B5EF4-FFF2-40B4-BE49-F238E27FC236}">
+                    <a16:creationId xmlns:a16="http://schemas.microsoft.com/office/drawing/2014/main" id="{947F664A-C661-4180-96DC-2B7DA154B5F7}"/>
+                  </a:ext>
+                </a:extLst>
+              </p14:cNvPr>
+              <p14:cNvContentPartPr/>
+              <p14:nvPr/>
+            </p14:nvContentPartPr>
+            <p14:xfrm>
+              <a:off x="6519985" y="2902362"/>
+              <a:ext cx="1253880" cy="742680"/>
+            </p14:xfrm>
+          </p:contentPart>
+        </mc:Choice>
+        <mc:Fallback>
+          <p:pic>
+            <p:nvPicPr>
+              <p:cNvPr id="24" name="墨迹 23">
+                <a:extLst>
+                  <a:ext uri="{FF2B5EF4-FFF2-40B4-BE49-F238E27FC236}">
+                    <a16:creationId xmlns:a16="http://schemas.microsoft.com/office/drawing/2014/main" id="{947F664A-C661-4180-96DC-2B7DA154B5F7}"/>
+                  </a:ext>
+                </a:extLst>
+              </p:cNvPr>
+              <p:cNvPicPr/>
+              <p:nvPr/>
+            </p:nvPicPr>
+            <p:blipFill>
+              <a:blip r:embed="rId5"/>
+              <a:stretch>
+                <a:fillRect/>
+              </a:stretch>
+            </p:blipFill>
+            <p:spPr>
+              <a:xfrm>
+                <a:off x="6457003" y="2839722"/>
+                <a:ext cx="1379484" cy="868320"/>
+              </a:xfrm>
+              <a:prstGeom prst="rect">
+                <a:avLst/>
+              </a:prstGeom>
+            </p:spPr>
+          </p:pic>
+        </mc:Fallback>
+      </mc:AlternateContent>
+      <mc:AlternateContent xmlns:mc="http://schemas.openxmlformats.org/markup-compatibility/2006">
+        <mc:Choice xmlns:p14="http://schemas.microsoft.com/office/powerpoint/2010/main" Requires="p14">
+          <p:contentPart p14:bwMode="auto" r:id="rId6">
+            <p14:nvContentPartPr>
+              <p14:cNvPr id="25" name="墨迹 24">
+                <a:extLst>
+                  <a:ext uri="{FF2B5EF4-FFF2-40B4-BE49-F238E27FC236}">
+                    <a16:creationId xmlns:a16="http://schemas.microsoft.com/office/drawing/2014/main" id="{BDC59950-5D06-4169-8FAD-DCA3B100B21D}"/>
+                  </a:ext>
+                </a:extLst>
+              </p14:cNvPr>
+              <p14:cNvContentPartPr/>
+              <p14:nvPr/>
+            </p14:nvContentPartPr>
+            <p14:xfrm>
+              <a:off x="6612865" y="4124922"/>
+              <a:ext cx="360" cy="360"/>
+            </p14:xfrm>
+          </p:contentPart>
+        </mc:Choice>
+        <mc:Fallback>
+          <p:pic>
+            <p:nvPicPr>
+              <p:cNvPr id="25" name="墨迹 24">
+                <a:extLst>
+                  <a:ext uri="{FF2B5EF4-FFF2-40B4-BE49-F238E27FC236}">
+                    <a16:creationId xmlns:a16="http://schemas.microsoft.com/office/drawing/2014/main" id="{BDC59950-5D06-4169-8FAD-DCA3B100B21D}"/>
+                  </a:ext>
+                </a:extLst>
+              </p:cNvPr>
+              <p:cNvPicPr/>
+              <p:nvPr/>
+            </p:nvPicPr>
+            <p:blipFill>
+              <a:blip r:embed="rId7"/>
+              <a:stretch>
+                <a:fillRect/>
+              </a:stretch>
+            </p:blipFill>
+            <p:spPr>
+              <a:xfrm>
+                <a:off x="6549865" y="4062282"/>
+                <a:ext cx="126000" cy="126000"/>
+              </a:xfrm>
+              <a:prstGeom prst="rect">
+                <a:avLst/>
+              </a:prstGeom>
+            </p:spPr>
+          </p:pic>
+        </mc:Fallback>
+      </mc:AlternateContent>
     </p:spTree>
     <p:extLst>
       <p:ext uri="{BB962C8B-B14F-4D97-AF65-F5344CB8AC3E}">
@@ -9312,8 +9547,8 @@
         </p:nvSpPr>
         <p:spPr>
           <a:xfrm>
-            <a:off x="1630504" y="2564904"/>
-            <a:ext cx="2183363" cy="3573791"/>
+            <a:off x="1168400" y="2492896"/>
+            <a:ext cx="5904656" cy="3573791"/>
           </a:xfrm>
         </p:spPr>
         <p:txBody>
@@ -9365,6 +9600,34 @@
                 <a:ea typeface="Adobe 楷体 Std R" panose="02020400000000000000" pitchFamily="18" charset="-122"/>
               </a:rPr>
               <a:t>编码实现</a:t>
+            </a:r>
+            <a:r>
+              <a:rPr lang="en-US" altLang="zh-CN" dirty="0">
+                <a:latin typeface="Adobe 楷体 Std R" panose="02020400000000000000" pitchFamily="18" charset="-122"/>
+                <a:ea typeface="Adobe 楷体 Std R" panose="02020400000000000000" pitchFamily="18" charset="-122"/>
+              </a:rPr>
+              <a:t>/</a:t>
+            </a:r>
+            <a:r>
+              <a:rPr lang="zh-CN" altLang="en-US" dirty="0">
+                <a:latin typeface="Adobe 楷体 Std R" panose="02020400000000000000" pitchFamily="18" charset="-122"/>
+                <a:ea typeface="Adobe 楷体 Std R" panose="02020400000000000000" pitchFamily="18" charset="-122"/>
+              </a:rPr>
+              <a:t>配置实现</a:t>
+            </a:r>
+            <a:r>
+              <a:rPr lang="en-US" altLang="zh-CN" dirty="0">
+                <a:latin typeface="Adobe 楷体 Std R" panose="02020400000000000000" pitchFamily="18" charset="-122"/>
+                <a:ea typeface="Adobe 楷体 Std R" panose="02020400000000000000" pitchFamily="18" charset="-122"/>
+              </a:rPr>
+              <a:t>/</a:t>
+            </a:r>
+            <a:r>
+              <a:rPr lang="zh-CN" altLang="en-US" dirty="0">
+                <a:latin typeface="Adobe 楷体 Std R" panose="02020400000000000000" pitchFamily="18" charset="-122"/>
+                <a:ea typeface="Adobe 楷体 Std R" panose="02020400000000000000" pitchFamily="18" charset="-122"/>
+              </a:rPr>
+              <a:t>资源实现</a:t>
             </a:r>
             <a:endParaRPr lang="en-US" altLang="zh-CN" dirty="0">
               <a:latin typeface="Adobe 楷体 Std R" panose="02020400000000000000" pitchFamily="18" charset="-122"/>
@@ -10391,8 +10654,8 @@
           <a:chExt cx="0" cy="0"/>
         </a:xfrm>
       </p:grpSpPr>
-      <mc:AlternateContent xmlns:mc="http://schemas.openxmlformats.org/markup-compatibility/2006">
-        <mc:Choice xmlns:p14="http://schemas.microsoft.com/office/powerpoint/2010/main" Requires="p14">
+      <mc:AlternateContent xmlns:mc="http://schemas.openxmlformats.org/markup-compatibility/2006" xmlns:p14="http://schemas.microsoft.com/office/powerpoint/2010/main">
+        <mc:Choice Requires="p14">
           <p:contentPart p14:bwMode="auto" r:id="rId2">
             <p14:nvContentPartPr>
               <p14:cNvPr id="47" name="墨迹 46">
@@ -10411,7 +10674,7 @@
             </p14:xfrm>
           </p:contentPart>
         </mc:Choice>
-        <mc:Fallback>
+        <mc:Fallback xmlns="">
           <p:pic>
             <p:nvPicPr>
               <p:cNvPr id="47" name="墨迹 46">
@@ -11175,8 +11438,8 @@
           </a:p>
         </p:txBody>
       </p:sp>
-      <mc:AlternateContent xmlns:mc="http://schemas.openxmlformats.org/markup-compatibility/2006">
-        <mc:Choice xmlns:p14="http://schemas.microsoft.com/office/powerpoint/2010/main" Requires="p14">
+      <mc:AlternateContent xmlns:mc="http://schemas.openxmlformats.org/markup-compatibility/2006" xmlns:p14="http://schemas.microsoft.com/office/powerpoint/2010/main">
+        <mc:Choice Requires="p14">
           <p:contentPart p14:bwMode="auto" r:id="rId4">
             <p14:nvContentPartPr>
               <p14:cNvPr id="4" name="墨迹 3">
@@ -11195,7 +11458,7 @@
             </p14:xfrm>
           </p:contentPart>
         </mc:Choice>
-        <mc:Fallback>
+        <mc:Fallback xmlns="">
           <p:pic>
             <p:nvPicPr>
               <p:cNvPr id="4" name="墨迹 3">
@@ -12957,8 +13220,8 @@
         </p:nvGrpSpPr>
         <p:grpSpPr>
           <a:xfrm>
-            <a:off x="2483768" y="4322076"/>
-            <a:ext cx="4686080" cy="1886293"/>
+            <a:off x="2156952" y="4005064"/>
+            <a:ext cx="5190136" cy="2203305"/>
             <a:chOff x="1259632" y="4279011"/>
             <a:chExt cx="4110016" cy="1801726"/>
           </a:xfrm>
@@ -14306,7 +14569,7 @@
         </p:nvSpPr>
         <p:spPr bwMode="auto">
           <a:xfrm>
-            <a:off x="3699504" y="1838600"/>
+            <a:off x="3639892" y="1848012"/>
             <a:ext cx="4978896" cy="3822303"/>
           </a:xfrm>
           <a:prstGeom prst="roundRect">
@@ -14509,7 +14772,7 @@
             <a:p>
               <a:pPr algn="ctr"/>
               <a:r>
-                <a:rPr lang="en-US" altLang="zh-CN">
+                <a:rPr lang="en-US" altLang="zh-CN" dirty="0">
                   <a:solidFill>
                     <a:srgbClr val="FFFFFF"/>
                   </a:solidFill>
@@ -14519,7 +14782,7 @@
                 </a:rPr>
                 <a:t>Decode</a:t>
               </a:r>
-              <a:endParaRPr lang="zh-CN" altLang="en-US">
+              <a:endParaRPr lang="zh-CN" altLang="en-US" dirty="0">
                 <a:solidFill>
                   <a:srgbClr val="FFFFFF"/>
                 </a:solidFill>
@@ -15616,13 +15879,16 @@
               </a:rPr>
               <a:t>测试</a:t>
             </a:r>
-            <a:endParaRPr lang="en-US" altLang="zh-CN" b="1" dirty="0">
-              <a:solidFill>
-                <a:srgbClr val="FF0000"/>
-              </a:solidFill>
-              <a:latin typeface="Adobe 黑体 Std R" panose="020B0400000000000000" pitchFamily="34" charset="-122"/>
-              <a:ea typeface="Adobe 黑体 Std R" panose="020B0400000000000000" pitchFamily="34" charset="-122"/>
-            </a:endParaRPr>
+            <a:r>
+              <a:rPr lang="en-US" altLang="zh-CN" b="1" dirty="0">
+                <a:solidFill>
+                  <a:srgbClr val="FF0000"/>
+                </a:solidFill>
+                <a:latin typeface="Adobe 黑体 Std R" panose="020B0400000000000000" pitchFamily="34" charset="-122"/>
+                <a:ea typeface="Adobe 黑体 Std R" panose="020B0400000000000000" pitchFamily="34" charset="-122"/>
+              </a:rPr>
+              <a:t>/QA</a:t>
+            </a:r>
           </a:p>
           <a:p>
             <a:endParaRPr lang="zh-CN" altLang="en-US" b="1" dirty="0"/>
@@ -20653,14 +20919,14 @@
           <p:nvPr>
             <p:extLst>
               <p:ext uri="{D42A27DB-BD31-4B8C-83A1-F6EECF244321}">
-                <p14:modId xmlns:p14="http://schemas.microsoft.com/office/powerpoint/2010/main" val="655905945"/>
+                <p14:modId xmlns:p14="http://schemas.microsoft.com/office/powerpoint/2010/main" val="1841309073"/>
               </p:ext>
             </p:extLst>
           </p:nvPr>
         </p:nvGraphicFramePr>
         <p:xfrm>
           <a:off x="1979712" y="2708920"/>
-          <a:ext cx="5904656" cy="3233092"/>
+          <a:ext cx="6264696" cy="3456384"/>
         </p:xfrm>
         <a:graphic>
           <a:graphicData uri="http://schemas.openxmlformats.org/drawingml/2006/chart">
@@ -20750,7 +21016,7 @@
           <a:graphicData uri="http://schemas.openxmlformats.org/presentationml/2006/ole">
             <mc:AlternateContent xmlns:mc="http://schemas.openxmlformats.org/markup-compatibility/2006">
               <mc:Choice xmlns:v="urn:schemas-microsoft-com:vml" Requires="v">
-                <p:oleObj spid="_x0000_s3092" name="图表" r:id="rId3" imgW="9201088" imgH="4362480" progId="MSGraph.Chart.8">
+                <p:oleObj spid="_x0000_s3094" name="图表" r:id="rId3" imgW="9201088" imgH="4362480" progId="MSGraph.Chart.8">
                   <p:embed/>
                 </p:oleObj>
               </mc:Choice>
@@ -21062,6 +21328,24 @@
               </a:rPr>
               <a:t>总有些信息是无法获取的</a:t>
             </a:r>
+            <a:endParaRPr lang="en-US" altLang="zh-CN" b="1" dirty="0">
+              <a:latin typeface="Adobe 楷体 Std R" panose="02020400000000000000" pitchFamily="18" charset="-122"/>
+              <a:ea typeface="Adobe 楷体 Std R" panose="02020400000000000000" pitchFamily="18" charset="-122"/>
+            </a:endParaRPr>
+          </a:p>
+          <a:p>
+            <a:pPr lvl="1" eaLnBrk="1" hangingPunct="1"/>
+            <a:r>
+              <a:rPr lang="zh-CN" altLang="en-US" b="1">
+                <a:latin typeface="Adobe 楷体 Std R" panose="02020400000000000000" pitchFamily="18" charset="-122"/>
+                <a:ea typeface="Adobe 楷体 Std R" panose="02020400000000000000" pitchFamily="18" charset="-122"/>
+              </a:rPr>
+              <a:t>有些测试是破坏性的</a:t>
+            </a:r>
+            <a:endParaRPr lang="zh-CN" altLang="en-US" b="1" dirty="0">
+              <a:latin typeface="Adobe 楷体 Std R" panose="02020400000000000000" pitchFamily="18" charset="-122"/>
+              <a:ea typeface="Adobe 楷体 Std R" panose="02020400000000000000" pitchFamily="18" charset="-122"/>
+            </a:endParaRPr>
           </a:p>
           <a:p>
             <a:endParaRPr lang="zh-CN" altLang="en-US" dirty="0"/>
@@ -27164,6 +27448,9 @@
             </a:endParaRPr>
           </a:p>
           <a:p>
+            <a:pPr marL="0" indent="0">
+              <a:buNone/>
+            </a:pPr>
             <a:endParaRPr lang="en-US" altLang="zh-CN" dirty="0">
               <a:sym typeface="Wingdings" panose="05000000000000000000" pitchFamily="2" charset="2"/>
             </a:endParaRPr>

--- a/software/Ch_4_pro.pptx
+++ b/software/Ch_4_pro.pptx
@@ -5,7 +5,7 @@
     <p:sldMasterId id="2147483665" r:id="rId1"/>
   </p:sldMasterIdLst>
   <p:notesMasterIdLst>
-    <p:notesMasterId r:id="rId63"/>
+    <p:notesMasterId r:id="rId56"/>
   </p:notesMasterIdLst>
   <p:sldIdLst>
     <p:sldId id="256" r:id="rId2"/>
@@ -61,14 +61,7 @@
     <p:sldId id="491" r:id="rId52"/>
     <p:sldId id="593" r:id="rId53"/>
     <p:sldId id="594" r:id="rId54"/>
-    <p:sldId id="529" r:id="rId55"/>
-    <p:sldId id="531" r:id="rId56"/>
-    <p:sldId id="532" r:id="rId57"/>
-    <p:sldId id="595" r:id="rId58"/>
-    <p:sldId id="535" r:id="rId59"/>
-    <p:sldId id="538" r:id="rId60"/>
-    <p:sldId id="539" r:id="rId61"/>
-    <p:sldId id="381" r:id="rId62"/>
+    <p:sldId id="381" r:id="rId55"/>
   </p:sldIdLst>
   <p:sldSz cx="9144000" cy="6858000" type="screen4x3"/>
   <p:notesSz cx="6858000" cy="9144000"/>
@@ -1081,7 +1074,7 @@
     </inkml:brush>
   </inkml:definitions>
   <inkml:trace contextRef="#ctx0" brushRef="#br0">2513 3206,'154'15,"403"-18,2649-10,-2163 14,-392-20,1887-61,763 81,-3201 2,-66 2</inkml:trace>
-  <inkml:trace contextRef="#ctx0" brushRef="#br0" timeOffset="2703.124">14787 2107,'57'-2,"-2"-3,1-2,-1-2,31-10,356-100,-407 111,1 2,0 2,0 1,0 2,0 2,6 1,32-1,419 1,-430 3,-2 3,1 1,-2 5,0 1,36 16,90 29,100 17,-224-64,0 4,-1 2,-1 2,0 3,-2 3,28 18,136 90,-186-119,1 2,-2 2,1 1,-3 1,0 2,28 27,31 29,-67-62,-1 2,-1 1,0 1,-2 0,-1 1,0 2,15 26,98 230,-126-252,0 1,-1-1,-2 1,-1 0,-2 0,-1 0,-3 26,2-2,1-37,-2-1,0-1,-1 1,0 0,-2-1,1 0,-1 0,-2 0,0-1,0 0,-1 1,-9 10,-145 257,94-220,-31 8,-80 56,-120 26,33-44,-21-8,22-10,-424 87,407-126,175-34,-45 10,-1-6,0-8,-103-5,95 10,-80 15,199-28</inkml:trace>
+  <inkml:trace contextRef="#ctx0" brushRef="#br0" timeOffset="2703.1239">14787 2107,'57'-2,"-2"-3,1-2,-1-2,31-10,356-100,-407 111,1 2,0 2,0 1,0 2,0 2,6 1,32-1,419 1,-430 3,-2 3,1 1,-2 5,0 1,36 16,90 29,100 17,-224-64,0 4,-1 2,-1 2,0 3,-2 3,28 18,136 90,-186-119,1 2,-2 2,1 1,-3 1,0 2,28 27,31 29,-67-62,-1 2,-1 1,0 1,-2 0,-1 1,0 2,15 26,98 230,-126-252,0 1,-1-1,-2 1,-1 0,-2 0,-1 0,-3 26,2-2,1-37,-2-1,0-1,-1 1,0 0,-2-1,1 0,-1 0,-2 0,0-1,0 0,-1 1,-9 10,-145 257,94-220,-31 8,-80 56,-120 26,33-44,-21-8,22-10,-424 87,407-126,175-34,-45 10,-1-6,0-8,-103-5,95 10,-80 15,199-28</inkml:trace>
   <inkml:trace contextRef="#ctx0" brushRef="#br0" timeOffset="4296.874">14355 1929,'42'85,"-9"3,-4 1,-4 2,-4 0,-3 2,-2 34,39 245,-9-130,-33-162,-4 0,-3 1,-3 51,-4 579,-19-478,0-76,12-82,8-74,0 1,0-1,-1 2,1-2,-1 1,1-1,-1 1,1-1,-1 1,0-1,0 1,1-1,-1 1,-1-2,2 2,-2-1,1 0,0 1,-1-2,2 2,-2-1,1-1,-1 1,1 0,-1 0,1-1,-1 1,1 0,-1-1,1 1,-2-1,2 0,-1 0,1 0,-1 0,0 0,1 0,-1 0,1 0,-1-1,-1 0,-12-6</inkml:trace>
   <inkml:trace contextRef="#ctx0" brushRef="#br1" timeOffset="79738.366">12529 3050,'-1'-6,"-1"1,0 0,0 0,-1 0,1 1,0-1,-1 1,0-1,-1 1,1 0,-1 0,1 0,-2 1,-3-3,-2-4,-309-292,-76-118,332 361,-37-34,4-4,-35-49,60 59,-5 3,-26-19,-10-13,5-5,-77-116,94 117,-57-57,33 33,-6 12,35 39,-44-86,29 37,61 91,32 41</inkml:trace>
   <inkml:trace contextRef="#ctx0" brushRef="#br1" timeOffset="83566.491">11173 3187,'16'76,"-17"-28,-3 0,0 0,-4 0,-10 36,-12 79,18-50,-41 233,49-330,-35 152,-12 131,19-49,-29 87,4-17,19-170,29-104,-2-1,-3 0,-1-1,-2-1,-3 2,-65 125,39-14,34-121,0 0,3 1,1 0,2 0,-1 30,-11 42,17-93</inkml:trace>
@@ -9200,8 +9193,8 @@
           </a:p>
         </p:txBody>
       </p:sp>
-      <mc:AlternateContent xmlns:mc="http://schemas.openxmlformats.org/markup-compatibility/2006">
-        <mc:Choice xmlns:p14="http://schemas.microsoft.com/office/powerpoint/2010/main" Requires="p14">
+      <mc:AlternateContent xmlns:mc="http://schemas.openxmlformats.org/markup-compatibility/2006" xmlns:p14="http://schemas.microsoft.com/office/powerpoint/2010/main">
+        <mc:Choice Requires="p14">
           <p:contentPart p14:bwMode="auto" r:id="rId2">
             <p14:nvContentPartPr>
               <p14:cNvPr id="21" name="墨迹 20">
@@ -9220,7 +9213,7 @@
             </p14:xfrm>
           </p:contentPart>
         </mc:Choice>
-        <mc:Fallback>
+        <mc:Fallback xmlns="">
           <p:pic>
             <p:nvPicPr>
               <p:cNvPr id="21" name="墨迹 20">
@@ -9251,8 +9244,8 @@
           </p:pic>
         </mc:Fallback>
       </mc:AlternateContent>
-      <mc:AlternateContent xmlns:mc="http://schemas.openxmlformats.org/markup-compatibility/2006">
-        <mc:Choice xmlns:p14="http://schemas.microsoft.com/office/powerpoint/2010/main" Requires="p14">
+      <mc:AlternateContent xmlns:mc="http://schemas.openxmlformats.org/markup-compatibility/2006" xmlns:p14="http://schemas.microsoft.com/office/powerpoint/2010/main">
+        <mc:Choice Requires="p14">
           <p:contentPart p14:bwMode="auto" r:id="rId4">
             <p14:nvContentPartPr>
               <p14:cNvPr id="24" name="墨迹 23">
@@ -9271,7 +9264,7 @@
             </p14:xfrm>
           </p:contentPart>
         </mc:Choice>
-        <mc:Fallback>
+        <mc:Fallback xmlns="">
           <p:pic>
             <p:nvPicPr>
               <p:cNvPr id="24" name="墨迹 23">
@@ -9302,8 +9295,8 @@
           </p:pic>
         </mc:Fallback>
       </mc:AlternateContent>
-      <mc:AlternateContent xmlns:mc="http://schemas.openxmlformats.org/markup-compatibility/2006">
-        <mc:Choice xmlns:p14="http://schemas.microsoft.com/office/powerpoint/2010/main" Requires="p14">
+      <mc:AlternateContent xmlns:mc="http://schemas.openxmlformats.org/markup-compatibility/2006" xmlns:p14="http://schemas.microsoft.com/office/powerpoint/2010/main">
+        <mc:Choice Requires="p14">
           <p:contentPart p14:bwMode="auto" r:id="rId6">
             <p14:nvContentPartPr>
               <p14:cNvPr id="25" name="墨迹 24">
@@ -9322,7 +9315,7 @@
             </p14:xfrm>
           </p:contentPart>
         </mc:Choice>
-        <mc:Fallback>
+        <mc:Fallback xmlns="">
           <p:pic>
             <p:nvPicPr>
               <p:cNvPr id="25" name="墨迹 24">
@@ -9854,8 +9847,14 @@
                 <a:latin typeface="Adobe 黑体 Std R" panose="020B0400000000000000" pitchFamily="34" charset="-122"/>
                 <a:ea typeface="Adobe 黑体 Std R" panose="020B0400000000000000" pitchFamily="34" charset="-122"/>
               </a:rPr>
-              <a:t>测试</a:t>
-            </a:r>
+              <a:t>测试简介</a:t>
+            </a:r>
+            <a:endParaRPr lang="en-US" altLang="zh-CN" b="1" dirty="0">
+              <a:latin typeface="Adobe 黑体 Std R" panose="020B0400000000000000" pitchFamily="34" charset="-122"/>
+              <a:ea typeface="Adobe 黑体 Std R" panose="020B0400000000000000" pitchFamily="34" charset="-122"/>
+            </a:endParaRPr>
+          </a:p>
+          <a:p>
             <a:endParaRPr lang="en-US" altLang="zh-CN" b="1" dirty="0"/>
           </a:p>
           <a:p>
@@ -10443,6 +10442,12 @@
           <a:bodyPr/>
           <a:lstStyle/>
           <a:p>
+            <a:r>
+              <a:rPr lang="en-US" altLang="zh-CN" b="1" dirty="0">
+                <a:ea typeface="楷体_GB2312" panose="02010609030101010101" pitchFamily="49" charset="-122"/>
+              </a:rPr>
+              <a:t/>
+            </a:r>
             <a:br>
               <a:rPr lang="en-US" altLang="zh-CN" b="1" dirty="0">
                 <a:ea typeface="楷体_GB2312" panose="02010609030101010101" pitchFamily="49" charset="-122"/>
@@ -13071,8 +13076,14 @@
                 <a:latin typeface="Adobe 黑体 Std R" panose="020B0400000000000000" pitchFamily="34" charset="-122"/>
                 <a:ea typeface="Adobe 黑体 Std R" panose="020B0400000000000000" pitchFamily="34" charset="-122"/>
               </a:rPr>
-              <a:t>测试</a:t>
-            </a:r>
+              <a:t>测试简介</a:t>
+            </a:r>
+            <a:endParaRPr lang="en-US" altLang="zh-CN" b="1" dirty="0">
+              <a:latin typeface="Adobe 黑体 Std R" panose="020B0400000000000000" pitchFamily="34" charset="-122"/>
+              <a:ea typeface="Adobe 黑体 Std R" panose="020B0400000000000000" pitchFamily="34" charset="-122"/>
+            </a:endParaRPr>
+          </a:p>
+          <a:p>
             <a:endParaRPr lang="en-US" altLang="zh-CN" b="1" dirty="0"/>
           </a:p>
           <a:p>
@@ -13172,7 +13183,7 @@
                 <a:hlinkClick r:id="rId2">
                   <a:extLst>
                     <a:ext uri="{A12FA001-AC4F-418D-AE19-62706E023703}">
-                      <ahyp:hlinkClr xmlns:ahyp="http://schemas.microsoft.com/office/drawing/2018/hyperlinkcolor" val="tx"/>
+                      <ahyp:hlinkClr xmlns="" xmlns:ahyp="http://schemas.microsoft.com/office/drawing/2018/hyperlinkcolor" val="tx"/>
                     </a:ext>
                   </a:extLst>
                 </a:hlinkClick>
@@ -14274,6 +14285,10 @@
                 <a:ea typeface="Adobe 黑体 Std R" panose="020B0400000000000000" pitchFamily="34" charset="-122"/>
               </a:rPr>
               <a:t>软件的设计思路</a:t>
+            </a:r>
+            <a:r>
+              <a:rPr lang="en-US" altLang="zh-CN" dirty="0"/>
+              <a:t/>
             </a:r>
             <a:br>
               <a:rPr lang="en-US" altLang="zh-CN" dirty="0"/>
@@ -15870,7 +15885,7 @@
               <a:t>§4.4 </a:t>
             </a:r>
             <a:r>
-              <a:rPr lang="zh-CN" altLang="en-US" b="1" dirty="0">
+              <a:rPr lang="zh-CN" altLang="en-US" b="1" dirty="0" smtClean="0">
                 <a:solidFill>
                   <a:srgbClr val="FF0000"/>
                 </a:solidFill>
@@ -15880,15 +15895,22 @@
               <a:t>测试</a:t>
             </a:r>
             <a:r>
-              <a:rPr lang="en-US" altLang="zh-CN" b="1" dirty="0">
+              <a:rPr lang="zh-CN" altLang="en-US" b="1" dirty="0">
                 <a:solidFill>
                   <a:srgbClr val="FF0000"/>
                 </a:solidFill>
                 <a:latin typeface="Adobe 黑体 Std R" panose="020B0400000000000000" pitchFamily="34" charset="-122"/>
                 <a:ea typeface="Adobe 黑体 Std R" panose="020B0400000000000000" pitchFamily="34" charset="-122"/>
               </a:rPr>
-              <a:t>/QA</a:t>
-            </a:r>
+              <a:t>简介</a:t>
+            </a:r>
+            <a:endParaRPr lang="en-US" altLang="zh-CN" b="1" dirty="0">
+              <a:solidFill>
+                <a:srgbClr val="FF0000"/>
+              </a:solidFill>
+              <a:latin typeface="Adobe 黑体 Std R" panose="020B0400000000000000" pitchFamily="34" charset="-122"/>
+              <a:ea typeface="Adobe 黑体 Std R" panose="020B0400000000000000" pitchFamily="34" charset="-122"/>
+            </a:endParaRPr>
           </a:p>
           <a:p>
             <a:endParaRPr lang="zh-CN" altLang="en-US" b="1" dirty="0"/>
@@ -16051,8 +16073,14 @@
                 <a:latin typeface="Adobe 黑体 Std R" panose="020B0400000000000000" pitchFamily="34" charset="-122"/>
                 <a:ea typeface="Adobe 黑体 Std R" panose="020B0400000000000000" pitchFamily="34" charset="-122"/>
               </a:rPr>
-              <a:t>测试</a:t>
-            </a:r>
+              <a:t>测试简介</a:t>
+            </a:r>
+            <a:endParaRPr lang="en-US" altLang="zh-CN" b="1" dirty="0">
+              <a:latin typeface="Adobe 黑体 Std R" panose="020B0400000000000000" pitchFamily="34" charset="-122"/>
+              <a:ea typeface="Adobe 黑体 Std R" panose="020B0400000000000000" pitchFamily="34" charset="-122"/>
+            </a:endParaRPr>
+          </a:p>
+          <a:p>
             <a:endParaRPr lang="en-US" altLang="zh-CN" b="1" dirty="0"/>
           </a:p>
           <a:p>
@@ -21016,7 +21044,7 @@
           <a:graphicData uri="http://schemas.openxmlformats.org/presentationml/2006/ole">
             <mc:AlternateContent xmlns:mc="http://schemas.openxmlformats.org/markup-compatibility/2006">
               <mc:Choice xmlns:v="urn:schemas-microsoft-com:vml" Requires="v">
-                <p:oleObj spid="_x0000_s3094" name="图表" r:id="rId3" imgW="9201088" imgH="4362480" progId="MSGraph.Chart.8">
+                <p:oleObj spid="_x0000_s3103" name="图表" r:id="rId3" imgW="9201088" imgH="4362480" progId="MSGraph.Chart.8">
                   <p:embed/>
                 </p:oleObj>
               </mc:Choice>
@@ -22098,4611 +22126,60 @@
       </p:grpSpPr>
       <p:sp>
         <p:nvSpPr>
-          <p:cNvPr id="2" name="标题 1"/>
+          <p:cNvPr id="4" name="标题 1">
+            <a:extLst>
+              <a:ext uri="{FF2B5EF4-FFF2-40B4-BE49-F238E27FC236}">
+                <a16:creationId xmlns:a16="http://schemas.microsoft.com/office/drawing/2014/main" id="{26B955D9-005A-428C-8CA4-0EF4096A476A}"/>
+              </a:ext>
+            </a:extLst>
+          </p:cNvPr>
           <p:cNvSpPr>
             <a:spLocks noGrp="1"/>
           </p:cNvSpPr>
           <p:nvPr>
-            <p:ph type="title"/>
+            <p:ph type="title" idx="4294967295"/>
           </p:nvPr>
         </p:nvSpPr>
-        <p:spPr/>
+        <p:spPr>
+          <a:xfrm>
+            <a:off x="628650" y="2996952"/>
+            <a:ext cx="7886700" cy="993775"/>
+          </a:xfrm>
+        </p:spPr>
         <p:txBody>
           <a:bodyPr/>
           <a:lstStyle/>
           <a:p>
-            <a:r>
-              <a:rPr lang="zh-CN" altLang="en-US" dirty="0"/>
-              <a:t>单元测试</a:t>
-            </a:r>
+            <a:pPr algn="ctr"/>
+            <a:r>
+              <a:rPr lang="en-US" altLang="zh-CN" b="1" dirty="0">
+                <a:latin typeface="Adobe 黑体 Std R" panose="020B0400000000000000" pitchFamily="34" charset="-122"/>
+                <a:ea typeface="Adobe 黑体 Std R" panose="020B0400000000000000" pitchFamily="34" charset="-122"/>
+              </a:rPr>
+              <a:t>Q&amp;A</a:t>
+            </a:r>
+            <a:endParaRPr lang="zh-CN" altLang="en-US" b="1" dirty="0"/>
           </a:p>
         </p:txBody>
       </p:sp>
-      <p:pic>
-        <p:nvPicPr>
-          <p:cNvPr id="6" name="图片 5"/>
-          <p:cNvPicPr>
-            <a:picLocks noChangeAspect="1"/>
-          </p:cNvPicPr>
-          <p:nvPr/>
-        </p:nvPicPr>
-        <p:blipFill>
-          <a:blip r:embed="rId2">
-            <a:extLst>
-              <a:ext uri="{BEBA8EAE-BF5A-486C-A8C5-ECC9F3942E4B}">
-                <a14:imgProps xmlns:a14="http://schemas.microsoft.com/office/drawing/2010/main">
-                  <a14:imgLayer r:embed="rId3">
-                    <a14:imgEffect>
-                      <a14:colorTemperature colorTemp="5300"/>
-                    </a14:imgEffect>
-                  </a14:imgLayer>
-                </a14:imgProps>
-              </a:ext>
-            </a:extLst>
-          </a:blip>
-          <a:stretch>
-            <a:fillRect/>
-          </a:stretch>
-        </p:blipFill>
-        <p:spPr>
-          <a:xfrm>
-            <a:off x="1169257" y="2708920"/>
-            <a:ext cx="1320635" cy="2514286"/>
-          </a:xfrm>
-          <a:prstGeom prst="rect">
-            <a:avLst/>
-          </a:prstGeom>
-        </p:spPr>
-      </p:pic>
-      <p:pic>
-        <p:nvPicPr>
-          <p:cNvPr id="7" name="图片 6"/>
-          <p:cNvPicPr>
-            <a:picLocks noChangeAspect="1"/>
-          </p:cNvPicPr>
-          <p:nvPr/>
-        </p:nvPicPr>
-        <p:blipFill rotWithShape="1">
-          <a:blip r:embed="rId4"/>
-          <a:srcRect r="-443" b="-237"/>
-          <a:stretch/>
-        </p:blipFill>
-        <p:spPr>
-          <a:xfrm>
-            <a:off x="3347864" y="2642420"/>
-            <a:ext cx="2160240" cy="2539053"/>
-          </a:xfrm>
-          <a:prstGeom prst="rect">
-            <a:avLst/>
-          </a:prstGeom>
-        </p:spPr>
-      </p:pic>
-      <p:pic>
-        <p:nvPicPr>
-          <p:cNvPr id="8" name="图片 7"/>
-          <p:cNvPicPr>
-            <a:picLocks noChangeAspect="1"/>
-          </p:cNvPicPr>
-          <p:nvPr/>
-        </p:nvPicPr>
-        <p:blipFill>
-          <a:blip r:embed="rId5"/>
-          <a:stretch>
-            <a:fillRect/>
-          </a:stretch>
-        </p:blipFill>
-        <p:spPr>
-          <a:xfrm>
-            <a:off x="6156176" y="2654803"/>
-            <a:ext cx="1786168" cy="2514286"/>
-          </a:xfrm>
-          <a:prstGeom prst="rect">
-            <a:avLst/>
-          </a:prstGeom>
-        </p:spPr>
-      </p:pic>
     </p:spTree>
     <p:extLst>
       <p:ext uri="{BB962C8B-B14F-4D97-AF65-F5344CB8AC3E}">
-        <p14:creationId xmlns:p14="http://schemas.microsoft.com/office/powerpoint/2010/main" val="1736381436"/>
+        <p14:creationId xmlns:p14="http://schemas.microsoft.com/office/powerpoint/2010/main" val="3318477899"/>
       </p:ext>
     </p:extLst>
   </p:cSld>
   <p:clrMapOvr>
     <a:masterClrMapping/>
   </p:clrMapOvr>
-</p:sld>
-</file>
-
-<file path=ppt/slides/slide55.xml><?xml version="1.0" encoding="utf-8"?>
-<p:sld xmlns:a="http://schemas.openxmlformats.org/drawingml/2006/main" xmlns:r="http://schemas.openxmlformats.org/officeDocument/2006/relationships" xmlns:p="http://schemas.openxmlformats.org/presentationml/2006/main">
-  <p:cSld>
-    <p:spTree>
-      <p:nvGrpSpPr>
-        <p:cNvPr id="1" name=""/>
-        <p:cNvGrpSpPr/>
-        <p:nvPr/>
-      </p:nvGrpSpPr>
-      <p:grpSpPr>
-        <a:xfrm>
-          <a:off x="0" y="0"/>
-          <a:ext cx="0" cy="0"/>
-          <a:chOff x="0" y="0"/>
-          <a:chExt cx="0" cy="0"/>
-        </a:xfrm>
-      </p:grpSpPr>
-      <p:sp>
-        <p:nvSpPr>
-          <p:cNvPr id="2" name="标题 1"/>
-          <p:cNvSpPr>
-            <a:spLocks noGrp="1"/>
-          </p:cNvSpPr>
-          <p:nvPr>
-            <p:ph type="title"/>
-          </p:nvPr>
-        </p:nvSpPr>
-        <p:spPr/>
-        <p:txBody>
-          <a:bodyPr/>
-          <a:lstStyle/>
-          <a:p>
-            <a:r>
-              <a:rPr lang="zh-CN" altLang="en-US" dirty="0"/>
-              <a:t>集成测试</a:t>
-            </a:r>
-          </a:p>
-        </p:txBody>
-      </p:sp>
-      <p:pic>
-        <p:nvPicPr>
-          <p:cNvPr id="4" name="图片 3"/>
-          <p:cNvPicPr>
-            <a:picLocks noChangeAspect="1"/>
-          </p:cNvPicPr>
-          <p:nvPr/>
-        </p:nvPicPr>
-        <p:blipFill>
-          <a:blip r:embed="rId2"/>
-          <a:stretch>
-            <a:fillRect/>
-          </a:stretch>
-        </p:blipFill>
-        <p:spPr>
-          <a:xfrm>
-            <a:off x="1556127" y="2060848"/>
-            <a:ext cx="6031746" cy="3746032"/>
-          </a:xfrm>
-          <a:prstGeom prst="rect">
-            <a:avLst/>
-          </a:prstGeom>
-        </p:spPr>
-      </p:pic>
-    </p:spTree>
-    <p:extLst>
-      <p:ext uri="{BB962C8B-B14F-4D97-AF65-F5344CB8AC3E}">
-        <p14:creationId xmlns:p14="http://schemas.microsoft.com/office/powerpoint/2010/main" val="2203524876"/>
-      </p:ext>
-    </p:extLst>
-  </p:cSld>
-  <p:clrMapOvr>
-    <a:masterClrMapping/>
-  </p:clrMapOvr>
-</p:sld>
-</file>
-
-<file path=ppt/slides/slide56.xml><?xml version="1.0" encoding="utf-8"?>
-<p:sld xmlns:a="http://schemas.openxmlformats.org/drawingml/2006/main" xmlns:r="http://schemas.openxmlformats.org/officeDocument/2006/relationships" xmlns:p="http://schemas.openxmlformats.org/presentationml/2006/main">
-  <p:cSld>
-    <p:spTree>
-      <p:nvGrpSpPr>
-        <p:cNvPr id="1" name=""/>
-        <p:cNvGrpSpPr/>
-        <p:nvPr/>
-      </p:nvGrpSpPr>
-      <p:grpSpPr>
-        <a:xfrm>
-          <a:off x="0" y="0"/>
-          <a:ext cx="0" cy="0"/>
-          <a:chOff x="0" y="0"/>
-          <a:chExt cx="0" cy="0"/>
-        </a:xfrm>
-      </p:grpSpPr>
-      <p:sp>
-        <p:nvSpPr>
-          <p:cNvPr id="2" name="标题 1"/>
-          <p:cNvSpPr>
-            <a:spLocks noGrp="1"/>
-          </p:cNvSpPr>
-          <p:nvPr>
-            <p:ph type="title"/>
-          </p:nvPr>
-        </p:nvSpPr>
-        <p:spPr/>
-        <p:txBody>
-          <a:bodyPr/>
-          <a:lstStyle/>
-          <a:p>
-            <a:r>
-              <a:rPr lang="zh-CN" altLang="en-US" dirty="0"/>
-              <a:t>集成的复杂性</a:t>
-            </a:r>
-          </a:p>
-        </p:txBody>
-      </p:sp>
-      <p:pic>
-        <p:nvPicPr>
-          <p:cNvPr id="4" name="图片 3"/>
-          <p:cNvPicPr>
-            <a:picLocks noChangeAspect="1"/>
-          </p:cNvPicPr>
-          <p:nvPr/>
-        </p:nvPicPr>
-        <p:blipFill>
-          <a:blip r:embed="rId2"/>
-          <a:stretch>
-            <a:fillRect/>
-          </a:stretch>
-        </p:blipFill>
-        <p:spPr>
-          <a:xfrm>
-            <a:off x="1979712" y="2492896"/>
-            <a:ext cx="5442573" cy="3521124"/>
-          </a:xfrm>
-          <a:prstGeom prst="rect">
-            <a:avLst/>
-          </a:prstGeom>
-        </p:spPr>
-      </p:pic>
-    </p:spTree>
-    <p:extLst>
-      <p:ext uri="{BB962C8B-B14F-4D97-AF65-F5344CB8AC3E}">
-        <p14:creationId xmlns:p14="http://schemas.microsoft.com/office/powerpoint/2010/main" val="1933102756"/>
-      </p:ext>
-    </p:extLst>
-  </p:cSld>
-  <p:clrMapOvr>
-    <a:masterClrMapping/>
-  </p:clrMapOvr>
-</p:sld>
-</file>
-
-<file path=ppt/slides/slide57.xml><?xml version="1.0" encoding="utf-8"?>
-<p:sld xmlns:a="http://schemas.openxmlformats.org/drawingml/2006/main" xmlns:r="http://schemas.openxmlformats.org/officeDocument/2006/relationships" xmlns:p="http://schemas.openxmlformats.org/presentationml/2006/main">
-  <p:cSld>
-    <p:spTree>
-      <p:nvGrpSpPr>
-        <p:cNvPr id="1" name=""/>
-        <p:cNvGrpSpPr/>
-        <p:nvPr/>
-      </p:nvGrpSpPr>
-      <p:grpSpPr>
-        <a:xfrm>
-          <a:off x="0" y="0"/>
-          <a:ext cx="0" cy="0"/>
-          <a:chOff x="0" y="0"/>
-          <a:chExt cx="0" cy="0"/>
-        </a:xfrm>
-      </p:grpSpPr>
-      <p:sp>
-        <p:nvSpPr>
-          <p:cNvPr id="2" name="标题 1"/>
-          <p:cNvSpPr>
-            <a:spLocks noGrp="1"/>
-          </p:cNvSpPr>
-          <p:nvPr>
-            <p:ph type="title"/>
-          </p:nvPr>
-        </p:nvSpPr>
-        <p:spPr/>
-        <p:txBody>
-          <a:bodyPr/>
-          <a:lstStyle/>
-          <a:p>
-            <a:r>
-              <a:rPr lang="en-US" altLang="zh-CN" dirty="0"/>
-              <a:t>Black Box</a:t>
-            </a:r>
-            <a:endParaRPr lang="zh-CN" altLang="en-US" dirty="0"/>
-          </a:p>
-        </p:txBody>
-      </p:sp>
-      <p:pic>
-        <p:nvPicPr>
-          <p:cNvPr id="16386" name="Picture 2" descr="https://timgsa.baidu.com/timg?image&amp;quality=80&amp;size=b9999_10000&amp;sec=1496463518479&amp;di=c6567df212783574c74026c9b5e60c4f&amp;imgtype=0&amp;src=http%3A%2F%2Farticle.fd.zol-img.com.cn%2Ft_s501x2000%2Fg5%2FM00%2F0D%2F08%2FChMkJljKKgCIGSN4AAZgU11KOwUAAayZALgpmUABmBr096.jpg"/>
-          <p:cNvPicPr>
-            <a:picLocks noChangeAspect="1" noChangeArrowheads="1"/>
-          </p:cNvPicPr>
-          <p:nvPr/>
-        </p:nvPicPr>
-        <p:blipFill>
-          <a:blip r:embed="rId2">
-            <a:extLst>
-              <a:ext uri="{28A0092B-C50C-407E-A947-70E740481C1C}">
-                <a14:useLocalDpi xmlns:a14="http://schemas.microsoft.com/office/drawing/2010/main" val="0"/>
-              </a:ext>
-            </a:extLst>
-          </a:blip>
-          <a:srcRect/>
-          <a:stretch>
-            <a:fillRect/>
-          </a:stretch>
-        </p:blipFill>
-        <p:spPr bwMode="auto">
-          <a:xfrm>
-            <a:off x="4428065" y="3010300"/>
-            <a:ext cx="3550319" cy="2366879"/>
-          </a:xfrm>
-          <a:prstGeom prst="rect">
-            <a:avLst/>
-          </a:prstGeom>
-          <a:noFill/>
-          <a:extLst>
-            <a:ext uri="{909E8E84-426E-40DD-AFC4-6F175D3DCCD1}">
-              <a14:hiddenFill xmlns:a14="http://schemas.microsoft.com/office/drawing/2010/main">
-                <a:solidFill>
-                  <a:srgbClr val="FFFFFF"/>
-                </a:solidFill>
-              </a14:hiddenFill>
-            </a:ext>
-          </a:extLst>
-        </p:spPr>
-      </p:pic>
-      <p:grpSp>
-        <p:nvGrpSpPr>
-          <p:cNvPr id="3" name="组合 2">
-            <a:extLst>
-              <a:ext uri="{FF2B5EF4-FFF2-40B4-BE49-F238E27FC236}">
-                <a16:creationId xmlns:a16="http://schemas.microsoft.com/office/drawing/2014/main" id="{E8AEF41F-5AC0-48A0-9A3D-FB08138A8E40}"/>
-              </a:ext>
-            </a:extLst>
-          </p:cNvPr>
-          <p:cNvGrpSpPr/>
-          <p:nvPr/>
-        </p:nvGrpSpPr>
-        <p:grpSpPr>
-          <a:xfrm>
-            <a:off x="1207872" y="3692779"/>
-            <a:ext cx="3116922" cy="942487"/>
-            <a:chOff x="1177366" y="4134993"/>
-            <a:chExt cx="3592528" cy="1007365"/>
-          </a:xfrm>
-        </p:grpSpPr>
-        <p:sp>
-          <p:nvSpPr>
-            <p:cNvPr id="4" name="右箭头 3"/>
-            <p:cNvSpPr/>
-            <p:nvPr/>
-          </p:nvSpPr>
-          <p:spPr>
-            <a:xfrm>
-              <a:off x="1430610" y="4437486"/>
-              <a:ext cx="504056" cy="288032"/>
-            </a:xfrm>
-            <a:prstGeom prst="rightArrow">
-              <a:avLst/>
-            </a:prstGeom>
-          </p:spPr>
-          <p:style>
-            <a:lnRef idx="2">
-              <a:schemeClr val="accent1">
-                <a:shade val="50000"/>
-              </a:schemeClr>
-            </a:lnRef>
-            <a:fillRef idx="1">
-              <a:schemeClr val="accent1"/>
-            </a:fillRef>
-            <a:effectRef idx="0">
-              <a:schemeClr val="accent1"/>
-            </a:effectRef>
-            <a:fontRef idx="minor">
-              <a:schemeClr val="lt1"/>
-            </a:fontRef>
-          </p:style>
-          <p:txBody>
-            <a:bodyPr rtlCol="0" anchor="ctr"/>
-            <a:lstStyle/>
-            <a:p>
-              <a:pPr algn="ctr"/>
-              <a:endParaRPr lang="zh-CN" altLang="en-US"/>
-            </a:p>
-          </p:txBody>
-        </p:sp>
-        <p:sp>
-          <p:nvSpPr>
-            <p:cNvPr id="14" name="右箭头 13"/>
-            <p:cNvSpPr/>
-            <p:nvPr/>
-          </p:nvSpPr>
-          <p:spPr>
-            <a:xfrm>
-              <a:off x="3800362" y="4358349"/>
-              <a:ext cx="504056" cy="288032"/>
-            </a:xfrm>
-            <a:prstGeom prst="rightArrow">
-              <a:avLst/>
-            </a:prstGeom>
-          </p:spPr>
-          <p:style>
-            <a:lnRef idx="2">
-              <a:schemeClr val="accent1">
-                <a:shade val="50000"/>
-              </a:schemeClr>
-            </a:lnRef>
-            <a:fillRef idx="1">
-              <a:schemeClr val="accent1"/>
-            </a:fillRef>
-            <a:effectRef idx="0">
-              <a:schemeClr val="accent1"/>
-            </a:effectRef>
-            <a:fontRef idx="minor">
-              <a:schemeClr val="lt1"/>
-            </a:fontRef>
-          </p:style>
-          <p:txBody>
-            <a:bodyPr rtlCol="0" anchor="ctr"/>
-            <a:lstStyle/>
-            <a:p>
-              <a:pPr algn="ctr"/>
-              <a:endParaRPr lang="zh-CN" altLang="en-US"/>
-            </a:p>
-          </p:txBody>
-        </p:sp>
-        <p:grpSp>
-          <p:nvGrpSpPr>
-            <p:cNvPr id="5" name="Group 16"/>
-            <p:cNvGrpSpPr>
-              <a:grpSpLocks/>
-            </p:cNvGrpSpPr>
-            <p:nvPr/>
-          </p:nvGrpSpPr>
-          <p:grpSpPr bwMode="auto">
-            <a:xfrm>
-              <a:off x="1177366" y="4134993"/>
-              <a:ext cx="3592528" cy="1007365"/>
-              <a:chOff x="-80" y="720"/>
-              <a:chExt cx="3883" cy="900"/>
-            </a:xfrm>
-          </p:grpSpPr>
-          <p:sp>
-            <p:nvSpPr>
-              <p:cNvPr id="7" name="AutoShape 7"/>
-              <p:cNvSpPr>
-                <a:spLocks noChangeArrowheads="1"/>
-              </p:cNvSpPr>
-              <p:nvPr/>
-            </p:nvSpPr>
-            <p:spPr bwMode="auto">
-              <a:xfrm flipH="1">
-                <a:off x="816" y="720"/>
-                <a:ext cx="1824" cy="768"/>
-              </a:xfrm>
-              <a:prstGeom prst="cube">
-                <a:avLst>
-                  <a:gd name="adj" fmla="val 31986"/>
-                </a:avLst>
-              </a:prstGeom>
-              <a:ln>
-                <a:headEnd/>
-                <a:tailEnd/>
-              </a:ln>
-            </p:spPr>
-            <p:style>
-              <a:lnRef idx="3">
-                <a:schemeClr val="lt1"/>
-              </a:lnRef>
-              <a:fillRef idx="1">
-                <a:schemeClr val="dk1"/>
-              </a:fillRef>
-              <a:effectRef idx="1">
-                <a:schemeClr val="dk1"/>
-              </a:effectRef>
-              <a:fontRef idx="minor">
-                <a:schemeClr val="lt1"/>
-              </a:fontRef>
-            </p:style>
-            <p:txBody>
-              <a:bodyPr wrap="none" anchor="ctr"/>
-              <a:lstStyle>
-                <a:lvl1pPr>
-                  <a:spcBef>
-                    <a:spcPct val="20000"/>
-                  </a:spcBef>
-                  <a:buClr>
-                    <a:schemeClr val="accent2"/>
-                  </a:buClr>
-                  <a:buFont typeface="Wingdings" panose="05000000000000000000" pitchFamily="2" charset="2"/>
-                  <a:buChar char="w"/>
-                  <a:defRPr sz="3200">
-                    <a:solidFill>
-                      <a:schemeClr val="tx1"/>
-                    </a:solidFill>
-                    <a:latin typeface="Times New Roman" panose="02020603050405020304" pitchFamily="18" charset="0"/>
-                    <a:ea typeface="宋体" panose="02010600030101010101" pitchFamily="2" charset="-122"/>
-                  </a:defRPr>
-                </a:lvl1pPr>
-                <a:lvl2pPr marL="742950" indent="-285750">
-                  <a:spcBef>
-                    <a:spcPct val="20000"/>
-                  </a:spcBef>
-                  <a:buClr>
-                    <a:schemeClr val="accent2"/>
-                  </a:buClr>
-                  <a:buSzPct val="55000"/>
-                  <a:buFont typeface="Wingdings" panose="05000000000000000000" pitchFamily="2" charset="2"/>
-                  <a:buChar char="n"/>
-                  <a:defRPr sz="2800">
-                    <a:solidFill>
-                      <a:schemeClr val="tx1"/>
-                    </a:solidFill>
-                    <a:latin typeface="Times New Roman" panose="02020603050405020304" pitchFamily="18" charset="0"/>
-                    <a:ea typeface="宋体" panose="02010600030101010101" pitchFamily="2" charset="-122"/>
-                  </a:defRPr>
-                </a:lvl2pPr>
-                <a:lvl3pPr marL="1143000" indent="-228600">
-                  <a:spcBef>
-                    <a:spcPct val="20000"/>
-                  </a:spcBef>
-                  <a:buClr>
-                    <a:schemeClr val="accent2"/>
-                  </a:buClr>
-                  <a:buSzPct val="65000"/>
-                  <a:buFont typeface="Wingdings" panose="05000000000000000000" pitchFamily="2" charset="2"/>
-                  <a:buChar char="l"/>
-                  <a:defRPr sz="2400">
-                    <a:solidFill>
-                      <a:schemeClr val="tx1"/>
-                    </a:solidFill>
-                    <a:latin typeface="Times New Roman" panose="02020603050405020304" pitchFamily="18" charset="0"/>
-                    <a:ea typeface="宋体" panose="02010600030101010101" pitchFamily="2" charset="-122"/>
-                  </a:defRPr>
-                </a:lvl3pPr>
-                <a:lvl4pPr marL="1600200" indent="-228600">
-                  <a:spcBef>
-                    <a:spcPct val="20000"/>
-                  </a:spcBef>
-                  <a:buClr>
-                    <a:schemeClr val="accent2"/>
-                  </a:buClr>
-                  <a:buSzPct val="85000"/>
-                  <a:buFont typeface="Wingdings" panose="05000000000000000000" pitchFamily="2" charset="2"/>
-                  <a:buChar char="w"/>
-                  <a:defRPr sz="2000">
-                    <a:solidFill>
-                      <a:schemeClr val="tx1"/>
-                    </a:solidFill>
-                    <a:latin typeface="Times New Roman" panose="02020603050405020304" pitchFamily="18" charset="0"/>
-                    <a:ea typeface="宋体" panose="02010600030101010101" pitchFamily="2" charset="-122"/>
-                  </a:defRPr>
-                </a:lvl4pPr>
-                <a:lvl5pPr marL="2057400" indent="-228600">
-                  <a:spcBef>
-                    <a:spcPct val="20000"/>
-                  </a:spcBef>
-                  <a:buClr>
-                    <a:schemeClr val="accent2"/>
-                  </a:buClr>
-                  <a:buSzPct val="80000"/>
-                  <a:buFont typeface="Wingdings" panose="05000000000000000000" pitchFamily="2" charset="2"/>
-                  <a:buChar char="§"/>
-                  <a:defRPr>
-                    <a:solidFill>
-                      <a:schemeClr val="tx1"/>
-                    </a:solidFill>
-                    <a:latin typeface="Times New Roman" panose="02020603050405020304" pitchFamily="18" charset="0"/>
-                    <a:ea typeface="宋体" panose="02010600030101010101" pitchFamily="2" charset="-122"/>
-                  </a:defRPr>
-                </a:lvl5pPr>
-                <a:lvl6pPr marL="2514600" indent="-228600" eaLnBrk="0" fontAlgn="base" hangingPunct="0">
-                  <a:spcBef>
-                    <a:spcPct val="20000"/>
-                  </a:spcBef>
-                  <a:spcAft>
-                    <a:spcPct val="0"/>
-                  </a:spcAft>
-                  <a:buClr>
-                    <a:schemeClr val="accent2"/>
-                  </a:buClr>
-                  <a:buSzPct val="80000"/>
-                  <a:buFont typeface="Wingdings" panose="05000000000000000000" pitchFamily="2" charset="2"/>
-                  <a:buChar char="§"/>
-                  <a:defRPr>
-                    <a:solidFill>
-                      <a:schemeClr val="tx1"/>
-                    </a:solidFill>
-                    <a:latin typeface="Times New Roman" panose="02020603050405020304" pitchFamily="18" charset="0"/>
-                    <a:ea typeface="宋体" panose="02010600030101010101" pitchFamily="2" charset="-122"/>
-                  </a:defRPr>
-                </a:lvl6pPr>
-                <a:lvl7pPr marL="2971800" indent="-228600" eaLnBrk="0" fontAlgn="base" hangingPunct="0">
-                  <a:spcBef>
-                    <a:spcPct val="20000"/>
-                  </a:spcBef>
-                  <a:spcAft>
-                    <a:spcPct val="0"/>
-                  </a:spcAft>
-                  <a:buClr>
-                    <a:schemeClr val="accent2"/>
-                  </a:buClr>
-                  <a:buSzPct val="80000"/>
-                  <a:buFont typeface="Wingdings" panose="05000000000000000000" pitchFamily="2" charset="2"/>
-                  <a:buChar char="§"/>
-                  <a:defRPr>
-                    <a:solidFill>
-                      <a:schemeClr val="tx1"/>
-                    </a:solidFill>
-                    <a:latin typeface="Times New Roman" panose="02020603050405020304" pitchFamily="18" charset="0"/>
-                    <a:ea typeface="宋体" panose="02010600030101010101" pitchFamily="2" charset="-122"/>
-                  </a:defRPr>
-                </a:lvl7pPr>
-                <a:lvl8pPr marL="3429000" indent="-228600" eaLnBrk="0" fontAlgn="base" hangingPunct="0">
-                  <a:spcBef>
-                    <a:spcPct val="20000"/>
-                  </a:spcBef>
-                  <a:spcAft>
-                    <a:spcPct val="0"/>
-                  </a:spcAft>
-                  <a:buClr>
-                    <a:schemeClr val="accent2"/>
-                  </a:buClr>
-                  <a:buSzPct val="80000"/>
-                  <a:buFont typeface="Wingdings" panose="05000000000000000000" pitchFamily="2" charset="2"/>
-                  <a:buChar char="§"/>
-                  <a:defRPr>
-                    <a:solidFill>
-                      <a:schemeClr val="tx1"/>
-                    </a:solidFill>
-                    <a:latin typeface="Times New Roman" panose="02020603050405020304" pitchFamily="18" charset="0"/>
-                    <a:ea typeface="宋体" panose="02010600030101010101" pitchFamily="2" charset="-122"/>
-                  </a:defRPr>
-                </a:lvl8pPr>
-                <a:lvl9pPr marL="3886200" indent="-228600" eaLnBrk="0" fontAlgn="base" hangingPunct="0">
-                  <a:spcBef>
-                    <a:spcPct val="20000"/>
-                  </a:spcBef>
-                  <a:spcAft>
-                    <a:spcPct val="0"/>
-                  </a:spcAft>
-                  <a:buClr>
-                    <a:schemeClr val="accent2"/>
-                  </a:buClr>
-                  <a:buSzPct val="80000"/>
-                  <a:buFont typeface="Wingdings" panose="05000000000000000000" pitchFamily="2" charset="2"/>
-                  <a:buChar char="§"/>
-                  <a:defRPr>
-                    <a:solidFill>
-                      <a:schemeClr val="tx1"/>
-                    </a:solidFill>
-                    <a:latin typeface="Times New Roman" panose="02020603050405020304" pitchFamily="18" charset="0"/>
-                    <a:ea typeface="宋体" panose="02010600030101010101" pitchFamily="2" charset="-122"/>
-                  </a:defRPr>
-                </a:lvl9pPr>
-              </a:lstStyle>
-              <a:p>
-                <a:pPr eaLnBrk="1" hangingPunct="1">
-                  <a:spcBef>
-                    <a:spcPct val="0"/>
-                  </a:spcBef>
-                  <a:buClrTx/>
-                  <a:buFont typeface="Arial" panose="020B0604020202020204" pitchFamily="34" charset="0"/>
-                  <a:buNone/>
-                </a:pPr>
-                <a:endParaRPr lang="zh-CN" altLang="en-US" sz="2000"/>
-              </a:p>
-            </p:txBody>
-          </p:sp>
-          <p:sp>
-            <p:nvSpPr>
-              <p:cNvPr id="11" name="Text Box 11"/>
-              <p:cNvSpPr txBox="1">
-                <a:spLocks noChangeArrowheads="1"/>
-              </p:cNvSpPr>
-              <p:nvPr/>
-            </p:nvSpPr>
-            <p:spPr bwMode="auto">
-              <a:xfrm>
-                <a:off x="-80" y="1203"/>
-                <a:ext cx="974" cy="403"/>
-              </a:xfrm>
-              <a:prstGeom prst="rect">
-                <a:avLst/>
-              </a:prstGeom>
-              <a:noFill/>
-              <a:ln>
-                <a:noFill/>
-              </a:ln>
-              <a:extLst>
-                <a:ext uri="{909E8E84-426E-40DD-AFC4-6F175D3DCCD1}">
-                  <a14:hiddenFill xmlns:a14="http://schemas.microsoft.com/office/drawing/2010/main">
-                    <a:solidFill>
-                      <a:srgbClr val="FFFFFF"/>
-                    </a:solidFill>
-                  </a14:hiddenFill>
-                </a:ext>
-                <a:ext uri="{91240B29-F687-4F45-9708-019B960494DF}">
-                  <a14:hiddenLine xmlns:a14="http://schemas.microsoft.com/office/drawing/2010/main" w="9525">
-                    <a:solidFill>
-                      <a:srgbClr val="000000"/>
-                    </a:solidFill>
-                    <a:miter lim="800000"/>
-                    <a:headEnd/>
-                    <a:tailEnd/>
-                  </a14:hiddenLine>
-                </a:ext>
-              </a:extLst>
-            </p:spPr>
-            <p:txBody>
-              <a:bodyPr wrap="none">
-                <a:spAutoFit/>
-              </a:bodyPr>
-              <a:lstStyle>
-                <a:lvl1pPr defTabSz="762000">
-                  <a:spcBef>
-                    <a:spcPct val="20000"/>
-                  </a:spcBef>
-                  <a:buClr>
-                    <a:schemeClr val="accent2"/>
-                  </a:buClr>
-                  <a:buFont typeface="Wingdings" panose="05000000000000000000" pitchFamily="2" charset="2"/>
-                  <a:buChar char="w"/>
-                  <a:defRPr sz="3200">
-                    <a:solidFill>
-                      <a:schemeClr val="tx1"/>
-                    </a:solidFill>
-                    <a:latin typeface="Times New Roman" panose="02020603050405020304" pitchFamily="18" charset="0"/>
-                    <a:ea typeface="宋体" panose="02010600030101010101" pitchFamily="2" charset="-122"/>
-                  </a:defRPr>
-                </a:lvl1pPr>
-                <a:lvl2pPr marL="742950" indent="-285750" defTabSz="762000">
-                  <a:spcBef>
-                    <a:spcPct val="20000"/>
-                  </a:spcBef>
-                  <a:buClr>
-                    <a:schemeClr val="accent2"/>
-                  </a:buClr>
-                  <a:buSzPct val="55000"/>
-                  <a:buFont typeface="Wingdings" panose="05000000000000000000" pitchFamily="2" charset="2"/>
-                  <a:buChar char="n"/>
-                  <a:defRPr sz="2800">
-                    <a:solidFill>
-                      <a:schemeClr val="tx1"/>
-                    </a:solidFill>
-                    <a:latin typeface="Times New Roman" panose="02020603050405020304" pitchFamily="18" charset="0"/>
-                    <a:ea typeface="宋体" panose="02010600030101010101" pitchFamily="2" charset="-122"/>
-                  </a:defRPr>
-                </a:lvl2pPr>
-                <a:lvl3pPr marL="1143000" indent="-228600" defTabSz="762000">
-                  <a:spcBef>
-                    <a:spcPct val="20000"/>
-                  </a:spcBef>
-                  <a:buClr>
-                    <a:schemeClr val="accent2"/>
-                  </a:buClr>
-                  <a:buSzPct val="65000"/>
-                  <a:buFont typeface="Wingdings" panose="05000000000000000000" pitchFamily="2" charset="2"/>
-                  <a:buChar char="l"/>
-                  <a:defRPr sz="2400">
-                    <a:solidFill>
-                      <a:schemeClr val="tx1"/>
-                    </a:solidFill>
-                    <a:latin typeface="Times New Roman" panose="02020603050405020304" pitchFamily="18" charset="0"/>
-                    <a:ea typeface="宋体" panose="02010600030101010101" pitchFamily="2" charset="-122"/>
-                  </a:defRPr>
-                </a:lvl3pPr>
-                <a:lvl4pPr marL="1600200" indent="-228600" defTabSz="762000">
-                  <a:spcBef>
-                    <a:spcPct val="20000"/>
-                  </a:spcBef>
-                  <a:buClr>
-                    <a:schemeClr val="accent2"/>
-                  </a:buClr>
-                  <a:buSzPct val="85000"/>
-                  <a:buFont typeface="Wingdings" panose="05000000000000000000" pitchFamily="2" charset="2"/>
-                  <a:buChar char="w"/>
-                  <a:defRPr sz="2000">
-                    <a:solidFill>
-                      <a:schemeClr val="tx1"/>
-                    </a:solidFill>
-                    <a:latin typeface="Times New Roman" panose="02020603050405020304" pitchFamily="18" charset="0"/>
-                    <a:ea typeface="宋体" panose="02010600030101010101" pitchFamily="2" charset="-122"/>
-                  </a:defRPr>
-                </a:lvl4pPr>
-                <a:lvl5pPr marL="2057400" indent="-228600" defTabSz="762000">
-                  <a:spcBef>
-                    <a:spcPct val="20000"/>
-                  </a:spcBef>
-                  <a:buClr>
-                    <a:schemeClr val="accent2"/>
-                  </a:buClr>
-                  <a:buSzPct val="80000"/>
-                  <a:buFont typeface="Wingdings" panose="05000000000000000000" pitchFamily="2" charset="2"/>
-                  <a:buChar char="§"/>
-                  <a:defRPr>
-                    <a:solidFill>
-                      <a:schemeClr val="tx1"/>
-                    </a:solidFill>
-                    <a:latin typeface="Times New Roman" panose="02020603050405020304" pitchFamily="18" charset="0"/>
-                    <a:ea typeface="宋体" panose="02010600030101010101" pitchFamily="2" charset="-122"/>
-                  </a:defRPr>
-                </a:lvl5pPr>
-                <a:lvl6pPr marL="2514600" indent="-228600" defTabSz="762000" eaLnBrk="0" fontAlgn="base" hangingPunct="0">
-                  <a:spcBef>
-                    <a:spcPct val="20000"/>
-                  </a:spcBef>
-                  <a:spcAft>
-                    <a:spcPct val="0"/>
-                  </a:spcAft>
-                  <a:buClr>
-                    <a:schemeClr val="accent2"/>
-                  </a:buClr>
-                  <a:buSzPct val="80000"/>
-                  <a:buFont typeface="Wingdings" panose="05000000000000000000" pitchFamily="2" charset="2"/>
-                  <a:buChar char="§"/>
-                  <a:defRPr>
-                    <a:solidFill>
-                      <a:schemeClr val="tx1"/>
-                    </a:solidFill>
-                    <a:latin typeface="Times New Roman" panose="02020603050405020304" pitchFamily="18" charset="0"/>
-                    <a:ea typeface="宋体" panose="02010600030101010101" pitchFamily="2" charset="-122"/>
-                  </a:defRPr>
-                </a:lvl6pPr>
-                <a:lvl7pPr marL="2971800" indent="-228600" defTabSz="762000" eaLnBrk="0" fontAlgn="base" hangingPunct="0">
-                  <a:spcBef>
-                    <a:spcPct val="20000"/>
-                  </a:spcBef>
-                  <a:spcAft>
-                    <a:spcPct val="0"/>
-                  </a:spcAft>
-                  <a:buClr>
-                    <a:schemeClr val="accent2"/>
-                  </a:buClr>
-                  <a:buSzPct val="80000"/>
-                  <a:buFont typeface="Wingdings" panose="05000000000000000000" pitchFamily="2" charset="2"/>
-                  <a:buChar char="§"/>
-                  <a:defRPr>
-                    <a:solidFill>
-                      <a:schemeClr val="tx1"/>
-                    </a:solidFill>
-                    <a:latin typeface="Times New Roman" panose="02020603050405020304" pitchFamily="18" charset="0"/>
-                    <a:ea typeface="宋体" panose="02010600030101010101" pitchFamily="2" charset="-122"/>
-                  </a:defRPr>
-                </a:lvl7pPr>
-                <a:lvl8pPr marL="3429000" indent="-228600" defTabSz="762000" eaLnBrk="0" fontAlgn="base" hangingPunct="0">
-                  <a:spcBef>
-                    <a:spcPct val="20000"/>
-                  </a:spcBef>
-                  <a:spcAft>
-                    <a:spcPct val="0"/>
-                  </a:spcAft>
-                  <a:buClr>
-                    <a:schemeClr val="accent2"/>
-                  </a:buClr>
-                  <a:buSzPct val="80000"/>
-                  <a:buFont typeface="Wingdings" panose="05000000000000000000" pitchFamily="2" charset="2"/>
-                  <a:buChar char="§"/>
-                  <a:defRPr>
-                    <a:solidFill>
-                      <a:schemeClr val="tx1"/>
-                    </a:solidFill>
-                    <a:latin typeface="Times New Roman" panose="02020603050405020304" pitchFamily="18" charset="0"/>
-                    <a:ea typeface="宋体" panose="02010600030101010101" pitchFamily="2" charset="-122"/>
-                  </a:defRPr>
-                </a:lvl8pPr>
-                <a:lvl9pPr marL="3886200" indent="-228600" defTabSz="762000" eaLnBrk="0" fontAlgn="base" hangingPunct="0">
-                  <a:spcBef>
-                    <a:spcPct val="20000"/>
-                  </a:spcBef>
-                  <a:spcAft>
-                    <a:spcPct val="0"/>
-                  </a:spcAft>
-                  <a:buClr>
-                    <a:schemeClr val="accent2"/>
-                  </a:buClr>
-                  <a:buSzPct val="80000"/>
-                  <a:buFont typeface="Wingdings" panose="05000000000000000000" pitchFamily="2" charset="2"/>
-                  <a:buChar char="§"/>
-                  <a:defRPr>
-                    <a:solidFill>
-                      <a:schemeClr val="tx1"/>
-                    </a:solidFill>
-                    <a:latin typeface="Times New Roman" panose="02020603050405020304" pitchFamily="18" charset="0"/>
-                    <a:ea typeface="宋体" panose="02010600030101010101" pitchFamily="2" charset="-122"/>
-                  </a:defRPr>
-                </a:lvl9pPr>
-              </a:lstStyle>
-              <a:p>
-                <a:pPr>
-                  <a:spcBef>
-                    <a:spcPct val="0"/>
-                  </a:spcBef>
-                  <a:buClrTx/>
-                  <a:buFont typeface="Arial" panose="020B0604020202020204" pitchFamily="34" charset="0"/>
-                  <a:buNone/>
-                </a:pPr>
-                <a:r>
-                  <a:rPr lang="en-US" altLang="zh-CN" sz="2333" b="1" dirty="0">
-                    <a:solidFill>
-                      <a:srgbClr val="0000FF"/>
-                    </a:solidFill>
-                  </a:rPr>
-                  <a:t>Input</a:t>
-                </a:r>
-              </a:p>
-            </p:txBody>
-          </p:sp>
-          <p:sp>
-            <p:nvSpPr>
-              <p:cNvPr id="12" name="Text Box 13"/>
-              <p:cNvSpPr txBox="1">
-                <a:spLocks noChangeArrowheads="1"/>
-              </p:cNvSpPr>
-              <p:nvPr/>
-            </p:nvSpPr>
-            <p:spPr bwMode="auto">
-              <a:xfrm>
-                <a:off x="2597" y="1217"/>
-                <a:ext cx="1206" cy="403"/>
-              </a:xfrm>
-              <a:prstGeom prst="rect">
-                <a:avLst/>
-              </a:prstGeom>
-              <a:noFill/>
-              <a:ln>
-                <a:noFill/>
-              </a:ln>
-              <a:extLst>
-                <a:ext uri="{909E8E84-426E-40DD-AFC4-6F175D3DCCD1}">
-                  <a14:hiddenFill xmlns:a14="http://schemas.microsoft.com/office/drawing/2010/main">
-                    <a:solidFill>
-                      <a:srgbClr val="FFFFFF"/>
-                    </a:solidFill>
-                  </a14:hiddenFill>
-                </a:ext>
-                <a:ext uri="{91240B29-F687-4F45-9708-019B960494DF}">
-                  <a14:hiddenLine xmlns:a14="http://schemas.microsoft.com/office/drawing/2010/main" w="9525">
-                    <a:solidFill>
-                      <a:srgbClr val="000000"/>
-                    </a:solidFill>
-                    <a:miter lim="800000"/>
-                    <a:headEnd/>
-                    <a:tailEnd/>
-                  </a14:hiddenLine>
-                </a:ext>
-              </a:extLst>
-            </p:spPr>
-            <p:txBody>
-              <a:bodyPr wrap="none">
-                <a:spAutoFit/>
-              </a:bodyPr>
-              <a:lstStyle>
-                <a:lvl1pPr defTabSz="762000">
-                  <a:spcBef>
-                    <a:spcPct val="20000"/>
-                  </a:spcBef>
-                  <a:buClr>
-                    <a:schemeClr val="accent2"/>
-                  </a:buClr>
-                  <a:buFont typeface="Wingdings" panose="05000000000000000000" pitchFamily="2" charset="2"/>
-                  <a:buChar char="w"/>
-                  <a:defRPr sz="3200">
-                    <a:solidFill>
-                      <a:schemeClr val="tx1"/>
-                    </a:solidFill>
-                    <a:latin typeface="Times New Roman" panose="02020603050405020304" pitchFamily="18" charset="0"/>
-                    <a:ea typeface="宋体" panose="02010600030101010101" pitchFamily="2" charset="-122"/>
-                  </a:defRPr>
-                </a:lvl1pPr>
-                <a:lvl2pPr marL="742950" indent="-285750" defTabSz="762000">
-                  <a:spcBef>
-                    <a:spcPct val="20000"/>
-                  </a:spcBef>
-                  <a:buClr>
-                    <a:schemeClr val="accent2"/>
-                  </a:buClr>
-                  <a:buSzPct val="55000"/>
-                  <a:buFont typeface="Wingdings" panose="05000000000000000000" pitchFamily="2" charset="2"/>
-                  <a:buChar char="n"/>
-                  <a:defRPr sz="2800">
-                    <a:solidFill>
-                      <a:schemeClr val="tx1"/>
-                    </a:solidFill>
-                    <a:latin typeface="Times New Roman" panose="02020603050405020304" pitchFamily="18" charset="0"/>
-                    <a:ea typeface="宋体" panose="02010600030101010101" pitchFamily="2" charset="-122"/>
-                  </a:defRPr>
-                </a:lvl2pPr>
-                <a:lvl3pPr marL="1143000" indent="-228600" defTabSz="762000">
-                  <a:spcBef>
-                    <a:spcPct val="20000"/>
-                  </a:spcBef>
-                  <a:buClr>
-                    <a:schemeClr val="accent2"/>
-                  </a:buClr>
-                  <a:buSzPct val="65000"/>
-                  <a:buFont typeface="Wingdings" panose="05000000000000000000" pitchFamily="2" charset="2"/>
-                  <a:buChar char="l"/>
-                  <a:defRPr sz="2400">
-                    <a:solidFill>
-                      <a:schemeClr val="tx1"/>
-                    </a:solidFill>
-                    <a:latin typeface="Times New Roman" panose="02020603050405020304" pitchFamily="18" charset="0"/>
-                    <a:ea typeface="宋体" panose="02010600030101010101" pitchFamily="2" charset="-122"/>
-                  </a:defRPr>
-                </a:lvl3pPr>
-                <a:lvl4pPr marL="1600200" indent="-228600" defTabSz="762000">
-                  <a:spcBef>
-                    <a:spcPct val="20000"/>
-                  </a:spcBef>
-                  <a:buClr>
-                    <a:schemeClr val="accent2"/>
-                  </a:buClr>
-                  <a:buSzPct val="85000"/>
-                  <a:buFont typeface="Wingdings" panose="05000000000000000000" pitchFamily="2" charset="2"/>
-                  <a:buChar char="w"/>
-                  <a:defRPr sz="2000">
-                    <a:solidFill>
-                      <a:schemeClr val="tx1"/>
-                    </a:solidFill>
-                    <a:latin typeface="Times New Roman" panose="02020603050405020304" pitchFamily="18" charset="0"/>
-                    <a:ea typeface="宋体" panose="02010600030101010101" pitchFamily="2" charset="-122"/>
-                  </a:defRPr>
-                </a:lvl4pPr>
-                <a:lvl5pPr marL="2057400" indent="-228600" defTabSz="762000">
-                  <a:spcBef>
-                    <a:spcPct val="20000"/>
-                  </a:spcBef>
-                  <a:buClr>
-                    <a:schemeClr val="accent2"/>
-                  </a:buClr>
-                  <a:buSzPct val="80000"/>
-                  <a:buFont typeface="Wingdings" panose="05000000000000000000" pitchFamily="2" charset="2"/>
-                  <a:buChar char="§"/>
-                  <a:defRPr>
-                    <a:solidFill>
-                      <a:schemeClr val="tx1"/>
-                    </a:solidFill>
-                    <a:latin typeface="Times New Roman" panose="02020603050405020304" pitchFamily="18" charset="0"/>
-                    <a:ea typeface="宋体" panose="02010600030101010101" pitchFamily="2" charset="-122"/>
-                  </a:defRPr>
-                </a:lvl5pPr>
-                <a:lvl6pPr marL="2514600" indent="-228600" defTabSz="762000" eaLnBrk="0" fontAlgn="base" hangingPunct="0">
-                  <a:spcBef>
-                    <a:spcPct val="20000"/>
-                  </a:spcBef>
-                  <a:spcAft>
-                    <a:spcPct val="0"/>
-                  </a:spcAft>
-                  <a:buClr>
-                    <a:schemeClr val="accent2"/>
-                  </a:buClr>
-                  <a:buSzPct val="80000"/>
-                  <a:buFont typeface="Wingdings" panose="05000000000000000000" pitchFamily="2" charset="2"/>
-                  <a:buChar char="§"/>
-                  <a:defRPr>
-                    <a:solidFill>
-                      <a:schemeClr val="tx1"/>
-                    </a:solidFill>
-                    <a:latin typeface="Times New Roman" panose="02020603050405020304" pitchFamily="18" charset="0"/>
-                    <a:ea typeface="宋体" panose="02010600030101010101" pitchFamily="2" charset="-122"/>
-                  </a:defRPr>
-                </a:lvl6pPr>
-                <a:lvl7pPr marL="2971800" indent="-228600" defTabSz="762000" eaLnBrk="0" fontAlgn="base" hangingPunct="0">
-                  <a:spcBef>
-                    <a:spcPct val="20000"/>
-                  </a:spcBef>
-                  <a:spcAft>
-                    <a:spcPct val="0"/>
-                  </a:spcAft>
-                  <a:buClr>
-                    <a:schemeClr val="accent2"/>
-                  </a:buClr>
-                  <a:buSzPct val="80000"/>
-                  <a:buFont typeface="Wingdings" panose="05000000000000000000" pitchFamily="2" charset="2"/>
-                  <a:buChar char="§"/>
-                  <a:defRPr>
-                    <a:solidFill>
-                      <a:schemeClr val="tx1"/>
-                    </a:solidFill>
-                    <a:latin typeface="Times New Roman" panose="02020603050405020304" pitchFamily="18" charset="0"/>
-                    <a:ea typeface="宋体" panose="02010600030101010101" pitchFamily="2" charset="-122"/>
-                  </a:defRPr>
-                </a:lvl7pPr>
-                <a:lvl8pPr marL="3429000" indent="-228600" defTabSz="762000" eaLnBrk="0" fontAlgn="base" hangingPunct="0">
-                  <a:spcBef>
-                    <a:spcPct val="20000"/>
-                  </a:spcBef>
-                  <a:spcAft>
-                    <a:spcPct val="0"/>
-                  </a:spcAft>
-                  <a:buClr>
-                    <a:schemeClr val="accent2"/>
-                  </a:buClr>
-                  <a:buSzPct val="80000"/>
-                  <a:buFont typeface="Wingdings" panose="05000000000000000000" pitchFamily="2" charset="2"/>
-                  <a:buChar char="§"/>
-                  <a:defRPr>
-                    <a:solidFill>
-                      <a:schemeClr val="tx1"/>
-                    </a:solidFill>
-                    <a:latin typeface="Times New Roman" panose="02020603050405020304" pitchFamily="18" charset="0"/>
-                    <a:ea typeface="宋体" panose="02010600030101010101" pitchFamily="2" charset="-122"/>
-                  </a:defRPr>
-                </a:lvl8pPr>
-                <a:lvl9pPr marL="3886200" indent="-228600" defTabSz="762000" eaLnBrk="0" fontAlgn="base" hangingPunct="0">
-                  <a:spcBef>
-                    <a:spcPct val="20000"/>
-                  </a:spcBef>
-                  <a:spcAft>
-                    <a:spcPct val="0"/>
-                  </a:spcAft>
-                  <a:buClr>
-                    <a:schemeClr val="accent2"/>
-                  </a:buClr>
-                  <a:buSzPct val="80000"/>
-                  <a:buFont typeface="Wingdings" panose="05000000000000000000" pitchFamily="2" charset="2"/>
-                  <a:buChar char="§"/>
-                  <a:defRPr>
-                    <a:solidFill>
-                      <a:schemeClr val="tx1"/>
-                    </a:solidFill>
-                    <a:latin typeface="Times New Roman" panose="02020603050405020304" pitchFamily="18" charset="0"/>
-                    <a:ea typeface="宋体" panose="02010600030101010101" pitchFamily="2" charset="-122"/>
-                  </a:defRPr>
-                </a:lvl9pPr>
-              </a:lstStyle>
-              <a:p>
-                <a:pPr>
-                  <a:spcBef>
-                    <a:spcPct val="0"/>
-                  </a:spcBef>
-                  <a:buClrTx/>
-                  <a:buFont typeface="Arial" panose="020B0604020202020204" pitchFamily="34" charset="0"/>
-                  <a:buNone/>
-                </a:pPr>
-                <a:r>
-                  <a:rPr lang="en-US" altLang="zh-CN" sz="2333" b="1" dirty="0">
-                    <a:solidFill>
-                      <a:srgbClr val="0000FF"/>
-                    </a:solidFill>
-                  </a:rPr>
-                  <a:t>Output</a:t>
-                </a:r>
-              </a:p>
-            </p:txBody>
-          </p:sp>
-        </p:grpSp>
-      </p:grpSp>
-    </p:spTree>
-    <p:extLst>
-      <p:ext uri="{BB962C8B-B14F-4D97-AF65-F5344CB8AC3E}">
-        <p14:creationId xmlns:p14="http://schemas.microsoft.com/office/powerpoint/2010/main" val="4013394096"/>
-      </p:ext>
-    </p:extLst>
-  </p:cSld>
-  <p:clrMapOvr>
-    <a:masterClrMapping/>
-  </p:clrMapOvr>
-</p:sld>
-</file>
-
-<file path=ppt/slides/slide58.xml><?xml version="1.0" encoding="utf-8"?>
-<p:sld xmlns:a="http://schemas.openxmlformats.org/drawingml/2006/main" xmlns:r="http://schemas.openxmlformats.org/officeDocument/2006/relationships" xmlns:p="http://schemas.openxmlformats.org/presentationml/2006/main">
-  <p:cSld>
-    <p:spTree>
-      <p:nvGrpSpPr>
-        <p:cNvPr id="1" name=""/>
-        <p:cNvGrpSpPr/>
-        <p:nvPr/>
-      </p:nvGrpSpPr>
-      <p:grpSpPr>
-        <a:xfrm>
-          <a:off x="0" y="0"/>
-          <a:ext cx="0" cy="0"/>
-          <a:chOff x="0" y="0"/>
-          <a:chExt cx="0" cy="0"/>
-        </a:xfrm>
-      </p:grpSpPr>
-      <p:grpSp>
-        <p:nvGrpSpPr>
-          <p:cNvPr id="2" name="组合 1">
-            <a:extLst>
-              <a:ext uri="{FF2B5EF4-FFF2-40B4-BE49-F238E27FC236}">
-                <a16:creationId xmlns:a16="http://schemas.microsoft.com/office/drawing/2014/main" id="{63C20F98-FF06-42C7-9664-83294458A984}"/>
-              </a:ext>
-            </a:extLst>
-          </p:cNvPr>
-          <p:cNvGrpSpPr/>
-          <p:nvPr/>
-        </p:nvGrpSpPr>
-        <p:grpSpPr>
-          <a:xfrm>
-            <a:off x="1403648" y="2696858"/>
-            <a:ext cx="6946378" cy="2745211"/>
-            <a:chOff x="1403648" y="2696858"/>
-            <a:chExt cx="6946378" cy="2745211"/>
-          </a:xfrm>
-        </p:grpSpPr>
-        <p:grpSp>
-          <p:nvGrpSpPr>
-            <p:cNvPr id="33" name="组合 32"/>
-            <p:cNvGrpSpPr/>
-            <p:nvPr/>
-          </p:nvGrpSpPr>
-          <p:grpSpPr>
-            <a:xfrm>
-              <a:off x="1403648" y="2708920"/>
-              <a:ext cx="2977444" cy="2733149"/>
-              <a:chOff x="939188" y="1782957"/>
-              <a:chExt cx="2977444" cy="2733149"/>
-            </a:xfrm>
-          </p:grpSpPr>
-          <p:sp>
-            <p:nvSpPr>
-              <p:cNvPr id="4" name="AutoShape 4"/>
-              <p:cNvSpPr>
-                <a:spLocks noChangeArrowheads="1"/>
-              </p:cNvSpPr>
-              <p:nvPr/>
-            </p:nvSpPr>
-            <p:spPr bwMode="auto">
-              <a:xfrm>
-                <a:off x="939188" y="1782957"/>
-                <a:ext cx="2977444" cy="2733149"/>
-              </a:xfrm>
-              <a:prstGeom prst="cube">
-                <a:avLst>
-                  <a:gd name="adj" fmla="val 25000"/>
-                </a:avLst>
-              </a:prstGeom>
-              <a:ln>
-                <a:headEnd/>
-                <a:tailEnd/>
-              </a:ln>
-              <a:extLst/>
-            </p:spPr>
-            <p:style>
-              <a:lnRef idx="2">
-                <a:schemeClr val="accent3"/>
-              </a:lnRef>
-              <a:fillRef idx="1">
-                <a:schemeClr val="lt1"/>
-              </a:fillRef>
-              <a:effectRef idx="0">
-                <a:schemeClr val="accent3"/>
-              </a:effectRef>
-              <a:fontRef idx="minor">
-                <a:schemeClr val="dk1"/>
-              </a:fontRef>
-            </p:style>
-            <p:txBody>
-              <a:bodyPr wrap="none" anchor="ctr"/>
-              <a:lstStyle>
-                <a:lvl1pPr>
-                  <a:spcBef>
-                    <a:spcPct val="20000"/>
-                  </a:spcBef>
-                  <a:buClr>
-                    <a:schemeClr val="accent2"/>
-                  </a:buClr>
-                  <a:buFont typeface="Wingdings" panose="05000000000000000000" pitchFamily="2" charset="2"/>
-                  <a:buChar char="w"/>
-                  <a:defRPr sz="3200">
-                    <a:solidFill>
-                      <a:schemeClr val="tx1"/>
-                    </a:solidFill>
-                    <a:latin typeface="Times New Roman" panose="02020603050405020304" pitchFamily="18" charset="0"/>
-                    <a:ea typeface="宋体" panose="02010600030101010101" pitchFamily="2" charset="-122"/>
-                  </a:defRPr>
-                </a:lvl1pPr>
-                <a:lvl2pPr marL="742950" indent="-285750">
-                  <a:spcBef>
-                    <a:spcPct val="20000"/>
-                  </a:spcBef>
-                  <a:buClr>
-                    <a:schemeClr val="accent2"/>
-                  </a:buClr>
-                  <a:buSzPct val="55000"/>
-                  <a:buFont typeface="Wingdings" panose="05000000000000000000" pitchFamily="2" charset="2"/>
-                  <a:buChar char="n"/>
-                  <a:defRPr sz="2800">
-                    <a:solidFill>
-                      <a:schemeClr val="tx1"/>
-                    </a:solidFill>
-                    <a:latin typeface="Times New Roman" panose="02020603050405020304" pitchFamily="18" charset="0"/>
-                    <a:ea typeface="宋体" panose="02010600030101010101" pitchFamily="2" charset="-122"/>
-                  </a:defRPr>
-                </a:lvl2pPr>
-                <a:lvl3pPr marL="1143000" indent="-228600">
-                  <a:spcBef>
-                    <a:spcPct val="20000"/>
-                  </a:spcBef>
-                  <a:buClr>
-                    <a:schemeClr val="accent2"/>
-                  </a:buClr>
-                  <a:buSzPct val="65000"/>
-                  <a:buFont typeface="Wingdings" panose="05000000000000000000" pitchFamily="2" charset="2"/>
-                  <a:buChar char="l"/>
-                  <a:defRPr sz="2400">
-                    <a:solidFill>
-                      <a:schemeClr val="tx1"/>
-                    </a:solidFill>
-                    <a:latin typeface="Times New Roman" panose="02020603050405020304" pitchFamily="18" charset="0"/>
-                    <a:ea typeface="宋体" panose="02010600030101010101" pitchFamily="2" charset="-122"/>
-                  </a:defRPr>
-                </a:lvl3pPr>
-                <a:lvl4pPr marL="1600200" indent="-228600">
-                  <a:spcBef>
-                    <a:spcPct val="20000"/>
-                  </a:spcBef>
-                  <a:buClr>
-                    <a:schemeClr val="accent2"/>
-                  </a:buClr>
-                  <a:buSzPct val="85000"/>
-                  <a:buFont typeface="Wingdings" panose="05000000000000000000" pitchFamily="2" charset="2"/>
-                  <a:buChar char="w"/>
-                  <a:defRPr sz="2000">
-                    <a:solidFill>
-                      <a:schemeClr val="tx1"/>
-                    </a:solidFill>
-                    <a:latin typeface="Times New Roman" panose="02020603050405020304" pitchFamily="18" charset="0"/>
-                    <a:ea typeface="宋体" panose="02010600030101010101" pitchFamily="2" charset="-122"/>
-                  </a:defRPr>
-                </a:lvl4pPr>
-                <a:lvl5pPr marL="2057400" indent="-228600">
-                  <a:spcBef>
-                    <a:spcPct val="20000"/>
-                  </a:spcBef>
-                  <a:buClr>
-                    <a:schemeClr val="accent2"/>
-                  </a:buClr>
-                  <a:buSzPct val="80000"/>
-                  <a:buFont typeface="Wingdings" panose="05000000000000000000" pitchFamily="2" charset="2"/>
-                  <a:buChar char="§"/>
-                  <a:defRPr>
-                    <a:solidFill>
-                      <a:schemeClr val="tx1"/>
-                    </a:solidFill>
-                    <a:latin typeface="Times New Roman" panose="02020603050405020304" pitchFamily="18" charset="0"/>
-                    <a:ea typeface="宋体" panose="02010600030101010101" pitchFamily="2" charset="-122"/>
-                  </a:defRPr>
-                </a:lvl5pPr>
-                <a:lvl6pPr marL="2514600" indent="-228600" eaLnBrk="0" fontAlgn="base" hangingPunct="0">
-                  <a:spcBef>
-                    <a:spcPct val="20000"/>
-                  </a:spcBef>
-                  <a:spcAft>
-                    <a:spcPct val="0"/>
-                  </a:spcAft>
-                  <a:buClr>
-                    <a:schemeClr val="accent2"/>
-                  </a:buClr>
-                  <a:buSzPct val="80000"/>
-                  <a:buFont typeface="Wingdings" panose="05000000000000000000" pitchFamily="2" charset="2"/>
-                  <a:buChar char="§"/>
-                  <a:defRPr>
-                    <a:solidFill>
-                      <a:schemeClr val="tx1"/>
-                    </a:solidFill>
-                    <a:latin typeface="Times New Roman" panose="02020603050405020304" pitchFamily="18" charset="0"/>
-                    <a:ea typeface="宋体" panose="02010600030101010101" pitchFamily="2" charset="-122"/>
-                  </a:defRPr>
-                </a:lvl6pPr>
-                <a:lvl7pPr marL="2971800" indent="-228600" eaLnBrk="0" fontAlgn="base" hangingPunct="0">
-                  <a:spcBef>
-                    <a:spcPct val="20000"/>
-                  </a:spcBef>
-                  <a:spcAft>
-                    <a:spcPct val="0"/>
-                  </a:spcAft>
-                  <a:buClr>
-                    <a:schemeClr val="accent2"/>
-                  </a:buClr>
-                  <a:buSzPct val="80000"/>
-                  <a:buFont typeface="Wingdings" panose="05000000000000000000" pitchFamily="2" charset="2"/>
-                  <a:buChar char="§"/>
-                  <a:defRPr>
-                    <a:solidFill>
-                      <a:schemeClr val="tx1"/>
-                    </a:solidFill>
-                    <a:latin typeface="Times New Roman" panose="02020603050405020304" pitchFamily="18" charset="0"/>
-                    <a:ea typeface="宋体" panose="02010600030101010101" pitchFamily="2" charset="-122"/>
-                  </a:defRPr>
-                </a:lvl7pPr>
-                <a:lvl8pPr marL="3429000" indent="-228600" eaLnBrk="0" fontAlgn="base" hangingPunct="0">
-                  <a:spcBef>
-                    <a:spcPct val="20000"/>
-                  </a:spcBef>
-                  <a:spcAft>
-                    <a:spcPct val="0"/>
-                  </a:spcAft>
-                  <a:buClr>
-                    <a:schemeClr val="accent2"/>
-                  </a:buClr>
-                  <a:buSzPct val="80000"/>
-                  <a:buFont typeface="Wingdings" panose="05000000000000000000" pitchFamily="2" charset="2"/>
-                  <a:buChar char="§"/>
-                  <a:defRPr>
-                    <a:solidFill>
-                      <a:schemeClr val="tx1"/>
-                    </a:solidFill>
-                    <a:latin typeface="Times New Roman" panose="02020603050405020304" pitchFamily="18" charset="0"/>
-                    <a:ea typeface="宋体" panose="02010600030101010101" pitchFamily="2" charset="-122"/>
-                  </a:defRPr>
-                </a:lvl8pPr>
-                <a:lvl9pPr marL="3886200" indent="-228600" eaLnBrk="0" fontAlgn="base" hangingPunct="0">
-                  <a:spcBef>
-                    <a:spcPct val="20000"/>
-                  </a:spcBef>
-                  <a:spcAft>
-                    <a:spcPct val="0"/>
-                  </a:spcAft>
-                  <a:buClr>
-                    <a:schemeClr val="accent2"/>
-                  </a:buClr>
-                  <a:buSzPct val="80000"/>
-                  <a:buFont typeface="Wingdings" panose="05000000000000000000" pitchFamily="2" charset="2"/>
-                  <a:buChar char="§"/>
-                  <a:defRPr>
-                    <a:solidFill>
-                      <a:schemeClr val="tx1"/>
-                    </a:solidFill>
-                    <a:latin typeface="Times New Roman" panose="02020603050405020304" pitchFamily="18" charset="0"/>
-                    <a:ea typeface="宋体" panose="02010600030101010101" pitchFamily="2" charset="-122"/>
-                  </a:defRPr>
-                </a:lvl9pPr>
-              </a:lstStyle>
-              <a:p>
-                <a:pPr eaLnBrk="1" hangingPunct="1">
-                  <a:spcBef>
-                    <a:spcPct val="0"/>
-                  </a:spcBef>
-                  <a:buClrTx/>
-                  <a:buFont typeface="Arial" panose="020B0604020202020204" pitchFamily="34" charset="0"/>
-                  <a:buNone/>
-                </a:pPr>
-                <a:endParaRPr lang="zh-CN" altLang="en-US" sz="2000"/>
-              </a:p>
-            </p:txBody>
-          </p:sp>
-          <p:grpSp>
-            <p:nvGrpSpPr>
-              <p:cNvPr id="5" name="Group 5"/>
-              <p:cNvGrpSpPr>
-                <a:grpSpLocks/>
-              </p:cNvGrpSpPr>
-              <p:nvPr/>
-            </p:nvGrpSpPr>
-            <p:grpSpPr bwMode="auto">
-              <a:xfrm>
-                <a:off x="1547664" y="2569468"/>
-                <a:ext cx="1283692" cy="1800200"/>
-                <a:chOff x="0" y="0"/>
-                <a:chExt cx="1680" cy="2160"/>
-              </a:xfrm>
-            </p:grpSpPr>
-            <p:grpSp>
-              <p:nvGrpSpPr>
-                <p:cNvPr id="6" name="Group 6"/>
-                <p:cNvGrpSpPr>
-                  <a:grpSpLocks/>
-                </p:cNvGrpSpPr>
-                <p:nvPr/>
-              </p:nvGrpSpPr>
-              <p:grpSpPr bwMode="auto">
-                <a:xfrm>
-                  <a:off x="0" y="0"/>
-                  <a:ext cx="1536" cy="2160"/>
-                  <a:chOff x="0" y="0"/>
-                  <a:chExt cx="1536" cy="2160"/>
-                </a:xfrm>
-              </p:grpSpPr>
-              <p:sp>
-                <p:nvSpPr>
-                  <p:cNvPr id="10" name="Rectangle 7"/>
-                  <p:cNvSpPr>
-                    <a:spLocks noChangeArrowheads="1"/>
-                  </p:cNvSpPr>
-                  <p:nvPr/>
-                </p:nvSpPr>
-                <p:spPr bwMode="auto">
-                  <a:xfrm>
-                    <a:off x="600" y="288"/>
-                    <a:ext cx="384" cy="192"/>
-                  </a:xfrm>
-                  <a:prstGeom prst="rect">
-                    <a:avLst/>
-                  </a:prstGeom>
-                  <a:ln>
-                    <a:headEnd/>
-                    <a:tailEnd/>
-                  </a:ln>
-                </p:spPr>
-                <p:style>
-                  <a:lnRef idx="2">
-                    <a:schemeClr val="accent2"/>
-                  </a:lnRef>
-                  <a:fillRef idx="1">
-                    <a:schemeClr val="lt1"/>
-                  </a:fillRef>
-                  <a:effectRef idx="0">
-                    <a:schemeClr val="accent2"/>
-                  </a:effectRef>
-                  <a:fontRef idx="minor">
-                    <a:schemeClr val="dk1"/>
-                  </a:fontRef>
-                </p:style>
-                <p:txBody>
-                  <a:bodyPr wrap="none" anchor="ctr"/>
-                  <a:lstStyle>
-                    <a:lvl1pPr defTabSz="762000">
-                      <a:spcBef>
-                        <a:spcPct val="20000"/>
-                      </a:spcBef>
-                      <a:buClr>
-                        <a:schemeClr val="accent2"/>
-                      </a:buClr>
-                      <a:buFont typeface="Wingdings" panose="05000000000000000000" pitchFamily="2" charset="2"/>
-                      <a:buChar char="w"/>
-                      <a:defRPr sz="3200">
-                        <a:solidFill>
-                          <a:schemeClr val="tx1"/>
-                        </a:solidFill>
-                        <a:latin typeface="Times New Roman" panose="02020603050405020304" pitchFamily="18" charset="0"/>
-                        <a:ea typeface="宋体" panose="02010600030101010101" pitchFamily="2" charset="-122"/>
-                      </a:defRPr>
-                    </a:lvl1pPr>
-                    <a:lvl2pPr marL="742950" indent="-285750" defTabSz="762000">
-                      <a:spcBef>
-                        <a:spcPct val="20000"/>
-                      </a:spcBef>
-                      <a:buClr>
-                        <a:schemeClr val="accent2"/>
-                      </a:buClr>
-                      <a:buSzPct val="55000"/>
-                      <a:buFont typeface="Wingdings" panose="05000000000000000000" pitchFamily="2" charset="2"/>
-                      <a:buChar char="n"/>
-                      <a:defRPr sz="2800">
-                        <a:solidFill>
-                          <a:schemeClr val="tx1"/>
-                        </a:solidFill>
-                        <a:latin typeface="Times New Roman" panose="02020603050405020304" pitchFamily="18" charset="0"/>
-                        <a:ea typeface="宋体" panose="02010600030101010101" pitchFamily="2" charset="-122"/>
-                      </a:defRPr>
-                    </a:lvl2pPr>
-                    <a:lvl3pPr marL="1143000" indent="-228600" defTabSz="762000">
-                      <a:spcBef>
-                        <a:spcPct val="20000"/>
-                      </a:spcBef>
-                      <a:buClr>
-                        <a:schemeClr val="accent2"/>
-                      </a:buClr>
-                      <a:buSzPct val="65000"/>
-                      <a:buFont typeface="Wingdings" panose="05000000000000000000" pitchFamily="2" charset="2"/>
-                      <a:buChar char="l"/>
-                      <a:defRPr sz="2400">
-                        <a:solidFill>
-                          <a:schemeClr val="tx1"/>
-                        </a:solidFill>
-                        <a:latin typeface="Times New Roman" panose="02020603050405020304" pitchFamily="18" charset="0"/>
-                        <a:ea typeface="宋体" panose="02010600030101010101" pitchFamily="2" charset="-122"/>
-                      </a:defRPr>
-                    </a:lvl3pPr>
-                    <a:lvl4pPr marL="1600200" indent="-228600" defTabSz="762000">
-                      <a:spcBef>
-                        <a:spcPct val="20000"/>
-                      </a:spcBef>
-                      <a:buClr>
-                        <a:schemeClr val="accent2"/>
-                      </a:buClr>
-                      <a:buSzPct val="85000"/>
-                      <a:buFont typeface="Wingdings" panose="05000000000000000000" pitchFamily="2" charset="2"/>
-                      <a:buChar char="w"/>
-                      <a:defRPr sz="2000">
-                        <a:solidFill>
-                          <a:schemeClr val="tx1"/>
-                        </a:solidFill>
-                        <a:latin typeface="Times New Roman" panose="02020603050405020304" pitchFamily="18" charset="0"/>
-                        <a:ea typeface="宋体" panose="02010600030101010101" pitchFamily="2" charset="-122"/>
-                      </a:defRPr>
-                    </a:lvl4pPr>
-                    <a:lvl5pPr marL="2057400" indent="-228600" defTabSz="762000">
-                      <a:spcBef>
-                        <a:spcPct val="20000"/>
-                      </a:spcBef>
-                      <a:buClr>
-                        <a:schemeClr val="accent2"/>
-                      </a:buClr>
-                      <a:buSzPct val="80000"/>
-                      <a:buFont typeface="Wingdings" panose="05000000000000000000" pitchFamily="2" charset="2"/>
-                      <a:buChar char="§"/>
-                      <a:defRPr>
-                        <a:solidFill>
-                          <a:schemeClr val="tx1"/>
-                        </a:solidFill>
-                        <a:latin typeface="Times New Roman" panose="02020603050405020304" pitchFamily="18" charset="0"/>
-                        <a:ea typeface="宋体" panose="02010600030101010101" pitchFamily="2" charset="-122"/>
-                      </a:defRPr>
-                    </a:lvl5pPr>
-                    <a:lvl6pPr marL="2514600" indent="-228600" defTabSz="762000" eaLnBrk="0" fontAlgn="base" hangingPunct="0">
-                      <a:spcBef>
-                        <a:spcPct val="20000"/>
-                      </a:spcBef>
-                      <a:spcAft>
-                        <a:spcPct val="0"/>
-                      </a:spcAft>
-                      <a:buClr>
-                        <a:schemeClr val="accent2"/>
-                      </a:buClr>
-                      <a:buSzPct val="80000"/>
-                      <a:buFont typeface="Wingdings" panose="05000000000000000000" pitchFamily="2" charset="2"/>
-                      <a:buChar char="§"/>
-                      <a:defRPr>
-                        <a:solidFill>
-                          <a:schemeClr val="tx1"/>
-                        </a:solidFill>
-                        <a:latin typeface="Times New Roman" panose="02020603050405020304" pitchFamily="18" charset="0"/>
-                        <a:ea typeface="宋体" panose="02010600030101010101" pitchFamily="2" charset="-122"/>
-                      </a:defRPr>
-                    </a:lvl6pPr>
-                    <a:lvl7pPr marL="2971800" indent="-228600" defTabSz="762000" eaLnBrk="0" fontAlgn="base" hangingPunct="0">
-                      <a:spcBef>
-                        <a:spcPct val="20000"/>
-                      </a:spcBef>
-                      <a:spcAft>
-                        <a:spcPct val="0"/>
-                      </a:spcAft>
-                      <a:buClr>
-                        <a:schemeClr val="accent2"/>
-                      </a:buClr>
-                      <a:buSzPct val="80000"/>
-                      <a:buFont typeface="Wingdings" panose="05000000000000000000" pitchFamily="2" charset="2"/>
-                      <a:buChar char="§"/>
-                      <a:defRPr>
-                        <a:solidFill>
-                          <a:schemeClr val="tx1"/>
-                        </a:solidFill>
-                        <a:latin typeface="Times New Roman" panose="02020603050405020304" pitchFamily="18" charset="0"/>
-                        <a:ea typeface="宋体" panose="02010600030101010101" pitchFamily="2" charset="-122"/>
-                      </a:defRPr>
-                    </a:lvl7pPr>
-                    <a:lvl8pPr marL="3429000" indent="-228600" defTabSz="762000" eaLnBrk="0" fontAlgn="base" hangingPunct="0">
-                      <a:spcBef>
-                        <a:spcPct val="20000"/>
-                      </a:spcBef>
-                      <a:spcAft>
-                        <a:spcPct val="0"/>
-                      </a:spcAft>
-                      <a:buClr>
-                        <a:schemeClr val="accent2"/>
-                      </a:buClr>
-                      <a:buSzPct val="80000"/>
-                      <a:buFont typeface="Wingdings" panose="05000000000000000000" pitchFamily="2" charset="2"/>
-                      <a:buChar char="§"/>
-                      <a:defRPr>
-                        <a:solidFill>
-                          <a:schemeClr val="tx1"/>
-                        </a:solidFill>
-                        <a:latin typeface="Times New Roman" panose="02020603050405020304" pitchFamily="18" charset="0"/>
-                        <a:ea typeface="宋体" panose="02010600030101010101" pitchFamily="2" charset="-122"/>
-                      </a:defRPr>
-                    </a:lvl8pPr>
-                    <a:lvl9pPr marL="3886200" indent="-228600" defTabSz="762000" eaLnBrk="0" fontAlgn="base" hangingPunct="0">
-                      <a:spcBef>
-                        <a:spcPct val="20000"/>
-                      </a:spcBef>
-                      <a:spcAft>
-                        <a:spcPct val="0"/>
-                      </a:spcAft>
-                      <a:buClr>
-                        <a:schemeClr val="accent2"/>
-                      </a:buClr>
-                      <a:buSzPct val="80000"/>
-                      <a:buFont typeface="Wingdings" panose="05000000000000000000" pitchFamily="2" charset="2"/>
-                      <a:buChar char="§"/>
-                      <a:defRPr>
-                        <a:solidFill>
-                          <a:schemeClr val="tx1"/>
-                        </a:solidFill>
-                        <a:latin typeface="Times New Roman" panose="02020603050405020304" pitchFamily="18" charset="0"/>
-                        <a:ea typeface="宋体" panose="02010600030101010101" pitchFamily="2" charset="-122"/>
-                      </a:defRPr>
-                    </a:lvl9pPr>
-                  </a:lstStyle>
-                  <a:p>
-                    <a:pPr algn="ctr">
-                      <a:spcBef>
-                        <a:spcPct val="0"/>
-                      </a:spcBef>
-                      <a:buClrTx/>
-                      <a:buFont typeface="Arial" panose="020B0604020202020204" pitchFamily="34" charset="0"/>
-                      <a:buNone/>
-                    </a:pPr>
-                    <a:endParaRPr lang="en-CA" altLang="en-US" sz="1167"/>
-                  </a:p>
-                </p:txBody>
-              </p:sp>
-              <p:sp>
-                <p:nvSpPr>
-                  <p:cNvPr id="11" name="AutoShape 8"/>
-                  <p:cNvSpPr>
-                    <a:spLocks noChangeArrowheads="1"/>
-                  </p:cNvSpPr>
-                  <p:nvPr/>
-                </p:nvSpPr>
-                <p:spPr bwMode="auto">
-                  <a:xfrm>
-                    <a:off x="696" y="0"/>
-                    <a:ext cx="192" cy="192"/>
-                  </a:xfrm>
-                  <a:prstGeom prst="flowChartConnector">
-                    <a:avLst/>
-                  </a:prstGeom>
-                  <a:ln>
-                    <a:headEnd/>
-                    <a:tailEnd/>
-                  </a:ln>
-                </p:spPr>
-                <p:style>
-                  <a:lnRef idx="2">
-                    <a:schemeClr val="accent2"/>
-                  </a:lnRef>
-                  <a:fillRef idx="1">
-                    <a:schemeClr val="lt1"/>
-                  </a:fillRef>
-                  <a:effectRef idx="0">
-                    <a:schemeClr val="accent2"/>
-                  </a:effectRef>
-                  <a:fontRef idx="minor">
-                    <a:schemeClr val="dk1"/>
-                  </a:fontRef>
-                </p:style>
-                <p:txBody>
-                  <a:bodyPr wrap="none" anchor="ctr"/>
-                  <a:lstStyle>
-                    <a:lvl1pPr>
-                      <a:spcBef>
-                        <a:spcPct val="20000"/>
-                      </a:spcBef>
-                      <a:buClr>
-                        <a:schemeClr val="accent2"/>
-                      </a:buClr>
-                      <a:buFont typeface="Wingdings" panose="05000000000000000000" pitchFamily="2" charset="2"/>
-                      <a:buChar char="w"/>
-                      <a:defRPr sz="3200">
-                        <a:solidFill>
-                          <a:schemeClr val="tx1"/>
-                        </a:solidFill>
-                        <a:latin typeface="Times New Roman" panose="02020603050405020304" pitchFamily="18" charset="0"/>
-                        <a:ea typeface="宋体" panose="02010600030101010101" pitchFamily="2" charset="-122"/>
-                      </a:defRPr>
-                    </a:lvl1pPr>
-                    <a:lvl2pPr marL="742950" indent="-285750">
-                      <a:spcBef>
-                        <a:spcPct val="20000"/>
-                      </a:spcBef>
-                      <a:buClr>
-                        <a:schemeClr val="accent2"/>
-                      </a:buClr>
-                      <a:buSzPct val="55000"/>
-                      <a:buFont typeface="Wingdings" panose="05000000000000000000" pitchFamily="2" charset="2"/>
-                      <a:buChar char="n"/>
-                      <a:defRPr sz="2800">
-                        <a:solidFill>
-                          <a:schemeClr val="tx1"/>
-                        </a:solidFill>
-                        <a:latin typeface="Times New Roman" panose="02020603050405020304" pitchFamily="18" charset="0"/>
-                        <a:ea typeface="宋体" panose="02010600030101010101" pitchFamily="2" charset="-122"/>
-                      </a:defRPr>
-                    </a:lvl2pPr>
-                    <a:lvl3pPr marL="1143000" indent="-228600">
-                      <a:spcBef>
-                        <a:spcPct val="20000"/>
-                      </a:spcBef>
-                      <a:buClr>
-                        <a:schemeClr val="accent2"/>
-                      </a:buClr>
-                      <a:buSzPct val="65000"/>
-                      <a:buFont typeface="Wingdings" panose="05000000000000000000" pitchFamily="2" charset="2"/>
-                      <a:buChar char="l"/>
-                      <a:defRPr sz="2400">
-                        <a:solidFill>
-                          <a:schemeClr val="tx1"/>
-                        </a:solidFill>
-                        <a:latin typeface="Times New Roman" panose="02020603050405020304" pitchFamily="18" charset="0"/>
-                        <a:ea typeface="宋体" panose="02010600030101010101" pitchFamily="2" charset="-122"/>
-                      </a:defRPr>
-                    </a:lvl3pPr>
-                    <a:lvl4pPr marL="1600200" indent="-228600">
-                      <a:spcBef>
-                        <a:spcPct val="20000"/>
-                      </a:spcBef>
-                      <a:buClr>
-                        <a:schemeClr val="accent2"/>
-                      </a:buClr>
-                      <a:buSzPct val="85000"/>
-                      <a:buFont typeface="Wingdings" panose="05000000000000000000" pitchFamily="2" charset="2"/>
-                      <a:buChar char="w"/>
-                      <a:defRPr sz="2000">
-                        <a:solidFill>
-                          <a:schemeClr val="tx1"/>
-                        </a:solidFill>
-                        <a:latin typeface="Times New Roman" panose="02020603050405020304" pitchFamily="18" charset="0"/>
-                        <a:ea typeface="宋体" panose="02010600030101010101" pitchFamily="2" charset="-122"/>
-                      </a:defRPr>
-                    </a:lvl4pPr>
-                    <a:lvl5pPr marL="2057400" indent="-228600">
-                      <a:spcBef>
-                        <a:spcPct val="20000"/>
-                      </a:spcBef>
-                      <a:buClr>
-                        <a:schemeClr val="accent2"/>
-                      </a:buClr>
-                      <a:buSzPct val="80000"/>
-                      <a:buFont typeface="Wingdings" panose="05000000000000000000" pitchFamily="2" charset="2"/>
-                      <a:buChar char="§"/>
-                      <a:defRPr>
-                        <a:solidFill>
-                          <a:schemeClr val="tx1"/>
-                        </a:solidFill>
-                        <a:latin typeface="Times New Roman" panose="02020603050405020304" pitchFamily="18" charset="0"/>
-                        <a:ea typeface="宋体" panose="02010600030101010101" pitchFamily="2" charset="-122"/>
-                      </a:defRPr>
-                    </a:lvl5pPr>
-                    <a:lvl6pPr marL="2514600" indent="-228600" eaLnBrk="0" fontAlgn="base" hangingPunct="0">
-                      <a:spcBef>
-                        <a:spcPct val="20000"/>
-                      </a:spcBef>
-                      <a:spcAft>
-                        <a:spcPct val="0"/>
-                      </a:spcAft>
-                      <a:buClr>
-                        <a:schemeClr val="accent2"/>
-                      </a:buClr>
-                      <a:buSzPct val="80000"/>
-                      <a:buFont typeface="Wingdings" panose="05000000000000000000" pitchFamily="2" charset="2"/>
-                      <a:buChar char="§"/>
-                      <a:defRPr>
-                        <a:solidFill>
-                          <a:schemeClr val="tx1"/>
-                        </a:solidFill>
-                        <a:latin typeface="Times New Roman" panose="02020603050405020304" pitchFamily="18" charset="0"/>
-                        <a:ea typeface="宋体" panose="02010600030101010101" pitchFamily="2" charset="-122"/>
-                      </a:defRPr>
-                    </a:lvl6pPr>
-                    <a:lvl7pPr marL="2971800" indent="-228600" eaLnBrk="0" fontAlgn="base" hangingPunct="0">
-                      <a:spcBef>
-                        <a:spcPct val="20000"/>
-                      </a:spcBef>
-                      <a:spcAft>
-                        <a:spcPct val="0"/>
-                      </a:spcAft>
-                      <a:buClr>
-                        <a:schemeClr val="accent2"/>
-                      </a:buClr>
-                      <a:buSzPct val="80000"/>
-                      <a:buFont typeface="Wingdings" panose="05000000000000000000" pitchFamily="2" charset="2"/>
-                      <a:buChar char="§"/>
-                      <a:defRPr>
-                        <a:solidFill>
-                          <a:schemeClr val="tx1"/>
-                        </a:solidFill>
-                        <a:latin typeface="Times New Roman" panose="02020603050405020304" pitchFamily="18" charset="0"/>
-                        <a:ea typeface="宋体" panose="02010600030101010101" pitchFamily="2" charset="-122"/>
-                      </a:defRPr>
-                    </a:lvl7pPr>
-                    <a:lvl8pPr marL="3429000" indent="-228600" eaLnBrk="0" fontAlgn="base" hangingPunct="0">
-                      <a:spcBef>
-                        <a:spcPct val="20000"/>
-                      </a:spcBef>
-                      <a:spcAft>
-                        <a:spcPct val="0"/>
-                      </a:spcAft>
-                      <a:buClr>
-                        <a:schemeClr val="accent2"/>
-                      </a:buClr>
-                      <a:buSzPct val="80000"/>
-                      <a:buFont typeface="Wingdings" panose="05000000000000000000" pitchFamily="2" charset="2"/>
-                      <a:buChar char="§"/>
-                      <a:defRPr>
-                        <a:solidFill>
-                          <a:schemeClr val="tx1"/>
-                        </a:solidFill>
-                        <a:latin typeface="Times New Roman" panose="02020603050405020304" pitchFamily="18" charset="0"/>
-                        <a:ea typeface="宋体" panose="02010600030101010101" pitchFamily="2" charset="-122"/>
-                      </a:defRPr>
-                    </a:lvl8pPr>
-                    <a:lvl9pPr marL="3886200" indent="-228600" eaLnBrk="0" fontAlgn="base" hangingPunct="0">
-                      <a:spcBef>
-                        <a:spcPct val="20000"/>
-                      </a:spcBef>
-                      <a:spcAft>
-                        <a:spcPct val="0"/>
-                      </a:spcAft>
-                      <a:buClr>
-                        <a:schemeClr val="accent2"/>
-                      </a:buClr>
-                      <a:buSzPct val="80000"/>
-                      <a:buFont typeface="Wingdings" panose="05000000000000000000" pitchFamily="2" charset="2"/>
-                      <a:buChar char="§"/>
-                      <a:defRPr>
-                        <a:solidFill>
-                          <a:schemeClr val="tx1"/>
-                        </a:solidFill>
-                        <a:latin typeface="Times New Roman" panose="02020603050405020304" pitchFamily="18" charset="0"/>
-                        <a:ea typeface="宋体" panose="02010600030101010101" pitchFamily="2" charset="-122"/>
-                      </a:defRPr>
-                    </a:lvl9pPr>
-                  </a:lstStyle>
-                  <a:p>
-                    <a:pPr eaLnBrk="1" hangingPunct="1">
-                      <a:spcBef>
-                        <a:spcPct val="0"/>
-                      </a:spcBef>
-                      <a:buClrTx/>
-                      <a:buFont typeface="Arial" panose="020B0604020202020204" pitchFamily="34" charset="0"/>
-                      <a:buNone/>
-                    </a:pPr>
-                    <a:endParaRPr lang="zh-CN" altLang="en-US" sz="2000"/>
-                  </a:p>
-                </p:txBody>
-              </p:sp>
-              <p:sp>
-                <p:nvSpPr>
-                  <p:cNvPr id="12" name="AutoShape 9"/>
-                  <p:cNvSpPr>
-                    <a:spLocks noChangeArrowheads="1"/>
-                  </p:cNvSpPr>
-                  <p:nvPr/>
-                </p:nvSpPr>
-                <p:spPr bwMode="auto">
-                  <a:xfrm>
-                    <a:off x="576" y="576"/>
-                    <a:ext cx="432" cy="240"/>
-                  </a:xfrm>
-                  <a:prstGeom prst="flowChartDecision">
-                    <a:avLst/>
-                  </a:prstGeom>
-                  <a:ln>
-                    <a:headEnd/>
-                    <a:tailEnd/>
-                  </a:ln>
-                </p:spPr>
-                <p:style>
-                  <a:lnRef idx="2">
-                    <a:schemeClr val="accent2"/>
-                  </a:lnRef>
-                  <a:fillRef idx="1">
-                    <a:schemeClr val="lt1"/>
-                  </a:fillRef>
-                  <a:effectRef idx="0">
-                    <a:schemeClr val="accent2"/>
-                  </a:effectRef>
-                  <a:fontRef idx="minor">
-                    <a:schemeClr val="dk1"/>
-                  </a:fontRef>
-                </p:style>
-                <p:txBody>
-                  <a:bodyPr wrap="none" anchor="ctr"/>
-                  <a:lstStyle>
-                    <a:lvl1pPr>
-                      <a:spcBef>
-                        <a:spcPct val="20000"/>
-                      </a:spcBef>
-                      <a:buClr>
-                        <a:schemeClr val="accent2"/>
-                      </a:buClr>
-                      <a:buFont typeface="Wingdings" panose="05000000000000000000" pitchFamily="2" charset="2"/>
-                      <a:buChar char="w"/>
-                      <a:defRPr sz="3200">
-                        <a:solidFill>
-                          <a:schemeClr val="tx1"/>
-                        </a:solidFill>
-                        <a:latin typeface="Times New Roman" panose="02020603050405020304" pitchFamily="18" charset="0"/>
-                        <a:ea typeface="宋体" panose="02010600030101010101" pitchFamily="2" charset="-122"/>
-                      </a:defRPr>
-                    </a:lvl1pPr>
-                    <a:lvl2pPr marL="742950" indent="-285750">
-                      <a:spcBef>
-                        <a:spcPct val="20000"/>
-                      </a:spcBef>
-                      <a:buClr>
-                        <a:schemeClr val="accent2"/>
-                      </a:buClr>
-                      <a:buSzPct val="55000"/>
-                      <a:buFont typeface="Wingdings" panose="05000000000000000000" pitchFamily="2" charset="2"/>
-                      <a:buChar char="n"/>
-                      <a:defRPr sz="2800">
-                        <a:solidFill>
-                          <a:schemeClr val="tx1"/>
-                        </a:solidFill>
-                        <a:latin typeface="Times New Roman" panose="02020603050405020304" pitchFamily="18" charset="0"/>
-                        <a:ea typeface="宋体" panose="02010600030101010101" pitchFamily="2" charset="-122"/>
-                      </a:defRPr>
-                    </a:lvl2pPr>
-                    <a:lvl3pPr marL="1143000" indent="-228600">
-                      <a:spcBef>
-                        <a:spcPct val="20000"/>
-                      </a:spcBef>
-                      <a:buClr>
-                        <a:schemeClr val="accent2"/>
-                      </a:buClr>
-                      <a:buSzPct val="65000"/>
-                      <a:buFont typeface="Wingdings" panose="05000000000000000000" pitchFamily="2" charset="2"/>
-                      <a:buChar char="l"/>
-                      <a:defRPr sz="2400">
-                        <a:solidFill>
-                          <a:schemeClr val="tx1"/>
-                        </a:solidFill>
-                        <a:latin typeface="Times New Roman" panose="02020603050405020304" pitchFamily="18" charset="0"/>
-                        <a:ea typeface="宋体" panose="02010600030101010101" pitchFamily="2" charset="-122"/>
-                      </a:defRPr>
-                    </a:lvl3pPr>
-                    <a:lvl4pPr marL="1600200" indent="-228600">
-                      <a:spcBef>
-                        <a:spcPct val="20000"/>
-                      </a:spcBef>
-                      <a:buClr>
-                        <a:schemeClr val="accent2"/>
-                      </a:buClr>
-                      <a:buSzPct val="85000"/>
-                      <a:buFont typeface="Wingdings" panose="05000000000000000000" pitchFamily="2" charset="2"/>
-                      <a:buChar char="w"/>
-                      <a:defRPr sz="2000">
-                        <a:solidFill>
-                          <a:schemeClr val="tx1"/>
-                        </a:solidFill>
-                        <a:latin typeface="Times New Roman" panose="02020603050405020304" pitchFamily="18" charset="0"/>
-                        <a:ea typeface="宋体" panose="02010600030101010101" pitchFamily="2" charset="-122"/>
-                      </a:defRPr>
-                    </a:lvl4pPr>
-                    <a:lvl5pPr marL="2057400" indent="-228600">
-                      <a:spcBef>
-                        <a:spcPct val="20000"/>
-                      </a:spcBef>
-                      <a:buClr>
-                        <a:schemeClr val="accent2"/>
-                      </a:buClr>
-                      <a:buSzPct val="80000"/>
-                      <a:buFont typeface="Wingdings" panose="05000000000000000000" pitchFamily="2" charset="2"/>
-                      <a:buChar char="§"/>
-                      <a:defRPr>
-                        <a:solidFill>
-                          <a:schemeClr val="tx1"/>
-                        </a:solidFill>
-                        <a:latin typeface="Times New Roman" panose="02020603050405020304" pitchFamily="18" charset="0"/>
-                        <a:ea typeface="宋体" panose="02010600030101010101" pitchFamily="2" charset="-122"/>
-                      </a:defRPr>
-                    </a:lvl5pPr>
-                    <a:lvl6pPr marL="2514600" indent="-228600" eaLnBrk="0" fontAlgn="base" hangingPunct="0">
-                      <a:spcBef>
-                        <a:spcPct val="20000"/>
-                      </a:spcBef>
-                      <a:spcAft>
-                        <a:spcPct val="0"/>
-                      </a:spcAft>
-                      <a:buClr>
-                        <a:schemeClr val="accent2"/>
-                      </a:buClr>
-                      <a:buSzPct val="80000"/>
-                      <a:buFont typeface="Wingdings" panose="05000000000000000000" pitchFamily="2" charset="2"/>
-                      <a:buChar char="§"/>
-                      <a:defRPr>
-                        <a:solidFill>
-                          <a:schemeClr val="tx1"/>
-                        </a:solidFill>
-                        <a:latin typeface="Times New Roman" panose="02020603050405020304" pitchFamily="18" charset="0"/>
-                        <a:ea typeface="宋体" panose="02010600030101010101" pitchFamily="2" charset="-122"/>
-                      </a:defRPr>
-                    </a:lvl6pPr>
-                    <a:lvl7pPr marL="2971800" indent="-228600" eaLnBrk="0" fontAlgn="base" hangingPunct="0">
-                      <a:spcBef>
-                        <a:spcPct val="20000"/>
-                      </a:spcBef>
-                      <a:spcAft>
-                        <a:spcPct val="0"/>
-                      </a:spcAft>
-                      <a:buClr>
-                        <a:schemeClr val="accent2"/>
-                      </a:buClr>
-                      <a:buSzPct val="80000"/>
-                      <a:buFont typeface="Wingdings" panose="05000000000000000000" pitchFamily="2" charset="2"/>
-                      <a:buChar char="§"/>
-                      <a:defRPr>
-                        <a:solidFill>
-                          <a:schemeClr val="tx1"/>
-                        </a:solidFill>
-                        <a:latin typeface="Times New Roman" panose="02020603050405020304" pitchFamily="18" charset="0"/>
-                        <a:ea typeface="宋体" panose="02010600030101010101" pitchFamily="2" charset="-122"/>
-                      </a:defRPr>
-                    </a:lvl7pPr>
-                    <a:lvl8pPr marL="3429000" indent="-228600" eaLnBrk="0" fontAlgn="base" hangingPunct="0">
-                      <a:spcBef>
-                        <a:spcPct val="20000"/>
-                      </a:spcBef>
-                      <a:spcAft>
-                        <a:spcPct val="0"/>
-                      </a:spcAft>
-                      <a:buClr>
-                        <a:schemeClr val="accent2"/>
-                      </a:buClr>
-                      <a:buSzPct val="80000"/>
-                      <a:buFont typeface="Wingdings" panose="05000000000000000000" pitchFamily="2" charset="2"/>
-                      <a:buChar char="§"/>
-                      <a:defRPr>
-                        <a:solidFill>
-                          <a:schemeClr val="tx1"/>
-                        </a:solidFill>
-                        <a:latin typeface="Times New Roman" panose="02020603050405020304" pitchFamily="18" charset="0"/>
-                        <a:ea typeface="宋体" panose="02010600030101010101" pitchFamily="2" charset="-122"/>
-                      </a:defRPr>
-                    </a:lvl8pPr>
-                    <a:lvl9pPr marL="3886200" indent="-228600" eaLnBrk="0" fontAlgn="base" hangingPunct="0">
-                      <a:spcBef>
-                        <a:spcPct val="20000"/>
-                      </a:spcBef>
-                      <a:spcAft>
-                        <a:spcPct val="0"/>
-                      </a:spcAft>
-                      <a:buClr>
-                        <a:schemeClr val="accent2"/>
-                      </a:buClr>
-                      <a:buSzPct val="80000"/>
-                      <a:buFont typeface="Wingdings" panose="05000000000000000000" pitchFamily="2" charset="2"/>
-                      <a:buChar char="§"/>
-                      <a:defRPr>
-                        <a:solidFill>
-                          <a:schemeClr val="tx1"/>
-                        </a:solidFill>
-                        <a:latin typeface="Times New Roman" panose="02020603050405020304" pitchFamily="18" charset="0"/>
-                        <a:ea typeface="宋体" panose="02010600030101010101" pitchFamily="2" charset="-122"/>
-                      </a:defRPr>
-                    </a:lvl9pPr>
-                  </a:lstStyle>
-                  <a:p>
-                    <a:pPr eaLnBrk="1" hangingPunct="1">
-                      <a:spcBef>
-                        <a:spcPct val="0"/>
-                      </a:spcBef>
-                      <a:buClrTx/>
-                      <a:buFont typeface="Arial" panose="020B0604020202020204" pitchFamily="34" charset="0"/>
-                      <a:buNone/>
-                    </a:pPr>
-                    <a:endParaRPr lang="zh-CN" altLang="en-US" sz="2000"/>
-                  </a:p>
-                </p:txBody>
-              </p:sp>
-              <p:sp>
-                <p:nvSpPr>
-                  <p:cNvPr id="13" name="AutoShape 10"/>
-                  <p:cNvSpPr>
-                    <a:spLocks noChangeArrowheads="1"/>
-                  </p:cNvSpPr>
-                  <p:nvPr/>
-                </p:nvSpPr>
-                <p:spPr bwMode="auto">
-                  <a:xfrm>
-                    <a:off x="576" y="1632"/>
-                    <a:ext cx="432" cy="240"/>
-                  </a:xfrm>
-                  <a:prstGeom prst="flowChartDecision">
-                    <a:avLst/>
-                  </a:prstGeom>
-                  <a:ln>
-                    <a:headEnd/>
-                    <a:tailEnd/>
-                  </a:ln>
-                </p:spPr>
-                <p:style>
-                  <a:lnRef idx="2">
-                    <a:schemeClr val="accent2"/>
-                  </a:lnRef>
-                  <a:fillRef idx="1">
-                    <a:schemeClr val="lt1"/>
-                  </a:fillRef>
-                  <a:effectRef idx="0">
-                    <a:schemeClr val="accent2"/>
-                  </a:effectRef>
-                  <a:fontRef idx="minor">
-                    <a:schemeClr val="dk1"/>
-                  </a:fontRef>
-                </p:style>
-                <p:txBody>
-                  <a:bodyPr wrap="none" anchor="ctr"/>
-                  <a:lstStyle>
-                    <a:lvl1pPr>
-                      <a:spcBef>
-                        <a:spcPct val="20000"/>
-                      </a:spcBef>
-                      <a:buClr>
-                        <a:schemeClr val="accent2"/>
-                      </a:buClr>
-                      <a:buFont typeface="Wingdings" panose="05000000000000000000" pitchFamily="2" charset="2"/>
-                      <a:buChar char="w"/>
-                      <a:defRPr sz="3200">
-                        <a:solidFill>
-                          <a:schemeClr val="tx1"/>
-                        </a:solidFill>
-                        <a:latin typeface="Times New Roman" panose="02020603050405020304" pitchFamily="18" charset="0"/>
-                        <a:ea typeface="宋体" panose="02010600030101010101" pitchFamily="2" charset="-122"/>
-                      </a:defRPr>
-                    </a:lvl1pPr>
-                    <a:lvl2pPr marL="742950" indent="-285750">
-                      <a:spcBef>
-                        <a:spcPct val="20000"/>
-                      </a:spcBef>
-                      <a:buClr>
-                        <a:schemeClr val="accent2"/>
-                      </a:buClr>
-                      <a:buSzPct val="55000"/>
-                      <a:buFont typeface="Wingdings" panose="05000000000000000000" pitchFamily="2" charset="2"/>
-                      <a:buChar char="n"/>
-                      <a:defRPr sz="2800">
-                        <a:solidFill>
-                          <a:schemeClr val="tx1"/>
-                        </a:solidFill>
-                        <a:latin typeface="Times New Roman" panose="02020603050405020304" pitchFamily="18" charset="0"/>
-                        <a:ea typeface="宋体" panose="02010600030101010101" pitchFamily="2" charset="-122"/>
-                      </a:defRPr>
-                    </a:lvl2pPr>
-                    <a:lvl3pPr marL="1143000" indent="-228600">
-                      <a:spcBef>
-                        <a:spcPct val="20000"/>
-                      </a:spcBef>
-                      <a:buClr>
-                        <a:schemeClr val="accent2"/>
-                      </a:buClr>
-                      <a:buSzPct val="65000"/>
-                      <a:buFont typeface="Wingdings" panose="05000000000000000000" pitchFamily="2" charset="2"/>
-                      <a:buChar char="l"/>
-                      <a:defRPr sz="2400">
-                        <a:solidFill>
-                          <a:schemeClr val="tx1"/>
-                        </a:solidFill>
-                        <a:latin typeface="Times New Roman" panose="02020603050405020304" pitchFamily="18" charset="0"/>
-                        <a:ea typeface="宋体" panose="02010600030101010101" pitchFamily="2" charset="-122"/>
-                      </a:defRPr>
-                    </a:lvl3pPr>
-                    <a:lvl4pPr marL="1600200" indent="-228600">
-                      <a:spcBef>
-                        <a:spcPct val="20000"/>
-                      </a:spcBef>
-                      <a:buClr>
-                        <a:schemeClr val="accent2"/>
-                      </a:buClr>
-                      <a:buSzPct val="85000"/>
-                      <a:buFont typeface="Wingdings" panose="05000000000000000000" pitchFamily="2" charset="2"/>
-                      <a:buChar char="w"/>
-                      <a:defRPr sz="2000">
-                        <a:solidFill>
-                          <a:schemeClr val="tx1"/>
-                        </a:solidFill>
-                        <a:latin typeface="Times New Roman" panose="02020603050405020304" pitchFamily="18" charset="0"/>
-                        <a:ea typeface="宋体" panose="02010600030101010101" pitchFamily="2" charset="-122"/>
-                      </a:defRPr>
-                    </a:lvl4pPr>
-                    <a:lvl5pPr marL="2057400" indent="-228600">
-                      <a:spcBef>
-                        <a:spcPct val="20000"/>
-                      </a:spcBef>
-                      <a:buClr>
-                        <a:schemeClr val="accent2"/>
-                      </a:buClr>
-                      <a:buSzPct val="80000"/>
-                      <a:buFont typeface="Wingdings" panose="05000000000000000000" pitchFamily="2" charset="2"/>
-                      <a:buChar char="§"/>
-                      <a:defRPr>
-                        <a:solidFill>
-                          <a:schemeClr val="tx1"/>
-                        </a:solidFill>
-                        <a:latin typeface="Times New Roman" panose="02020603050405020304" pitchFamily="18" charset="0"/>
-                        <a:ea typeface="宋体" panose="02010600030101010101" pitchFamily="2" charset="-122"/>
-                      </a:defRPr>
-                    </a:lvl5pPr>
-                    <a:lvl6pPr marL="2514600" indent="-228600" eaLnBrk="0" fontAlgn="base" hangingPunct="0">
-                      <a:spcBef>
-                        <a:spcPct val="20000"/>
-                      </a:spcBef>
-                      <a:spcAft>
-                        <a:spcPct val="0"/>
-                      </a:spcAft>
-                      <a:buClr>
-                        <a:schemeClr val="accent2"/>
-                      </a:buClr>
-                      <a:buSzPct val="80000"/>
-                      <a:buFont typeface="Wingdings" panose="05000000000000000000" pitchFamily="2" charset="2"/>
-                      <a:buChar char="§"/>
-                      <a:defRPr>
-                        <a:solidFill>
-                          <a:schemeClr val="tx1"/>
-                        </a:solidFill>
-                        <a:latin typeface="Times New Roman" panose="02020603050405020304" pitchFamily="18" charset="0"/>
-                        <a:ea typeface="宋体" panose="02010600030101010101" pitchFamily="2" charset="-122"/>
-                      </a:defRPr>
-                    </a:lvl6pPr>
-                    <a:lvl7pPr marL="2971800" indent="-228600" eaLnBrk="0" fontAlgn="base" hangingPunct="0">
-                      <a:spcBef>
-                        <a:spcPct val="20000"/>
-                      </a:spcBef>
-                      <a:spcAft>
-                        <a:spcPct val="0"/>
-                      </a:spcAft>
-                      <a:buClr>
-                        <a:schemeClr val="accent2"/>
-                      </a:buClr>
-                      <a:buSzPct val="80000"/>
-                      <a:buFont typeface="Wingdings" panose="05000000000000000000" pitchFamily="2" charset="2"/>
-                      <a:buChar char="§"/>
-                      <a:defRPr>
-                        <a:solidFill>
-                          <a:schemeClr val="tx1"/>
-                        </a:solidFill>
-                        <a:latin typeface="Times New Roman" panose="02020603050405020304" pitchFamily="18" charset="0"/>
-                        <a:ea typeface="宋体" panose="02010600030101010101" pitchFamily="2" charset="-122"/>
-                      </a:defRPr>
-                    </a:lvl7pPr>
-                    <a:lvl8pPr marL="3429000" indent="-228600" eaLnBrk="0" fontAlgn="base" hangingPunct="0">
-                      <a:spcBef>
-                        <a:spcPct val="20000"/>
-                      </a:spcBef>
-                      <a:spcAft>
-                        <a:spcPct val="0"/>
-                      </a:spcAft>
-                      <a:buClr>
-                        <a:schemeClr val="accent2"/>
-                      </a:buClr>
-                      <a:buSzPct val="80000"/>
-                      <a:buFont typeface="Wingdings" panose="05000000000000000000" pitchFamily="2" charset="2"/>
-                      <a:buChar char="§"/>
-                      <a:defRPr>
-                        <a:solidFill>
-                          <a:schemeClr val="tx1"/>
-                        </a:solidFill>
-                        <a:latin typeface="Times New Roman" panose="02020603050405020304" pitchFamily="18" charset="0"/>
-                        <a:ea typeface="宋体" panose="02010600030101010101" pitchFamily="2" charset="-122"/>
-                      </a:defRPr>
-                    </a:lvl8pPr>
-                    <a:lvl9pPr marL="3886200" indent="-228600" eaLnBrk="0" fontAlgn="base" hangingPunct="0">
-                      <a:spcBef>
-                        <a:spcPct val="20000"/>
-                      </a:spcBef>
-                      <a:spcAft>
-                        <a:spcPct val="0"/>
-                      </a:spcAft>
-                      <a:buClr>
-                        <a:schemeClr val="accent2"/>
-                      </a:buClr>
-                      <a:buSzPct val="80000"/>
-                      <a:buFont typeface="Wingdings" panose="05000000000000000000" pitchFamily="2" charset="2"/>
-                      <a:buChar char="§"/>
-                      <a:defRPr>
-                        <a:solidFill>
-                          <a:schemeClr val="tx1"/>
-                        </a:solidFill>
-                        <a:latin typeface="Times New Roman" panose="02020603050405020304" pitchFamily="18" charset="0"/>
-                        <a:ea typeface="宋体" panose="02010600030101010101" pitchFamily="2" charset="-122"/>
-                      </a:defRPr>
-                    </a:lvl9pPr>
-                  </a:lstStyle>
-                  <a:p>
-                    <a:pPr eaLnBrk="1" hangingPunct="1">
-                      <a:spcBef>
-                        <a:spcPct val="0"/>
-                      </a:spcBef>
-                      <a:buClrTx/>
-                      <a:buFont typeface="Arial" panose="020B0604020202020204" pitchFamily="34" charset="0"/>
-                      <a:buNone/>
-                    </a:pPr>
-                    <a:endParaRPr lang="zh-CN" altLang="en-US" sz="2000"/>
-                  </a:p>
-                </p:txBody>
-              </p:sp>
-              <p:sp>
-                <p:nvSpPr>
-                  <p:cNvPr id="14" name="Rectangle 11"/>
-                  <p:cNvSpPr>
-                    <a:spLocks noChangeArrowheads="1"/>
-                  </p:cNvSpPr>
-                  <p:nvPr/>
-                </p:nvSpPr>
-                <p:spPr bwMode="auto">
-                  <a:xfrm>
-                    <a:off x="600" y="1344"/>
-                    <a:ext cx="384" cy="192"/>
-                  </a:xfrm>
-                  <a:prstGeom prst="rect">
-                    <a:avLst/>
-                  </a:prstGeom>
-                  <a:ln>
-                    <a:headEnd/>
-                    <a:tailEnd/>
-                  </a:ln>
-                </p:spPr>
-                <p:style>
-                  <a:lnRef idx="2">
-                    <a:schemeClr val="accent2"/>
-                  </a:lnRef>
-                  <a:fillRef idx="1">
-                    <a:schemeClr val="lt1"/>
-                  </a:fillRef>
-                  <a:effectRef idx="0">
-                    <a:schemeClr val="accent2"/>
-                  </a:effectRef>
-                  <a:fontRef idx="minor">
-                    <a:schemeClr val="dk1"/>
-                  </a:fontRef>
-                </p:style>
-                <p:txBody>
-                  <a:bodyPr wrap="none" anchor="ctr"/>
-                  <a:lstStyle>
-                    <a:lvl1pPr defTabSz="762000">
-                      <a:spcBef>
-                        <a:spcPct val="20000"/>
-                      </a:spcBef>
-                      <a:buClr>
-                        <a:schemeClr val="accent2"/>
-                      </a:buClr>
-                      <a:buFont typeface="Wingdings" panose="05000000000000000000" pitchFamily="2" charset="2"/>
-                      <a:buChar char="w"/>
-                      <a:defRPr sz="3200">
-                        <a:solidFill>
-                          <a:schemeClr val="tx1"/>
-                        </a:solidFill>
-                        <a:latin typeface="Times New Roman" panose="02020603050405020304" pitchFamily="18" charset="0"/>
-                        <a:ea typeface="宋体" panose="02010600030101010101" pitchFamily="2" charset="-122"/>
-                      </a:defRPr>
-                    </a:lvl1pPr>
-                    <a:lvl2pPr marL="742950" indent="-285750" defTabSz="762000">
-                      <a:spcBef>
-                        <a:spcPct val="20000"/>
-                      </a:spcBef>
-                      <a:buClr>
-                        <a:schemeClr val="accent2"/>
-                      </a:buClr>
-                      <a:buSzPct val="55000"/>
-                      <a:buFont typeface="Wingdings" panose="05000000000000000000" pitchFamily="2" charset="2"/>
-                      <a:buChar char="n"/>
-                      <a:defRPr sz="2800">
-                        <a:solidFill>
-                          <a:schemeClr val="tx1"/>
-                        </a:solidFill>
-                        <a:latin typeface="Times New Roman" panose="02020603050405020304" pitchFamily="18" charset="0"/>
-                        <a:ea typeface="宋体" panose="02010600030101010101" pitchFamily="2" charset="-122"/>
-                      </a:defRPr>
-                    </a:lvl2pPr>
-                    <a:lvl3pPr marL="1143000" indent="-228600" defTabSz="762000">
-                      <a:spcBef>
-                        <a:spcPct val="20000"/>
-                      </a:spcBef>
-                      <a:buClr>
-                        <a:schemeClr val="accent2"/>
-                      </a:buClr>
-                      <a:buSzPct val="65000"/>
-                      <a:buFont typeface="Wingdings" panose="05000000000000000000" pitchFamily="2" charset="2"/>
-                      <a:buChar char="l"/>
-                      <a:defRPr sz="2400">
-                        <a:solidFill>
-                          <a:schemeClr val="tx1"/>
-                        </a:solidFill>
-                        <a:latin typeface="Times New Roman" panose="02020603050405020304" pitchFamily="18" charset="0"/>
-                        <a:ea typeface="宋体" panose="02010600030101010101" pitchFamily="2" charset="-122"/>
-                      </a:defRPr>
-                    </a:lvl3pPr>
-                    <a:lvl4pPr marL="1600200" indent="-228600" defTabSz="762000">
-                      <a:spcBef>
-                        <a:spcPct val="20000"/>
-                      </a:spcBef>
-                      <a:buClr>
-                        <a:schemeClr val="accent2"/>
-                      </a:buClr>
-                      <a:buSzPct val="85000"/>
-                      <a:buFont typeface="Wingdings" panose="05000000000000000000" pitchFamily="2" charset="2"/>
-                      <a:buChar char="w"/>
-                      <a:defRPr sz="2000">
-                        <a:solidFill>
-                          <a:schemeClr val="tx1"/>
-                        </a:solidFill>
-                        <a:latin typeface="Times New Roman" panose="02020603050405020304" pitchFamily="18" charset="0"/>
-                        <a:ea typeface="宋体" panose="02010600030101010101" pitchFamily="2" charset="-122"/>
-                      </a:defRPr>
-                    </a:lvl4pPr>
-                    <a:lvl5pPr marL="2057400" indent="-228600" defTabSz="762000">
-                      <a:spcBef>
-                        <a:spcPct val="20000"/>
-                      </a:spcBef>
-                      <a:buClr>
-                        <a:schemeClr val="accent2"/>
-                      </a:buClr>
-                      <a:buSzPct val="80000"/>
-                      <a:buFont typeface="Wingdings" panose="05000000000000000000" pitchFamily="2" charset="2"/>
-                      <a:buChar char="§"/>
-                      <a:defRPr>
-                        <a:solidFill>
-                          <a:schemeClr val="tx1"/>
-                        </a:solidFill>
-                        <a:latin typeface="Times New Roman" panose="02020603050405020304" pitchFamily="18" charset="0"/>
-                        <a:ea typeface="宋体" panose="02010600030101010101" pitchFamily="2" charset="-122"/>
-                      </a:defRPr>
-                    </a:lvl5pPr>
-                    <a:lvl6pPr marL="2514600" indent="-228600" defTabSz="762000" eaLnBrk="0" fontAlgn="base" hangingPunct="0">
-                      <a:spcBef>
-                        <a:spcPct val="20000"/>
-                      </a:spcBef>
-                      <a:spcAft>
-                        <a:spcPct val="0"/>
-                      </a:spcAft>
-                      <a:buClr>
-                        <a:schemeClr val="accent2"/>
-                      </a:buClr>
-                      <a:buSzPct val="80000"/>
-                      <a:buFont typeface="Wingdings" panose="05000000000000000000" pitchFamily="2" charset="2"/>
-                      <a:buChar char="§"/>
-                      <a:defRPr>
-                        <a:solidFill>
-                          <a:schemeClr val="tx1"/>
-                        </a:solidFill>
-                        <a:latin typeface="Times New Roman" panose="02020603050405020304" pitchFamily="18" charset="0"/>
-                        <a:ea typeface="宋体" panose="02010600030101010101" pitchFamily="2" charset="-122"/>
-                      </a:defRPr>
-                    </a:lvl6pPr>
-                    <a:lvl7pPr marL="2971800" indent="-228600" defTabSz="762000" eaLnBrk="0" fontAlgn="base" hangingPunct="0">
-                      <a:spcBef>
-                        <a:spcPct val="20000"/>
-                      </a:spcBef>
-                      <a:spcAft>
-                        <a:spcPct val="0"/>
-                      </a:spcAft>
-                      <a:buClr>
-                        <a:schemeClr val="accent2"/>
-                      </a:buClr>
-                      <a:buSzPct val="80000"/>
-                      <a:buFont typeface="Wingdings" panose="05000000000000000000" pitchFamily="2" charset="2"/>
-                      <a:buChar char="§"/>
-                      <a:defRPr>
-                        <a:solidFill>
-                          <a:schemeClr val="tx1"/>
-                        </a:solidFill>
-                        <a:latin typeface="Times New Roman" panose="02020603050405020304" pitchFamily="18" charset="0"/>
-                        <a:ea typeface="宋体" panose="02010600030101010101" pitchFamily="2" charset="-122"/>
-                      </a:defRPr>
-                    </a:lvl7pPr>
-                    <a:lvl8pPr marL="3429000" indent="-228600" defTabSz="762000" eaLnBrk="0" fontAlgn="base" hangingPunct="0">
-                      <a:spcBef>
-                        <a:spcPct val="20000"/>
-                      </a:spcBef>
-                      <a:spcAft>
-                        <a:spcPct val="0"/>
-                      </a:spcAft>
-                      <a:buClr>
-                        <a:schemeClr val="accent2"/>
-                      </a:buClr>
-                      <a:buSzPct val="80000"/>
-                      <a:buFont typeface="Wingdings" panose="05000000000000000000" pitchFamily="2" charset="2"/>
-                      <a:buChar char="§"/>
-                      <a:defRPr>
-                        <a:solidFill>
-                          <a:schemeClr val="tx1"/>
-                        </a:solidFill>
-                        <a:latin typeface="Times New Roman" panose="02020603050405020304" pitchFamily="18" charset="0"/>
-                        <a:ea typeface="宋体" panose="02010600030101010101" pitchFamily="2" charset="-122"/>
-                      </a:defRPr>
-                    </a:lvl8pPr>
-                    <a:lvl9pPr marL="3886200" indent="-228600" defTabSz="762000" eaLnBrk="0" fontAlgn="base" hangingPunct="0">
-                      <a:spcBef>
-                        <a:spcPct val="20000"/>
-                      </a:spcBef>
-                      <a:spcAft>
-                        <a:spcPct val="0"/>
-                      </a:spcAft>
-                      <a:buClr>
-                        <a:schemeClr val="accent2"/>
-                      </a:buClr>
-                      <a:buSzPct val="80000"/>
-                      <a:buFont typeface="Wingdings" panose="05000000000000000000" pitchFamily="2" charset="2"/>
-                      <a:buChar char="§"/>
-                      <a:defRPr>
-                        <a:solidFill>
-                          <a:schemeClr val="tx1"/>
-                        </a:solidFill>
-                        <a:latin typeface="Times New Roman" panose="02020603050405020304" pitchFamily="18" charset="0"/>
-                        <a:ea typeface="宋体" panose="02010600030101010101" pitchFamily="2" charset="-122"/>
-                      </a:defRPr>
-                    </a:lvl9pPr>
-                  </a:lstStyle>
-                  <a:p>
-                    <a:pPr algn="ctr">
-                      <a:spcBef>
-                        <a:spcPct val="0"/>
-                      </a:spcBef>
-                      <a:buClrTx/>
-                      <a:buFont typeface="Arial" panose="020B0604020202020204" pitchFamily="34" charset="0"/>
-                      <a:buNone/>
-                    </a:pPr>
-                    <a:endParaRPr lang="en-CA" altLang="en-US" sz="1167"/>
-                  </a:p>
-                </p:txBody>
-              </p:sp>
-              <p:sp>
-                <p:nvSpPr>
-                  <p:cNvPr id="15" name="Rectangle 12"/>
-                  <p:cNvSpPr>
-                    <a:spLocks noChangeArrowheads="1"/>
-                  </p:cNvSpPr>
-                  <p:nvPr/>
-                </p:nvSpPr>
-                <p:spPr bwMode="auto">
-                  <a:xfrm>
-                    <a:off x="0" y="960"/>
-                    <a:ext cx="384" cy="192"/>
-                  </a:xfrm>
-                  <a:prstGeom prst="rect">
-                    <a:avLst/>
-                  </a:prstGeom>
-                  <a:ln>
-                    <a:headEnd/>
-                    <a:tailEnd/>
-                  </a:ln>
-                </p:spPr>
-                <p:style>
-                  <a:lnRef idx="2">
-                    <a:schemeClr val="accent2"/>
-                  </a:lnRef>
-                  <a:fillRef idx="1">
-                    <a:schemeClr val="lt1"/>
-                  </a:fillRef>
-                  <a:effectRef idx="0">
-                    <a:schemeClr val="accent2"/>
-                  </a:effectRef>
-                  <a:fontRef idx="minor">
-                    <a:schemeClr val="dk1"/>
-                  </a:fontRef>
-                </p:style>
-                <p:txBody>
-                  <a:bodyPr wrap="none" anchor="ctr"/>
-                  <a:lstStyle>
-                    <a:lvl1pPr defTabSz="762000">
-                      <a:spcBef>
-                        <a:spcPct val="20000"/>
-                      </a:spcBef>
-                      <a:buClr>
-                        <a:schemeClr val="accent2"/>
-                      </a:buClr>
-                      <a:buFont typeface="Wingdings" panose="05000000000000000000" pitchFamily="2" charset="2"/>
-                      <a:buChar char="w"/>
-                      <a:defRPr sz="3200">
-                        <a:solidFill>
-                          <a:schemeClr val="tx1"/>
-                        </a:solidFill>
-                        <a:latin typeface="Times New Roman" panose="02020603050405020304" pitchFamily="18" charset="0"/>
-                        <a:ea typeface="宋体" panose="02010600030101010101" pitchFamily="2" charset="-122"/>
-                      </a:defRPr>
-                    </a:lvl1pPr>
-                    <a:lvl2pPr marL="742950" indent="-285750" defTabSz="762000">
-                      <a:spcBef>
-                        <a:spcPct val="20000"/>
-                      </a:spcBef>
-                      <a:buClr>
-                        <a:schemeClr val="accent2"/>
-                      </a:buClr>
-                      <a:buSzPct val="55000"/>
-                      <a:buFont typeface="Wingdings" panose="05000000000000000000" pitchFamily="2" charset="2"/>
-                      <a:buChar char="n"/>
-                      <a:defRPr sz="2800">
-                        <a:solidFill>
-                          <a:schemeClr val="tx1"/>
-                        </a:solidFill>
-                        <a:latin typeface="Times New Roman" panose="02020603050405020304" pitchFamily="18" charset="0"/>
-                        <a:ea typeface="宋体" panose="02010600030101010101" pitchFamily="2" charset="-122"/>
-                      </a:defRPr>
-                    </a:lvl2pPr>
-                    <a:lvl3pPr marL="1143000" indent="-228600" defTabSz="762000">
-                      <a:spcBef>
-                        <a:spcPct val="20000"/>
-                      </a:spcBef>
-                      <a:buClr>
-                        <a:schemeClr val="accent2"/>
-                      </a:buClr>
-                      <a:buSzPct val="65000"/>
-                      <a:buFont typeface="Wingdings" panose="05000000000000000000" pitchFamily="2" charset="2"/>
-                      <a:buChar char="l"/>
-                      <a:defRPr sz="2400">
-                        <a:solidFill>
-                          <a:schemeClr val="tx1"/>
-                        </a:solidFill>
-                        <a:latin typeface="Times New Roman" panose="02020603050405020304" pitchFamily="18" charset="0"/>
-                        <a:ea typeface="宋体" panose="02010600030101010101" pitchFamily="2" charset="-122"/>
-                      </a:defRPr>
-                    </a:lvl3pPr>
-                    <a:lvl4pPr marL="1600200" indent="-228600" defTabSz="762000">
-                      <a:spcBef>
-                        <a:spcPct val="20000"/>
-                      </a:spcBef>
-                      <a:buClr>
-                        <a:schemeClr val="accent2"/>
-                      </a:buClr>
-                      <a:buSzPct val="85000"/>
-                      <a:buFont typeface="Wingdings" panose="05000000000000000000" pitchFamily="2" charset="2"/>
-                      <a:buChar char="w"/>
-                      <a:defRPr sz="2000">
-                        <a:solidFill>
-                          <a:schemeClr val="tx1"/>
-                        </a:solidFill>
-                        <a:latin typeface="Times New Roman" panose="02020603050405020304" pitchFamily="18" charset="0"/>
-                        <a:ea typeface="宋体" panose="02010600030101010101" pitchFamily="2" charset="-122"/>
-                      </a:defRPr>
-                    </a:lvl4pPr>
-                    <a:lvl5pPr marL="2057400" indent="-228600" defTabSz="762000">
-                      <a:spcBef>
-                        <a:spcPct val="20000"/>
-                      </a:spcBef>
-                      <a:buClr>
-                        <a:schemeClr val="accent2"/>
-                      </a:buClr>
-                      <a:buSzPct val="80000"/>
-                      <a:buFont typeface="Wingdings" panose="05000000000000000000" pitchFamily="2" charset="2"/>
-                      <a:buChar char="§"/>
-                      <a:defRPr>
-                        <a:solidFill>
-                          <a:schemeClr val="tx1"/>
-                        </a:solidFill>
-                        <a:latin typeface="Times New Roman" panose="02020603050405020304" pitchFamily="18" charset="0"/>
-                        <a:ea typeface="宋体" panose="02010600030101010101" pitchFamily="2" charset="-122"/>
-                      </a:defRPr>
-                    </a:lvl5pPr>
-                    <a:lvl6pPr marL="2514600" indent="-228600" defTabSz="762000" eaLnBrk="0" fontAlgn="base" hangingPunct="0">
-                      <a:spcBef>
-                        <a:spcPct val="20000"/>
-                      </a:spcBef>
-                      <a:spcAft>
-                        <a:spcPct val="0"/>
-                      </a:spcAft>
-                      <a:buClr>
-                        <a:schemeClr val="accent2"/>
-                      </a:buClr>
-                      <a:buSzPct val="80000"/>
-                      <a:buFont typeface="Wingdings" panose="05000000000000000000" pitchFamily="2" charset="2"/>
-                      <a:buChar char="§"/>
-                      <a:defRPr>
-                        <a:solidFill>
-                          <a:schemeClr val="tx1"/>
-                        </a:solidFill>
-                        <a:latin typeface="Times New Roman" panose="02020603050405020304" pitchFamily="18" charset="0"/>
-                        <a:ea typeface="宋体" panose="02010600030101010101" pitchFamily="2" charset="-122"/>
-                      </a:defRPr>
-                    </a:lvl6pPr>
-                    <a:lvl7pPr marL="2971800" indent="-228600" defTabSz="762000" eaLnBrk="0" fontAlgn="base" hangingPunct="0">
-                      <a:spcBef>
-                        <a:spcPct val="20000"/>
-                      </a:spcBef>
-                      <a:spcAft>
-                        <a:spcPct val="0"/>
-                      </a:spcAft>
-                      <a:buClr>
-                        <a:schemeClr val="accent2"/>
-                      </a:buClr>
-                      <a:buSzPct val="80000"/>
-                      <a:buFont typeface="Wingdings" panose="05000000000000000000" pitchFamily="2" charset="2"/>
-                      <a:buChar char="§"/>
-                      <a:defRPr>
-                        <a:solidFill>
-                          <a:schemeClr val="tx1"/>
-                        </a:solidFill>
-                        <a:latin typeface="Times New Roman" panose="02020603050405020304" pitchFamily="18" charset="0"/>
-                        <a:ea typeface="宋体" panose="02010600030101010101" pitchFamily="2" charset="-122"/>
-                      </a:defRPr>
-                    </a:lvl7pPr>
-                    <a:lvl8pPr marL="3429000" indent="-228600" defTabSz="762000" eaLnBrk="0" fontAlgn="base" hangingPunct="0">
-                      <a:spcBef>
-                        <a:spcPct val="20000"/>
-                      </a:spcBef>
-                      <a:spcAft>
-                        <a:spcPct val="0"/>
-                      </a:spcAft>
-                      <a:buClr>
-                        <a:schemeClr val="accent2"/>
-                      </a:buClr>
-                      <a:buSzPct val="80000"/>
-                      <a:buFont typeface="Wingdings" panose="05000000000000000000" pitchFamily="2" charset="2"/>
-                      <a:buChar char="§"/>
-                      <a:defRPr>
-                        <a:solidFill>
-                          <a:schemeClr val="tx1"/>
-                        </a:solidFill>
-                        <a:latin typeface="Times New Roman" panose="02020603050405020304" pitchFamily="18" charset="0"/>
-                        <a:ea typeface="宋体" panose="02010600030101010101" pitchFamily="2" charset="-122"/>
-                      </a:defRPr>
-                    </a:lvl8pPr>
-                    <a:lvl9pPr marL="3886200" indent="-228600" defTabSz="762000" eaLnBrk="0" fontAlgn="base" hangingPunct="0">
-                      <a:spcBef>
-                        <a:spcPct val="20000"/>
-                      </a:spcBef>
-                      <a:spcAft>
-                        <a:spcPct val="0"/>
-                      </a:spcAft>
-                      <a:buClr>
-                        <a:schemeClr val="accent2"/>
-                      </a:buClr>
-                      <a:buSzPct val="80000"/>
-                      <a:buFont typeface="Wingdings" panose="05000000000000000000" pitchFamily="2" charset="2"/>
-                      <a:buChar char="§"/>
-                      <a:defRPr>
-                        <a:solidFill>
-                          <a:schemeClr val="tx1"/>
-                        </a:solidFill>
-                        <a:latin typeface="Times New Roman" panose="02020603050405020304" pitchFamily="18" charset="0"/>
-                        <a:ea typeface="宋体" panose="02010600030101010101" pitchFamily="2" charset="-122"/>
-                      </a:defRPr>
-                    </a:lvl9pPr>
-                  </a:lstStyle>
-                  <a:p>
-                    <a:pPr algn="ctr">
-                      <a:spcBef>
-                        <a:spcPct val="0"/>
-                      </a:spcBef>
-                      <a:buClrTx/>
-                      <a:buFont typeface="Arial" panose="020B0604020202020204" pitchFamily="34" charset="0"/>
-                      <a:buNone/>
-                    </a:pPr>
-                    <a:endParaRPr lang="en-CA" altLang="en-US" sz="1167"/>
-                  </a:p>
-                </p:txBody>
-              </p:sp>
-              <p:sp>
-                <p:nvSpPr>
-                  <p:cNvPr id="16" name="Rectangle 13"/>
-                  <p:cNvSpPr>
-                    <a:spLocks noChangeArrowheads="1"/>
-                  </p:cNvSpPr>
-                  <p:nvPr/>
-                </p:nvSpPr>
-                <p:spPr bwMode="auto">
-                  <a:xfrm>
-                    <a:off x="1152" y="960"/>
-                    <a:ext cx="384" cy="192"/>
-                  </a:xfrm>
-                  <a:prstGeom prst="rect">
-                    <a:avLst/>
-                  </a:prstGeom>
-                  <a:ln>
-                    <a:headEnd/>
-                    <a:tailEnd/>
-                  </a:ln>
-                </p:spPr>
-                <p:style>
-                  <a:lnRef idx="2">
-                    <a:schemeClr val="accent2"/>
-                  </a:lnRef>
-                  <a:fillRef idx="1">
-                    <a:schemeClr val="lt1"/>
-                  </a:fillRef>
-                  <a:effectRef idx="0">
-                    <a:schemeClr val="accent2"/>
-                  </a:effectRef>
-                  <a:fontRef idx="minor">
-                    <a:schemeClr val="dk1"/>
-                  </a:fontRef>
-                </p:style>
-                <p:txBody>
-                  <a:bodyPr wrap="none" anchor="ctr"/>
-                  <a:lstStyle>
-                    <a:lvl1pPr defTabSz="762000">
-                      <a:spcBef>
-                        <a:spcPct val="20000"/>
-                      </a:spcBef>
-                      <a:buClr>
-                        <a:schemeClr val="accent2"/>
-                      </a:buClr>
-                      <a:buFont typeface="Wingdings" panose="05000000000000000000" pitchFamily="2" charset="2"/>
-                      <a:buChar char="w"/>
-                      <a:defRPr sz="3200">
-                        <a:solidFill>
-                          <a:schemeClr val="tx1"/>
-                        </a:solidFill>
-                        <a:latin typeface="Times New Roman" panose="02020603050405020304" pitchFamily="18" charset="0"/>
-                        <a:ea typeface="宋体" panose="02010600030101010101" pitchFamily="2" charset="-122"/>
-                      </a:defRPr>
-                    </a:lvl1pPr>
-                    <a:lvl2pPr marL="742950" indent="-285750" defTabSz="762000">
-                      <a:spcBef>
-                        <a:spcPct val="20000"/>
-                      </a:spcBef>
-                      <a:buClr>
-                        <a:schemeClr val="accent2"/>
-                      </a:buClr>
-                      <a:buSzPct val="55000"/>
-                      <a:buFont typeface="Wingdings" panose="05000000000000000000" pitchFamily="2" charset="2"/>
-                      <a:buChar char="n"/>
-                      <a:defRPr sz="2800">
-                        <a:solidFill>
-                          <a:schemeClr val="tx1"/>
-                        </a:solidFill>
-                        <a:latin typeface="Times New Roman" panose="02020603050405020304" pitchFamily="18" charset="0"/>
-                        <a:ea typeface="宋体" panose="02010600030101010101" pitchFamily="2" charset="-122"/>
-                      </a:defRPr>
-                    </a:lvl2pPr>
-                    <a:lvl3pPr marL="1143000" indent="-228600" defTabSz="762000">
-                      <a:spcBef>
-                        <a:spcPct val="20000"/>
-                      </a:spcBef>
-                      <a:buClr>
-                        <a:schemeClr val="accent2"/>
-                      </a:buClr>
-                      <a:buSzPct val="65000"/>
-                      <a:buFont typeface="Wingdings" panose="05000000000000000000" pitchFamily="2" charset="2"/>
-                      <a:buChar char="l"/>
-                      <a:defRPr sz="2400">
-                        <a:solidFill>
-                          <a:schemeClr val="tx1"/>
-                        </a:solidFill>
-                        <a:latin typeface="Times New Roman" panose="02020603050405020304" pitchFamily="18" charset="0"/>
-                        <a:ea typeface="宋体" panose="02010600030101010101" pitchFamily="2" charset="-122"/>
-                      </a:defRPr>
-                    </a:lvl3pPr>
-                    <a:lvl4pPr marL="1600200" indent="-228600" defTabSz="762000">
-                      <a:spcBef>
-                        <a:spcPct val="20000"/>
-                      </a:spcBef>
-                      <a:buClr>
-                        <a:schemeClr val="accent2"/>
-                      </a:buClr>
-                      <a:buSzPct val="85000"/>
-                      <a:buFont typeface="Wingdings" panose="05000000000000000000" pitchFamily="2" charset="2"/>
-                      <a:buChar char="w"/>
-                      <a:defRPr sz="2000">
-                        <a:solidFill>
-                          <a:schemeClr val="tx1"/>
-                        </a:solidFill>
-                        <a:latin typeface="Times New Roman" panose="02020603050405020304" pitchFamily="18" charset="0"/>
-                        <a:ea typeface="宋体" panose="02010600030101010101" pitchFamily="2" charset="-122"/>
-                      </a:defRPr>
-                    </a:lvl4pPr>
-                    <a:lvl5pPr marL="2057400" indent="-228600" defTabSz="762000">
-                      <a:spcBef>
-                        <a:spcPct val="20000"/>
-                      </a:spcBef>
-                      <a:buClr>
-                        <a:schemeClr val="accent2"/>
-                      </a:buClr>
-                      <a:buSzPct val="80000"/>
-                      <a:buFont typeface="Wingdings" panose="05000000000000000000" pitchFamily="2" charset="2"/>
-                      <a:buChar char="§"/>
-                      <a:defRPr>
-                        <a:solidFill>
-                          <a:schemeClr val="tx1"/>
-                        </a:solidFill>
-                        <a:latin typeface="Times New Roman" panose="02020603050405020304" pitchFamily="18" charset="0"/>
-                        <a:ea typeface="宋体" panose="02010600030101010101" pitchFamily="2" charset="-122"/>
-                      </a:defRPr>
-                    </a:lvl5pPr>
-                    <a:lvl6pPr marL="2514600" indent="-228600" defTabSz="762000" eaLnBrk="0" fontAlgn="base" hangingPunct="0">
-                      <a:spcBef>
-                        <a:spcPct val="20000"/>
-                      </a:spcBef>
-                      <a:spcAft>
-                        <a:spcPct val="0"/>
-                      </a:spcAft>
-                      <a:buClr>
-                        <a:schemeClr val="accent2"/>
-                      </a:buClr>
-                      <a:buSzPct val="80000"/>
-                      <a:buFont typeface="Wingdings" panose="05000000000000000000" pitchFamily="2" charset="2"/>
-                      <a:buChar char="§"/>
-                      <a:defRPr>
-                        <a:solidFill>
-                          <a:schemeClr val="tx1"/>
-                        </a:solidFill>
-                        <a:latin typeface="Times New Roman" panose="02020603050405020304" pitchFamily="18" charset="0"/>
-                        <a:ea typeface="宋体" panose="02010600030101010101" pitchFamily="2" charset="-122"/>
-                      </a:defRPr>
-                    </a:lvl6pPr>
-                    <a:lvl7pPr marL="2971800" indent="-228600" defTabSz="762000" eaLnBrk="0" fontAlgn="base" hangingPunct="0">
-                      <a:spcBef>
-                        <a:spcPct val="20000"/>
-                      </a:spcBef>
-                      <a:spcAft>
-                        <a:spcPct val="0"/>
-                      </a:spcAft>
-                      <a:buClr>
-                        <a:schemeClr val="accent2"/>
-                      </a:buClr>
-                      <a:buSzPct val="80000"/>
-                      <a:buFont typeface="Wingdings" panose="05000000000000000000" pitchFamily="2" charset="2"/>
-                      <a:buChar char="§"/>
-                      <a:defRPr>
-                        <a:solidFill>
-                          <a:schemeClr val="tx1"/>
-                        </a:solidFill>
-                        <a:latin typeface="Times New Roman" panose="02020603050405020304" pitchFamily="18" charset="0"/>
-                        <a:ea typeface="宋体" panose="02010600030101010101" pitchFamily="2" charset="-122"/>
-                      </a:defRPr>
-                    </a:lvl7pPr>
-                    <a:lvl8pPr marL="3429000" indent="-228600" defTabSz="762000" eaLnBrk="0" fontAlgn="base" hangingPunct="0">
-                      <a:spcBef>
-                        <a:spcPct val="20000"/>
-                      </a:spcBef>
-                      <a:spcAft>
-                        <a:spcPct val="0"/>
-                      </a:spcAft>
-                      <a:buClr>
-                        <a:schemeClr val="accent2"/>
-                      </a:buClr>
-                      <a:buSzPct val="80000"/>
-                      <a:buFont typeface="Wingdings" panose="05000000000000000000" pitchFamily="2" charset="2"/>
-                      <a:buChar char="§"/>
-                      <a:defRPr>
-                        <a:solidFill>
-                          <a:schemeClr val="tx1"/>
-                        </a:solidFill>
-                        <a:latin typeface="Times New Roman" panose="02020603050405020304" pitchFamily="18" charset="0"/>
-                        <a:ea typeface="宋体" panose="02010600030101010101" pitchFamily="2" charset="-122"/>
-                      </a:defRPr>
-                    </a:lvl8pPr>
-                    <a:lvl9pPr marL="3886200" indent="-228600" defTabSz="762000" eaLnBrk="0" fontAlgn="base" hangingPunct="0">
-                      <a:spcBef>
-                        <a:spcPct val="20000"/>
-                      </a:spcBef>
-                      <a:spcAft>
-                        <a:spcPct val="0"/>
-                      </a:spcAft>
-                      <a:buClr>
-                        <a:schemeClr val="accent2"/>
-                      </a:buClr>
-                      <a:buSzPct val="80000"/>
-                      <a:buFont typeface="Wingdings" panose="05000000000000000000" pitchFamily="2" charset="2"/>
-                      <a:buChar char="§"/>
-                      <a:defRPr>
-                        <a:solidFill>
-                          <a:schemeClr val="tx1"/>
-                        </a:solidFill>
-                        <a:latin typeface="Times New Roman" panose="02020603050405020304" pitchFamily="18" charset="0"/>
-                        <a:ea typeface="宋体" panose="02010600030101010101" pitchFamily="2" charset="-122"/>
-                      </a:defRPr>
-                    </a:lvl9pPr>
-                  </a:lstStyle>
-                  <a:p>
-                    <a:pPr algn="ctr">
-                      <a:spcBef>
-                        <a:spcPct val="0"/>
-                      </a:spcBef>
-                      <a:buClrTx/>
-                      <a:buFont typeface="Arial" panose="020B0604020202020204" pitchFamily="34" charset="0"/>
-                      <a:buNone/>
-                    </a:pPr>
-                    <a:endParaRPr lang="en-CA" altLang="en-US" sz="1167"/>
-                  </a:p>
-                </p:txBody>
-              </p:sp>
-              <p:sp>
-                <p:nvSpPr>
-                  <p:cNvPr id="17" name="AutoShape 14"/>
-                  <p:cNvSpPr>
-                    <a:spLocks noChangeArrowheads="1"/>
-                  </p:cNvSpPr>
-                  <p:nvPr/>
-                </p:nvSpPr>
-                <p:spPr bwMode="auto">
-                  <a:xfrm>
-                    <a:off x="696" y="1968"/>
-                    <a:ext cx="192" cy="192"/>
-                  </a:xfrm>
-                  <a:prstGeom prst="flowChartConnector">
-                    <a:avLst/>
-                  </a:prstGeom>
-                  <a:ln>
-                    <a:headEnd/>
-                    <a:tailEnd/>
-                  </a:ln>
-                </p:spPr>
-                <p:style>
-                  <a:lnRef idx="2">
-                    <a:schemeClr val="accent2"/>
-                  </a:lnRef>
-                  <a:fillRef idx="1">
-                    <a:schemeClr val="lt1"/>
-                  </a:fillRef>
-                  <a:effectRef idx="0">
-                    <a:schemeClr val="accent2"/>
-                  </a:effectRef>
-                  <a:fontRef idx="minor">
-                    <a:schemeClr val="dk1"/>
-                  </a:fontRef>
-                </p:style>
-                <p:txBody>
-                  <a:bodyPr wrap="none" anchor="ctr"/>
-                  <a:lstStyle>
-                    <a:lvl1pPr>
-                      <a:spcBef>
-                        <a:spcPct val="20000"/>
-                      </a:spcBef>
-                      <a:buClr>
-                        <a:schemeClr val="accent2"/>
-                      </a:buClr>
-                      <a:buFont typeface="Wingdings" panose="05000000000000000000" pitchFamily="2" charset="2"/>
-                      <a:buChar char="w"/>
-                      <a:defRPr sz="3200">
-                        <a:solidFill>
-                          <a:schemeClr val="tx1"/>
-                        </a:solidFill>
-                        <a:latin typeface="Times New Roman" panose="02020603050405020304" pitchFamily="18" charset="0"/>
-                        <a:ea typeface="宋体" panose="02010600030101010101" pitchFamily="2" charset="-122"/>
-                      </a:defRPr>
-                    </a:lvl1pPr>
-                    <a:lvl2pPr marL="742950" indent="-285750">
-                      <a:spcBef>
-                        <a:spcPct val="20000"/>
-                      </a:spcBef>
-                      <a:buClr>
-                        <a:schemeClr val="accent2"/>
-                      </a:buClr>
-                      <a:buSzPct val="55000"/>
-                      <a:buFont typeface="Wingdings" panose="05000000000000000000" pitchFamily="2" charset="2"/>
-                      <a:buChar char="n"/>
-                      <a:defRPr sz="2800">
-                        <a:solidFill>
-                          <a:schemeClr val="tx1"/>
-                        </a:solidFill>
-                        <a:latin typeface="Times New Roman" panose="02020603050405020304" pitchFamily="18" charset="0"/>
-                        <a:ea typeface="宋体" panose="02010600030101010101" pitchFamily="2" charset="-122"/>
-                      </a:defRPr>
-                    </a:lvl2pPr>
-                    <a:lvl3pPr marL="1143000" indent="-228600">
-                      <a:spcBef>
-                        <a:spcPct val="20000"/>
-                      </a:spcBef>
-                      <a:buClr>
-                        <a:schemeClr val="accent2"/>
-                      </a:buClr>
-                      <a:buSzPct val="65000"/>
-                      <a:buFont typeface="Wingdings" panose="05000000000000000000" pitchFamily="2" charset="2"/>
-                      <a:buChar char="l"/>
-                      <a:defRPr sz="2400">
-                        <a:solidFill>
-                          <a:schemeClr val="tx1"/>
-                        </a:solidFill>
-                        <a:latin typeface="Times New Roman" panose="02020603050405020304" pitchFamily="18" charset="0"/>
-                        <a:ea typeface="宋体" panose="02010600030101010101" pitchFamily="2" charset="-122"/>
-                      </a:defRPr>
-                    </a:lvl3pPr>
-                    <a:lvl4pPr marL="1600200" indent="-228600">
-                      <a:spcBef>
-                        <a:spcPct val="20000"/>
-                      </a:spcBef>
-                      <a:buClr>
-                        <a:schemeClr val="accent2"/>
-                      </a:buClr>
-                      <a:buSzPct val="85000"/>
-                      <a:buFont typeface="Wingdings" panose="05000000000000000000" pitchFamily="2" charset="2"/>
-                      <a:buChar char="w"/>
-                      <a:defRPr sz="2000">
-                        <a:solidFill>
-                          <a:schemeClr val="tx1"/>
-                        </a:solidFill>
-                        <a:latin typeface="Times New Roman" panose="02020603050405020304" pitchFamily="18" charset="0"/>
-                        <a:ea typeface="宋体" panose="02010600030101010101" pitchFamily="2" charset="-122"/>
-                      </a:defRPr>
-                    </a:lvl4pPr>
-                    <a:lvl5pPr marL="2057400" indent="-228600">
-                      <a:spcBef>
-                        <a:spcPct val="20000"/>
-                      </a:spcBef>
-                      <a:buClr>
-                        <a:schemeClr val="accent2"/>
-                      </a:buClr>
-                      <a:buSzPct val="80000"/>
-                      <a:buFont typeface="Wingdings" panose="05000000000000000000" pitchFamily="2" charset="2"/>
-                      <a:buChar char="§"/>
-                      <a:defRPr>
-                        <a:solidFill>
-                          <a:schemeClr val="tx1"/>
-                        </a:solidFill>
-                        <a:latin typeface="Times New Roman" panose="02020603050405020304" pitchFamily="18" charset="0"/>
-                        <a:ea typeface="宋体" panose="02010600030101010101" pitchFamily="2" charset="-122"/>
-                      </a:defRPr>
-                    </a:lvl5pPr>
-                    <a:lvl6pPr marL="2514600" indent="-228600" eaLnBrk="0" fontAlgn="base" hangingPunct="0">
-                      <a:spcBef>
-                        <a:spcPct val="20000"/>
-                      </a:spcBef>
-                      <a:spcAft>
-                        <a:spcPct val="0"/>
-                      </a:spcAft>
-                      <a:buClr>
-                        <a:schemeClr val="accent2"/>
-                      </a:buClr>
-                      <a:buSzPct val="80000"/>
-                      <a:buFont typeface="Wingdings" panose="05000000000000000000" pitchFamily="2" charset="2"/>
-                      <a:buChar char="§"/>
-                      <a:defRPr>
-                        <a:solidFill>
-                          <a:schemeClr val="tx1"/>
-                        </a:solidFill>
-                        <a:latin typeface="Times New Roman" panose="02020603050405020304" pitchFamily="18" charset="0"/>
-                        <a:ea typeface="宋体" panose="02010600030101010101" pitchFamily="2" charset="-122"/>
-                      </a:defRPr>
-                    </a:lvl6pPr>
-                    <a:lvl7pPr marL="2971800" indent="-228600" eaLnBrk="0" fontAlgn="base" hangingPunct="0">
-                      <a:spcBef>
-                        <a:spcPct val="20000"/>
-                      </a:spcBef>
-                      <a:spcAft>
-                        <a:spcPct val="0"/>
-                      </a:spcAft>
-                      <a:buClr>
-                        <a:schemeClr val="accent2"/>
-                      </a:buClr>
-                      <a:buSzPct val="80000"/>
-                      <a:buFont typeface="Wingdings" panose="05000000000000000000" pitchFamily="2" charset="2"/>
-                      <a:buChar char="§"/>
-                      <a:defRPr>
-                        <a:solidFill>
-                          <a:schemeClr val="tx1"/>
-                        </a:solidFill>
-                        <a:latin typeface="Times New Roman" panose="02020603050405020304" pitchFamily="18" charset="0"/>
-                        <a:ea typeface="宋体" panose="02010600030101010101" pitchFamily="2" charset="-122"/>
-                      </a:defRPr>
-                    </a:lvl7pPr>
-                    <a:lvl8pPr marL="3429000" indent="-228600" eaLnBrk="0" fontAlgn="base" hangingPunct="0">
-                      <a:spcBef>
-                        <a:spcPct val="20000"/>
-                      </a:spcBef>
-                      <a:spcAft>
-                        <a:spcPct val="0"/>
-                      </a:spcAft>
-                      <a:buClr>
-                        <a:schemeClr val="accent2"/>
-                      </a:buClr>
-                      <a:buSzPct val="80000"/>
-                      <a:buFont typeface="Wingdings" panose="05000000000000000000" pitchFamily="2" charset="2"/>
-                      <a:buChar char="§"/>
-                      <a:defRPr>
-                        <a:solidFill>
-                          <a:schemeClr val="tx1"/>
-                        </a:solidFill>
-                        <a:latin typeface="Times New Roman" panose="02020603050405020304" pitchFamily="18" charset="0"/>
-                        <a:ea typeface="宋体" panose="02010600030101010101" pitchFamily="2" charset="-122"/>
-                      </a:defRPr>
-                    </a:lvl8pPr>
-                    <a:lvl9pPr marL="3886200" indent="-228600" eaLnBrk="0" fontAlgn="base" hangingPunct="0">
-                      <a:spcBef>
-                        <a:spcPct val="20000"/>
-                      </a:spcBef>
-                      <a:spcAft>
-                        <a:spcPct val="0"/>
-                      </a:spcAft>
-                      <a:buClr>
-                        <a:schemeClr val="accent2"/>
-                      </a:buClr>
-                      <a:buSzPct val="80000"/>
-                      <a:buFont typeface="Wingdings" panose="05000000000000000000" pitchFamily="2" charset="2"/>
-                      <a:buChar char="§"/>
-                      <a:defRPr>
-                        <a:solidFill>
-                          <a:schemeClr val="tx1"/>
-                        </a:solidFill>
-                        <a:latin typeface="Times New Roman" panose="02020603050405020304" pitchFamily="18" charset="0"/>
-                        <a:ea typeface="宋体" panose="02010600030101010101" pitchFamily="2" charset="-122"/>
-                      </a:defRPr>
-                    </a:lvl9pPr>
-                  </a:lstStyle>
-                  <a:p>
-                    <a:pPr eaLnBrk="1" hangingPunct="1">
-                      <a:spcBef>
-                        <a:spcPct val="0"/>
-                      </a:spcBef>
-                      <a:buClrTx/>
-                      <a:buFont typeface="Arial" panose="020B0604020202020204" pitchFamily="34" charset="0"/>
-                      <a:buNone/>
-                    </a:pPr>
-                    <a:endParaRPr lang="zh-CN" altLang="en-US" sz="2000"/>
-                  </a:p>
-                </p:txBody>
-              </p:sp>
-              <p:sp>
-                <p:nvSpPr>
-                  <p:cNvPr id="18" name="Line 15"/>
-                  <p:cNvSpPr>
-                    <a:spLocks noChangeShapeType="1"/>
-                  </p:cNvSpPr>
-                  <p:nvPr/>
-                </p:nvSpPr>
-                <p:spPr bwMode="auto">
-                  <a:xfrm>
-                    <a:off x="792" y="192"/>
-                    <a:ext cx="0" cy="96"/>
-                  </a:xfrm>
-                  <a:prstGeom prst="line">
-                    <a:avLst/>
-                  </a:prstGeom>
-                  <a:ln>
-                    <a:headEnd/>
-                    <a:tailEnd/>
-                  </a:ln>
-                  <a:extLst/>
-                </p:spPr>
-                <p:style>
-                  <a:lnRef idx="2">
-                    <a:schemeClr val="accent2"/>
-                  </a:lnRef>
-                  <a:fillRef idx="1">
-                    <a:schemeClr val="lt1"/>
-                  </a:fillRef>
-                  <a:effectRef idx="0">
-                    <a:schemeClr val="accent2"/>
-                  </a:effectRef>
-                  <a:fontRef idx="minor">
-                    <a:schemeClr val="dk1"/>
-                  </a:fontRef>
-                </p:style>
-                <p:txBody>
-                  <a:bodyPr wrap="none" anchor="ctr"/>
-                  <a:lstStyle/>
-                  <a:p>
-                    <a:endParaRPr lang="zh-CN" altLang="en-US"/>
-                  </a:p>
-                </p:txBody>
-              </p:sp>
-              <p:sp>
-                <p:nvSpPr>
-                  <p:cNvPr id="19" name="Line 16"/>
-                  <p:cNvSpPr>
-                    <a:spLocks noChangeShapeType="1"/>
-                  </p:cNvSpPr>
-                  <p:nvPr/>
-                </p:nvSpPr>
-                <p:spPr bwMode="auto">
-                  <a:xfrm>
-                    <a:off x="792" y="480"/>
-                    <a:ext cx="0" cy="96"/>
-                  </a:xfrm>
-                  <a:prstGeom prst="line">
-                    <a:avLst/>
-                  </a:prstGeom>
-                  <a:ln>
-                    <a:headEnd/>
-                    <a:tailEnd/>
-                  </a:ln>
-                  <a:extLst/>
-                </p:spPr>
-                <p:style>
-                  <a:lnRef idx="2">
-                    <a:schemeClr val="accent2"/>
-                  </a:lnRef>
-                  <a:fillRef idx="1">
-                    <a:schemeClr val="lt1"/>
-                  </a:fillRef>
-                  <a:effectRef idx="0">
-                    <a:schemeClr val="accent2"/>
-                  </a:effectRef>
-                  <a:fontRef idx="minor">
-                    <a:schemeClr val="dk1"/>
-                  </a:fontRef>
-                </p:style>
-                <p:txBody>
-                  <a:bodyPr wrap="none" anchor="ctr"/>
-                  <a:lstStyle/>
-                  <a:p>
-                    <a:endParaRPr lang="zh-CN" altLang="en-US"/>
-                  </a:p>
-                </p:txBody>
-              </p:sp>
-              <p:sp>
-                <p:nvSpPr>
-                  <p:cNvPr id="20" name="Line 17"/>
-                  <p:cNvSpPr>
-                    <a:spLocks noChangeShapeType="1"/>
-                  </p:cNvSpPr>
-                  <p:nvPr/>
-                </p:nvSpPr>
-                <p:spPr bwMode="auto">
-                  <a:xfrm>
-                    <a:off x="792" y="1536"/>
-                    <a:ext cx="0" cy="96"/>
-                  </a:xfrm>
-                  <a:prstGeom prst="line">
-                    <a:avLst/>
-                  </a:prstGeom>
-                  <a:ln>
-                    <a:headEnd/>
-                    <a:tailEnd/>
-                  </a:ln>
-                  <a:extLst/>
-                </p:spPr>
-                <p:style>
-                  <a:lnRef idx="2">
-                    <a:schemeClr val="accent2"/>
-                  </a:lnRef>
-                  <a:fillRef idx="1">
-                    <a:schemeClr val="lt1"/>
-                  </a:fillRef>
-                  <a:effectRef idx="0">
-                    <a:schemeClr val="accent2"/>
-                  </a:effectRef>
-                  <a:fontRef idx="minor">
-                    <a:schemeClr val="dk1"/>
-                  </a:fontRef>
-                </p:style>
-                <p:txBody>
-                  <a:bodyPr wrap="none" anchor="ctr"/>
-                  <a:lstStyle/>
-                  <a:p>
-                    <a:endParaRPr lang="zh-CN" altLang="en-US"/>
-                  </a:p>
-                </p:txBody>
-              </p:sp>
-              <p:sp>
-                <p:nvSpPr>
-                  <p:cNvPr id="21" name="Line 18"/>
-                  <p:cNvSpPr>
-                    <a:spLocks noChangeShapeType="1"/>
-                  </p:cNvSpPr>
-                  <p:nvPr/>
-                </p:nvSpPr>
-                <p:spPr bwMode="auto">
-                  <a:xfrm>
-                    <a:off x="792" y="1872"/>
-                    <a:ext cx="0" cy="96"/>
-                  </a:xfrm>
-                  <a:prstGeom prst="line">
-                    <a:avLst/>
-                  </a:prstGeom>
-                  <a:ln>
-                    <a:headEnd/>
-                    <a:tailEnd/>
-                  </a:ln>
-                  <a:extLst/>
-                </p:spPr>
-                <p:style>
-                  <a:lnRef idx="2">
-                    <a:schemeClr val="accent2"/>
-                  </a:lnRef>
-                  <a:fillRef idx="1">
-                    <a:schemeClr val="lt1"/>
-                  </a:fillRef>
-                  <a:effectRef idx="0">
-                    <a:schemeClr val="accent2"/>
-                  </a:effectRef>
-                  <a:fontRef idx="minor">
-                    <a:schemeClr val="dk1"/>
-                  </a:fontRef>
-                </p:style>
-                <p:txBody>
-                  <a:bodyPr wrap="none" anchor="ctr"/>
-                  <a:lstStyle/>
-                  <a:p>
-                    <a:endParaRPr lang="zh-CN" altLang="en-US"/>
-                  </a:p>
-                </p:txBody>
-              </p:sp>
-              <p:grpSp>
-                <p:nvGrpSpPr>
-                  <p:cNvPr id="22" name="Group 19"/>
-                  <p:cNvGrpSpPr>
-                    <a:grpSpLocks/>
-                  </p:cNvGrpSpPr>
-                  <p:nvPr/>
-                </p:nvGrpSpPr>
-                <p:grpSpPr bwMode="auto">
-                  <a:xfrm>
-                    <a:off x="192" y="816"/>
-                    <a:ext cx="1200" cy="144"/>
-                    <a:chOff x="0" y="0"/>
-                    <a:chExt cx="1200" cy="144"/>
-                  </a:xfrm>
-                </p:grpSpPr>
-                <p:sp>
-                  <p:nvSpPr>
-                    <p:cNvPr id="28" name="Line 20"/>
-                    <p:cNvSpPr>
-                      <a:spLocks noChangeShapeType="1"/>
-                    </p:cNvSpPr>
-                    <p:nvPr/>
-                  </p:nvSpPr>
-                  <p:spPr bwMode="auto">
-                    <a:xfrm>
-                      <a:off x="0" y="48"/>
-                      <a:ext cx="1200" cy="0"/>
-                    </a:xfrm>
-                    <a:prstGeom prst="line">
-                      <a:avLst/>
-                    </a:prstGeom>
-                    <a:ln>
-                      <a:headEnd/>
-                      <a:tailEnd/>
-                    </a:ln>
-                    <a:extLst/>
-                  </p:spPr>
-                  <p:style>
-                    <a:lnRef idx="2">
-                      <a:schemeClr val="accent2"/>
-                    </a:lnRef>
-                    <a:fillRef idx="1">
-                      <a:schemeClr val="lt1"/>
-                    </a:fillRef>
-                    <a:effectRef idx="0">
-                      <a:schemeClr val="accent2"/>
-                    </a:effectRef>
-                    <a:fontRef idx="minor">
-                      <a:schemeClr val="dk1"/>
-                    </a:fontRef>
-                  </p:style>
-                  <p:txBody>
-                    <a:bodyPr wrap="none" anchor="ctr"/>
-                    <a:lstStyle/>
-                    <a:p>
-                      <a:endParaRPr lang="zh-CN" altLang="en-US"/>
-                    </a:p>
-                  </p:txBody>
-                </p:sp>
-                <p:sp>
-                  <p:nvSpPr>
-                    <p:cNvPr id="29" name="Line 21"/>
-                    <p:cNvSpPr>
-                      <a:spLocks noChangeShapeType="1"/>
-                    </p:cNvSpPr>
-                    <p:nvPr/>
-                  </p:nvSpPr>
-                  <p:spPr bwMode="auto">
-                    <a:xfrm>
-                      <a:off x="576" y="0"/>
-                      <a:ext cx="0" cy="48"/>
-                    </a:xfrm>
-                    <a:prstGeom prst="line">
-                      <a:avLst/>
-                    </a:prstGeom>
-                    <a:ln>
-                      <a:headEnd/>
-                      <a:tailEnd/>
-                    </a:ln>
-                    <a:extLst/>
-                  </p:spPr>
-                  <p:style>
-                    <a:lnRef idx="2">
-                      <a:schemeClr val="accent2"/>
-                    </a:lnRef>
-                    <a:fillRef idx="1">
-                      <a:schemeClr val="lt1"/>
-                    </a:fillRef>
-                    <a:effectRef idx="0">
-                      <a:schemeClr val="accent2"/>
-                    </a:effectRef>
-                    <a:fontRef idx="minor">
-                      <a:schemeClr val="dk1"/>
-                    </a:fontRef>
-                  </p:style>
-                  <p:txBody>
-                    <a:bodyPr wrap="none" anchor="ctr"/>
-                    <a:lstStyle/>
-                    <a:p>
-                      <a:endParaRPr lang="zh-CN" altLang="en-US"/>
-                    </a:p>
-                  </p:txBody>
-                </p:sp>
-                <p:sp>
-                  <p:nvSpPr>
-                    <p:cNvPr id="30" name="Line 22"/>
-                    <p:cNvSpPr>
-                      <a:spLocks noChangeShapeType="1"/>
-                    </p:cNvSpPr>
-                    <p:nvPr/>
-                  </p:nvSpPr>
-                  <p:spPr bwMode="auto">
-                    <a:xfrm>
-                      <a:off x="0" y="48"/>
-                      <a:ext cx="0" cy="96"/>
-                    </a:xfrm>
-                    <a:prstGeom prst="line">
-                      <a:avLst/>
-                    </a:prstGeom>
-                    <a:ln>
-                      <a:headEnd/>
-                      <a:tailEnd/>
-                    </a:ln>
-                    <a:extLst/>
-                  </p:spPr>
-                  <p:style>
-                    <a:lnRef idx="2">
-                      <a:schemeClr val="accent2"/>
-                    </a:lnRef>
-                    <a:fillRef idx="1">
-                      <a:schemeClr val="lt1"/>
-                    </a:fillRef>
-                    <a:effectRef idx="0">
-                      <a:schemeClr val="accent2"/>
-                    </a:effectRef>
-                    <a:fontRef idx="minor">
-                      <a:schemeClr val="dk1"/>
-                    </a:fontRef>
-                  </p:style>
-                  <p:txBody>
-                    <a:bodyPr wrap="none" anchor="ctr"/>
-                    <a:lstStyle/>
-                    <a:p>
-                      <a:endParaRPr lang="zh-CN" altLang="en-US"/>
-                    </a:p>
-                  </p:txBody>
-                </p:sp>
-                <p:sp>
-                  <p:nvSpPr>
-                    <p:cNvPr id="31" name="Line 23"/>
-                    <p:cNvSpPr>
-                      <a:spLocks noChangeShapeType="1"/>
-                    </p:cNvSpPr>
-                    <p:nvPr/>
-                  </p:nvSpPr>
-                  <p:spPr bwMode="auto">
-                    <a:xfrm>
-                      <a:off x="1200" y="48"/>
-                      <a:ext cx="0" cy="96"/>
-                    </a:xfrm>
-                    <a:prstGeom prst="line">
-                      <a:avLst/>
-                    </a:prstGeom>
-                    <a:ln>
-                      <a:headEnd/>
-                      <a:tailEnd/>
-                    </a:ln>
-                    <a:extLst/>
-                  </p:spPr>
-                  <p:style>
-                    <a:lnRef idx="2">
-                      <a:schemeClr val="accent2"/>
-                    </a:lnRef>
-                    <a:fillRef idx="1">
-                      <a:schemeClr val="lt1"/>
-                    </a:fillRef>
-                    <a:effectRef idx="0">
-                      <a:schemeClr val="accent2"/>
-                    </a:effectRef>
-                    <a:fontRef idx="minor">
-                      <a:schemeClr val="dk1"/>
-                    </a:fontRef>
-                  </p:style>
-                  <p:txBody>
-                    <a:bodyPr wrap="none" anchor="ctr"/>
-                    <a:lstStyle/>
-                    <a:p>
-                      <a:endParaRPr lang="zh-CN" altLang="en-US"/>
-                    </a:p>
-                  </p:txBody>
-                </p:sp>
-              </p:grpSp>
-              <p:grpSp>
-                <p:nvGrpSpPr>
-                  <p:cNvPr id="23" name="Group 24"/>
-                  <p:cNvGrpSpPr>
-                    <a:grpSpLocks/>
-                  </p:cNvGrpSpPr>
-                  <p:nvPr/>
-                </p:nvGrpSpPr>
-                <p:grpSpPr bwMode="auto">
-                  <a:xfrm flipV="1">
-                    <a:off x="192" y="1152"/>
-                    <a:ext cx="1200" cy="192"/>
-                    <a:chOff x="0" y="0"/>
-                    <a:chExt cx="1200" cy="144"/>
-                  </a:xfrm>
-                </p:grpSpPr>
-                <p:sp>
-                  <p:nvSpPr>
-                    <p:cNvPr id="24" name="Line 25"/>
-                    <p:cNvSpPr>
-                      <a:spLocks noChangeShapeType="1"/>
-                    </p:cNvSpPr>
-                    <p:nvPr/>
-                  </p:nvSpPr>
-                  <p:spPr bwMode="auto">
-                    <a:xfrm>
-                      <a:off x="0" y="48"/>
-                      <a:ext cx="1200" cy="0"/>
-                    </a:xfrm>
-                    <a:prstGeom prst="line">
-                      <a:avLst/>
-                    </a:prstGeom>
-                    <a:ln>
-                      <a:headEnd/>
-                      <a:tailEnd/>
-                    </a:ln>
-                    <a:extLst/>
-                  </p:spPr>
-                  <p:style>
-                    <a:lnRef idx="2">
-                      <a:schemeClr val="accent2"/>
-                    </a:lnRef>
-                    <a:fillRef idx="1">
-                      <a:schemeClr val="lt1"/>
-                    </a:fillRef>
-                    <a:effectRef idx="0">
-                      <a:schemeClr val="accent2"/>
-                    </a:effectRef>
-                    <a:fontRef idx="minor">
-                      <a:schemeClr val="dk1"/>
-                    </a:fontRef>
-                  </p:style>
-                  <p:txBody>
-                    <a:bodyPr wrap="none" anchor="ctr"/>
-                    <a:lstStyle/>
-                    <a:p>
-                      <a:endParaRPr lang="zh-CN" altLang="en-US"/>
-                    </a:p>
-                  </p:txBody>
-                </p:sp>
-                <p:sp>
-                  <p:nvSpPr>
-                    <p:cNvPr id="25" name="Line 26"/>
-                    <p:cNvSpPr>
-                      <a:spLocks noChangeShapeType="1"/>
-                    </p:cNvSpPr>
-                    <p:nvPr/>
-                  </p:nvSpPr>
-                  <p:spPr bwMode="auto">
-                    <a:xfrm>
-                      <a:off x="576" y="0"/>
-                      <a:ext cx="0" cy="48"/>
-                    </a:xfrm>
-                    <a:prstGeom prst="line">
-                      <a:avLst/>
-                    </a:prstGeom>
-                    <a:ln>
-                      <a:headEnd/>
-                      <a:tailEnd/>
-                    </a:ln>
-                    <a:extLst/>
-                  </p:spPr>
-                  <p:style>
-                    <a:lnRef idx="2">
-                      <a:schemeClr val="accent2"/>
-                    </a:lnRef>
-                    <a:fillRef idx="1">
-                      <a:schemeClr val="lt1"/>
-                    </a:fillRef>
-                    <a:effectRef idx="0">
-                      <a:schemeClr val="accent2"/>
-                    </a:effectRef>
-                    <a:fontRef idx="minor">
-                      <a:schemeClr val="dk1"/>
-                    </a:fontRef>
-                  </p:style>
-                  <p:txBody>
-                    <a:bodyPr wrap="none" anchor="ctr"/>
-                    <a:lstStyle/>
-                    <a:p>
-                      <a:endParaRPr lang="zh-CN" altLang="en-US"/>
-                    </a:p>
-                  </p:txBody>
-                </p:sp>
-                <p:sp>
-                  <p:nvSpPr>
-                    <p:cNvPr id="26" name="Line 27"/>
-                    <p:cNvSpPr>
-                      <a:spLocks noChangeShapeType="1"/>
-                    </p:cNvSpPr>
-                    <p:nvPr/>
-                  </p:nvSpPr>
-                  <p:spPr bwMode="auto">
-                    <a:xfrm>
-                      <a:off x="0" y="48"/>
-                      <a:ext cx="0" cy="96"/>
-                    </a:xfrm>
-                    <a:prstGeom prst="line">
-                      <a:avLst/>
-                    </a:prstGeom>
-                    <a:ln>
-                      <a:headEnd/>
-                      <a:tailEnd/>
-                    </a:ln>
-                    <a:extLst/>
-                  </p:spPr>
-                  <p:style>
-                    <a:lnRef idx="2">
-                      <a:schemeClr val="accent2"/>
-                    </a:lnRef>
-                    <a:fillRef idx="1">
-                      <a:schemeClr val="lt1"/>
-                    </a:fillRef>
-                    <a:effectRef idx="0">
-                      <a:schemeClr val="accent2"/>
-                    </a:effectRef>
-                    <a:fontRef idx="minor">
-                      <a:schemeClr val="dk1"/>
-                    </a:fontRef>
-                  </p:style>
-                  <p:txBody>
-                    <a:bodyPr wrap="none" anchor="ctr"/>
-                    <a:lstStyle/>
-                    <a:p>
-                      <a:endParaRPr lang="zh-CN" altLang="en-US"/>
-                    </a:p>
-                  </p:txBody>
-                </p:sp>
-                <p:sp>
-                  <p:nvSpPr>
-                    <p:cNvPr id="27" name="Line 28"/>
-                    <p:cNvSpPr>
-                      <a:spLocks noChangeShapeType="1"/>
-                    </p:cNvSpPr>
-                    <p:nvPr/>
-                  </p:nvSpPr>
-                  <p:spPr bwMode="auto">
-                    <a:xfrm>
-                      <a:off x="1200" y="48"/>
-                      <a:ext cx="0" cy="96"/>
-                    </a:xfrm>
-                    <a:prstGeom prst="line">
-                      <a:avLst/>
-                    </a:prstGeom>
-                    <a:ln>
-                      <a:headEnd/>
-                      <a:tailEnd/>
-                    </a:ln>
-                    <a:extLst/>
-                  </p:spPr>
-                  <p:style>
-                    <a:lnRef idx="2">
-                      <a:schemeClr val="accent2"/>
-                    </a:lnRef>
-                    <a:fillRef idx="1">
-                      <a:schemeClr val="lt1"/>
-                    </a:fillRef>
-                    <a:effectRef idx="0">
-                      <a:schemeClr val="accent2"/>
-                    </a:effectRef>
-                    <a:fontRef idx="minor">
-                      <a:schemeClr val="dk1"/>
-                    </a:fontRef>
-                  </p:style>
-                  <p:txBody>
-                    <a:bodyPr wrap="none" anchor="ctr"/>
-                    <a:lstStyle/>
-                    <a:p>
-                      <a:endParaRPr lang="zh-CN" altLang="en-US"/>
-                    </a:p>
-                  </p:txBody>
-                </p:sp>
-              </p:grpSp>
-            </p:grpSp>
-            <p:sp>
-              <p:nvSpPr>
-                <p:cNvPr id="7" name="Line 29"/>
-                <p:cNvSpPr>
-                  <a:spLocks noChangeShapeType="1"/>
-                </p:cNvSpPr>
-                <p:nvPr/>
-              </p:nvSpPr>
-              <p:spPr bwMode="auto">
-                <a:xfrm>
-                  <a:off x="816" y="240"/>
-                  <a:ext cx="864" cy="0"/>
-                </a:xfrm>
-                <a:prstGeom prst="line">
-                  <a:avLst/>
-                </a:prstGeom>
-                <a:ln>
-                  <a:headEnd/>
-                  <a:tailEnd/>
-                </a:ln>
-                <a:extLst/>
-              </p:spPr>
-              <p:style>
-                <a:lnRef idx="2">
-                  <a:schemeClr val="accent2"/>
-                </a:lnRef>
-                <a:fillRef idx="1">
-                  <a:schemeClr val="lt1"/>
-                </a:fillRef>
-                <a:effectRef idx="0">
-                  <a:schemeClr val="accent2"/>
-                </a:effectRef>
-                <a:fontRef idx="minor">
-                  <a:schemeClr val="dk1"/>
-                </a:fontRef>
-              </p:style>
-              <p:txBody>
-                <a:bodyPr wrap="none" anchor="ctr"/>
-                <a:lstStyle/>
-                <a:p>
-                  <a:endParaRPr lang="zh-CN" altLang="en-US"/>
-                </a:p>
-              </p:txBody>
-            </p:sp>
-            <p:sp>
-              <p:nvSpPr>
-                <p:cNvPr id="8" name="Line 30"/>
-                <p:cNvSpPr>
-                  <a:spLocks noChangeShapeType="1"/>
-                </p:cNvSpPr>
-                <p:nvPr/>
-              </p:nvSpPr>
-              <p:spPr bwMode="auto">
-                <a:xfrm>
-                  <a:off x="1680" y="240"/>
-                  <a:ext cx="0" cy="1680"/>
-                </a:xfrm>
-                <a:prstGeom prst="line">
-                  <a:avLst/>
-                </a:prstGeom>
-                <a:ln>
-                  <a:headEnd/>
-                  <a:tailEnd/>
-                </a:ln>
-                <a:extLst/>
-              </p:spPr>
-              <p:style>
-                <a:lnRef idx="2">
-                  <a:schemeClr val="accent2"/>
-                </a:lnRef>
-                <a:fillRef idx="1">
-                  <a:schemeClr val="lt1"/>
-                </a:fillRef>
-                <a:effectRef idx="0">
-                  <a:schemeClr val="accent2"/>
-                </a:effectRef>
-                <a:fontRef idx="minor">
-                  <a:schemeClr val="dk1"/>
-                </a:fontRef>
-              </p:style>
-              <p:txBody>
-                <a:bodyPr wrap="none" anchor="ctr"/>
-                <a:lstStyle/>
-                <a:p>
-                  <a:endParaRPr lang="zh-CN" altLang="en-US"/>
-                </a:p>
-              </p:txBody>
-            </p:sp>
-            <p:sp>
-              <p:nvSpPr>
-                <p:cNvPr id="9" name="Line 31"/>
-                <p:cNvSpPr>
-                  <a:spLocks noChangeShapeType="1"/>
-                </p:cNvSpPr>
-                <p:nvPr/>
-              </p:nvSpPr>
-              <p:spPr bwMode="auto">
-                <a:xfrm flipH="1">
-                  <a:off x="816" y="1920"/>
-                  <a:ext cx="864" cy="0"/>
-                </a:xfrm>
-                <a:prstGeom prst="line">
-                  <a:avLst/>
-                </a:prstGeom>
-                <a:ln>
-                  <a:headEnd/>
-                  <a:tailEnd/>
-                </a:ln>
-                <a:extLst/>
-              </p:spPr>
-              <p:style>
-                <a:lnRef idx="2">
-                  <a:schemeClr val="accent2"/>
-                </a:lnRef>
-                <a:fillRef idx="1">
-                  <a:schemeClr val="lt1"/>
-                </a:fillRef>
-                <a:effectRef idx="0">
-                  <a:schemeClr val="accent2"/>
-                </a:effectRef>
-                <a:fontRef idx="minor">
-                  <a:schemeClr val="dk1"/>
-                </a:fontRef>
-              </p:style>
-              <p:txBody>
-                <a:bodyPr wrap="none" anchor="ctr"/>
-                <a:lstStyle/>
-                <a:p>
-                  <a:endParaRPr lang="zh-CN" altLang="en-US"/>
-                </a:p>
-              </p:txBody>
-            </p:sp>
-          </p:grpSp>
-        </p:grpSp>
-        <p:sp>
-          <p:nvSpPr>
-            <p:cNvPr id="32" name="矩形 31"/>
-            <p:cNvSpPr/>
-            <p:nvPr/>
-          </p:nvSpPr>
-          <p:spPr>
-            <a:xfrm>
-              <a:off x="4552877" y="2696858"/>
-              <a:ext cx="3797149" cy="1938992"/>
-            </a:xfrm>
-            <a:prstGeom prst="rect">
-              <a:avLst/>
-            </a:prstGeom>
-          </p:spPr>
-          <p:txBody>
-            <a:bodyPr wrap="square">
-              <a:spAutoFit/>
-            </a:bodyPr>
-            <a:lstStyle/>
-            <a:p>
-              <a:r>
-                <a:rPr lang="zh-CN" altLang="en-US" sz="2000" b="1" dirty="0">
-                  <a:solidFill>
-                    <a:srgbClr val="FF0000"/>
-                  </a:solidFill>
-                </a:rPr>
-                <a:t>int fac(int n)</a:t>
-              </a:r>
-            </a:p>
-            <a:p>
-              <a:r>
-                <a:rPr lang="zh-CN" altLang="en-US" sz="2000" b="1" dirty="0">
-                  <a:solidFill>
-                    <a:srgbClr val="FF0000"/>
-                  </a:solidFill>
-                </a:rPr>
-                <a:t>{</a:t>
-              </a:r>
-            </a:p>
-            <a:p>
-              <a:r>
-                <a:rPr lang="zh-CN" altLang="en-US" sz="2000" b="1" dirty="0">
-                  <a:solidFill>
-                    <a:srgbClr val="FF0000"/>
-                  </a:solidFill>
-                </a:rPr>
-                <a:t>	if (0 == n)  return 1;</a:t>
-              </a:r>
-            </a:p>
-            <a:p>
-              <a:endParaRPr lang="zh-CN" altLang="en-US" sz="2000" b="1" dirty="0">
-                <a:solidFill>
-                  <a:srgbClr val="FF0000"/>
-                </a:solidFill>
-              </a:endParaRPr>
-            </a:p>
-            <a:p>
-              <a:r>
-                <a:rPr lang="zh-CN" altLang="en-US" sz="2000" b="1" dirty="0">
-                  <a:solidFill>
-                    <a:srgbClr val="FF0000"/>
-                  </a:solidFill>
-                </a:rPr>
-                <a:t>	return  n * fac(n - 1);</a:t>
-              </a:r>
-            </a:p>
-            <a:p>
-              <a:r>
-                <a:rPr lang="zh-CN" altLang="en-US" sz="2000" b="1" dirty="0">
-                  <a:solidFill>
-                    <a:srgbClr val="FF0000"/>
-                  </a:solidFill>
-                </a:rPr>
-                <a:t>}</a:t>
-              </a:r>
-            </a:p>
-          </p:txBody>
-        </p:sp>
-      </p:grpSp>
-      <p:sp>
-        <p:nvSpPr>
-          <p:cNvPr id="34" name="标题 1"/>
-          <p:cNvSpPr>
-            <a:spLocks noGrp="1"/>
-          </p:cNvSpPr>
-          <p:nvPr>
-            <p:ph type="title"/>
-          </p:nvPr>
-        </p:nvSpPr>
-        <p:spPr>
-          <a:xfrm>
-            <a:off x="457200" y="800100"/>
-            <a:ext cx="8229600" cy="952500"/>
-          </a:xfrm>
-        </p:spPr>
-        <p:txBody>
-          <a:bodyPr/>
-          <a:lstStyle/>
-          <a:p>
-            <a:r>
-              <a:rPr lang="en-US" altLang="zh-CN" dirty="0"/>
-              <a:t>White Box</a:t>
-            </a:r>
-            <a:endParaRPr lang="zh-CN" altLang="en-US" dirty="0"/>
-          </a:p>
-        </p:txBody>
-      </p:sp>
-    </p:spTree>
-    <p:extLst>
-      <p:ext uri="{BB962C8B-B14F-4D97-AF65-F5344CB8AC3E}">
-        <p14:creationId xmlns:p14="http://schemas.microsoft.com/office/powerpoint/2010/main" val="2999728658"/>
-      </p:ext>
-    </p:extLst>
-  </p:cSld>
-  <p:clrMapOvr>
-    <a:masterClrMapping/>
-  </p:clrMapOvr>
-</p:sld>
-</file>
-
-<file path=ppt/slides/slide59.xml><?xml version="1.0" encoding="utf-8"?>
-<p:sld xmlns:a="http://schemas.openxmlformats.org/drawingml/2006/main" xmlns:r="http://schemas.openxmlformats.org/officeDocument/2006/relationships" xmlns:p="http://schemas.openxmlformats.org/presentationml/2006/main">
-  <p:cSld>
-    <p:spTree>
-      <p:nvGrpSpPr>
-        <p:cNvPr id="1" name=""/>
-        <p:cNvGrpSpPr/>
-        <p:nvPr/>
-      </p:nvGrpSpPr>
-      <p:grpSpPr>
-        <a:xfrm>
-          <a:off x="0" y="0"/>
-          <a:ext cx="0" cy="0"/>
-          <a:chOff x="0" y="0"/>
-          <a:chExt cx="0" cy="0"/>
-        </a:xfrm>
-      </p:grpSpPr>
-      <p:sp>
-        <p:nvSpPr>
-          <p:cNvPr id="2" name="标题 1"/>
-          <p:cNvSpPr>
-            <a:spLocks noGrp="1"/>
-          </p:cNvSpPr>
-          <p:nvPr>
-            <p:ph type="title"/>
-          </p:nvPr>
-        </p:nvSpPr>
-        <p:spPr/>
-        <p:txBody>
-          <a:bodyPr/>
-          <a:lstStyle/>
-          <a:p>
-            <a:r>
-              <a:rPr lang="zh-CN" altLang="en-US" dirty="0"/>
-              <a:t>覆盖性测试</a:t>
-            </a:r>
-          </a:p>
-        </p:txBody>
-      </p:sp>
-      <p:sp>
-        <p:nvSpPr>
-          <p:cNvPr id="3" name="内容占位符 2"/>
-          <p:cNvSpPr>
-            <a:spLocks noGrp="1"/>
-          </p:cNvSpPr>
-          <p:nvPr>
-            <p:ph idx="1"/>
-          </p:nvPr>
-        </p:nvSpPr>
-        <p:spPr>
-          <a:xfrm>
-            <a:off x="4987926" y="2543415"/>
-            <a:ext cx="2952328" cy="2952328"/>
-          </a:xfrm>
-        </p:spPr>
-        <p:txBody>
-          <a:bodyPr/>
-          <a:lstStyle/>
-          <a:p>
-            <a:r>
-              <a:rPr lang="en-US" altLang="zh-CN" dirty="0"/>
-              <a:t>age = 1</a:t>
-            </a:r>
-          </a:p>
-          <a:p>
-            <a:r>
-              <a:rPr lang="en-US" altLang="zh-CN" dirty="0"/>
-              <a:t>age = 2?</a:t>
-            </a:r>
-          </a:p>
-          <a:p>
-            <a:r>
-              <a:rPr lang="en-US" altLang="zh-CN" dirty="0"/>
-              <a:t>age = 13</a:t>
-            </a:r>
-          </a:p>
-          <a:p>
-            <a:r>
-              <a:rPr lang="en-US" altLang="zh-CN" dirty="0"/>
-              <a:t>age = 14?</a:t>
-            </a:r>
-          </a:p>
-          <a:p>
-            <a:r>
-              <a:rPr lang="en-US" altLang="zh-CN" dirty="0"/>
-              <a:t>age = 16 ?</a:t>
-            </a:r>
-            <a:endParaRPr lang="zh-CN" altLang="en-US" dirty="0"/>
-          </a:p>
-          <a:p>
-            <a:endParaRPr lang="zh-CN" altLang="en-US" dirty="0"/>
-          </a:p>
-        </p:txBody>
-      </p:sp>
-      <p:sp>
-        <p:nvSpPr>
-          <p:cNvPr id="4" name="矩形 3"/>
-          <p:cNvSpPr/>
-          <p:nvPr/>
-        </p:nvSpPr>
-        <p:spPr>
-          <a:xfrm>
-            <a:off x="1547664" y="2543415"/>
-            <a:ext cx="3024336" cy="3139321"/>
-          </a:xfrm>
-          <a:prstGeom prst="rect">
-            <a:avLst/>
-          </a:prstGeom>
-        </p:spPr>
-        <p:txBody>
-          <a:bodyPr wrap="square">
-            <a:spAutoFit/>
-          </a:bodyPr>
-          <a:lstStyle/>
-          <a:p>
-            <a:r>
-              <a:rPr lang="en-US" altLang="zh-CN" dirty="0">
-                <a:solidFill>
-                  <a:srgbClr val="000000"/>
-                </a:solidFill>
-                <a:latin typeface="Consolas" panose="020B0609020204030204" pitchFamily="49" charset="0"/>
-              </a:rPr>
-              <a:t>String </a:t>
-            </a:r>
-            <a:r>
-              <a:rPr lang="en-US" altLang="zh-CN" dirty="0" err="1">
-                <a:solidFill>
-                  <a:srgbClr val="000000"/>
-                </a:solidFill>
-                <a:latin typeface="Consolas" panose="020B0609020204030204" pitchFamily="49" charset="0"/>
-              </a:rPr>
-              <a:t>howold</a:t>
-            </a:r>
-            <a:r>
-              <a:rPr lang="en-US" altLang="zh-CN" dirty="0">
-                <a:solidFill>
-                  <a:srgbClr val="000000"/>
-                </a:solidFill>
-                <a:latin typeface="Consolas" panose="020B0609020204030204" pitchFamily="49" charset="0"/>
-              </a:rPr>
-              <a:t>(</a:t>
-            </a:r>
-            <a:r>
-              <a:rPr lang="en-US" altLang="zh-CN" b="1" dirty="0" err="1">
-                <a:solidFill>
-                  <a:srgbClr val="7F0055"/>
-                </a:solidFill>
-                <a:latin typeface="Consolas" panose="020B0609020204030204" pitchFamily="49" charset="0"/>
-              </a:rPr>
-              <a:t>int</a:t>
-            </a:r>
-            <a:r>
-              <a:rPr lang="en-US" altLang="zh-CN" b="1" dirty="0">
-                <a:solidFill>
-                  <a:srgbClr val="000000"/>
-                </a:solidFill>
-                <a:latin typeface="Consolas" panose="020B0609020204030204" pitchFamily="49" charset="0"/>
-              </a:rPr>
-              <a:t> </a:t>
-            </a:r>
-            <a:r>
-              <a:rPr lang="en-US" altLang="zh-CN" b="1" dirty="0">
-                <a:solidFill>
-                  <a:srgbClr val="6A3E3E"/>
-                </a:solidFill>
-                <a:latin typeface="Consolas" panose="020B0609020204030204" pitchFamily="49" charset="0"/>
-              </a:rPr>
-              <a:t>age</a:t>
-            </a:r>
-            <a:r>
-              <a:rPr lang="en-US" altLang="zh-CN" b="1" dirty="0">
-                <a:solidFill>
-                  <a:srgbClr val="000000"/>
-                </a:solidFill>
-                <a:latin typeface="Consolas" panose="020B0609020204030204" pitchFamily="49" charset="0"/>
-              </a:rPr>
-              <a:t>)</a:t>
-            </a:r>
-          </a:p>
-          <a:p>
-            <a:r>
-              <a:rPr lang="en-US" altLang="zh-CN" dirty="0">
-                <a:solidFill>
-                  <a:srgbClr val="000000"/>
-                </a:solidFill>
-                <a:latin typeface="Consolas" panose="020B0609020204030204" pitchFamily="49" charset="0"/>
-              </a:rPr>
-              <a:t>{</a:t>
-            </a:r>
-          </a:p>
-          <a:p>
-            <a:r>
-              <a:rPr lang="en-US" altLang="zh-CN" b="1" dirty="0">
-                <a:solidFill>
-                  <a:srgbClr val="7F0055"/>
-                </a:solidFill>
-                <a:latin typeface="Consolas" panose="020B0609020204030204" pitchFamily="49" charset="0"/>
-              </a:rPr>
-              <a:t>    if</a:t>
-            </a:r>
-            <a:r>
-              <a:rPr lang="en-US" altLang="zh-CN" b="1" dirty="0">
-                <a:solidFill>
-                  <a:srgbClr val="000000"/>
-                </a:solidFill>
-                <a:latin typeface="Consolas" panose="020B0609020204030204" pitchFamily="49" charset="0"/>
-              </a:rPr>
-              <a:t>(</a:t>
-            </a:r>
-            <a:r>
-              <a:rPr lang="en-US" altLang="zh-CN" b="1" dirty="0">
-                <a:solidFill>
-                  <a:srgbClr val="6A3E3E"/>
-                </a:solidFill>
-                <a:latin typeface="Consolas" panose="020B0609020204030204" pitchFamily="49" charset="0"/>
-              </a:rPr>
-              <a:t>age</a:t>
-            </a:r>
-            <a:r>
-              <a:rPr lang="en-US" altLang="zh-CN" b="1" dirty="0">
-                <a:solidFill>
-                  <a:srgbClr val="000000"/>
-                </a:solidFill>
-                <a:latin typeface="Consolas" panose="020B0609020204030204" pitchFamily="49" charset="0"/>
-              </a:rPr>
-              <a:t> &lt; 2)</a:t>
-            </a:r>
-          </a:p>
-          <a:p>
-            <a:r>
-              <a:rPr lang="en-US" altLang="zh-CN" b="1" dirty="0">
-                <a:solidFill>
-                  <a:srgbClr val="7F0055"/>
-                </a:solidFill>
-                <a:latin typeface="Consolas" panose="020B0609020204030204" pitchFamily="49" charset="0"/>
-              </a:rPr>
-              <a:t>       return</a:t>
-            </a:r>
-            <a:r>
-              <a:rPr lang="en-US" altLang="zh-CN" b="1" dirty="0">
-                <a:solidFill>
-                  <a:srgbClr val="000000"/>
-                </a:solidFill>
-                <a:latin typeface="Consolas" panose="020B0609020204030204" pitchFamily="49" charset="0"/>
-              </a:rPr>
-              <a:t> </a:t>
-            </a:r>
-            <a:r>
-              <a:rPr lang="en-US" altLang="zh-CN" b="1" dirty="0">
-                <a:solidFill>
-                  <a:srgbClr val="2A00FF"/>
-                </a:solidFill>
-                <a:latin typeface="Consolas" panose="020B0609020204030204" pitchFamily="49" charset="0"/>
-              </a:rPr>
-              <a:t>"Baby"</a:t>
-            </a:r>
-            <a:r>
-              <a:rPr lang="en-US" altLang="zh-CN" b="1" dirty="0">
-                <a:solidFill>
-                  <a:srgbClr val="000000"/>
-                </a:solidFill>
-                <a:latin typeface="Consolas" panose="020B0609020204030204" pitchFamily="49" charset="0"/>
-              </a:rPr>
-              <a:t>;</a:t>
-            </a:r>
-          </a:p>
-          <a:p>
-            <a:r>
-              <a:rPr lang="en-US" altLang="zh-CN" b="1" dirty="0">
-                <a:solidFill>
-                  <a:srgbClr val="7F0055"/>
-                </a:solidFill>
-                <a:latin typeface="Consolas" panose="020B0609020204030204" pitchFamily="49" charset="0"/>
-              </a:rPr>
-              <a:t>    if</a:t>
-            </a:r>
-            <a:r>
-              <a:rPr lang="en-US" altLang="zh-CN" b="1" dirty="0">
-                <a:solidFill>
-                  <a:srgbClr val="000000"/>
-                </a:solidFill>
-                <a:latin typeface="Consolas" panose="020B0609020204030204" pitchFamily="49" charset="0"/>
-              </a:rPr>
-              <a:t>(</a:t>
-            </a:r>
-            <a:r>
-              <a:rPr lang="en-US" altLang="zh-CN" b="1" dirty="0">
-                <a:solidFill>
-                  <a:srgbClr val="6A3E3E"/>
-                </a:solidFill>
-                <a:latin typeface="Consolas" panose="020B0609020204030204" pitchFamily="49" charset="0"/>
-              </a:rPr>
-              <a:t>age</a:t>
-            </a:r>
-            <a:r>
-              <a:rPr lang="en-US" altLang="zh-CN" b="1" dirty="0">
-                <a:solidFill>
-                  <a:srgbClr val="000000"/>
-                </a:solidFill>
-                <a:latin typeface="Consolas" panose="020B0609020204030204" pitchFamily="49" charset="0"/>
-              </a:rPr>
-              <a:t> &lt; 14)</a:t>
-            </a:r>
-          </a:p>
-          <a:p>
-            <a:r>
-              <a:rPr lang="en-US" altLang="zh-CN" b="1" dirty="0">
-                <a:solidFill>
-                  <a:srgbClr val="7F0055"/>
-                </a:solidFill>
-                <a:latin typeface="Consolas" panose="020B0609020204030204" pitchFamily="49" charset="0"/>
-              </a:rPr>
-              <a:t>       return</a:t>
-            </a:r>
-            <a:r>
-              <a:rPr lang="en-US" altLang="zh-CN" b="1" dirty="0">
-                <a:solidFill>
-                  <a:srgbClr val="000000"/>
-                </a:solidFill>
-                <a:latin typeface="Consolas" panose="020B0609020204030204" pitchFamily="49" charset="0"/>
-              </a:rPr>
-              <a:t> </a:t>
-            </a:r>
-            <a:r>
-              <a:rPr lang="en-US" altLang="zh-CN" b="1" dirty="0">
-                <a:solidFill>
-                  <a:srgbClr val="2A00FF"/>
-                </a:solidFill>
-                <a:latin typeface="Consolas" panose="020B0609020204030204" pitchFamily="49" charset="0"/>
-              </a:rPr>
-              <a:t>"Child"</a:t>
-            </a:r>
-            <a:r>
-              <a:rPr lang="en-US" altLang="zh-CN" b="1" dirty="0">
-                <a:solidFill>
-                  <a:srgbClr val="000000"/>
-                </a:solidFill>
-                <a:latin typeface="Consolas" panose="020B0609020204030204" pitchFamily="49" charset="0"/>
-              </a:rPr>
-              <a:t>;</a:t>
-            </a:r>
-          </a:p>
-          <a:p>
-            <a:r>
-              <a:rPr lang="en-US" altLang="zh-CN" b="1" dirty="0">
-                <a:solidFill>
-                  <a:srgbClr val="7F0055"/>
-                </a:solidFill>
-                <a:latin typeface="Consolas" panose="020B0609020204030204" pitchFamily="49" charset="0"/>
-              </a:rPr>
-              <a:t>    if</a:t>
-            </a:r>
-            <a:r>
-              <a:rPr lang="en-US" altLang="zh-CN" b="1" dirty="0">
-                <a:solidFill>
-                  <a:srgbClr val="000000"/>
-                </a:solidFill>
-                <a:latin typeface="Consolas" panose="020B0609020204030204" pitchFamily="49" charset="0"/>
-              </a:rPr>
-              <a:t>(</a:t>
-            </a:r>
-            <a:r>
-              <a:rPr lang="en-US" altLang="zh-CN" b="1" dirty="0">
-                <a:solidFill>
-                  <a:srgbClr val="6A3E3E"/>
-                </a:solidFill>
-                <a:latin typeface="Consolas" panose="020B0609020204030204" pitchFamily="49" charset="0"/>
-              </a:rPr>
-              <a:t>age</a:t>
-            </a:r>
-            <a:r>
-              <a:rPr lang="en-US" altLang="zh-CN" b="1" dirty="0">
-                <a:solidFill>
-                  <a:srgbClr val="000000"/>
-                </a:solidFill>
-                <a:latin typeface="Consolas" panose="020B0609020204030204" pitchFamily="49" charset="0"/>
-              </a:rPr>
-              <a:t> &gt; 18)</a:t>
-            </a:r>
-          </a:p>
-          <a:p>
-            <a:r>
-              <a:rPr lang="en-US" altLang="zh-CN" b="1" dirty="0">
-                <a:solidFill>
-                  <a:srgbClr val="7F0055"/>
-                </a:solidFill>
-                <a:latin typeface="Consolas" panose="020B0609020204030204" pitchFamily="49" charset="0"/>
-              </a:rPr>
-              <a:t>       return</a:t>
-            </a:r>
-            <a:r>
-              <a:rPr lang="en-US" altLang="zh-CN" b="1" dirty="0">
-                <a:solidFill>
-                  <a:srgbClr val="000000"/>
-                </a:solidFill>
-                <a:latin typeface="Consolas" panose="020B0609020204030204" pitchFamily="49" charset="0"/>
-              </a:rPr>
-              <a:t> </a:t>
-            </a:r>
-            <a:r>
-              <a:rPr lang="en-US" altLang="zh-CN" b="1" dirty="0">
-                <a:solidFill>
-                  <a:srgbClr val="2A00FF"/>
-                </a:solidFill>
-                <a:latin typeface="Consolas" panose="020B0609020204030204" pitchFamily="49" charset="0"/>
-              </a:rPr>
-              <a:t>"Adult"</a:t>
-            </a:r>
-            <a:r>
-              <a:rPr lang="en-US" altLang="zh-CN" b="1" dirty="0">
-                <a:solidFill>
-                  <a:srgbClr val="000000"/>
-                </a:solidFill>
-                <a:latin typeface="Consolas" panose="020B0609020204030204" pitchFamily="49" charset="0"/>
-              </a:rPr>
-              <a:t>;</a:t>
-            </a:r>
-          </a:p>
-          <a:p>
-            <a:r>
-              <a:rPr lang="en-US" altLang="zh-CN" b="1" dirty="0">
-                <a:solidFill>
-                  <a:srgbClr val="7F0055"/>
-                </a:solidFill>
-                <a:latin typeface="Consolas" panose="020B0609020204030204" pitchFamily="49" charset="0"/>
-              </a:rPr>
-              <a:t>    else</a:t>
-            </a:r>
-          </a:p>
-          <a:p>
-            <a:r>
-              <a:rPr lang="en-US" altLang="zh-CN" b="1" dirty="0">
-                <a:solidFill>
-                  <a:srgbClr val="7F0055"/>
-                </a:solidFill>
-                <a:latin typeface="Consolas" panose="020B0609020204030204" pitchFamily="49" charset="0"/>
-              </a:rPr>
-              <a:t>       return</a:t>
-            </a:r>
-            <a:r>
-              <a:rPr lang="en-US" altLang="zh-CN" b="1" dirty="0">
-                <a:solidFill>
-                  <a:srgbClr val="000000"/>
-                </a:solidFill>
-                <a:latin typeface="Consolas" panose="020B0609020204030204" pitchFamily="49" charset="0"/>
-              </a:rPr>
-              <a:t> </a:t>
-            </a:r>
-            <a:r>
-              <a:rPr lang="en-US" altLang="zh-CN" b="1" dirty="0">
-                <a:solidFill>
-                  <a:srgbClr val="2A00FF"/>
-                </a:solidFill>
-                <a:latin typeface="Consolas" panose="020B0609020204030204" pitchFamily="49" charset="0"/>
-              </a:rPr>
-              <a:t>""</a:t>
-            </a:r>
-            <a:r>
-              <a:rPr lang="en-US" altLang="zh-CN" b="1" dirty="0">
-                <a:solidFill>
-                  <a:srgbClr val="000000"/>
-                </a:solidFill>
-                <a:latin typeface="Consolas" panose="020B0609020204030204" pitchFamily="49" charset="0"/>
-              </a:rPr>
-              <a:t>;</a:t>
-            </a:r>
-          </a:p>
-          <a:p>
-            <a:r>
-              <a:rPr lang="en-US" altLang="zh-CN" dirty="0">
-                <a:solidFill>
-                  <a:srgbClr val="000000"/>
-                </a:solidFill>
-                <a:latin typeface="Consolas" panose="020B0609020204030204" pitchFamily="49" charset="0"/>
-              </a:rPr>
-              <a:t>}</a:t>
-            </a:r>
-            <a:endParaRPr lang="zh-CN" altLang="en-US" dirty="0"/>
-          </a:p>
-        </p:txBody>
-      </p:sp>
-    </p:spTree>
-    <p:extLst>
-      <p:ext uri="{BB962C8B-B14F-4D97-AF65-F5344CB8AC3E}">
-        <p14:creationId xmlns:p14="http://schemas.microsoft.com/office/powerpoint/2010/main" val="993218479"/>
-      </p:ext>
-    </p:extLst>
-  </p:cSld>
-  <p:clrMapOvr>
-    <a:masterClrMapping/>
-  </p:clrMapOvr>
+  <mc:AlternateContent xmlns:mc="http://schemas.openxmlformats.org/markup-compatibility/2006" xmlns:p14="http://schemas.microsoft.com/office/powerpoint/2010/main">
+    <mc:Choice Requires="p14">
+      <p:transition spd="slow" p14:dur="999"/>
+    </mc:Choice>
+    <mc:Fallback xmlns="">
+      <p:transition spd="slow"/>
+    </mc:Fallback>
+  </mc:AlternateContent>
 </p:sld>
 </file>
 
@@ -26763,361 +22240,6 @@
   <p:clrMapOvr>
     <a:masterClrMapping/>
   </p:clrMapOvr>
-</p:sld>
-</file>
-
-<file path=ppt/slides/slide60.xml><?xml version="1.0" encoding="utf-8"?>
-<p:sld xmlns:a="http://schemas.openxmlformats.org/drawingml/2006/main" xmlns:r="http://schemas.openxmlformats.org/officeDocument/2006/relationships" xmlns:p="http://schemas.openxmlformats.org/presentationml/2006/main">
-  <p:cSld>
-    <p:spTree>
-      <p:nvGrpSpPr>
-        <p:cNvPr id="1" name=""/>
-        <p:cNvGrpSpPr/>
-        <p:nvPr/>
-      </p:nvGrpSpPr>
-      <p:grpSpPr>
-        <a:xfrm>
-          <a:off x="0" y="0"/>
-          <a:ext cx="0" cy="0"/>
-          <a:chOff x="0" y="0"/>
-          <a:chExt cx="0" cy="0"/>
-        </a:xfrm>
-      </p:grpSpPr>
-      <p:sp>
-        <p:nvSpPr>
-          <p:cNvPr id="2" name="标题 1"/>
-          <p:cNvSpPr>
-            <a:spLocks noGrp="1"/>
-          </p:cNvSpPr>
-          <p:nvPr>
-            <p:ph type="title"/>
-          </p:nvPr>
-        </p:nvSpPr>
-        <p:spPr/>
-        <p:txBody>
-          <a:bodyPr/>
-          <a:lstStyle/>
-          <a:p>
-            <a:r>
-              <a:rPr lang="zh-CN" altLang="en-US" dirty="0"/>
-              <a:t>边界值检测</a:t>
-            </a:r>
-          </a:p>
-        </p:txBody>
-      </p:sp>
-      <p:sp>
-        <p:nvSpPr>
-          <p:cNvPr id="3" name="内容占位符 2"/>
-          <p:cNvSpPr>
-            <a:spLocks noGrp="1"/>
-          </p:cNvSpPr>
-          <p:nvPr>
-            <p:ph idx="1"/>
-          </p:nvPr>
-        </p:nvSpPr>
-        <p:spPr>
-          <a:xfrm>
-            <a:off x="5148064" y="2625008"/>
-            <a:ext cx="2376264" cy="2808312"/>
-          </a:xfrm>
-        </p:spPr>
-        <p:txBody>
-          <a:bodyPr/>
-          <a:lstStyle/>
-          <a:p>
-            <a:r>
-              <a:rPr lang="en-US" altLang="zh-CN" dirty="0"/>
-              <a:t>n=0;</a:t>
-            </a:r>
-          </a:p>
-          <a:p>
-            <a:r>
-              <a:rPr lang="en-US" altLang="zh-CN" dirty="0"/>
-              <a:t>n = 32767 ?</a:t>
-            </a:r>
-          </a:p>
-          <a:p>
-            <a:r>
-              <a:rPr lang="en-US" altLang="zh-CN" dirty="0"/>
-              <a:t>n = 16384 ?</a:t>
-            </a:r>
-          </a:p>
-          <a:p>
-            <a:r>
-              <a:rPr lang="en-US" altLang="zh-CN" dirty="0"/>
-              <a:t>n = -16384;</a:t>
-            </a:r>
-          </a:p>
-          <a:p>
-            <a:r>
-              <a:rPr lang="en-US" altLang="zh-CN" dirty="0"/>
-              <a:t>n = -16385;</a:t>
-            </a:r>
-            <a:endParaRPr lang="zh-CN" altLang="en-US" dirty="0"/>
-          </a:p>
-        </p:txBody>
-      </p:sp>
-      <p:sp>
-        <p:nvSpPr>
-          <p:cNvPr id="4" name="矩形 3"/>
-          <p:cNvSpPr/>
-          <p:nvPr/>
-        </p:nvSpPr>
-        <p:spPr>
-          <a:xfrm>
-            <a:off x="1619672" y="2821613"/>
-            <a:ext cx="3600400" cy="1200329"/>
-          </a:xfrm>
-          <a:prstGeom prst="rect">
-            <a:avLst/>
-          </a:prstGeom>
-        </p:spPr>
-        <p:txBody>
-          <a:bodyPr wrap="square">
-            <a:spAutoFit/>
-          </a:bodyPr>
-          <a:lstStyle/>
-          <a:p>
-            <a:r>
-              <a:rPr lang="en-US" altLang="zh-CN" b="1" dirty="0">
-                <a:solidFill>
-                  <a:srgbClr val="7F0055"/>
-                </a:solidFill>
-                <a:latin typeface="Consolas" panose="020B0609020204030204" pitchFamily="49" charset="0"/>
-              </a:rPr>
-              <a:t>short</a:t>
-            </a:r>
-            <a:r>
-              <a:rPr lang="en-US" altLang="zh-CN" b="1" dirty="0">
-                <a:solidFill>
-                  <a:srgbClr val="000000"/>
-                </a:solidFill>
-                <a:latin typeface="Consolas" panose="020B0609020204030204" pitchFamily="49" charset="0"/>
-              </a:rPr>
-              <a:t> </a:t>
-            </a:r>
-            <a:r>
-              <a:rPr lang="en-US" altLang="zh-CN" b="1" dirty="0" err="1">
-                <a:solidFill>
-                  <a:srgbClr val="000000"/>
-                </a:solidFill>
-                <a:latin typeface="Consolas" panose="020B0609020204030204" pitchFamily="49" charset="0"/>
-              </a:rPr>
-              <a:t>doubleme</a:t>
-            </a:r>
-            <a:r>
-              <a:rPr lang="en-US" altLang="zh-CN" b="1" dirty="0">
-                <a:solidFill>
-                  <a:srgbClr val="000000"/>
-                </a:solidFill>
-                <a:latin typeface="Consolas" panose="020B0609020204030204" pitchFamily="49" charset="0"/>
-              </a:rPr>
-              <a:t>(</a:t>
-            </a:r>
-            <a:r>
-              <a:rPr lang="en-US" altLang="zh-CN" b="1" dirty="0">
-                <a:solidFill>
-                  <a:srgbClr val="7F0055"/>
-                </a:solidFill>
-                <a:latin typeface="Consolas" panose="020B0609020204030204" pitchFamily="49" charset="0"/>
-              </a:rPr>
-              <a:t>short</a:t>
-            </a:r>
-            <a:r>
-              <a:rPr lang="en-US" altLang="zh-CN" b="1" dirty="0">
-                <a:solidFill>
-                  <a:srgbClr val="000000"/>
-                </a:solidFill>
-                <a:latin typeface="Consolas" panose="020B0609020204030204" pitchFamily="49" charset="0"/>
-              </a:rPr>
-              <a:t> </a:t>
-            </a:r>
-            <a:r>
-              <a:rPr lang="en-US" altLang="zh-CN" b="1" dirty="0">
-                <a:solidFill>
-                  <a:srgbClr val="6A3E3E"/>
-                </a:solidFill>
-                <a:latin typeface="Consolas" panose="020B0609020204030204" pitchFamily="49" charset="0"/>
-              </a:rPr>
-              <a:t>n</a:t>
-            </a:r>
-            <a:r>
-              <a:rPr lang="en-US" altLang="zh-CN" b="1" dirty="0">
-                <a:solidFill>
-                  <a:srgbClr val="000000"/>
-                </a:solidFill>
-                <a:latin typeface="Consolas" panose="020B0609020204030204" pitchFamily="49" charset="0"/>
-              </a:rPr>
-              <a:t>)</a:t>
-            </a:r>
-          </a:p>
-          <a:p>
-            <a:r>
-              <a:rPr lang="en-US" altLang="zh-CN" dirty="0">
-                <a:solidFill>
-                  <a:srgbClr val="000000"/>
-                </a:solidFill>
-                <a:latin typeface="Consolas" panose="020B0609020204030204" pitchFamily="49" charset="0"/>
-              </a:rPr>
-              <a:t>{</a:t>
-            </a:r>
-          </a:p>
-          <a:p>
-            <a:r>
-              <a:rPr lang="en-US" altLang="zh-CN" b="1" dirty="0">
-                <a:solidFill>
-                  <a:srgbClr val="7F0055"/>
-                </a:solidFill>
-                <a:latin typeface="Consolas" panose="020B0609020204030204" pitchFamily="49" charset="0"/>
-              </a:rPr>
-              <a:t>   return</a:t>
-            </a:r>
-            <a:r>
-              <a:rPr lang="en-US" altLang="zh-CN" b="1" dirty="0">
-                <a:solidFill>
-                  <a:srgbClr val="000000"/>
-                </a:solidFill>
-                <a:latin typeface="Consolas" panose="020B0609020204030204" pitchFamily="49" charset="0"/>
-              </a:rPr>
-              <a:t> (</a:t>
-            </a:r>
-            <a:r>
-              <a:rPr lang="en-US" altLang="zh-CN" b="1" dirty="0">
-                <a:solidFill>
-                  <a:srgbClr val="7F0055"/>
-                </a:solidFill>
-                <a:latin typeface="Consolas" panose="020B0609020204030204" pitchFamily="49" charset="0"/>
-              </a:rPr>
-              <a:t>short</a:t>
-            </a:r>
-            <a:r>
-              <a:rPr lang="en-US" altLang="zh-CN" b="1" dirty="0">
-                <a:solidFill>
-                  <a:srgbClr val="000000"/>
-                </a:solidFill>
-                <a:latin typeface="Consolas" panose="020B0609020204030204" pitchFamily="49" charset="0"/>
-              </a:rPr>
-              <a:t>)(</a:t>
-            </a:r>
-            <a:r>
-              <a:rPr lang="en-US" altLang="zh-CN" b="1" dirty="0">
-                <a:solidFill>
-                  <a:srgbClr val="6A3E3E"/>
-                </a:solidFill>
-                <a:latin typeface="Consolas" panose="020B0609020204030204" pitchFamily="49" charset="0"/>
-              </a:rPr>
-              <a:t>n</a:t>
-            </a:r>
-            <a:r>
-              <a:rPr lang="en-US" altLang="zh-CN" b="1" dirty="0">
-                <a:solidFill>
-                  <a:srgbClr val="000000"/>
-                </a:solidFill>
-                <a:latin typeface="Consolas" panose="020B0609020204030204" pitchFamily="49" charset="0"/>
-              </a:rPr>
-              <a:t> * 2);</a:t>
-            </a:r>
-          </a:p>
-          <a:p>
-            <a:r>
-              <a:rPr lang="en-US" altLang="zh-CN" dirty="0">
-                <a:solidFill>
-                  <a:srgbClr val="000000"/>
-                </a:solidFill>
-                <a:latin typeface="Consolas" panose="020B0609020204030204" pitchFamily="49" charset="0"/>
-              </a:rPr>
-              <a:t>}</a:t>
-            </a:r>
-            <a:endParaRPr lang="zh-CN" altLang="en-US" dirty="0"/>
-          </a:p>
-        </p:txBody>
-      </p:sp>
-    </p:spTree>
-    <p:extLst>
-      <p:ext uri="{BB962C8B-B14F-4D97-AF65-F5344CB8AC3E}">
-        <p14:creationId xmlns:p14="http://schemas.microsoft.com/office/powerpoint/2010/main" val="4078884481"/>
-      </p:ext>
-    </p:extLst>
-  </p:cSld>
-  <p:clrMapOvr>
-    <a:masterClrMapping/>
-  </p:clrMapOvr>
-</p:sld>
-</file>
-
-<file path=ppt/slides/slide61.xml><?xml version="1.0" encoding="utf-8"?>
-<p:sld xmlns:a="http://schemas.openxmlformats.org/drawingml/2006/main" xmlns:r="http://schemas.openxmlformats.org/officeDocument/2006/relationships" xmlns:p="http://schemas.openxmlformats.org/presentationml/2006/main">
-  <p:cSld>
-    <p:spTree>
-      <p:nvGrpSpPr>
-        <p:cNvPr id="1" name=""/>
-        <p:cNvGrpSpPr/>
-        <p:nvPr/>
-      </p:nvGrpSpPr>
-      <p:grpSpPr>
-        <a:xfrm>
-          <a:off x="0" y="0"/>
-          <a:ext cx="0" cy="0"/>
-          <a:chOff x="0" y="0"/>
-          <a:chExt cx="0" cy="0"/>
-        </a:xfrm>
-      </p:grpSpPr>
-      <p:sp>
-        <p:nvSpPr>
-          <p:cNvPr id="4" name="标题 1">
-            <a:extLst>
-              <a:ext uri="{FF2B5EF4-FFF2-40B4-BE49-F238E27FC236}">
-                <a16:creationId xmlns:a16="http://schemas.microsoft.com/office/drawing/2014/main" id="{26B955D9-005A-428C-8CA4-0EF4096A476A}"/>
-              </a:ext>
-            </a:extLst>
-          </p:cNvPr>
-          <p:cNvSpPr>
-            <a:spLocks noGrp="1"/>
-          </p:cNvSpPr>
-          <p:nvPr>
-            <p:ph type="title" idx="4294967295"/>
-          </p:nvPr>
-        </p:nvSpPr>
-        <p:spPr>
-          <a:xfrm>
-            <a:off x="628650" y="2996952"/>
-            <a:ext cx="7886700" cy="993775"/>
-          </a:xfrm>
-        </p:spPr>
-        <p:txBody>
-          <a:bodyPr/>
-          <a:lstStyle/>
-          <a:p>
-            <a:pPr algn="ctr"/>
-            <a:r>
-              <a:rPr lang="en-US" altLang="zh-CN" b="1" dirty="0">
-                <a:latin typeface="Adobe 黑体 Std R" panose="020B0400000000000000" pitchFamily="34" charset="-122"/>
-                <a:ea typeface="Adobe 黑体 Std R" panose="020B0400000000000000" pitchFamily="34" charset="-122"/>
-              </a:rPr>
-              <a:t>Q&amp;A</a:t>
-            </a:r>
-            <a:endParaRPr lang="zh-CN" altLang="en-US" b="1" dirty="0"/>
-          </a:p>
-        </p:txBody>
-      </p:sp>
-    </p:spTree>
-    <p:extLst>
-      <p:ext uri="{BB962C8B-B14F-4D97-AF65-F5344CB8AC3E}">
-        <p14:creationId xmlns:p14="http://schemas.microsoft.com/office/powerpoint/2010/main" val="3318477899"/>
-      </p:ext>
-    </p:extLst>
-  </p:cSld>
-  <p:clrMapOvr>
-    <a:masterClrMapping/>
-  </p:clrMapOvr>
-  <mc:AlternateContent xmlns:mc="http://schemas.openxmlformats.org/markup-compatibility/2006" xmlns:p14="http://schemas.microsoft.com/office/powerpoint/2010/main">
-    <mc:Choice Requires="p14">
-      <p:transition spd="slow" p14:dur="999"/>
-    </mc:Choice>
-    <mc:Fallback xmlns="">
-      <p:transition spd="slow"/>
-    </mc:Fallback>
-  </mc:AlternateContent>
 </p:sld>
 </file>
 

--- a/software/Ch_4_pro.pptx
+++ b/software/Ch_4_pro.pptx
@@ -5,7 +5,7 @@
     <p:sldMasterId id="2147483665" r:id="rId1"/>
   </p:sldMasterIdLst>
   <p:notesMasterIdLst>
-    <p:notesMasterId r:id="rId56"/>
+    <p:notesMasterId r:id="rId60"/>
   </p:notesMasterIdLst>
   <p:sldIdLst>
     <p:sldId id="256" r:id="rId2"/>
@@ -61,7 +61,11 @@
     <p:sldId id="491" r:id="rId52"/>
     <p:sldId id="593" r:id="rId53"/>
     <p:sldId id="594" r:id="rId54"/>
-    <p:sldId id="381" r:id="rId55"/>
+    <p:sldId id="597" r:id="rId55"/>
+    <p:sldId id="595" r:id="rId56"/>
+    <p:sldId id="596" r:id="rId57"/>
+    <p:sldId id="598" r:id="rId58"/>
+    <p:sldId id="381" r:id="rId59"/>
   </p:sldIdLst>
   <p:sldSz cx="9144000" cy="6858000" type="screen4x3"/>
   <p:notesSz cx="6858000" cy="9144000"/>
@@ -1073,22 +1077,22 @@
       <inkml:brushProperty name="ignorePressure" value="1"/>
     </inkml:brush>
   </inkml:definitions>
-  <inkml:trace contextRef="#ctx0" brushRef="#br0">2513 3206,'154'15,"403"-18,2649-10,-2163 14,-392-20,1887-61,763 81,-3201 2,-66 2</inkml:trace>
-  <inkml:trace contextRef="#ctx0" brushRef="#br0" timeOffset="2703.1239">14787 2107,'57'-2,"-2"-3,1-2,-1-2,31-10,356-100,-407 111,1 2,0 2,0 1,0 2,0 2,6 1,32-1,419 1,-430 3,-2 3,1 1,-2 5,0 1,36 16,90 29,100 17,-224-64,0 4,-1 2,-1 2,0 3,-2 3,28 18,136 90,-186-119,1 2,-2 2,1 1,-3 1,0 2,28 27,31 29,-67-62,-1 2,-1 1,0 1,-2 0,-1 1,0 2,15 26,98 230,-126-252,0 1,-1-1,-2 1,-1 0,-2 0,-1 0,-3 26,2-2,1-37,-2-1,0-1,-1 1,0 0,-2-1,1 0,-1 0,-2 0,0-1,0 0,-1 1,-9 10,-145 257,94-220,-31 8,-80 56,-120 26,33-44,-21-8,22-10,-424 87,407-126,175-34,-45 10,-1-6,0-8,-103-5,95 10,-80 15,199-28</inkml:trace>
-  <inkml:trace contextRef="#ctx0" brushRef="#br0" timeOffset="4296.874">14355 1929,'42'85,"-9"3,-4 1,-4 2,-4 0,-3 2,-2 34,39 245,-9-130,-33-162,-4 0,-3 1,-3 51,-4 579,-19-478,0-76,12-82,8-74,0 1,0-1,-1 2,1-2,-1 1,1-1,-1 1,1-1,-1 1,0-1,0 1,1-1,-1 1,-1-2,2 2,-2-1,1 0,0 1,-1-2,2 2,-2-1,1-1,-1 1,1 0,-1 0,1-1,-1 1,1 0,-1-1,1 1,-2-1,2 0,-1 0,1 0,-1 0,0 0,1 0,-1 0,1 0,-1-1,-1 0,-12-6</inkml:trace>
-  <inkml:trace contextRef="#ctx0" brushRef="#br1" timeOffset="79738.366">12529 3050,'-1'-6,"-1"1,0 0,0 0,-1 0,1 1,0-1,-1 1,0-1,-1 1,1 0,-1 0,1 0,-2 1,-3-3,-2-4,-309-292,-76-118,332 361,-37-34,4-4,-35-49,60 59,-5 3,-26-19,-10-13,5-5,-77-116,94 117,-57-57,33 33,-6 12,35 39,-44-86,29 37,61 91,32 41</inkml:trace>
-  <inkml:trace contextRef="#ctx0" brushRef="#br1" timeOffset="83566.491">11173 3187,'16'76,"-17"-28,-3 0,0 0,-4 0,-10 36,-12 79,18-50,-41 233,49-330,-35 152,-12 131,19-49,-29 87,4-17,19-170,29-104,-2-1,-3 0,-1-1,-2-1,-3 2,-65 125,39-14,34-121,0 0,3 1,1 0,2 0,-1 30,-11 42,17-93</inkml:trace>
+  <inkml:trace contextRef="#ctx0" brushRef="#br0">2513 3206,'154'15,"403"-18,2649-10,-2163 14,-392-20,1888-61,762 81,-3201 2,-66 2</inkml:trace>
+  <inkml:trace contextRef="#ctx0" brushRef="#br0" timeOffset="2703.1239">14788 2107,'57'-2,"-2"-3,1-2,-1-2,31-10,356-100,-407 111,1 2,0 2,0 1,0 2,0 2,6 1,32-1,419 1,-430 3,-2 3,1 1,-2 5,0 1,36 16,90 29,100 17,-224-64,0 4,-1 2,-1 2,0 3,-2 3,28 18,136 90,-186-119,1 2,-2 2,1 1,-3 1,0 2,28 27,31 29,-67-62,-1 2,-1 1,0 1,-2 0,-1 1,0 2,15 26,98 230,-126-252,0 1,-1-1,-2 1,-1-1,-2 1,-1 0,-3 26,2-2,1-37,-2-1,0-1,-1 1,0 0,-2-1,1 0,-1 0,-2 0,0-1,0 0,-1 1,-9 10,-145 257,94-220,-31 8,-80 56,-120 26,33-44,-21-8,22-10,-424 87,407-126,175-34,-45 10,-1-6,0-8,-103-5,95 10,-80 15,199-28</inkml:trace>
+  <inkml:trace contextRef="#ctx0" brushRef="#br0" timeOffset="4296.874">14356 1929,'42'85,"-9"3,-4 1,-4 2,-4 0,-3 2,-2 34,39 245,-9-130,-33-162,-4-1,-3 2,-3 51,-4 579,-19-478,0-76,12-82,8-74,0 1,0-1,-1 2,1-2,-1 1,1-1,-1 1,1-1,-1 1,0-1,0 1,1-1,-1 1,-1-2,2 2,-2-1,1 0,0 1,-1-2,2 2,-2-1,1-1,-1 1,1 0,-1 0,1-1,-1 1,1 0,-1-1,1 1,-2-1,2 0,-1 0,1 0,-1 0,0 0,1 0,-1 0,1 0,-1-1,-1 0,-12-6</inkml:trace>
+  <inkml:trace contextRef="#ctx0" brushRef="#br1" timeOffset="79738.366">12530 3050,'-1'-6,"-1"1,0 0,0 0,-1 0,1 1,0-1,-1 1,0-1,-1 1,1 0,-1 0,1 0,-2 1,-3-3,-2-4,-309-292,-76-118,332 361,-37-34,4-4,-35-49,60 59,-5 3,-26-19,-10-13,5-5,-77-116,94 117,-57-57,33 33,-6 12,35 39,-44-86,29 37,61 91,32 41</inkml:trace>
+  <inkml:trace contextRef="#ctx0" brushRef="#br1" timeOffset="83566.491">11174 3187,'16'76,"-17"-28,-3-1,0 1,-4 0,-10 36,-12 79,18-50,-41 233,49-330,-35 152,-12 131,19-49,-29 87,4-17,19-170,29-104,-2-1,-3 0,-1-1,-2-1,-3 2,-65 125,39-14,34-121,0 0,3 1,1 0,2 0,-1 30,-11 42,17-93</inkml:trace>
   <inkml:trace contextRef="#ctx0" brushRef="#br1" timeOffset="85425.841">8660 3050,'-26'-47,"-211"-335,40 54,60 97,45 87,7-4,-58-140,-46-51,74 146,34 50,-44-84,30 63,29 62,46 64,12 30</inkml:trace>
-  <inkml:trace contextRef="#ctx0" brushRef="#br1" timeOffset="87628.991">7914 3246,'-32'120,"-58"65,60-131,-58 153,1-7,-30 82,-57 154,84-179,27-113,-94 180,31-72,-14-21,43-21,55-106,-6-3,-2 54,1-46,43-97</inkml:trace>
+  <inkml:trace contextRef="#ctx0" brushRef="#br1" timeOffset="87628.991">7914 3246,'-32'119,"-58"66,60-131,-58 153,1-7,-30 82,-57 154,84-179,27-113,-94 180,31-72,-14-21,43-21,55-106,-6-3,-2 54,1-46,43-97</inkml:trace>
   <inkml:trace contextRef="#ctx0" brushRef="#br1" timeOffset="89503.953">5753 3128,'-32'-77,"20"56,-88-142,-97-164,14-13,22 64,-39-74,91 175,15 21,-43-80,80 128,39 75,1-1,1 0,2-1,-7-25,-48-95,22 61,-14-32,56 111</inkml:trace>
-  <inkml:trace contextRef="#ctx0" brushRef="#br1" timeOffset="91582.117">3966 3148,'-27'72,"12"-41,-1 0,-1-1,-1-1,-2 0,-1-2,-22 23,6-6,-221 259,42-68,-39 55,88-110,47-48,-6-6,-48 35,-82 81,157-156,-27 15,-4-2,-36 31,114-58,35-39,10-17</inkml:trace>
-  <inkml:trace contextRef="#ctx0" brushRef="#br1" timeOffset="96852.259">510 1989,'63'34,"188"144,-95-55,-66-33,-65-68,1-2,0 0,2-2,0-2,26 12,66 41,-58-22,-3 2,-2 4,5 8,-15-15,114 94,-73-60,-86-78,0-1,0 2,-1-1,1-1,0 2,0-1,-2 1,2-1,-1 0,0 1,0 0,0-1,-1 1,1-1,0 1,-1 0,1-1,-1 1,0 0,0 0,0 0,-1-1,1 1,-1 0,0-1,1 1,-1-1,-1 1,2 0,-2-1,1 0,-1 0,1 1,-1-1,1 0,-2 0,2 0,-3 1,-1 1,0 0,-1 0,1-1,-1 0,0 0,0 0,0-1,0 0,0 0,-1-1,1 1,0-1,-1-1,-4 0,-45 12,-85 37,-58 43,84-35,55-26,-2-2,0-3,-1-3,-8 0,-151 50,81-24,-48 10,45-18,113-32,2 1,0 1,0 2,1 1,0 1,-4 6,10-8,-27 19,34-23</inkml:trace>
-  <inkml:trace contextRef="#ctx0" brushRef="#br1" timeOffset="98133.439">333 2087,'5'2,"-1"-1,1 2,-1-1,1 0,-1 0,1 1,-1 0,0 0,0 0,0 1,-1-1,1 1,-1 0,0 0,0 1,0-2,0 2,-1-1,1 1,-2 0,1 0,0 0,0 4,2 1,49 184,-42-124,-4 2,-2 0,-5-1,-3 24,1 20,-17 147,-2-16,1-56,1-24,-5-131,13-30</inkml:trace>
+  <inkml:trace contextRef="#ctx0" brushRef="#br1" timeOffset="91582.117">3966 3148,'-27'72,"12"-41,-1 0,-1-1,-1-2,-2 1,-1-2,-22 23,6-6,-221 259,42-68,-39 55,88-110,47-48,-6-6,-48 35,-82 81,157-156,-27 15,-4-2,-36 31,114-58,35-39,10-17</inkml:trace>
+  <inkml:trace contextRef="#ctx0" brushRef="#br1" timeOffset="96852.259">510 1989,'63'34,"188"144,-95-55,-66-33,-65-68,1-2,0 0,2-2,0-2,26 12,66 41,-58-22,-3 2,-2 4,5 8,-15-15,114 94,-73-60,-86-78,0-1,0 2,-1-1,1-1,0 2,0-1,-2 1,2-1,-1 0,0 1,0 0,0-1,-1 1,1-1,0 1,-1 0,1-1,-1 1,0 0,0 0,0 0,-1-1,1 1,-1 0,0-1,1 1,-1-1,-1 1,2 0,-2-1,1 0,-1 0,1 1,-1-1,1 0,-2 0,2 0,-3 1,-1 1,0 0,-1 0,1-1,-1 0,0 0,0 0,0-1,0 0,0 0,-1-1,1 1,0-1,-1-1,-4 0,-45 12,-85 37,-58 42,84-34,55-26,-2-2,0-3,-1-3,-8 0,-151 50,81-24,-48 10,45-18,113-32,2 1,0 1,0 2,1 1,0 1,-4 6,10-8,-27 19,34-23</inkml:trace>
+  <inkml:trace contextRef="#ctx0" brushRef="#br1" timeOffset="98133.439">333 2087,'5'2,"-1"-1,1 2,-1-1,1 0,-1 0,1 1,-1 0,0 0,0 0,0 1,-1-1,1 1,-1 0,0 0,0 1,0-2,0 2,-1-1,1 1,-2 0,1 0,0 0,0 4,2 1,49 184,-42-124,-4 2,-2 0,-5-1,-3 24,1 20,-17 147,-2-17,1-55,1-24,-5-131,13-30</inkml:trace>
   <inkml:trace contextRef="#ctx0" brushRef="#br1" timeOffset="99102.259">490 2813,'449'0,"-221"29,-140-14,542 61,-593-72,-12 1</inkml:trace>
   <inkml:trace contextRef="#ctx0" brushRef="#br1" timeOffset="100024.118">627 3108,'671'-1,"-562"-8,-75 6,1 0,-2 1,2 2,-1 2,0 1,3 1,-27 0,-9-1</inkml:trace>
-  <inkml:trace contextRef="#ctx0" brushRef="#br1" timeOffset="100774.091">765 3403,'6'-3,"17"-5,17-1,11-2,11-2,2 0,-7 2,-10 5,-10 1,-10 3</inkml:trace>
+  <inkml:trace contextRef="#ctx0" brushRef="#br1" timeOffset="100774.091">765 3402,'6'-3,"17"-5,17-1,11-2,11-2,2 0,-7 2,-10 6,-10 0,-10 3</inkml:trace>
   <inkml:trace contextRef="#ctx0" brushRef="#br1" timeOffset="101821.01">666 2460,'4'3,"4"2,1 2,2 1,2-1,3-2,12-2,11-1,2 2,-2 0,-8 4,-6 0,-4-2,-2-1,-1-2,4-1,0-2,-3 0</inkml:trace>
-  <inkml:trace contextRef="#ctx0" brushRef="#br1" timeOffset="103617.885">490 3344,'4'0,"3"0,5 0,3 0,3 0,2 0,0 0,0 0,1-4,0 0,-1 0,-1 0,-2 2</inkml:trace>
+  <inkml:trace contextRef="#ctx0" brushRef="#br1" timeOffset="103617.885">490 3343,'4'0,"3"0,5 0,3 0,3 0,2 0,0 0,0 0,1-4,0 0,-1 1,-1-1,-2 2</inkml:trace>
   <inkml:trace contextRef="#ctx0" brushRef="#br1" timeOffset="107774.135">4202 398,'-27'-60,"4"21,-69-189,68 169,19 47</inkml:trace>
 </inkml:ink>
 </file>
@@ -8802,8 +8806,8 @@
         </p:nvSpPr>
         <p:spPr>
           <a:xfrm>
-            <a:off x="1763713" y="1844675"/>
-            <a:ext cx="5689600" cy="1473200"/>
+            <a:off x="1691680" y="1628800"/>
+            <a:ext cx="5905649" cy="1473200"/>
           </a:xfrm>
         </p:spPr>
         <p:txBody>
@@ -8816,6 +8820,8 @@
                 <a:ln>
                   <a:noFill/>
                 </a:ln>
+                <a:latin typeface="Adobe 黑体 Std R" panose="020B0400000000000000" pitchFamily="34" charset="-122"/>
+                <a:ea typeface="Adobe 黑体 Std R" panose="020B0400000000000000" pitchFamily="34" charset="-122"/>
               </a:rPr>
               <a:t>Ch4 </a:t>
             </a:r>
@@ -8824,6 +8830,8 @@
                 <a:ln>
                   <a:noFill/>
                 </a:ln>
+                <a:latin typeface="Adobe 黑体 Std R" panose="020B0400000000000000" pitchFamily="34" charset="-122"/>
+                <a:ea typeface="Adobe 黑体 Std R" panose="020B0400000000000000" pitchFamily="34" charset="-122"/>
               </a:rPr>
               <a:t>项目及项目进程</a:t>
             </a:r>
@@ -21044,7 +21052,7 @@
           <a:graphicData uri="http://schemas.openxmlformats.org/presentationml/2006/ole">
             <mc:AlternateContent xmlns:mc="http://schemas.openxmlformats.org/markup-compatibility/2006">
               <mc:Choice xmlns:v="urn:schemas-microsoft-com:vml" Requires="v">
-                <p:oleObj spid="_x0000_s3103" name="图表" r:id="rId3" imgW="9201088" imgH="4362480" progId="MSGraph.Chart.8">
+                <p:oleObj spid="_x0000_s3114" name="图表" r:id="rId3" imgW="9201088" imgH="4362480" progId="MSGraph.Chart.8">
                   <p:embed/>
                 </p:oleObj>
               </mc:Choice>
@@ -22108,6 +22116,4370 @@
 </file>
 
 <file path=ppt/slides/slide54.xml><?xml version="1.0" encoding="utf-8"?>
+<p:sld xmlns:a="http://schemas.openxmlformats.org/drawingml/2006/main" xmlns:r="http://schemas.openxmlformats.org/officeDocument/2006/relationships" xmlns:p="http://schemas.openxmlformats.org/presentationml/2006/main">
+  <p:cSld>
+    <p:spTree>
+      <p:nvGrpSpPr>
+        <p:cNvPr id="1" name=""/>
+        <p:cNvGrpSpPr/>
+        <p:nvPr/>
+      </p:nvGrpSpPr>
+      <p:grpSpPr>
+        <a:xfrm>
+          <a:off x="0" y="0"/>
+          <a:ext cx="0" cy="0"/>
+          <a:chOff x="0" y="0"/>
+          <a:chExt cx="0" cy="0"/>
+        </a:xfrm>
+      </p:grpSpPr>
+      <p:sp>
+        <p:nvSpPr>
+          <p:cNvPr id="2" name="标题 1"/>
+          <p:cNvSpPr>
+            <a:spLocks noGrp="1"/>
+          </p:cNvSpPr>
+          <p:nvPr>
+            <p:ph type="title"/>
+          </p:nvPr>
+        </p:nvSpPr>
+        <p:spPr/>
+        <p:txBody>
+          <a:bodyPr/>
+          <a:lstStyle/>
+          <a:p>
+            <a:r>
+              <a:rPr lang="zh-CN" altLang="en-US" dirty="0" smtClean="0"/>
+              <a:t>单元测试</a:t>
+            </a:r>
+            <a:r>
+              <a:rPr lang="en-US" altLang="zh-CN" dirty="0" smtClean="0"/>
+              <a:t>/</a:t>
+            </a:r>
+            <a:r>
+              <a:rPr lang="zh-CN" altLang="en-US" dirty="0" smtClean="0"/>
+              <a:t>集成测试</a:t>
+            </a:r>
+            <a:endParaRPr lang="zh-CN" altLang="en-US" dirty="0"/>
+          </a:p>
+        </p:txBody>
+      </p:sp>
+      <p:grpSp>
+        <p:nvGrpSpPr>
+          <p:cNvPr id="3" name="组合 2"/>
+          <p:cNvGrpSpPr/>
+          <p:nvPr/>
+        </p:nvGrpSpPr>
+        <p:grpSpPr>
+          <a:xfrm>
+            <a:off x="1763688" y="2708920"/>
+            <a:ext cx="6048672" cy="2736304"/>
+            <a:chOff x="1169257" y="2708920"/>
+            <a:chExt cx="5779007" cy="2664296"/>
+          </a:xfrm>
+        </p:grpSpPr>
+        <p:pic>
+          <p:nvPicPr>
+            <p:cNvPr id="6" name="图片 5"/>
+            <p:cNvPicPr>
+              <a:picLocks noChangeAspect="1"/>
+            </p:cNvPicPr>
+            <p:nvPr/>
+          </p:nvPicPr>
+          <p:blipFill>
+            <a:blip r:embed="rId2">
+              <a:extLst>
+                <a:ext uri="{BEBA8EAE-BF5A-486C-A8C5-ECC9F3942E4B}">
+                  <a14:imgProps xmlns:a14="http://schemas.microsoft.com/office/drawing/2010/main">
+                    <a14:imgLayer r:embed="rId3">
+                      <a14:imgEffect>
+                        <a14:colorTemperature colorTemp="5300"/>
+                      </a14:imgEffect>
+                    </a14:imgLayer>
+                  </a14:imgProps>
+                </a:ext>
+              </a:extLst>
+            </a:blip>
+            <a:stretch>
+              <a:fillRect/>
+            </a:stretch>
+          </p:blipFill>
+          <p:spPr>
+            <a:xfrm>
+              <a:off x="1169257" y="2708920"/>
+              <a:ext cx="1399428" cy="2664296"/>
+            </a:xfrm>
+            <a:prstGeom prst="rect">
+              <a:avLst/>
+            </a:prstGeom>
+          </p:spPr>
+        </p:pic>
+        <p:pic>
+          <p:nvPicPr>
+            <p:cNvPr id="9" name="图片 8"/>
+            <p:cNvPicPr>
+              <a:picLocks noChangeAspect="1"/>
+            </p:cNvPicPr>
+            <p:nvPr/>
+          </p:nvPicPr>
+          <p:blipFill>
+            <a:blip r:embed="rId4"/>
+            <a:stretch>
+              <a:fillRect/>
+            </a:stretch>
+          </p:blipFill>
+          <p:spPr>
+            <a:xfrm>
+              <a:off x="2915816" y="2708921"/>
+              <a:ext cx="4032448" cy="2608830"/>
+            </a:xfrm>
+            <a:prstGeom prst="rect">
+              <a:avLst/>
+            </a:prstGeom>
+          </p:spPr>
+        </p:pic>
+      </p:grpSp>
+    </p:spTree>
+    <p:extLst>
+      <p:ext uri="{BB962C8B-B14F-4D97-AF65-F5344CB8AC3E}">
+        <p14:creationId xmlns:p14="http://schemas.microsoft.com/office/powerpoint/2010/main" val="3391555257"/>
+      </p:ext>
+    </p:extLst>
+  </p:cSld>
+  <p:clrMapOvr>
+    <a:masterClrMapping/>
+  </p:clrMapOvr>
+  <p:timing>
+    <p:tnLst>
+      <p:par>
+        <p:cTn id="1" dur="indefinite" restart="never" nodeType="tmRoot"/>
+      </p:par>
+    </p:tnLst>
+  </p:timing>
+</p:sld>
+</file>
+
+<file path=ppt/slides/slide55.xml><?xml version="1.0" encoding="utf-8"?>
+<p:sld xmlns:a="http://schemas.openxmlformats.org/drawingml/2006/main" xmlns:r="http://schemas.openxmlformats.org/officeDocument/2006/relationships" xmlns:p="http://schemas.openxmlformats.org/presentationml/2006/main">
+  <p:cSld>
+    <p:spTree>
+      <p:nvGrpSpPr>
+        <p:cNvPr id="1" name=""/>
+        <p:cNvGrpSpPr/>
+        <p:nvPr/>
+      </p:nvGrpSpPr>
+      <p:grpSpPr>
+        <a:xfrm>
+          <a:off x="0" y="0"/>
+          <a:ext cx="0" cy="0"/>
+          <a:chOff x="0" y="0"/>
+          <a:chExt cx="0" cy="0"/>
+        </a:xfrm>
+      </p:grpSpPr>
+      <p:sp>
+        <p:nvSpPr>
+          <p:cNvPr id="2" name="标题 1"/>
+          <p:cNvSpPr>
+            <a:spLocks noGrp="1"/>
+          </p:cNvSpPr>
+          <p:nvPr>
+            <p:ph type="title"/>
+          </p:nvPr>
+        </p:nvSpPr>
+        <p:spPr/>
+        <p:txBody>
+          <a:bodyPr/>
+          <a:lstStyle/>
+          <a:p>
+            <a:r>
+              <a:rPr lang="en-US" altLang="zh-CN" dirty="0"/>
+              <a:t>Static &amp; dynamic</a:t>
+            </a:r>
+            <a:endParaRPr lang="zh-CN" altLang="en-US" dirty="0"/>
+          </a:p>
+        </p:txBody>
+      </p:sp>
+      <p:sp>
+        <p:nvSpPr>
+          <p:cNvPr id="3" name="内容占位符 2"/>
+          <p:cNvSpPr>
+            <a:spLocks noGrp="1"/>
+          </p:cNvSpPr>
+          <p:nvPr>
+            <p:ph idx="1"/>
+          </p:nvPr>
+        </p:nvSpPr>
+        <p:spPr/>
+        <p:txBody>
+          <a:bodyPr/>
+          <a:lstStyle/>
+          <a:p>
+            <a:pPr eaLnBrk="1" hangingPunct="1"/>
+            <a:r>
+              <a:rPr lang="zh-CN" altLang="en-US" b="1" dirty="0">
+                <a:latin typeface="宋体" panose="02010600030101010101" pitchFamily="2" charset="-122"/>
+              </a:rPr>
+              <a:t>静态测试</a:t>
+            </a:r>
+            <a:r>
+              <a:rPr lang="zh-CN" altLang="en-US" b="1" dirty="0" smtClean="0">
+                <a:latin typeface="宋体" panose="02010600030101010101" pitchFamily="2" charset="-122"/>
+              </a:rPr>
+              <a:t>：不</a:t>
+            </a:r>
+            <a:r>
+              <a:rPr lang="zh-CN" altLang="en-US" b="1" dirty="0">
+                <a:latin typeface="宋体" panose="02010600030101010101" pitchFamily="2" charset="-122"/>
+              </a:rPr>
+              <a:t>运行</a:t>
+            </a:r>
+            <a:r>
+              <a:rPr lang="zh-CN" altLang="en-US" b="1" dirty="0" smtClean="0">
+                <a:latin typeface="宋体" panose="02010600030101010101" pitchFamily="2" charset="-122"/>
+              </a:rPr>
+              <a:t>程序</a:t>
+            </a:r>
+            <a:r>
+              <a:rPr lang="en-US" altLang="zh-CN" b="1" dirty="0" smtClean="0">
+                <a:latin typeface="宋体" panose="02010600030101010101" pitchFamily="2" charset="-122"/>
+              </a:rPr>
+              <a:t>,</a:t>
+            </a:r>
+            <a:r>
+              <a:rPr lang="zh-CN" altLang="en-US" b="1" dirty="0" smtClean="0">
+                <a:latin typeface="宋体" panose="02010600030101010101" pitchFamily="2" charset="-122"/>
+              </a:rPr>
+              <a:t>核对文档</a:t>
+            </a:r>
+            <a:r>
+              <a:rPr lang="en-US" altLang="zh-CN" b="1" dirty="0" smtClean="0">
+                <a:latin typeface="宋体" panose="02010600030101010101" pitchFamily="2" charset="-122"/>
+              </a:rPr>
+              <a:t>/</a:t>
+            </a:r>
+            <a:r>
+              <a:rPr lang="zh-CN" altLang="en-US" b="1" dirty="0" smtClean="0">
+                <a:latin typeface="宋体" panose="02010600030101010101" pitchFamily="2" charset="-122"/>
+              </a:rPr>
+              <a:t>代码</a:t>
+            </a:r>
+            <a:endParaRPr lang="zh-CN" altLang="en-US" b="1" dirty="0">
+              <a:latin typeface="宋体" panose="02010600030101010101" pitchFamily="2" charset="-122"/>
+            </a:endParaRPr>
+          </a:p>
+          <a:p>
+            <a:pPr eaLnBrk="1" hangingPunct="1"/>
+            <a:r>
+              <a:rPr lang="zh-CN" altLang="en-US" b="1" dirty="0">
+                <a:latin typeface="宋体" panose="02010600030101010101" pitchFamily="2" charset="-122"/>
+              </a:rPr>
+              <a:t>动态测试：</a:t>
+            </a:r>
+            <a:r>
+              <a:rPr lang="zh-CN" altLang="en-US" b="1" dirty="0" smtClean="0">
+                <a:latin typeface="宋体" panose="02010600030101010101" pitchFamily="2" charset="-122"/>
+              </a:rPr>
+              <a:t>执行程序，对“执行过程”和“执行结果”进行分析</a:t>
+            </a:r>
+            <a:endParaRPr lang="zh-CN" altLang="en-US" dirty="0"/>
+          </a:p>
+        </p:txBody>
+      </p:sp>
+      <p:grpSp>
+        <p:nvGrpSpPr>
+          <p:cNvPr id="4" name="组合 3"/>
+          <p:cNvGrpSpPr/>
+          <p:nvPr/>
+        </p:nvGrpSpPr>
+        <p:grpSpPr>
+          <a:xfrm>
+            <a:off x="1619672" y="3933056"/>
+            <a:ext cx="5904656" cy="1868167"/>
+            <a:chOff x="1259632" y="3903226"/>
+            <a:chExt cx="5904656" cy="1868167"/>
+          </a:xfrm>
+        </p:grpSpPr>
+        <p:pic>
+          <p:nvPicPr>
+            <p:cNvPr id="14338" name="Picture 2" descr="http://www.ah.chinanews.com.cn/cr/2016/0818/116896958.jpg"/>
+            <p:cNvPicPr>
+              <a:picLocks noChangeAspect="1" noChangeArrowheads="1"/>
+            </p:cNvPicPr>
+            <p:nvPr/>
+          </p:nvPicPr>
+          <p:blipFill>
+            <a:blip r:embed="rId2">
+              <a:extLst>
+                <a:ext uri="{28A0092B-C50C-407E-A947-70E740481C1C}">
+                  <a14:useLocalDpi xmlns:a14="http://schemas.microsoft.com/office/drawing/2010/main" val="0"/>
+                </a:ext>
+              </a:extLst>
+            </a:blip>
+            <a:srcRect/>
+            <a:stretch>
+              <a:fillRect/>
+            </a:stretch>
+          </p:blipFill>
+          <p:spPr bwMode="auto">
+            <a:xfrm>
+              <a:off x="1259632" y="3903451"/>
+              <a:ext cx="3042249" cy="1867942"/>
+            </a:xfrm>
+            <a:prstGeom prst="rect">
+              <a:avLst/>
+            </a:prstGeom>
+            <a:noFill/>
+            <a:extLst>
+              <a:ext uri="{909E8E84-426E-40DD-AFC4-6F175D3DCCD1}">
+                <a14:hiddenFill xmlns:a14="http://schemas.microsoft.com/office/drawing/2010/main">
+                  <a:solidFill>
+                    <a:srgbClr val="FFFFFF"/>
+                  </a:solidFill>
+                </a14:hiddenFill>
+              </a:ext>
+            </a:extLst>
+          </p:spPr>
+        </p:pic>
+        <p:pic>
+          <p:nvPicPr>
+            <p:cNvPr id="14344" name="Picture 8" descr="http://www.hinews.cn/pic/0/18/04/93/18049328_129614.jpg"/>
+            <p:cNvPicPr>
+              <a:picLocks noChangeAspect="1" noChangeArrowheads="1"/>
+            </p:cNvPicPr>
+            <p:nvPr/>
+          </p:nvPicPr>
+          <p:blipFill>
+            <a:blip r:embed="rId3">
+              <a:extLst>
+                <a:ext uri="{28A0092B-C50C-407E-A947-70E740481C1C}">
+                  <a14:useLocalDpi xmlns:a14="http://schemas.microsoft.com/office/drawing/2010/main" val="0"/>
+                </a:ext>
+              </a:extLst>
+            </a:blip>
+            <a:srcRect/>
+            <a:stretch>
+              <a:fillRect/>
+            </a:stretch>
+          </p:blipFill>
+          <p:spPr bwMode="auto">
+            <a:xfrm>
+              <a:off x="4301881" y="3903226"/>
+              <a:ext cx="2862407" cy="1868167"/>
+            </a:xfrm>
+            <a:prstGeom prst="rect">
+              <a:avLst/>
+            </a:prstGeom>
+            <a:noFill/>
+            <a:extLst>
+              <a:ext uri="{909E8E84-426E-40DD-AFC4-6F175D3DCCD1}">
+                <a14:hiddenFill xmlns:a14="http://schemas.microsoft.com/office/drawing/2010/main">
+                  <a:solidFill>
+                    <a:srgbClr val="FFFFFF"/>
+                  </a:solidFill>
+                </a14:hiddenFill>
+              </a:ext>
+            </a:extLst>
+          </p:spPr>
+        </p:pic>
+      </p:grpSp>
+    </p:spTree>
+    <p:extLst>
+      <p:ext uri="{BB962C8B-B14F-4D97-AF65-F5344CB8AC3E}">
+        <p14:creationId xmlns:p14="http://schemas.microsoft.com/office/powerpoint/2010/main" val="1128927027"/>
+      </p:ext>
+    </p:extLst>
+  </p:cSld>
+  <p:clrMapOvr>
+    <a:masterClrMapping/>
+  </p:clrMapOvr>
+  <p:timing>
+    <p:tnLst>
+      <p:par>
+        <p:cTn id="1" dur="indefinite" restart="never" nodeType="tmRoot"/>
+      </p:par>
+    </p:tnLst>
+  </p:timing>
+</p:sld>
+</file>
+
+<file path=ppt/slides/slide56.xml><?xml version="1.0" encoding="utf-8"?>
+<p:sld xmlns:a="http://schemas.openxmlformats.org/drawingml/2006/main" xmlns:r="http://schemas.openxmlformats.org/officeDocument/2006/relationships" xmlns:p="http://schemas.openxmlformats.org/presentationml/2006/main">
+  <p:cSld>
+    <p:spTree>
+      <p:nvGrpSpPr>
+        <p:cNvPr id="1" name=""/>
+        <p:cNvGrpSpPr/>
+        <p:nvPr/>
+      </p:nvGrpSpPr>
+      <p:grpSpPr>
+        <a:xfrm>
+          <a:off x="0" y="0"/>
+          <a:ext cx="0" cy="0"/>
+          <a:chOff x="0" y="0"/>
+          <a:chExt cx="0" cy="0"/>
+        </a:xfrm>
+      </p:grpSpPr>
+      <p:sp>
+        <p:nvSpPr>
+          <p:cNvPr id="2" name="标题 1"/>
+          <p:cNvSpPr>
+            <a:spLocks noGrp="1"/>
+          </p:cNvSpPr>
+          <p:nvPr>
+            <p:ph type="title"/>
+          </p:nvPr>
+        </p:nvSpPr>
+        <p:spPr/>
+        <p:txBody>
+          <a:bodyPr/>
+          <a:lstStyle/>
+          <a:p>
+            <a:r>
+              <a:rPr lang="en-US" altLang="zh-CN" b="1" dirty="0" smtClean="0">
+                <a:solidFill>
+                  <a:srgbClr val="FF0000"/>
+                </a:solidFill>
+              </a:rPr>
+              <a:t>Load, Stress &amp; </a:t>
+            </a:r>
+            <a:r>
+              <a:rPr lang="en-US" altLang="zh-CN" b="1" dirty="0">
+                <a:solidFill>
+                  <a:srgbClr val="FF0000"/>
+                </a:solidFill>
+                <a:cs typeface="Times New Roman" panose="02020603050405020304" pitchFamily="18" charset="0"/>
+              </a:rPr>
+              <a:t>Performance</a:t>
+            </a:r>
+            <a:r>
+              <a:rPr lang="en-US" altLang="zh-CN" b="1" dirty="0" smtClean="0">
+                <a:solidFill>
+                  <a:srgbClr val="FF0000"/>
+                </a:solidFill>
+              </a:rPr>
+              <a:t> </a:t>
+            </a:r>
+            <a:endParaRPr lang="zh-CN" altLang="en-US" dirty="0"/>
+          </a:p>
+        </p:txBody>
+      </p:sp>
+      <p:sp>
+        <p:nvSpPr>
+          <p:cNvPr id="3" name="内容占位符 2"/>
+          <p:cNvSpPr>
+            <a:spLocks noGrp="1"/>
+          </p:cNvSpPr>
+          <p:nvPr>
+            <p:ph idx="1"/>
+          </p:nvPr>
+        </p:nvSpPr>
+        <p:spPr/>
+        <p:txBody>
+          <a:bodyPr/>
+          <a:lstStyle/>
+          <a:p>
+            <a:r>
+              <a:rPr lang="zh-CN" altLang="en-US" b="1" dirty="0" smtClean="0">
+                <a:latin typeface="宋体" panose="02010600030101010101" pitchFamily="2" charset="-122"/>
+              </a:rPr>
+              <a:t>测试产品在不同负载下的表现</a:t>
+            </a:r>
+            <a:endParaRPr lang="en-US" altLang="zh-CN" b="1" dirty="0" smtClean="0">
+              <a:latin typeface="宋体" panose="02010600030101010101" pitchFamily="2" charset="-122"/>
+            </a:endParaRPr>
+          </a:p>
+          <a:p>
+            <a:r>
+              <a:rPr lang="zh-CN" altLang="en-US" b="1" dirty="0" smtClean="0">
+                <a:latin typeface="宋体" panose="02010600030101010101" pitchFamily="2" charset="-122"/>
+              </a:rPr>
+              <a:t>在</a:t>
+            </a:r>
+            <a:r>
+              <a:rPr lang="zh-CN" altLang="en-US" b="1" dirty="0">
+                <a:latin typeface="宋体" panose="02010600030101010101" pitchFamily="2" charset="-122"/>
+              </a:rPr>
+              <a:t>各种极限情况下对产品进行</a:t>
+            </a:r>
+            <a:r>
+              <a:rPr lang="zh-CN" altLang="en-US" b="1" dirty="0" smtClean="0">
+                <a:latin typeface="宋体" panose="02010600030101010101" pitchFamily="2" charset="-122"/>
+              </a:rPr>
+              <a:t>测试</a:t>
+            </a:r>
+            <a:endParaRPr lang="en-US" altLang="zh-CN" b="1" dirty="0" smtClean="0">
+              <a:latin typeface="宋体" panose="02010600030101010101" pitchFamily="2" charset="-122"/>
+            </a:endParaRPr>
+          </a:p>
+          <a:p>
+            <a:r>
+              <a:rPr lang="en-US" altLang="zh-CN" b="1" dirty="0" smtClean="0">
+                <a:latin typeface="宋体" panose="02010600030101010101" pitchFamily="2" charset="-122"/>
+              </a:rPr>
+              <a:t>0.1</a:t>
+            </a:r>
+            <a:r>
+              <a:rPr lang="zh-CN" altLang="en-US" b="1" dirty="0" smtClean="0">
+                <a:latin typeface="宋体" panose="02010600030101010101" pitchFamily="2" charset="-122"/>
+              </a:rPr>
+              <a:t>秒计算出结果</a:t>
+            </a:r>
+            <a:r>
+              <a:rPr lang="en-US" altLang="zh-CN" b="1" dirty="0" smtClean="0">
+                <a:latin typeface="宋体" panose="02010600030101010101" pitchFamily="2" charset="-122"/>
+              </a:rPr>
+              <a:t>/20</a:t>
+            </a:r>
+            <a:r>
+              <a:rPr lang="zh-CN" altLang="en-US" b="1" dirty="0" smtClean="0">
+                <a:latin typeface="宋体" panose="02010600030101010101" pitchFamily="2" charset="-122"/>
+              </a:rPr>
+              <a:t>秒计算出结果</a:t>
+            </a:r>
+            <a:endParaRPr lang="zh-CN" altLang="en-US" dirty="0"/>
+          </a:p>
+        </p:txBody>
+      </p:sp>
+      <p:grpSp>
+        <p:nvGrpSpPr>
+          <p:cNvPr id="4" name="组合 3"/>
+          <p:cNvGrpSpPr/>
+          <p:nvPr/>
+        </p:nvGrpSpPr>
+        <p:grpSpPr>
+          <a:xfrm>
+            <a:off x="899592" y="4077072"/>
+            <a:ext cx="7424526" cy="2028725"/>
+            <a:chOff x="1074604" y="4005064"/>
+            <a:chExt cx="7424526" cy="2028725"/>
+          </a:xfrm>
+        </p:grpSpPr>
+        <p:pic>
+          <p:nvPicPr>
+            <p:cNvPr id="6" name="图片 5"/>
+            <p:cNvPicPr>
+              <a:picLocks noChangeAspect="1"/>
+            </p:cNvPicPr>
+            <p:nvPr/>
+          </p:nvPicPr>
+          <p:blipFill>
+            <a:blip r:embed="rId2"/>
+            <a:stretch>
+              <a:fillRect/>
+            </a:stretch>
+          </p:blipFill>
+          <p:spPr>
+            <a:xfrm>
+              <a:off x="1074604" y="4016289"/>
+              <a:ext cx="1842699" cy="2017499"/>
+            </a:xfrm>
+            <a:prstGeom prst="rect">
+              <a:avLst/>
+            </a:prstGeom>
+          </p:spPr>
+        </p:pic>
+        <p:pic>
+          <p:nvPicPr>
+            <p:cNvPr id="15362" name="Picture 2" descr="http://p2.pccoo.cn/store/20140807/20140807111715723.jpg"/>
+            <p:cNvPicPr>
+              <a:picLocks noChangeAspect="1" noChangeArrowheads="1"/>
+            </p:cNvPicPr>
+            <p:nvPr/>
+          </p:nvPicPr>
+          <p:blipFill>
+            <a:blip r:embed="rId3">
+              <a:extLst>
+                <a:ext uri="{28A0092B-C50C-407E-A947-70E740481C1C}">
+                  <a14:useLocalDpi xmlns:a14="http://schemas.microsoft.com/office/drawing/2010/main" val="0"/>
+                </a:ext>
+              </a:extLst>
+            </a:blip>
+            <a:srcRect/>
+            <a:stretch>
+              <a:fillRect/>
+            </a:stretch>
+          </p:blipFill>
+          <p:spPr bwMode="auto">
+            <a:xfrm>
+              <a:off x="2917303" y="4016289"/>
+              <a:ext cx="2689999" cy="2017499"/>
+            </a:xfrm>
+            <a:prstGeom prst="rect">
+              <a:avLst/>
+            </a:prstGeom>
+            <a:noFill/>
+            <a:extLst>
+              <a:ext uri="{909E8E84-426E-40DD-AFC4-6F175D3DCCD1}">
+                <a14:hiddenFill xmlns:a14="http://schemas.microsoft.com/office/drawing/2010/main">
+                  <a:solidFill>
+                    <a:srgbClr val="FFFFFF"/>
+                  </a:solidFill>
+                </a14:hiddenFill>
+              </a:ext>
+            </a:extLst>
+          </p:spPr>
+        </p:pic>
+        <p:pic>
+          <p:nvPicPr>
+            <p:cNvPr id="9" name="图片 8"/>
+            <p:cNvPicPr>
+              <a:picLocks noChangeAspect="1"/>
+            </p:cNvPicPr>
+            <p:nvPr/>
+          </p:nvPicPr>
+          <p:blipFill>
+            <a:blip r:embed="rId4"/>
+            <a:stretch>
+              <a:fillRect/>
+            </a:stretch>
+          </p:blipFill>
+          <p:spPr>
+            <a:xfrm>
+              <a:off x="5508104" y="4005064"/>
+              <a:ext cx="2991026" cy="2028725"/>
+            </a:xfrm>
+            <a:prstGeom prst="rect">
+              <a:avLst/>
+            </a:prstGeom>
+          </p:spPr>
+        </p:pic>
+      </p:grpSp>
+    </p:spTree>
+    <p:extLst>
+      <p:ext uri="{BB962C8B-B14F-4D97-AF65-F5344CB8AC3E}">
+        <p14:creationId xmlns:p14="http://schemas.microsoft.com/office/powerpoint/2010/main" val="196439159"/>
+      </p:ext>
+    </p:extLst>
+  </p:cSld>
+  <p:clrMapOvr>
+    <a:masterClrMapping/>
+  </p:clrMapOvr>
+  <p:timing>
+    <p:tnLst>
+      <p:par>
+        <p:cTn id="1" dur="indefinite" restart="never" nodeType="tmRoot"/>
+      </p:par>
+    </p:tnLst>
+  </p:timing>
+</p:sld>
+</file>
+
+<file path=ppt/slides/slide57.xml><?xml version="1.0" encoding="utf-8"?>
+<p:sld xmlns:a="http://schemas.openxmlformats.org/drawingml/2006/main" xmlns:r="http://schemas.openxmlformats.org/officeDocument/2006/relationships" xmlns:p="http://schemas.openxmlformats.org/presentationml/2006/main">
+  <p:cSld>
+    <p:spTree>
+      <p:nvGrpSpPr>
+        <p:cNvPr id="1" name=""/>
+        <p:cNvGrpSpPr/>
+        <p:nvPr/>
+      </p:nvGrpSpPr>
+      <p:grpSpPr>
+        <a:xfrm>
+          <a:off x="0" y="0"/>
+          <a:ext cx="0" cy="0"/>
+          <a:chOff x="0" y="0"/>
+          <a:chExt cx="0" cy="0"/>
+        </a:xfrm>
+      </p:grpSpPr>
+      <p:sp>
+        <p:nvSpPr>
+          <p:cNvPr id="2" name="标题 1"/>
+          <p:cNvSpPr>
+            <a:spLocks noGrp="1"/>
+          </p:cNvSpPr>
+          <p:nvPr>
+            <p:ph type="title"/>
+          </p:nvPr>
+        </p:nvSpPr>
+        <p:spPr/>
+        <p:txBody>
+          <a:bodyPr/>
+          <a:lstStyle/>
+          <a:p>
+            <a:r>
+              <a:rPr lang="zh-CN" altLang="en-US" dirty="0"/>
+              <a:t>黑</a:t>
+            </a:r>
+            <a:r>
+              <a:rPr lang="zh-CN" altLang="en-US" dirty="0" smtClean="0"/>
+              <a:t>盒</a:t>
+            </a:r>
+            <a:r>
+              <a:rPr lang="en-US" altLang="zh-CN" dirty="0" smtClean="0"/>
+              <a:t>/</a:t>
+            </a:r>
+            <a:r>
+              <a:rPr lang="zh-CN" altLang="en-US" dirty="0" smtClean="0"/>
+              <a:t>白盒</a:t>
+            </a:r>
+            <a:endParaRPr lang="zh-CN" altLang="en-US" dirty="0"/>
+          </a:p>
+        </p:txBody>
+      </p:sp>
+      <p:grpSp>
+        <p:nvGrpSpPr>
+          <p:cNvPr id="6" name="组合 5"/>
+          <p:cNvGrpSpPr/>
+          <p:nvPr/>
+        </p:nvGrpSpPr>
+        <p:grpSpPr>
+          <a:xfrm>
+            <a:off x="1328671" y="2636912"/>
+            <a:ext cx="3043426" cy="3095165"/>
+            <a:chOff x="827584" y="2636912"/>
+            <a:chExt cx="3043426" cy="3095165"/>
+          </a:xfrm>
+        </p:grpSpPr>
+        <p:pic>
+          <p:nvPicPr>
+            <p:cNvPr id="16386" name="Picture 2" descr="https://timgsa.baidu.com/timg?image&amp;quality=80&amp;size=b9999_10000&amp;sec=1496463518479&amp;di=c6567df212783574c74026c9b5e60c4f&amp;imgtype=0&amp;src=http%3A%2F%2Farticle.fd.zol-img.com.cn%2Ft_s501x2000%2Fg5%2FM00%2F0D%2F08%2FChMkJljKKgCIGSN4AAZgU11KOwUAAayZALgpmUABmBr096.jpg"/>
+            <p:cNvPicPr>
+              <a:picLocks noChangeAspect="1" noChangeArrowheads="1"/>
+            </p:cNvPicPr>
+            <p:nvPr/>
+          </p:nvPicPr>
+          <p:blipFill>
+            <a:blip r:embed="rId2">
+              <a:extLst>
+                <a:ext uri="{28A0092B-C50C-407E-A947-70E740481C1C}">
+                  <a14:useLocalDpi xmlns:a14="http://schemas.microsoft.com/office/drawing/2010/main" val="0"/>
+                </a:ext>
+              </a:extLst>
+            </a:blip>
+            <a:srcRect/>
+            <a:stretch>
+              <a:fillRect/>
+            </a:stretch>
+          </p:blipFill>
+          <p:spPr bwMode="auto">
+            <a:xfrm>
+              <a:off x="899592" y="3619843"/>
+              <a:ext cx="2971418" cy="2112234"/>
+            </a:xfrm>
+            <a:prstGeom prst="rect">
+              <a:avLst/>
+            </a:prstGeom>
+            <a:noFill/>
+            <a:extLst>
+              <a:ext uri="{909E8E84-426E-40DD-AFC4-6F175D3DCCD1}">
+                <a14:hiddenFill xmlns:a14="http://schemas.microsoft.com/office/drawing/2010/main">
+                  <a:solidFill>
+                    <a:srgbClr val="FFFFFF"/>
+                  </a:solidFill>
+                </a14:hiddenFill>
+              </a:ext>
+            </a:extLst>
+          </p:spPr>
+        </p:pic>
+        <p:grpSp>
+          <p:nvGrpSpPr>
+            <p:cNvPr id="3" name="组合 2"/>
+            <p:cNvGrpSpPr/>
+            <p:nvPr/>
+          </p:nvGrpSpPr>
+          <p:grpSpPr>
+            <a:xfrm>
+              <a:off x="827584" y="2636912"/>
+              <a:ext cx="3043426" cy="791715"/>
+              <a:chOff x="304438" y="3429373"/>
+              <a:chExt cx="3592528" cy="1007365"/>
+            </a:xfrm>
+          </p:grpSpPr>
+          <p:sp>
+            <p:nvSpPr>
+              <p:cNvPr id="4" name="右箭头 3"/>
+              <p:cNvSpPr/>
+              <p:nvPr/>
+            </p:nvSpPr>
+            <p:spPr>
+              <a:xfrm>
+                <a:off x="539552" y="3645024"/>
+                <a:ext cx="504056" cy="288032"/>
+              </a:xfrm>
+              <a:prstGeom prst="rightArrow">
+                <a:avLst/>
+              </a:prstGeom>
+            </p:spPr>
+            <p:style>
+              <a:lnRef idx="2">
+                <a:schemeClr val="accent1">
+                  <a:shade val="50000"/>
+                </a:schemeClr>
+              </a:lnRef>
+              <a:fillRef idx="1">
+                <a:schemeClr val="accent1"/>
+              </a:fillRef>
+              <a:effectRef idx="0">
+                <a:schemeClr val="accent1"/>
+              </a:effectRef>
+              <a:fontRef idx="minor">
+                <a:schemeClr val="lt1"/>
+              </a:fontRef>
+            </p:style>
+            <p:txBody>
+              <a:bodyPr rtlCol="0" anchor="ctr"/>
+              <a:lstStyle/>
+              <a:p>
+                <a:pPr algn="ctr"/>
+                <a:endParaRPr lang="zh-CN" altLang="en-US"/>
+              </a:p>
+            </p:txBody>
+          </p:sp>
+          <p:sp>
+            <p:nvSpPr>
+              <p:cNvPr id="14" name="右箭头 13"/>
+              <p:cNvSpPr/>
+              <p:nvPr/>
+            </p:nvSpPr>
+            <p:spPr>
+              <a:xfrm>
+                <a:off x="2909304" y="3565887"/>
+                <a:ext cx="504056" cy="288032"/>
+              </a:xfrm>
+              <a:prstGeom prst="rightArrow">
+                <a:avLst/>
+              </a:prstGeom>
+            </p:spPr>
+            <p:style>
+              <a:lnRef idx="2">
+                <a:schemeClr val="accent1">
+                  <a:shade val="50000"/>
+                </a:schemeClr>
+              </a:lnRef>
+              <a:fillRef idx="1">
+                <a:schemeClr val="accent1"/>
+              </a:fillRef>
+              <a:effectRef idx="0">
+                <a:schemeClr val="accent1"/>
+              </a:effectRef>
+              <a:fontRef idx="minor">
+                <a:schemeClr val="lt1"/>
+              </a:fontRef>
+            </p:style>
+            <p:txBody>
+              <a:bodyPr rtlCol="0" anchor="ctr"/>
+              <a:lstStyle/>
+              <a:p>
+                <a:pPr algn="ctr"/>
+                <a:endParaRPr lang="zh-CN" altLang="en-US"/>
+              </a:p>
+            </p:txBody>
+          </p:sp>
+          <p:grpSp>
+            <p:nvGrpSpPr>
+              <p:cNvPr id="5" name="Group 16"/>
+              <p:cNvGrpSpPr>
+                <a:grpSpLocks/>
+              </p:cNvGrpSpPr>
+              <p:nvPr/>
+            </p:nvGrpSpPr>
+            <p:grpSpPr bwMode="auto">
+              <a:xfrm>
+                <a:off x="304438" y="3429373"/>
+                <a:ext cx="3592528" cy="1007365"/>
+                <a:chOff x="-80" y="720"/>
+                <a:chExt cx="3883" cy="900"/>
+              </a:xfrm>
+            </p:grpSpPr>
+            <p:sp>
+              <p:nvSpPr>
+                <p:cNvPr id="7" name="AutoShape 7"/>
+                <p:cNvSpPr>
+                  <a:spLocks noChangeArrowheads="1"/>
+                </p:cNvSpPr>
+                <p:nvPr/>
+              </p:nvSpPr>
+              <p:spPr bwMode="auto">
+                <a:xfrm flipH="1">
+                  <a:off x="816" y="720"/>
+                  <a:ext cx="1824" cy="768"/>
+                </a:xfrm>
+                <a:prstGeom prst="cube">
+                  <a:avLst>
+                    <a:gd name="adj" fmla="val 31986"/>
+                  </a:avLst>
+                </a:prstGeom>
+                <a:ln>
+                  <a:headEnd/>
+                  <a:tailEnd/>
+                </a:ln>
+              </p:spPr>
+              <p:style>
+                <a:lnRef idx="3">
+                  <a:schemeClr val="lt1"/>
+                </a:lnRef>
+                <a:fillRef idx="1">
+                  <a:schemeClr val="dk1"/>
+                </a:fillRef>
+                <a:effectRef idx="1">
+                  <a:schemeClr val="dk1"/>
+                </a:effectRef>
+                <a:fontRef idx="minor">
+                  <a:schemeClr val="lt1"/>
+                </a:fontRef>
+              </p:style>
+              <p:txBody>
+                <a:bodyPr wrap="none" anchor="ctr"/>
+                <a:lstStyle>
+                  <a:lvl1pPr>
+                    <a:spcBef>
+                      <a:spcPct val="20000"/>
+                    </a:spcBef>
+                    <a:buClr>
+                      <a:schemeClr val="accent2"/>
+                    </a:buClr>
+                    <a:buFont typeface="Wingdings" panose="05000000000000000000" pitchFamily="2" charset="2"/>
+                    <a:buChar char="w"/>
+                    <a:defRPr sz="3200">
+                      <a:solidFill>
+                        <a:schemeClr val="tx1"/>
+                      </a:solidFill>
+                      <a:latin typeface="Times New Roman" panose="02020603050405020304" pitchFamily="18" charset="0"/>
+                      <a:ea typeface="宋体" panose="02010600030101010101" pitchFamily="2" charset="-122"/>
+                    </a:defRPr>
+                  </a:lvl1pPr>
+                  <a:lvl2pPr marL="742950" indent="-285750">
+                    <a:spcBef>
+                      <a:spcPct val="20000"/>
+                    </a:spcBef>
+                    <a:buClr>
+                      <a:schemeClr val="accent2"/>
+                    </a:buClr>
+                    <a:buSzPct val="55000"/>
+                    <a:buFont typeface="Wingdings" panose="05000000000000000000" pitchFamily="2" charset="2"/>
+                    <a:buChar char="n"/>
+                    <a:defRPr sz="2800">
+                      <a:solidFill>
+                        <a:schemeClr val="tx1"/>
+                      </a:solidFill>
+                      <a:latin typeface="Times New Roman" panose="02020603050405020304" pitchFamily="18" charset="0"/>
+                      <a:ea typeface="宋体" panose="02010600030101010101" pitchFamily="2" charset="-122"/>
+                    </a:defRPr>
+                  </a:lvl2pPr>
+                  <a:lvl3pPr marL="1143000" indent="-228600">
+                    <a:spcBef>
+                      <a:spcPct val="20000"/>
+                    </a:spcBef>
+                    <a:buClr>
+                      <a:schemeClr val="accent2"/>
+                    </a:buClr>
+                    <a:buSzPct val="65000"/>
+                    <a:buFont typeface="Wingdings" panose="05000000000000000000" pitchFamily="2" charset="2"/>
+                    <a:buChar char="l"/>
+                    <a:defRPr sz="2400">
+                      <a:solidFill>
+                        <a:schemeClr val="tx1"/>
+                      </a:solidFill>
+                      <a:latin typeface="Times New Roman" panose="02020603050405020304" pitchFamily="18" charset="0"/>
+                      <a:ea typeface="宋体" panose="02010600030101010101" pitchFamily="2" charset="-122"/>
+                    </a:defRPr>
+                  </a:lvl3pPr>
+                  <a:lvl4pPr marL="1600200" indent="-228600">
+                    <a:spcBef>
+                      <a:spcPct val="20000"/>
+                    </a:spcBef>
+                    <a:buClr>
+                      <a:schemeClr val="accent2"/>
+                    </a:buClr>
+                    <a:buSzPct val="85000"/>
+                    <a:buFont typeface="Wingdings" panose="05000000000000000000" pitchFamily="2" charset="2"/>
+                    <a:buChar char="w"/>
+                    <a:defRPr sz="2000">
+                      <a:solidFill>
+                        <a:schemeClr val="tx1"/>
+                      </a:solidFill>
+                      <a:latin typeface="Times New Roman" panose="02020603050405020304" pitchFamily="18" charset="0"/>
+                      <a:ea typeface="宋体" panose="02010600030101010101" pitchFamily="2" charset="-122"/>
+                    </a:defRPr>
+                  </a:lvl4pPr>
+                  <a:lvl5pPr marL="2057400" indent="-228600">
+                    <a:spcBef>
+                      <a:spcPct val="20000"/>
+                    </a:spcBef>
+                    <a:buClr>
+                      <a:schemeClr val="accent2"/>
+                    </a:buClr>
+                    <a:buSzPct val="80000"/>
+                    <a:buFont typeface="Wingdings" panose="05000000000000000000" pitchFamily="2" charset="2"/>
+                    <a:buChar char="§"/>
+                    <a:defRPr>
+                      <a:solidFill>
+                        <a:schemeClr val="tx1"/>
+                      </a:solidFill>
+                      <a:latin typeface="Times New Roman" panose="02020603050405020304" pitchFamily="18" charset="0"/>
+                      <a:ea typeface="宋体" panose="02010600030101010101" pitchFamily="2" charset="-122"/>
+                    </a:defRPr>
+                  </a:lvl5pPr>
+                  <a:lvl6pPr marL="2514600" indent="-228600" eaLnBrk="0" fontAlgn="base" hangingPunct="0">
+                    <a:spcBef>
+                      <a:spcPct val="20000"/>
+                    </a:spcBef>
+                    <a:spcAft>
+                      <a:spcPct val="0"/>
+                    </a:spcAft>
+                    <a:buClr>
+                      <a:schemeClr val="accent2"/>
+                    </a:buClr>
+                    <a:buSzPct val="80000"/>
+                    <a:buFont typeface="Wingdings" panose="05000000000000000000" pitchFamily="2" charset="2"/>
+                    <a:buChar char="§"/>
+                    <a:defRPr>
+                      <a:solidFill>
+                        <a:schemeClr val="tx1"/>
+                      </a:solidFill>
+                      <a:latin typeface="Times New Roman" panose="02020603050405020304" pitchFamily="18" charset="0"/>
+                      <a:ea typeface="宋体" panose="02010600030101010101" pitchFamily="2" charset="-122"/>
+                    </a:defRPr>
+                  </a:lvl6pPr>
+                  <a:lvl7pPr marL="2971800" indent="-228600" eaLnBrk="0" fontAlgn="base" hangingPunct="0">
+                    <a:spcBef>
+                      <a:spcPct val="20000"/>
+                    </a:spcBef>
+                    <a:spcAft>
+                      <a:spcPct val="0"/>
+                    </a:spcAft>
+                    <a:buClr>
+                      <a:schemeClr val="accent2"/>
+                    </a:buClr>
+                    <a:buSzPct val="80000"/>
+                    <a:buFont typeface="Wingdings" panose="05000000000000000000" pitchFamily="2" charset="2"/>
+                    <a:buChar char="§"/>
+                    <a:defRPr>
+                      <a:solidFill>
+                        <a:schemeClr val="tx1"/>
+                      </a:solidFill>
+                      <a:latin typeface="Times New Roman" panose="02020603050405020304" pitchFamily="18" charset="0"/>
+                      <a:ea typeface="宋体" panose="02010600030101010101" pitchFamily="2" charset="-122"/>
+                    </a:defRPr>
+                  </a:lvl7pPr>
+                  <a:lvl8pPr marL="3429000" indent="-228600" eaLnBrk="0" fontAlgn="base" hangingPunct="0">
+                    <a:spcBef>
+                      <a:spcPct val="20000"/>
+                    </a:spcBef>
+                    <a:spcAft>
+                      <a:spcPct val="0"/>
+                    </a:spcAft>
+                    <a:buClr>
+                      <a:schemeClr val="accent2"/>
+                    </a:buClr>
+                    <a:buSzPct val="80000"/>
+                    <a:buFont typeface="Wingdings" panose="05000000000000000000" pitchFamily="2" charset="2"/>
+                    <a:buChar char="§"/>
+                    <a:defRPr>
+                      <a:solidFill>
+                        <a:schemeClr val="tx1"/>
+                      </a:solidFill>
+                      <a:latin typeface="Times New Roman" panose="02020603050405020304" pitchFamily="18" charset="0"/>
+                      <a:ea typeface="宋体" panose="02010600030101010101" pitchFamily="2" charset="-122"/>
+                    </a:defRPr>
+                  </a:lvl8pPr>
+                  <a:lvl9pPr marL="3886200" indent="-228600" eaLnBrk="0" fontAlgn="base" hangingPunct="0">
+                    <a:spcBef>
+                      <a:spcPct val="20000"/>
+                    </a:spcBef>
+                    <a:spcAft>
+                      <a:spcPct val="0"/>
+                    </a:spcAft>
+                    <a:buClr>
+                      <a:schemeClr val="accent2"/>
+                    </a:buClr>
+                    <a:buSzPct val="80000"/>
+                    <a:buFont typeface="Wingdings" panose="05000000000000000000" pitchFamily="2" charset="2"/>
+                    <a:buChar char="§"/>
+                    <a:defRPr>
+                      <a:solidFill>
+                        <a:schemeClr val="tx1"/>
+                      </a:solidFill>
+                      <a:latin typeface="Times New Roman" panose="02020603050405020304" pitchFamily="18" charset="0"/>
+                      <a:ea typeface="宋体" panose="02010600030101010101" pitchFamily="2" charset="-122"/>
+                    </a:defRPr>
+                  </a:lvl9pPr>
+                </a:lstStyle>
+                <a:p>
+                  <a:pPr eaLnBrk="1" hangingPunct="1">
+                    <a:spcBef>
+                      <a:spcPct val="0"/>
+                    </a:spcBef>
+                    <a:buClrTx/>
+                    <a:buFont typeface="Arial" panose="020B0604020202020204" pitchFamily="34" charset="0"/>
+                    <a:buNone/>
+                  </a:pPr>
+                  <a:endParaRPr lang="zh-CN" altLang="en-US" sz="2000"/>
+                </a:p>
+              </p:txBody>
+            </p:sp>
+            <p:sp>
+              <p:nvSpPr>
+                <p:cNvPr id="11" name="Text Box 11"/>
+                <p:cNvSpPr txBox="1">
+                  <a:spLocks noChangeArrowheads="1"/>
+                </p:cNvSpPr>
+                <p:nvPr/>
+              </p:nvSpPr>
+              <p:spPr bwMode="auto">
+                <a:xfrm>
+                  <a:off x="-80" y="1203"/>
+                  <a:ext cx="974" cy="403"/>
+                </a:xfrm>
+                <a:prstGeom prst="rect">
+                  <a:avLst/>
+                </a:prstGeom>
+                <a:noFill/>
+                <a:ln>
+                  <a:noFill/>
+                </a:ln>
+                <a:extLst>
+                  <a:ext uri="{909E8E84-426E-40DD-AFC4-6F175D3DCCD1}">
+                    <a14:hiddenFill xmlns:a14="http://schemas.microsoft.com/office/drawing/2010/main">
+                      <a:solidFill>
+                        <a:srgbClr val="FFFFFF"/>
+                      </a:solidFill>
+                    </a14:hiddenFill>
+                  </a:ext>
+                  <a:ext uri="{91240B29-F687-4F45-9708-019B960494DF}">
+                    <a14:hiddenLine xmlns:a14="http://schemas.microsoft.com/office/drawing/2010/main" w="9525">
+                      <a:solidFill>
+                        <a:srgbClr val="000000"/>
+                      </a:solidFill>
+                      <a:miter lim="800000"/>
+                      <a:headEnd/>
+                      <a:tailEnd/>
+                    </a14:hiddenLine>
+                  </a:ext>
+                </a:extLst>
+              </p:spPr>
+              <p:txBody>
+                <a:bodyPr wrap="none">
+                  <a:spAutoFit/>
+                </a:bodyPr>
+                <a:lstStyle>
+                  <a:lvl1pPr defTabSz="762000">
+                    <a:spcBef>
+                      <a:spcPct val="20000"/>
+                    </a:spcBef>
+                    <a:buClr>
+                      <a:schemeClr val="accent2"/>
+                    </a:buClr>
+                    <a:buFont typeface="Wingdings" panose="05000000000000000000" pitchFamily="2" charset="2"/>
+                    <a:buChar char="w"/>
+                    <a:defRPr sz="3200">
+                      <a:solidFill>
+                        <a:schemeClr val="tx1"/>
+                      </a:solidFill>
+                      <a:latin typeface="Times New Roman" panose="02020603050405020304" pitchFamily="18" charset="0"/>
+                      <a:ea typeface="宋体" panose="02010600030101010101" pitchFamily="2" charset="-122"/>
+                    </a:defRPr>
+                  </a:lvl1pPr>
+                  <a:lvl2pPr marL="742950" indent="-285750" defTabSz="762000">
+                    <a:spcBef>
+                      <a:spcPct val="20000"/>
+                    </a:spcBef>
+                    <a:buClr>
+                      <a:schemeClr val="accent2"/>
+                    </a:buClr>
+                    <a:buSzPct val="55000"/>
+                    <a:buFont typeface="Wingdings" panose="05000000000000000000" pitchFamily="2" charset="2"/>
+                    <a:buChar char="n"/>
+                    <a:defRPr sz="2800">
+                      <a:solidFill>
+                        <a:schemeClr val="tx1"/>
+                      </a:solidFill>
+                      <a:latin typeface="Times New Roman" panose="02020603050405020304" pitchFamily="18" charset="0"/>
+                      <a:ea typeface="宋体" panose="02010600030101010101" pitchFamily="2" charset="-122"/>
+                    </a:defRPr>
+                  </a:lvl2pPr>
+                  <a:lvl3pPr marL="1143000" indent="-228600" defTabSz="762000">
+                    <a:spcBef>
+                      <a:spcPct val="20000"/>
+                    </a:spcBef>
+                    <a:buClr>
+                      <a:schemeClr val="accent2"/>
+                    </a:buClr>
+                    <a:buSzPct val="65000"/>
+                    <a:buFont typeface="Wingdings" panose="05000000000000000000" pitchFamily="2" charset="2"/>
+                    <a:buChar char="l"/>
+                    <a:defRPr sz="2400">
+                      <a:solidFill>
+                        <a:schemeClr val="tx1"/>
+                      </a:solidFill>
+                      <a:latin typeface="Times New Roman" panose="02020603050405020304" pitchFamily="18" charset="0"/>
+                      <a:ea typeface="宋体" panose="02010600030101010101" pitchFamily="2" charset="-122"/>
+                    </a:defRPr>
+                  </a:lvl3pPr>
+                  <a:lvl4pPr marL="1600200" indent="-228600" defTabSz="762000">
+                    <a:spcBef>
+                      <a:spcPct val="20000"/>
+                    </a:spcBef>
+                    <a:buClr>
+                      <a:schemeClr val="accent2"/>
+                    </a:buClr>
+                    <a:buSzPct val="85000"/>
+                    <a:buFont typeface="Wingdings" panose="05000000000000000000" pitchFamily="2" charset="2"/>
+                    <a:buChar char="w"/>
+                    <a:defRPr sz="2000">
+                      <a:solidFill>
+                        <a:schemeClr val="tx1"/>
+                      </a:solidFill>
+                      <a:latin typeface="Times New Roman" panose="02020603050405020304" pitchFamily="18" charset="0"/>
+                      <a:ea typeface="宋体" panose="02010600030101010101" pitchFamily="2" charset="-122"/>
+                    </a:defRPr>
+                  </a:lvl4pPr>
+                  <a:lvl5pPr marL="2057400" indent="-228600" defTabSz="762000">
+                    <a:spcBef>
+                      <a:spcPct val="20000"/>
+                    </a:spcBef>
+                    <a:buClr>
+                      <a:schemeClr val="accent2"/>
+                    </a:buClr>
+                    <a:buSzPct val="80000"/>
+                    <a:buFont typeface="Wingdings" panose="05000000000000000000" pitchFamily="2" charset="2"/>
+                    <a:buChar char="§"/>
+                    <a:defRPr>
+                      <a:solidFill>
+                        <a:schemeClr val="tx1"/>
+                      </a:solidFill>
+                      <a:latin typeface="Times New Roman" panose="02020603050405020304" pitchFamily="18" charset="0"/>
+                      <a:ea typeface="宋体" panose="02010600030101010101" pitchFamily="2" charset="-122"/>
+                    </a:defRPr>
+                  </a:lvl5pPr>
+                  <a:lvl6pPr marL="2514600" indent="-228600" defTabSz="762000" eaLnBrk="0" fontAlgn="base" hangingPunct="0">
+                    <a:spcBef>
+                      <a:spcPct val="20000"/>
+                    </a:spcBef>
+                    <a:spcAft>
+                      <a:spcPct val="0"/>
+                    </a:spcAft>
+                    <a:buClr>
+                      <a:schemeClr val="accent2"/>
+                    </a:buClr>
+                    <a:buSzPct val="80000"/>
+                    <a:buFont typeface="Wingdings" panose="05000000000000000000" pitchFamily="2" charset="2"/>
+                    <a:buChar char="§"/>
+                    <a:defRPr>
+                      <a:solidFill>
+                        <a:schemeClr val="tx1"/>
+                      </a:solidFill>
+                      <a:latin typeface="Times New Roman" panose="02020603050405020304" pitchFamily="18" charset="0"/>
+                      <a:ea typeface="宋体" panose="02010600030101010101" pitchFamily="2" charset="-122"/>
+                    </a:defRPr>
+                  </a:lvl6pPr>
+                  <a:lvl7pPr marL="2971800" indent="-228600" defTabSz="762000" eaLnBrk="0" fontAlgn="base" hangingPunct="0">
+                    <a:spcBef>
+                      <a:spcPct val="20000"/>
+                    </a:spcBef>
+                    <a:spcAft>
+                      <a:spcPct val="0"/>
+                    </a:spcAft>
+                    <a:buClr>
+                      <a:schemeClr val="accent2"/>
+                    </a:buClr>
+                    <a:buSzPct val="80000"/>
+                    <a:buFont typeface="Wingdings" panose="05000000000000000000" pitchFamily="2" charset="2"/>
+                    <a:buChar char="§"/>
+                    <a:defRPr>
+                      <a:solidFill>
+                        <a:schemeClr val="tx1"/>
+                      </a:solidFill>
+                      <a:latin typeface="Times New Roman" panose="02020603050405020304" pitchFamily="18" charset="0"/>
+                      <a:ea typeface="宋体" panose="02010600030101010101" pitchFamily="2" charset="-122"/>
+                    </a:defRPr>
+                  </a:lvl7pPr>
+                  <a:lvl8pPr marL="3429000" indent="-228600" defTabSz="762000" eaLnBrk="0" fontAlgn="base" hangingPunct="0">
+                    <a:spcBef>
+                      <a:spcPct val="20000"/>
+                    </a:spcBef>
+                    <a:spcAft>
+                      <a:spcPct val="0"/>
+                    </a:spcAft>
+                    <a:buClr>
+                      <a:schemeClr val="accent2"/>
+                    </a:buClr>
+                    <a:buSzPct val="80000"/>
+                    <a:buFont typeface="Wingdings" panose="05000000000000000000" pitchFamily="2" charset="2"/>
+                    <a:buChar char="§"/>
+                    <a:defRPr>
+                      <a:solidFill>
+                        <a:schemeClr val="tx1"/>
+                      </a:solidFill>
+                      <a:latin typeface="Times New Roman" panose="02020603050405020304" pitchFamily="18" charset="0"/>
+                      <a:ea typeface="宋体" panose="02010600030101010101" pitchFamily="2" charset="-122"/>
+                    </a:defRPr>
+                  </a:lvl8pPr>
+                  <a:lvl9pPr marL="3886200" indent="-228600" defTabSz="762000" eaLnBrk="0" fontAlgn="base" hangingPunct="0">
+                    <a:spcBef>
+                      <a:spcPct val="20000"/>
+                    </a:spcBef>
+                    <a:spcAft>
+                      <a:spcPct val="0"/>
+                    </a:spcAft>
+                    <a:buClr>
+                      <a:schemeClr val="accent2"/>
+                    </a:buClr>
+                    <a:buSzPct val="80000"/>
+                    <a:buFont typeface="Wingdings" panose="05000000000000000000" pitchFamily="2" charset="2"/>
+                    <a:buChar char="§"/>
+                    <a:defRPr>
+                      <a:solidFill>
+                        <a:schemeClr val="tx1"/>
+                      </a:solidFill>
+                      <a:latin typeface="Times New Roman" panose="02020603050405020304" pitchFamily="18" charset="0"/>
+                      <a:ea typeface="宋体" panose="02010600030101010101" pitchFamily="2" charset="-122"/>
+                    </a:defRPr>
+                  </a:lvl9pPr>
+                </a:lstStyle>
+                <a:p>
+                  <a:pPr>
+                    <a:spcBef>
+                      <a:spcPct val="0"/>
+                    </a:spcBef>
+                    <a:buClrTx/>
+                    <a:buFont typeface="Arial" panose="020B0604020202020204" pitchFamily="34" charset="0"/>
+                    <a:buNone/>
+                  </a:pPr>
+                  <a:r>
+                    <a:rPr lang="en-US" altLang="zh-CN" sz="2333" b="1" dirty="0">
+                      <a:solidFill>
+                        <a:srgbClr val="0000FF"/>
+                      </a:solidFill>
+                    </a:rPr>
+                    <a:t>Input</a:t>
+                  </a:r>
+                </a:p>
+              </p:txBody>
+            </p:sp>
+            <p:sp>
+              <p:nvSpPr>
+                <p:cNvPr id="12" name="Text Box 13"/>
+                <p:cNvSpPr txBox="1">
+                  <a:spLocks noChangeArrowheads="1"/>
+                </p:cNvSpPr>
+                <p:nvPr/>
+              </p:nvSpPr>
+              <p:spPr bwMode="auto">
+                <a:xfrm>
+                  <a:off x="2597" y="1217"/>
+                  <a:ext cx="1206" cy="403"/>
+                </a:xfrm>
+                <a:prstGeom prst="rect">
+                  <a:avLst/>
+                </a:prstGeom>
+                <a:noFill/>
+                <a:ln>
+                  <a:noFill/>
+                </a:ln>
+                <a:extLst>
+                  <a:ext uri="{909E8E84-426E-40DD-AFC4-6F175D3DCCD1}">
+                    <a14:hiddenFill xmlns:a14="http://schemas.microsoft.com/office/drawing/2010/main">
+                      <a:solidFill>
+                        <a:srgbClr val="FFFFFF"/>
+                      </a:solidFill>
+                    </a14:hiddenFill>
+                  </a:ext>
+                  <a:ext uri="{91240B29-F687-4F45-9708-019B960494DF}">
+                    <a14:hiddenLine xmlns:a14="http://schemas.microsoft.com/office/drawing/2010/main" w="9525">
+                      <a:solidFill>
+                        <a:srgbClr val="000000"/>
+                      </a:solidFill>
+                      <a:miter lim="800000"/>
+                      <a:headEnd/>
+                      <a:tailEnd/>
+                    </a14:hiddenLine>
+                  </a:ext>
+                </a:extLst>
+              </p:spPr>
+              <p:txBody>
+                <a:bodyPr wrap="none">
+                  <a:spAutoFit/>
+                </a:bodyPr>
+                <a:lstStyle>
+                  <a:lvl1pPr defTabSz="762000">
+                    <a:spcBef>
+                      <a:spcPct val="20000"/>
+                    </a:spcBef>
+                    <a:buClr>
+                      <a:schemeClr val="accent2"/>
+                    </a:buClr>
+                    <a:buFont typeface="Wingdings" panose="05000000000000000000" pitchFamily="2" charset="2"/>
+                    <a:buChar char="w"/>
+                    <a:defRPr sz="3200">
+                      <a:solidFill>
+                        <a:schemeClr val="tx1"/>
+                      </a:solidFill>
+                      <a:latin typeface="Times New Roman" panose="02020603050405020304" pitchFamily="18" charset="0"/>
+                      <a:ea typeface="宋体" panose="02010600030101010101" pitchFamily="2" charset="-122"/>
+                    </a:defRPr>
+                  </a:lvl1pPr>
+                  <a:lvl2pPr marL="742950" indent="-285750" defTabSz="762000">
+                    <a:spcBef>
+                      <a:spcPct val="20000"/>
+                    </a:spcBef>
+                    <a:buClr>
+                      <a:schemeClr val="accent2"/>
+                    </a:buClr>
+                    <a:buSzPct val="55000"/>
+                    <a:buFont typeface="Wingdings" panose="05000000000000000000" pitchFamily="2" charset="2"/>
+                    <a:buChar char="n"/>
+                    <a:defRPr sz="2800">
+                      <a:solidFill>
+                        <a:schemeClr val="tx1"/>
+                      </a:solidFill>
+                      <a:latin typeface="Times New Roman" panose="02020603050405020304" pitchFamily="18" charset="0"/>
+                      <a:ea typeface="宋体" panose="02010600030101010101" pitchFamily="2" charset="-122"/>
+                    </a:defRPr>
+                  </a:lvl2pPr>
+                  <a:lvl3pPr marL="1143000" indent="-228600" defTabSz="762000">
+                    <a:spcBef>
+                      <a:spcPct val="20000"/>
+                    </a:spcBef>
+                    <a:buClr>
+                      <a:schemeClr val="accent2"/>
+                    </a:buClr>
+                    <a:buSzPct val="65000"/>
+                    <a:buFont typeface="Wingdings" panose="05000000000000000000" pitchFamily="2" charset="2"/>
+                    <a:buChar char="l"/>
+                    <a:defRPr sz="2400">
+                      <a:solidFill>
+                        <a:schemeClr val="tx1"/>
+                      </a:solidFill>
+                      <a:latin typeface="Times New Roman" panose="02020603050405020304" pitchFamily="18" charset="0"/>
+                      <a:ea typeface="宋体" panose="02010600030101010101" pitchFamily="2" charset="-122"/>
+                    </a:defRPr>
+                  </a:lvl3pPr>
+                  <a:lvl4pPr marL="1600200" indent="-228600" defTabSz="762000">
+                    <a:spcBef>
+                      <a:spcPct val="20000"/>
+                    </a:spcBef>
+                    <a:buClr>
+                      <a:schemeClr val="accent2"/>
+                    </a:buClr>
+                    <a:buSzPct val="85000"/>
+                    <a:buFont typeface="Wingdings" panose="05000000000000000000" pitchFamily="2" charset="2"/>
+                    <a:buChar char="w"/>
+                    <a:defRPr sz="2000">
+                      <a:solidFill>
+                        <a:schemeClr val="tx1"/>
+                      </a:solidFill>
+                      <a:latin typeface="Times New Roman" panose="02020603050405020304" pitchFamily="18" charset="0"/>
+                      <a:ea typeface="宋体" panose="02010600030101010101" pitchFamily="2" charset="-122"/>
+                    </a:defRPr>
+                  </a:lvl4pPr>
+                  <a:lvl5pPr marL="2057400" indent="-228600" defTabSz="762000">
+                    <a:spcBef>
+                      <a:spcPct val="20000"/>
+                    </a:spcBef>
+                    <a:buClr>
+                      <a:schemeClr val="accent2"/>
+                    </a:buClr>
+                    <a:buSzPct val="80000"/>
+                    <a:buFont typeface="Wingdings" panose="05000000000000000000" pitchFamily="2" charset="2"/>
+                    <a:buChar char="§"/>
+                    <a:defRPr>
+                      <a:solidFill>
+                        <a:schemeClr val="tx1"/>
+                      </a:solidFill>
+                      <a:latin typeface="Times New Roman" panose="02020603050405020304" pitchFamily="18" charset="0"/>
+                      <a:ea typeface="宋体" panose="02010600030101010101" pitchFamily="2" charset="-122"/>
+                    </a:defRPr>
+                  </a:lvl5pPr>
+                  <a:lvl6pPr marL="2514600" indent="-228600" defTabSz="762000" eaLnBrk="0" fontAlgn="base" hangingPunct="0">
+                    <a:spcBef>
+                      <a:spcPct val="20000"/>
+                    </a:spcBef>
+                    <a:spcAft>
+                      <a:spcPct val="0"/>
+                    </a:spcAft>
+                    <a:buClr>
+                      <a:schemeClr val="accent2"/>
+                    </a:buClr>
+                    <a:buSzPct val="80000"/>
+                    <a:buFont typeface="Wingdings" panose="05000000000000000000" pitchFamily="2" charset="2"/>
+                    <a:buChar char="§"/>
+                    <a:defRPr>
+                      <a:solidFill>
+                        <a:schemeClr val="tx1"/>
+                      </a:solidFill>
+                      <a:latin typeface="Times New Roman" panose="02020603050405020304" pitchFamily="18" charset="0"/>
+                      <a:ea typeface="宋体" panose="02010600030101010101" pitchFamily="2" charset="-122"/>
+                    </a:defRPr>
+                  </a:lvl6pPr>
+                  <a:lvl7pPr marL="2971800" indent="-228600" defTabSz="762000" eaLnBrk="0" fontAlgn="base" hangingPunct="0">
+                    <a:spcBef>
+                      <a:spcPct val="20000"/>
+                    </a:spcBef>
+                    <a:spcAft>
+                      <a:spcPct val="0"/>
+                    </a:spcAft>
+                    <a:buClr>
+                      <a:schemeClr val="accent2"/>
+                    </a:buClr>
+                    <a:buSzPct val="80000"/>
+                    <a:buFont typeface="Wingdings" panose="05000000000000000000" pitchFamily="2" charset="2"/>
+                    <a:buChar char="§"/>
+                    <a:defRPr>
+                      <a:solidFill>
+                        <a:schemeClr val="tx1"/>
+                      </a:solidFill>
+                      <a:latin typeface="Times New Roman" panose="02020603050405020304" pitchFamily="18" charset="0"/>
+                      <a:ea typeface="宋体" panose="02010600030101010101" pitchFamily="2" charset="-122"/>
+                    </a:defRPr>
+                  </a:lvl7pPr>
+                  <a:lvl8pPr marL="3429000" indent="-228600" defTabSz="762000" eaLnBrk="0" fontAlgn="base" hangingPunct="0">
+                    <a:spcBef>
+                      <a:spcPct val="20000"/>
+                    </a:spcBef>
+                    <a:spcAft>
+                      <a:spcPct val="0"/>
+                    </a:spcAft>
+                    <a:buClr>
+                      <a:schemeClr val="accent2"/>
+                    </a:buClr>
+                    <a:buSzPct val="80000"/>
+                    <a:buFont typeface="Wingdings" panose="05000000000000000000" pitchFamily="2" charset="2"/>
+                    <a:buChar char="§"/>
+                    <a:defRPr>
+                      <a:solidFill>
+                        <a:schemeClr val="tx1"/>
+                      </a:solidFill>
+                      <a:latin typeface="Times New Roman" panose="02020603050405020304" pitchFamily="18" charset="0"/>
+                      <a:ea typeface="宋体" panose="02010600030101010101" pitchFamily="2" charset="-122"/>
+                    </a:defRPr>
+                  </a:lvl8pPr>
+                  <a:lvl9pPr marL="3886200" indent="-228600" defTabSz="762000" eaLnBrk="0" fontAlgn="base" hangingPunct="0">
+                    <a:spcBef>
+                      <a:spcPct val="20000"/>
+                    </a:spcBef>
+                    <a:spcAft>
+                      <a:spcPct val="0"/>
+                    </a:spcAft>
+                    <a:buClr>
+                      <a:schemeClr val="accent2"/>
+                    </a:buClr>
+                    <a:buSzPct val="80000"/>
+                    <a:buFont typeface="Wingdings" panose="05000000000000000000" pitchFamily="2" charset="2"/>
+                    <a:buChar char="§"/>
+                    <a:defRPr>
+                      <a:solidFill>
+                        <a:schemeClr val="tx1"/>
+                      </a:solidFill>
+                      <a:latin typeface="Times New Roman" panose="02020603050405020304" pitchFamily="18" charset="0"/>
+                      <a:ea typeface="宋体" panose="02010600030101010101" pitchFamily="2" charset="-122"/>
+                    </a:defRPr>
+                  </a:lvl9pPr>
+                </a:lstStyle>
+                <a:p>
+                  <a:pPr>
+                    <a:spcBef>
+                      <a:spcPct val="0"/>
+                    </a:spcBef>
+                    <a:buClrTx/>
+                    <a:buFont typeface="Arial" panose="020B0604020202020204" pitchFamily="34" charset="0"/>
+                    <a:buNone/>
+                  </a:pPr>
+                  <a:r>
+                    <a:rPr lang="en-US" altLang="zh-CN" sz="2333" b="1" dirty="0">
+                      <a:solidFill>
+                        <a:srgbClr val="0000FF"/>
+                      </a:solidFill>
+                    </a:rPr>
+                    <a:t>Output</a:t>
+                  </a:r>
+                </a:p>
+              </p:txBody>
+            </p:sp>
+          </p:grpSp>
+        </p:grpSp>
+      </p:grpSp>
+      <p:grpSp>
+        <p:nvGrpSpPr>
+          <p:cNvPr id="13" name="组合 12"/>
+          <p:cNvGrpSpPr/>
+          <p:nvPr/>
+        </p:nvGrpSpPr>
+        <p:grpSpPr>
+          <a:xfrm>
+            <a:off x="4807248" y="2835791"/>
+            <a:ext cx="3168352" cy="2845038"/>
+            <a:chOff x="939188" y="1782957"/>
+            <a:chExt cx="2977444" cy="2733149"/>
+          </a:xfrm>
+        </p:grpSpPr>
+        <p:sp>
+          <p:nvSpPr>
+            <p:cNvPr id="15" name="AutoShape 4"/>
+            <p:cNvSpPr>
+              <a:spLocks noChangeArrowheads="1"/>
+            </p:cNvSpPr>
+            <p:nvPr/>
+          </p:nvSpPr>
+          <p:spPr bwMode="auto">
+            <a:xfrm>
+              <a:off x="939188" y="1782957"/>
+              <a:ext cx="2977444" cy="2733149"/>
+            </a:xfrm>
+            <a:prstGeom prst="cube">
+              <a:avLst>
+                <a:gd name="adj" fmla="val 25000"/>
+              </a:avLst>
+            </a:prstGeom>
+            <a:ln>
+              <a:headEnd/>
+              <a:tailEnd/>
+            </a:ln>
+            <a:extLst/>
+          </p:spPr>
+          <p:style>
+            <a:lnRef idx="2">
+              <a:schemeClr val="accent3"/>
+            </a:lnRef>
+            <a:fillRef idx="1">
+              <a:schemeClr val="lt1"/>
+            </a:fillRef>
+            <a:effectRef idx="0">
+              <a:schemeClr val="accent3"/>
+            </a:effectRef>
+            <a:fontRef idx="minor">
+              <a:schemeClr val="dk1"/>
+            </a:fontRef>
+          </p:style>
+          <p:txBody>
+            <a:bodyPr wrap="none" anchor="ctr"/>
+            <a:lstStyle>
+              <a:lvl1pPr>
+                <a:spcBef>
+                  <a:spcPct val="20000"/>
+                </a:spcBef>
+                <a:buClr>
+                  <a:schemeClr val="accent2"/>
+                </a:buClr>
+                <a:buFont typeface="Wingdings" panose="05000000000000000000" pitchFamily="2" charset="2"/>
+                <a:buChar char="w"/>
+                <a:defRPr sz="3200">
+                  <a:solidFill>
+                    <a:schemeClr val="tx1"/>
+                  </a:solidFill>
+                  <a:latin typeface="Times New Roman" panose="02020603050405020304" pitchFamily="18" charset="0"/>
+                  <a:ea typeface="宋体" panose="02010600030101010101" pitchFamily="2" charset="-122"/>
+                </a:defRPr>
+              </a:lvl1pPr>
+              <a:lvl2pPr marL="742950" indent="-285750">
+                <a:spcBef>
+                  <a:spcPct val="20000"/>
+                </a:spcBef>
+                <a:buClr>
+                  <a:schemeClr val="accent2"/>
+                </a:buClr>
+                <a:buSzPct val="55000"/>
+                <a:buFont typeface="Wingdings" panose="05000000000000000000" pitchFamily="2" charset="2"/>
+                <a:buChar char="n"/>
+                <a:defRPr sz="2800">
+                  <a:solidFill>
+                    <a:schemeClr val="tx1"/>
+                  </a:solidFill>
+                  <a:latin typeface="Times New Roman" panose="02020603050405020304" pitchFamily="18" charset="0"/>
+                  <a:ea typeface="宋体" panose="02010600030101010101" pitchFamily="2" charset="-122"/>
+                </a:defRPr>
+              </a:lvl2pPr>
+              <a:lvl3pPr marL="1143000" indent="-228600">
+                <a:spcBef>
+                  <a:spcPct val="20000"/>
+                </a:spcBef>
+                <a:buClr>
+                  <a:schemeClr val="accent2"/>
+                </a:buClr>
+                <a:buSzPct val="65000"/>
+                <a:buFont typeface="Wingdings" panose="05000000000000000000" pitchFamily="2" charset="2"/>
+                <a:buChar char="l"/>
+                <a:defRPr sz="2400">
+                  <a:solidFill>
+                    <a:schemeClr val="tx1"/>
+                  </a:solidFill>
+                  <a:latin typeface="Times New Roman" panose="02020603050405020304" pitchFamily="18" charset="0"/>
+                  <a:ea typeface="宋体" panose="02010600030101010101" pitchFamily="2" charset="-122"/>
+                </a:defRPr>
+              </a:lvl3pPr>
+              <a:lvl4pPr marL="1600200" indent="-228600">
+                <a:spcBef>
+                  <a:spcPct val="20000"/>
+                </a:spcBef>
+                <a:buClr>
+                  <a:schemeClr val="accent2"/>
+                </a:buClr>
+                <a:buSzPct val="85000"/>
+                <a:buFont typeface="Wingdings" panose="05000000000000000000" pitchFamily="2" charset="2"/>
+                <a:buChar char="w"/>
+                <a:defRPr sz="2000">
+                  <a:solidFill>
+                    <a:schemeClr val="tx1"/>
+                  </a:solidFill>
+                  <a:latin typeface="Times New Roman" panose="02020603050405020304" pitchFamily="18" charset="0"/>
+                  <a:ea typeface="宋体" panose="02010600030101010101" pitchFamily="2" charset="-122"/>
+                </a:defRPr>
+              </a:lvl4pPr>
+              <a:lvl5pPr marL="2057400" indent="-228600">
+                <a:spcBef>
+                  <a:spcPct val="20000"/>
+                </a:spcBef>
+                <a:buClr>
+                  <a:schemeClr val="accent2"/>
+                </a:buClr>
+                <a:buSzPct val="80000"/>
+                <a:buFont typeface="Wingdings" panose="05000000000000000000" pitchFamily="2" charset="2"/>
+                <a:buChar char="§"/>
+                <a:defRPr>
+                  <a:solidFill>
+                    <a:schemeClr val="tx1"/>
+                  </a:solidFill>
+                  <a:latin typeface="Times New Roman" panose="02020603050405020304" pitchFamily="18" charset="0"/>
+                  <a:ea typeface="宋体" panose="02010600030101010101" pitchFamily="2" charset="-122"/>
+                </a:defRPr>
+              </a:lvl5pPr>
+              <a:lvl6pPr marL="2514600" indent="-228600" eaLnBrk="0" fontAlgn="base" hangingPunct="0">
+                <a:spcBef>
+                  <a:spcPct val="20000"/>
+                </a:spcBef>
+                <a:spcAft>
+                  <a:spcPct val="0"/>
+                </a:spcAft>
+                <a:buClr>
+                  <a:schemeClr val="accent2"/>
+                </a:buClr>
+                <a:buSzPct val="80000"/>
+                <a:buFont typeface="Wingdings" panose="05000000000000000000" pitchFamily="2" charset="2"/>
+                <a:buChar char="§"/>
+                <a:defRPr>
+                  <a:solidFill>
+                    <a:schemeClr val="tx1"/>
+                  </a:solidFill>
+                  <a:latin typeface="Times New Roman" panose="02020603050405020304" pitchFamily="18" charset="0"/>
+                  <a:ea typeface="宋体" panose="02010600030101010101" pitchFamily="2" charset="-122"/>
+                </a:defRPr>
+              </a:lvl6pPr>
+              <a:lvl7pPr marL="2971800" indent="-228600" eaLnBrk="0" fontAlgn="base" hangingPunct="0">
+                <a:spcBef>
+                  <a:spcPct val="20000"/>
+                </a:spcBef>
+                <a:spcAft>
+                  <a:spcPct val="0"/>
+                </a:spcAft>
+                <a:buClr>
+                  <a:schemeClr val="accent2"/>
+                </a:buClr>
+                <a:buSzPct val="80000"/>
+                <a:buFont typeface="Wingdings" panose="05000000000000000000" pitchFamily="2" charset="2"/>
+                <a:buChar char="§"/>
+                <a:defRPr>
+                  <a:solidFill>
+                    <a:schemeClr val="tx1"/>
+                  </a:solidFill>
+                  <a:latin typeface="Times New Roman" panose="02020603050405020304" pitchFamily="18" charset="0"/>
+                  <a:ea typeface="宋体" panose="02010600030101010101" pitchFamily="2" charset="-122"/>
+                </a:defRPr>
+              </a:lvl7pPr>
+              <a:lvl8pPr marL="3429000" indent="-228600" eaLnBrk="0" fontAlgn="base" hangingPunct="0">
+                <a:spcBef>
+                  <a:spcPct val="20000"/>
+                </a:spcBef>
+                <a:spcAft>
+                  <a:spcPct val="0"/>
+                </a:spcAft>
+                <a:buClr>
+                  <a:schemeClr val="accent2"/>
+                </a:buClr>
+                <a:buSzPct val="80000"/>
+                <a:buFont typeface="Wingdings" panose="05000000000000000000" pitchFamily="2" charset="2"/>
+                <a:buChar char="§"/>
+                <a:defRPr>
+                  <a:solidFill>
+                    <a:schemeClr val="tx1"/>
+                  </a:solidFill>
+                  <a:latin typeface="Times New Roman" panose="02020603050405020304" pitchFamily="18" charset="0"/>
+                  <a:ea typeface="宋体" panose="02010600030101010101" pitchFamily="2" charset="-122"/>
+                </a:defRPr>
+              </a:lvl8pPr>
+              <a:lvl9pPr marL="3886200" indent="-228600" eaLnBrk="0" fontAlgn="base" hangingPunct="0">
+                <a:spcBef>
+                  <a:spcPct val="20000"/>
+                </a:spcBef>
+                <a:spcAft>
+                  <a:spcPct val="0"/>
+                </a:spcAft>
+                <a:buClr>
+                  <a:schemeClr val="accent2"/>
+                </a:buClr>
+                <a:buSzPct val="80000"/>
+                <a:buFont typeface="Wingdings" panose="05000000000000000000" pitchFamily="2" charset="2"/>
+                <a:buChar char="§"/>
+                <a:defRPr>
+                  <a:solidFill>
+                    <a:schemeClr val="tx1"/>
+                  </a:solidFill>
+                  <a:latin typeface="Times New Roman" panose="02020603050405020304" pitchFamily="18" charset="0"/>
+                  <a:ea typeface="宋体" panose="02010600030101010101" pitchFamily="2" charset="-122"/>
+                </a:defRPr>
+              </a:lvl9pPr>
+            </a:lstStyle>
+            <a:p>
+              <a:pPr eaLnBrk="1" hangingPunct="1">
+                <a:spcBef>
+                  <a:spcPct val="0"/>
+                </a:spcBef>
+                <a:buClrTx/>
+                <a:buFont typeface="Arial" panose="020B0604020202020204" pitchFamily="34" charset="0"/>
+                <a:buNone/>
+              </a:pPr>
+              <a:endParaRPr lang="zh-CN" altLang="en-US" sz="2000"/>
+            </a:p>
+          </p:txBody>
+        </p:sp>
+        <p:grpSp>
+          <p:nvGrpSpPr>
+            <p:cNvPr id="16" name="Group 5"/>
+            <p:cNvGrpSpPr>
+              <a:grpSpLocks/>
+            </p:cNvGrpSpPr>
+            <p:nvPr/>
+          </p:nvGrpSpPr>
+          <p:grpSpPr bwMode="auto">
+            <a:xfrm>
+              <a:off x="1547664" y="2569468"/>
+              <a:ext cx="1283692" cy="1800200"/>
+              <a:chOff x="0" y="0"/>
+              <a:chExt cx="1680" cy="2160"/>
+            </a:xfrm>
+          </p:grpSpPr>
+          <p:grpSp>
+            <p:nvGrpSpPr>
+              <p:cNvPr id="17" name="Group 6"/>
+              <p:cNvGrpSpPr>
+                <a:grpSpLocks/>
+              </p:cNvGrpSpPr>
+              <p:nvPr/>
+            </p:nvGrpSpPr>
+            <p:grpSpPr bwMode="auto">
+              <a:xfrm>
+                <a:off x="0" y="0"/>
+                <a:ext cx="1536" cy="2160"/>
+                <a:chOff x="0" y="0"/>
+                <a:chExt cx="1536" cy="2160"/>
+              </a:xfrm>
+            </p:grpSpPr>
+            <p:sp>
+              <p:nvSpPr>
+                <p:cNvPr id="21" name="Rectangle 7"/>
+                <p:cNvSpPr>
+                  <a:spLocks noChangeArrowheads="1"/>
+                </p:cNvSpPr>
+                <p:nvPr/>
+              </p:nvSpPr>
+              <p:spPr bwMode="auto">
+                <a:xfrm>
+                  <a:off x="600" y="288"/>
+                  <a:ext cx="384" cy="192"/>
+                </a:xfrm>
+                <a:prstGeom prst="rect">
+                  <a:avLst/>
+                </a:prstGeom>
+                <a:ln>
+                  <a:headEnd/>
+                  <a:tailEnd/>
+                </a:ln>
+              </p:spPr>
+              <p:style>
+                <a:lnRef idx="2">
+                  <a:schemeClr val="accent2"/>
+                </a:lnRef>
+                <a:fillRef idx="1">
+                  <a:schemeClr val="lt1"/>
+                </a:fillRef>
+                <a:effectRef idx="0">
+                  <a:schemeClr val="accent2"/>
+                </a:effectRef>
+                <a:fontRef idx="minor">
+                  <a:schemeClr val="dk1"/>
+                </a:fontRef>
+              </p:style>
+              <p:txBody>
+                <a:bodyPr wrap="none" anchor="ctr"/>
+                <a:lstStyle>
+                  <a:lvl1pPr defTabSz="762000">
+                    <a:spcBef>
+                      <a:spcPct val="20000"/>
+                    </a:spcBef>
+                    <a:buClr>
+                      <a:schemeClr val="accent2"/>
+                    </a:buClr>
+                    <a:buFont typeface="Wingdings" panose="05000000000000000000" pitchFamily="2" charset="2"/>
+                    <a:buChar char="w"/>
+                    <a:defRPr sz="3200">
+                      <a:solidFill>
+                        <a:schemeClr val="tx1"/>
+                      </a:solidFill>
+                      <a:latin typeface="Times New Roman" panose="02020603050405020304" pitchFamily="18" charset="0"/>
+                      <a:ea typeface="宋体" panose="02010600030101010101" pitchFamily="2" charset="-122"/>
+                    </a:defRPr>
+                  </a:lvl1pPr>
+                  <a:lvl2pPr marL="742950" indent="-285750" defTabSz="762000">
+                    <a:spcBef>
+                      <a:spcPct val="20000"/>
+                    </a:spcBef>
+                    <a:buClr>
+                      <a:schemeClr val="accent2"/>
+                    </a:buClr>
+                    <a:buSzPct val="55000"/>
+                    <a:buFont typeface="Wingdings" panose="05000000000000000000" pitchFamily="2" charset="2"/>
+                    <a:buChar char="n"/>
+                    <a:defRPr sz="2800">
+                      <a:solidFill>
+                        <a:schemeClr val="tx1"/>
+                      </a:solidFill>
+                      <a:latin typeface="Times New Roman" panose="02020603050405020304" pitchFamily="18" charset="0"/>
+                      <a:ea typeface="宋体" panose="02010600030101010101" pitchFamily="2" charset="-122"/>
+                    </a:defRPr>
+                  </a:lvl2pPr>
+                  <a:lvl3pPr marL="1143000" indent="-228600" defTabSz="762000">
+                    <a:spcBef>
+                      <a:spcPct val="20000"/>
+                    </a:spcBef>
+                    <a:buClr>
+                      <a:schemeClr val="accent2"/>
+                    </a:buClr>
+                    <a:buSzPct val="65000"/>
+                    <a:buFont typeface="Wingdings" panose="05000000000000000000" pitchFamily="2" charset="2"/>
+                    <a:buChar char="l"/>
+                    <a:defRPr sz="2400">
+                      <a:solidFill>
+                        <a:schemeClr val="tx1"/>
+                      </a:solidFill>
+                      <a:latin typeface="Times New Roman" panose="02020603050405020304" pitchFamily="18" charset="0"/>
+                      <a:ea typeface="宋体" panose="02010600030101010101" pitchFamily="2" charset="-122"/>
+                    </a:defRPr>
+                  </a:lvl3pPr>
+                  <a:lvl4pPr marL="1600200" indent="-228600" defTabSz="762000">
+                    <a:spcBef>
+                      <a:spcPct val="20000"/>
+                    </a:spcBef>
+                    <a:buClr>
+                      <a:schemeClr val="accent2"/>
+                    </a:buClr>
+                    <a:buSzPct val="85000"/>
+                    <a:buFont typeface="Wingdings" panose="05000000000000000000" pitchFamily="2" charset="2"/>
+                    <a:buChar char="w"/>
+                    <a:defRPr sz="2000">
+                      <a:solidFill>
+                        <a:schemeClr val="tx1"/>
+                      </a:solidFill>
+                      <a:latin typeface="Times New Roman" panose="02020603050405020304" pitchFamily="18" charset="0"/>
+                      <a:ea typeface="宋体" panose="02010600030101010101" pitchFamily="2" charset="-122"/>
+                    </a:defRPr>
+                  </a:lvl4pPr>
+                  <a:lvl5pPr marL="2057400" indent="-228600" defTabSz="762000">
+                    <a:spcBef>
+                      <a:spcPct val="20000"/>
+                    </a:spcBef>
+                    <a:buClr>
+                      <a:schemeClr val="accent2"/>
+                    </a:buClr>
+                    <a:buSzPct val="80000"/>
+                    <a:buFont typeface="Wingdings" panose="05000000000000000000" pitchFamily="2" charset="2"/>
+                    <a:buChar char="§"/>
+                    <a:defRPr>
+                      <a:solidFill>
+                        <a:schemeClr val="tx1"/>
+                      </a:solidFill>
+                      <a:latin typeface="Times New Roman" panose="02020603050405020304" pitchFamily="18" charset="0"/>
+                      <a:ea typeface="宋体" panose="02010600030101010101" pitchFamily="2" charset="-122"/>
+                    </a:defRPr>
+                  </a:lvl5pPr>
+                  <a:lvl6pPr marL="2514600" indent="-228600" defTabSz="762000" eaLnBrk="0" fontAlgn="base" hangingPunct="0">
+                    <a:spcBef>
+                      <a:spcPct val="20000"/>
+                    </a:spcBef>
+                    <a:spcAft>
+                      <a:spcPct val="0"/>
+                    </a:spcAft>
+                    <a:buClr>
+                      <a:schemeClr val="accent2"/>
+                    </a:buClr>
+                    <a:buSzPct val="80000"/>
+                    <a:buFont typeface="Wingdings" panose="05000000000000000000" pitchFamily="2" charset="2"/>
+                    <a:buChar char="§"/>
+                    <a:defRPr>
+                      <a:solidFill>
+                        <a:schemeClr val="tx1"/>
+                      </a:solidFill>
+                      <a:latin typeface="Times New Roman" panose="02020603050405020304" pitchFamily="18" charset="0"/>
+                      <a:ea typeface="宋体" panose="02010600030101010101" pitchFamily="2" charset="-122"/>
+                    </a:defRPr>
+                  </a:lvl6pPr>
+                  <a:lvl7pPr marL="2971800" indent="-228600" defTabSz="762000" eaLnBrk="0" fontAlgn="base" hangingPunct="0">
+                    <a:spcBef>
+                      <a:spcPct val="20000"/>
+                    </a:spcBef>
+                    <a:spcAft>
+                      <a:spcPct val="0"/>
+                    </a:spcAft>
+                    <a:buClr>
+                      <a:schemeClr val="accent2"/>
+                    </a:buClr>
+                    <a:buSzPct val="80000"/>
+                    <a:buFont typeface="Wingdings" panose="05000000000000000000" pitchFamily="2" charset="2"/>
+                    <a:buChar char="§"/>
+                    <a:defRPr>
+                      <a:solidFill>
+                        <a:schemeClr val="tx1"/>
+                      </a:solidFill>
+                      <a:latin typeface="Times New Roman" panose="02020603050405020304" pitchFamily="18" charset="0"/>
+                      <a:ea typeface="宋体" panose="02010600030101010101" pitchFamily="2" charset="-122"/>
+                    </a:defRPr>
+                  </a:lvl7pPr>
+                  <a:lvl8pPr marL="3429000" indent="-228600" defTabSz="762000" eaLnBrk="0" fontAlgn="base" hangingPunct="0">
+                    <a:spcBef>
+                      <a:spcPct val="20000"/>
+                    </a:spcBef>
+                    <a:spcAft>
+                      <a:spcPct val="0"/>
+                    </a:spcAft>
+                    <a:buClr>
+                      <a:schemeClr val="accent2"/>
+                    </a:buClr>
+                    <a:buSzPct val="80000"/>
+                    <a:buFont typeface="Wingdings" panose="05000000000000000000" pitchFamily="2" charset="2"/>
+                    <a:buChar char="§"/>
+                    <a:defRPr>
+                      <a:solidFill>
+                        <a:schemeClr val="tx1"/>
+                      </a:solidFill>
+                      <a:latin typeface="Times New Roman" panose="02020603050405020304" pitchFamily="18" charset="0"/>
+                      <a:ea typeface="宋体" panose="02010600030101010101" pitchFamily="2" charset="-122"/>
+                    </a:defRPr>
+                  </a:lvl8pPr>
+                  <a:lvl9pPr marL="3886200" indent="-228600" defTabSz="762000" eaLnBrk="0" fontAlgn="base" hangingPunct="0">
+                    <a:spcBef>
+                      <a:spcPct val="20000"/>
+                    </a:spcBef>
+                    <a:spcAft>
+                      <a:spcPct val="0"/>
+                    </a:spcAft>
+                    <a:buClr>
+                      <a:schemeClr val="accent2"/>
+                    </a:buClr>
+                    <a:buSzPct val="80000"/>
+                    <a:buFont typeface="Wingdings" panose="05000000000000000000" pitchFamily="2" charset="2"/>
+                    <a:buChar char="§"/>
+                    <a:defRPr>
+                      <a:solidFill>
+                        <a:schemeClr val="tx1"/>
+                      </a:solidFill>
+                      <a:latin typeface="Times New Roman" panose="02020603050405020304" pitchFamily="18" charset="0"/>
+                      <a:ea typeface="宋体" panose="02010600030101010101" pitchFamily="2" charset="-122"/>
+                    </a:defRPr>
+                  </a:lvl9pPr>
+                </a:lstStyle>
+                <a:p>
+                  <a:pPr algn="ctr">
+                    <a:spcBef>
+                      <a:spcPct val="0"/>
+                    </a:spcBef>
+                    <a:buClrTx/>
+                    <a:buFont typeface="Arial" panose="020B0604020202020204" pitchFamily="34" charset="0"/>
+                    <a:buNone/>
+                  </a:pPr>
+                  <a:endParaRPr lang="en-CA" altLang="en-US" sz="1167"/>
+                </a:p>
+              </p:txBody>
+            </p:sp>
+            <p:sp>
+              <p:nvSpPr>
+                <p:cNvPr id="22" name="AutoShape 8"/>
+                <p:cNvSpPr>
+                  <a:spLocks noChangeArrowheads="1"/>
+                </p:cNvSpPr>
+                <p:nvPr/>
+              </p:nvSpPr>
+              <p:spPr bwMode="auto">
+                <a:xfrm>
+                  <a:off x="696" y="0"/>
+                  <a:ext cx="192" cy="192"/>
+                </a:xfrm>
+                <a:prstGeom prst="flowChartConnector">
+                  <a:avLst/>
+                </a:prstGeom>
+                <a:ln>
+                  <a:headEnd/>
+                  <a:tailEnd/>
+                </a:ln>
+              </p:spPr>
+              <p:style>
+                <a:lnRef idx="2">
+                  <a:schemeClr val="accent2"/>
+                </a:lnRef>
+                <a:fillRef idx="1">
+                  <a:schemeClr val="lt1"/>
+                </a:fillRef>
+                <a:effectRef idx="0">
+                  <a:schemeClr val="accent2"/>
+                </a:effectRef>
+                <a:fontRef idx="minor">
+                  <a:schemeClr val="dk1"/>
+                </a:fontRef>
+              </p:style>
+              <p:txBody>
+                <a:bodyPr wrap="none" anchor="ctr"/>
+                <a:lstStyle>
+                  <a:lvl1pPr>
+                    <a:spcBef>
+                      <a:spcPct val="20000"/>
+                    </a:spcBef>
+                    <a:buClr>
+                      <a:schemeClr val="accent2"/>
+                    </a:buClr>
+                    <a:buFont typeface="Wingdings" panose="05000000000000000000" pitchFamily="2" charset="2"/>
+                    <a:buChar char="w"/>
+                    <a:defRPr sz="3200">
+                      <a:solidFill>
+                        <a:schemeClr val="tx1"/>
+                      </a:solidFill>
+                      <a:latin typeface="Times New Roman" panose="02020603050405020304" pitchFamily="18" charset="0"/>
+                      <a:ea typeface="宋体" panose="02010600030101010101" pitchFamily="2" charset="-122"/>
+                    </a:defRPr>
+                  </a:lvl1pPr>
+                  <a:lvl2pPr marL="742950" indent="-285750">
+                    <a:spcBef>
+                      <a:spcPct val="20000"/>
+                    </a:spcBef>
+                    <a:buClr>
+                      <a:schemeClr val="accent2"/>
+                    </a:buClr>
+                    <a:buSzPct val="55000"/>
+                    <a:buFont typeface="Wingdings" panose="05000000000000000000" pitchFamily="2" charset="2"/>
+                    <a:buChar char="n"/>
+                    <a:defRPr sz="2800">
+                      <a:solidFill>
+                        <a:schemeClr val="tx1"/>
+                      </a:solidFill>
+                      <a:latin typeface="Times New Roman" panose="02020603050405020304" pitchFamily="18" charset="0"/>
+                      <a:ea typeface="宋体" panose="02010600030101010101" pitchFamily="2" charset="-122"/>
+                    </a:defRPr>
+                  </a:lvl2pPr>
+                  <a:lvl3pPr marL="1143000" indent="-228600">
+                    <a:spcBef>
+                      <a:spcPct val="20000"/>
+                    </a:spcBef>
+                    <a:buClr>
+                      <a:schemeClr val="accent2"/>
+                    </a:buClr>
+                    <a:buSzPct val="65000"/>
+                    <a:buFont typeface="Wingdings" panose="05000000000000000000" pitchFamily="2" charset="2"/>
+                    <a:buChar char="l"/>
+                    <a:defRPr sz="2400">
+                      <a:solidFill>
+                        <a:schemeClr val="tx1"/>
+                      </a:solidFill>
+                      <a:latin typeface="Times New Roman" panose="02020603050405020304" pitchFamily="18" charset="0"/>
+                      <a:ea typeface="宋体" panose="02010600030101010101" pitchFamily="2" charset="-122"/>
+                    </a:defRPr>
+                  </a:lvl3pPr>
+                  <a:lvl4pPr marL="1600200" indent="-228600">
+                    <a:spcBef>
+                      <a:spcPct val="20000"/>
+                    </a:spcBef>
+                    <a:buClr>
+                      <a:schemeClr val="accent2"/>
+                    </a:buClr>
+                    <a:buSzPct val="85000"/>
+                    <a:buFont typeface="Wingdings" panose="05000000000000000000" pitchFamily="2" charset="2"/>
+                    <a:buChar char="w"/>
+                    <a:defRPr sz="2000">
+                      <a:solidFill>
+                        <a:schemeClr val="tx1"/>
+                      </a:solidFill>
+                      <a:latin typeface="Times New Roman" panose="02020603050405020304" pitchFamily="18" charset="0"/>
+                      <a:ea typeface="宋体" panose="02010600030101010101" pitchFamily="2" charset="-122"/>
+                    </a:defRPr>
+                  </a:lvl4pPr>
+                  <a:lvl5pPr marL="2057400" indent="-228600">
+                    <a:spcBef>
+                      <a:spcPct val="20000"/>
+                    </a:spcBef>
+                    <a:buClr>
+                      <a:schemeClr val="accent2"/>
+                    </a:buClr>
+                    <a:buSzPct val="80000"/>
+                    <a:buFont typeface="Wingdings" panose="05000000000000000000" pitchFamily="2" charset="2"/>
+                    <a:buChar char="§"/>
+                    <a:defRPr>
+                      <a:solidFill>
+                        <a:schemeClr val="tx1"/>
+                      </a:solidFill>
+                      <a:latin typeface="Times New Roman" panose="02020603050405020304" pitchFamily="18" charset="0"/>
+                      <a:ea typeface="宋体" panose="02010600030101010101" pitchFamily="2" charset="-122"/>
+                    </a:defRPr>
+                  </a:lvl5pPr>
+                  <a:lvl6pPr marL="2514600" indent="-228600" eaLnBrk="0" fontAlgn="base" hangingPunct="0">
+                    <a:spcBef>
+                      <a:spcPct val="20000"/>
+                    </a:spcBef>
+                    <a:spcAft>
+                      <a:spcPct val="0"/>
+                    </a:spcAft>
+                    <a:buClr>
+                      <a:schemeClr val="accent2"/>
+                    </a:buClr>
+                    <a:buSzPct val="80000"/>
+                    <a:buFont typeface="Wingdings" panose="05000000000000000000" pitchFamily="2" charset="2"/>
+                    <a:buChar char="§"/>
+                    <a:defRPr>
+                      <a:solidFill>
+                        <a:schemeClr val="tx1"/>
+                      </a:solidFill>
+                      <a:latin typeface="Times New Roman" panose="02020603050405020304" pitchFamily="18" charset="0"/>
+                      <a:ea typeface="宋体" panose="02010600030101010101" pitchFamily="2" charset="-122"/>
+                    </a:defRPr>
+                  </a:lvl6pPr>
+                  <a:lvl7pPr marL="2971800" indent="-228600" eaLnBrk="0" fontAlgn="base" hangingPunct="0">
+                    <a:spcBef>
+                      <a:spcPct val="20000"/>
+                    </a:spcBef>
+                    <a:spcAft>
+                      <a:spcPct val="0"/>
+                    </a:spcAft>
+                    <a:buClr>
+                      <a:schemeClr val="accent2"/>
+                    </a:buClr>
+                    <a:buSzPct val="80000"/>
+                    <a:buFont typeface="Wingdings" panose="05000000000000000000" pitchFamily="2" charset="2"/>
+                    <a:buChar char="§"/>
+                    <a:defRPr>
+                      <a:solidFill>
+                        <a:schemeClr val="tx1"/>
+                      </a:solidFill>
+                      <a:latin typeface="Times New Roman" panose="02020603050405020304" pitchFamily="18" charset="0"/>
+                      <a:ea typeface="宋体" panose="02010600030101010101" pitchFamily="2" charset="-122"/>
+                    </a:defRPr>
+                  </a:lvl7pPr>
+                  <a:lvl8pPr marL="3429000" indent="-228600" eaLnBrk="0" fontAlgn="base" hangingPunct="0">
+                    <a:spcBef>
+                      <a:spcPct val="20000"/>
+                    </a:spcBef>
+                    <a:spcAft>
+                      <a:spcPct val="0"/>
+                    </a:spcAft>
+                    <a:buClr>
+                      <a:schemeClr val="accent2"/>
+                    </a:buClr>
+                    <a:buSzPct val="80000"/>
+                    <a:buFont typeface="Wingdings" panose="05000000000000000000" pitchFamily="2" charset="2"/>
+                    <a:buChar char="§"/>
+                    <a:defRPr>
+                      <a:solidFill>
+                        <a:schemeClr val="tx1"/>
+                      </a:solidFill>
+                      <a:latin typeface="Times New Roman" panose="02020603050405020304" pitchFamily="18" charset="0"/>
+                      <a:ea typeface="宋体" panose="02010600030101010101" pitchFamily="2" charset="-122"/>
+                    </a:defRPr>
+                  </a:lvl8pPr>
+                  <a:lvl9pPr marL="3886200" indent="-228600" eaLnBrk="0" fontAlgn="base" hangingPunct="0">
+                    <a:spcBef>
+                      <a:spcPct val="20000"/>
+                    </a:spcBef>
+                    <a:spcAft>
+                      <a:spcPct val="0"/>
+                    </a:spcAft>
+                    <a:buClr>
+                      <a:schemeClr val="accent2"/>
+                    </a:buClr>
+                    <a:buSzPct val="80000"/>
+                    <a:buFont typeface="Wingdings" panose="05000000000000000000" pitchFamily="2" charset="2"/>
+                    <a:buChar char="§"/>
+                    <a:defRPr>
+                      <a:solidFill>
+                        <a:schemeClr val="tx1"/>
+                      </a:solidFill>
+                      <a:latin typeface="Times New Roman" panose="02020603050405020304" pitchFamily="18" charset="0"/>
+                      <a:ea typeface="宋体" panose="02010600030101010101" pitchFamily="2" charset="-122"/>
+                    </a:defRPr>
+                  </a:lvl9pPr>
+                </a:lstStyle>
+                <a:p>
+                  <a:pPr eaLnBrk="1" hangingPunct="1">
+                    <a:spcBef>
+                      <a:spcPct val="0"/>
+                    </a:spcBef>
+                    <a:buClrTx/>
+                    <a:buFont typeface="Arial" panose="020B0604020202020204" pitchFamily="34" charset="0"/>
+                    <a:buNone/>
+                  </a:pPr>
+                  <a:endParaRPr lang="zh-CN" altLang="en-US" sz="2000"/>
+                </a:p>
+              </p:txBody>
+            </p:sp>
+            <p:sp>
+              <p:nvSpPr>
+                <p:cNvPr id="23" name="AutoShape 9"/>
+                <p:cNvSpPr>
+                  <a:spLocks noChangeArrowheads="1"/>
+                </p:cNvSpPr>
+                <p:nvPr/>
+              </p:nvSpPr>
+              <p:spPr bwMode="auto">
+                <a:xfrm>
+                  <a:off x="576" y="576"/>
+                  <a:ext cx="432" cy="240"/>
+                </a:xfrm>
+                <a:prstGeom prst="flowChartDecision">
+                  <a:avLst/>
+                </a:prstGeom>
+                <a:ln>
+                  <a:headEnd/>
+                  <a:tailEnd/>
+                </a:ln>
+              </p:spPr>
+              <p:style>
+                <a:lnRef idx="2">
+                  <a:schemeClr val="accent2"/>
+                </a:lnRef>
+                <a:fillRef idx="1">
+                  <a:schemeClr val="lt1"/>
+                </a:fillRef>
+                <a:effectRef idx="0">
+                  <a:schemeClr val="accent2"/>
+                </a:effectRef>
+                <a:fontRef idx="minor">
+                  <a:schemeClr val="dk1"/>
+                </a:fontRef>
+              </p:style>
+              <p:txBody>
+                <a:bodyPr wrap="none" anchor="ctr"/>
+                <a:lstStyle>
+                  <a:lvl1pPr>
+                    <a:spcBef>
+                      <a:spcPct val="20000"/>
+                    </a:spcBef>
+                    <a:buClr>
+                      <a:schemeClr val="accent2"/>
+                    </a:buClr>
+                    <a:buFont typeface="Wingdings" panose="05000000000000000000" pitchFamily="2" charset="2"/>
+                    <a:buChar char="w"/>
+                    <a:defRPr sz="3200">
+                      <a:solidFill>
+                        <a:schemeClr val="tx1"/>
+                      </a:solidFill>
+                      <a:latin typeface="Times New Roman" panose="02020603050405020304" pitchFamily="18" charset="0"/>
+                      <a:ea typeface="宋体" panose="02010600030101010101" pitchFamily="2" charset="-122"/>
+                    </a:defRPr>
+                  </a:lvl1pPr>
+                  <a:lvl2pPr marL="742950" indent="-285750">
+                    <a:spcBef>
+                      <a:spcPct val="20000"/>
+                    </a:spcBef>
+                    <a:buClr>
+                      <a:schemeClr val="accent2"/>
+                    </a:buClr>
+                    <a:buSzPct val="55000"/>
+                    <a:buFont typeface="Wingdings" panose="05000000000000000000" pitchFamily="2" charset="2"/>
+                    <a:buChar char="n"/>
+                    <a:defRPr sz="2800">
+                      <a:solidFill>
+                        <a:schemeClr val="tx1"/>
+                      </a:solidFill>
+                      <a:latin typeface="Times New Roman" panose="02020603050405020304" pitchFamily="18" charset="0"/>
+                      <a:ea typeface="宋体" panose="02010600030101010101" pitchFamily="2" charset="-122"/>
+                    </a:defRPr>
+                  </a:lvl2pPr>
+                  <a:lvl3pPr marL="1143000" indent="-228600">
+                    <a:spcBef>
+                      <a:spcPct val="20000"/>
+                    </a:spcBef>
+                    <a:buClr>
+                      <a:schemeClr val="accent2"/>
+                    </a:buClr>
+                    <a:buSzPct val="65000"/>
+                    <a:buFont typeface="Wingdings" panose="05000000000000000000" pitchFamily="2" charset="2"/>
+                    <a:buChar char="l"/>
+                    <a:defRPr sz="2400">
+                      <a:solidFill>
+                        <a:schemeClr val="tx1"/>
+                      </a:solidFill>
+                      <a:latin typeface="Times New Roman" panose="02020603050405020304" pitchFamily="18" charset="0"/>
+                      <a:ea typeface="宋体" panose="02010600030101010101" pitchFamily="2" charset="-122"/>
+                    </a:defRPr>
+                  </a:lvl3pPr>
+                  <a:lvl4pPr marL="1600200" indent="-228600">
+                    <a:spcBef>
+                      <a:spcPct val="20000"/>
+                    </a:spcBef>
+                    <a:buClr>
+                      <a:schemeClr val="accent2"/>
+                    </a:buClr>
+                    <a:buSzPct val="85000"/>
+                    <a:buFont typeface="Wingdings" panose="05000000000000000000" pitchFamily="2" charset="2"/>
+                    <a:buChar char="w"/>
+                    <a:defRPr sz="2000">
+                      <a:solidFill>
+                        <a:schemeClr val="tx1"/>
+                      </a:solidFill>
+                      <a:latin typeface="Times New Roman" panose="02020603050405020304" pitchFamily="18" charset="0"/>
+                      <a:ea typeface="宋体" panose="02010600030101010101" pitchFamily="2" charset="-122"/>
+                    </a:defRPr>
+                  </a:lvl4pPr>
+                  <a:lvl5pPr marL="2057400" indent="-228600">
+                    <a:spcBef>
+                      <a:spcPct val="20000"/>
+                    </a:spcBef>
+                    <a:buClr>
+                      <a:schemeClr val="accent2"/>
+                    </a:buClr>
+                    <a:buSzPct val="80000"/>
+                    <a:buFont typeface="Wingdings" panose="05000000000000000000" pitchFamily="2" charset="2"/>
+                    <a:buChar char="§"/>
+                    <a:defRPr>
+                      <a:solidFill>
+                        <a:schemeClr val="tx1"/>
+                      </a:solidFill>
+                      <a:latin typeface="Times New Roman" panose="02020603050405020304" pitchFamily="18" charset="0"/>
+                      <a:ea typeface="宋体" panose="02010600030101010101" pitchFamily="2" charset="-122"/>
+                    </a:defRPr>
+                  </a:lvl5pPr>
+                  <a:lvl6pPr marL="2514600" indent="-228600" eaLnBrk="0" fontAlgn="base" hangingPunct="0">
+                    <a:spcBef>
+                      <a:spcPct val="20000"/>
+                    </a:spcBef>
+                    <a:spcAft>
+                      <a:spcPct val="0"/>
+                    </a:spcAft>
+                    <a:buClr>
+                      <a:schemeClr val="accent2"/>
+                    </a:buClr>
+                    <a:buSzPct val="80000"/>
+                    <a:buFont typeface="Wingdings" panose="05000000000000000000" pitchFamily="2" charset="2"/>
+                    <a:buChar char="§"/>
+                    <a:defRPr>
+                      <a:solidFill>
+                        <a:schemeClr val="tx1"/>
+                      </a:solidFill>
+                      <a:latin typeface="Times New Roman" panose="02020603050405020304" pitchFamily="18" charset="0"/>
+                      <a:ea typeface="宋体" panose="02010600030101010101" pitchFamily="2" charset="-122"/>
+                    </a:defRPr>
+                  </a:lvl6pPr>
+                  <a:lvl7pPr marL="2971800" indent="-228600" eaLnBrk="0" fontAlgn="base" hangingPunct="0">
+                    <a:spcBef>
+                      <a:spcPct val="20000"/>
+                    </a:spcBef>
+                    <a:spcAft>
+                      <a:spcPct val="0"/>
+                    </a:spcAft>
+                    <a:buClr>
+                      <a:schemeClr val="accent2"/>
+                    </a:buClr>
+                    <a:buSzPct val="80000"/>
+                    <a:buFont typeface="Wingdings" panose="05000000000000000000" pitchFamily="2" charset="2"/>
+                    <a:buChar char="§"/>
+                    <a:defRPr>
+                      <a:solidFill>
+                        <a:schemeClr val="tx1"/>
+                      </a:solidFill>
+                      <a:latin typeface="Times New Roman" panose="02020603050405020304" pitchFamily="18" charset="0"/>
+                      <a:ea typeface="宋体" panose="02010600030101010101" pitchFamily="2" charset="-122"/>
+                    </a:defRPr>
+                  </a:lvl7pPr>
+                  <a:lvl8pPr marL="3429000" indent="-228600" eaLnBrk="0" fontAlgn="base" hangingPunct="0">
+                    <a:spcBef>
+                      <a:spcPct val="20000"/>
+                    </a:spcBef>
+                    <a:spcAft>
+                      <a:spcPct val="0"/>
+                    </a:spcAft>
+                    <a:buClr>
+                      <a:schemeClr val="accent2"/>
+                    </a:buClr>
+                    <a:buSzPct val="80000"/>
+                    <a:buFont typeface="Wingdings" panose="05000000000000000000" pitchFamily="2" charset="2"/>
+                    <a:buChar char="§"/>
+                    <a:defRPr>
+                      <a:solidFill>
+                        <a:schemeClr val="tx1"/>
+                      </a:solidFill>
+                      <a:latin typeface="Times New Roman" panose="02020603050405020304" pitchFamily="18" charset="0"/>
+                      <a:ea typeface="宋体" panose="02010600030101010101" pitchFamily="2" charset="-122"/>
+                    </a:defRPr>
+                  </a:lvl8pPr>
+                  <a:lvl9pPr marL="3886200" indent="-228600" eaLnBrk="0" fontAlgn="base" hangingPunct="0">
+                    <a:spcBef>
+                      <a:spcPct val="20000"/>
+                    </a:spcBef>
+                    <a:spcAft>
+                      <a:spcPct val="0"/>
+                    </a:spcAft>
+                    <a:buClr>
+                      <a:schemeClr val="accent2"/>
+                    </a:buClr>
+                    <a:buSzPct val="80000"/>
+                    <a:buFont typeface="Wingdings" panose="05000000000000000000" pitchFamily="2" charset="2"/>
+                    <a:buChar char="§"/>
+                    <a:defRPr>
+                      <a:solidFill>
+                        <a:schemeClr val="tx1"/>
+                      </a:solidFill>
+                      <a:latin typeface="Times New Roman" panose="02020603050405020304" pitchFamily="18" charset="0"/>
+                      <a:ea typeface="宋体" panose="02010600030101010101" pitchFamily="2" charset="-122"/>
+                    </a:defRPr>
+                  </a:lvl9pPr>
+                </a:lstStyle>
+                <a:p>
+                  <a:pPr eaLnBrk="1" hangingPunct="1">
+                    <a:spcBef>
+                      <a:spcPct val="0"/>
+                    </a:spcBef>
+                    <a:buClrTx/>
+                    <a:buFont typeface="Arial" panose="020B0604020202020204" pitchFamily="34" charset="0"/>
+                    <a:buNone/>
+                  </a:pPr>
+                  <a:endParaRPr lang="zh-CN" altLang="en-US" sz="2000"/>
+                </a:p>
+              </p:txBody>
+            </p:sp>
+            <p:sp>
+              <p:nvSpPr>
+                <p:cNvPr id="24" name="AutoShape 10"/>
+                <p:cNvSpPr>
+                  <a:spLocks noChangeArrowheads="1"/>
+                </p:cNvSpPr>
+                <p:nvPr/>
+              </p:nvSpPr>
+              <p:spPr bwMode="auto">
+                <a:xfrm>
+                  <a:off x="576" y="1632"/>
+                  <a:ext cx="432" cy="240"/>
+                </a:xfrm>
+                <a:prstGeom prst="flowChartDecision">
+                  <a:avLst/>
+                </a:prstGeom>
+                <a:ln>
+                  <a:headEnd/>
+                  <a:tailEnd/>
+                </a:ln>
+              </p:spPr>
+              <p:style>
+                <a:lnRef idx="2">
+                  <a:schemeClr val="accent2"/>
+                </a:lnRef>
+                <a:fillRef idx="1">
+                  <a:schemeClr val="lt1"/>
+                </a:fillRef>
+                <a:effectRef idx="0">
+                  <a:schemeClr val="accent2"/>
+                </a:effectRef>
+                <a:fontRef idx="minor">
+                  <a:schemeClr val="dk1"/>
+                </a:fontRef>
+              </p:style>
+              <p:txBody>
+                <a:bodyPr wrap="none" anchor="ctr"/>
+                <a:lstStyle>
+                  <a:lvl1pPr>
+                    <a:spcBef>
+                      <a:spcPct val="20000"/>
+                    </a:spcBef>
+                    <a:buClr>
+                      <a:schemeClr val="accent2"/>
+                    </a:buClr>
+                    <a:buFont typeface="Wingdings" panose="05000000000000000000" pitchFamily="2" charset="2"/>
+                    <a:buChar char="w"/>
+                    <a:defRPr sz="3200">
+                      <a:solidFill>
+                        <a:schemeClr val="tx1"/>
+                      </a:solidFill>
+                      <a:latin typeface="Times New Roman" panose="02020603050405020304" pitchFamily="18" charset="0"/>
+                      <a:ea typeface="宋体" panose="02010600030101010101" pitchFamily="2" charset="-122"/>
+                    </a:defRPr>
+                  </a:lvl1pPr>
+                  <a:lvl2pPr marL="742950" indent="-285750">
+                    <a:spcBef>
+                      <a:spcPct val="20000"/>
+                    </a:spcBef>
+                    <a:buClr>
+                      <a:schemeClr val="accent2"/>
+                    </a:buClr>
+                    <a:buSzPct val="55000"/>
+                    <a:buFont typeface="Wingdings" panose="05000000000000000000" pitchFamily="2" charset="2"/>
+                    <a:buChar char="n"/>
+                    <a:defRPr sz="2800">
+                      <a:solidFill>
+                        <a:schemeClr val="tx1"/>
+                      </a:solidFill>
+                      <a:latin typeface="Times New Roman" panose="02020603050405020304" pitchFamily="18" charset="0"/>
+                      <a:ea typeface="宋体" panose="02010600030101010101" pitchFamily="2" charset="-122"/>
+                    </a:defRPr>
+                  </a:lvl2pPr>
+                  <a:lvl3pPr marL="1143000" indent="-228600">
+                    <a:spcBef>
+                      <a:spcPct val="20000"/>
+                    </a:spcBef>
+                    <a:buClr>
+                      <a:schemeClr val="accent2"/>
+                    </a:buClr>
+                    <a:buSzPct val="65000"/>
+                    <a:buFont typeface="Wingdings" panose="05000000000000000000" pitchFamily="2" charset="2"/>
+                    <a:buChar char="l"/>
+                    <a:defRPr sz="2400">
+                      <a:solidFill>
+                        <a:schemeClr val="tx1"/>
+                      </a:solidFill>
+                      <a:latin typeface="Times New Roman" panose="02020603050405020304" pitchFamily="18" charset="0"/>
+                      <a:ea typeface="宋体" panose="02010600030101010101" pitchFamily="2" charset="-122"/>
+                    </a:defRPr>
+                  </a:lvl3pPr>
+                  <a:lvl4pPr marL="1600200" indent="-228600">
+                    <a:spcBef>
+                      <a:spcPct val="20000"/>
+                    </a:spcBef>
+                    <a:buClr>
+                      <a:schemeClr val="accent2"/>
+                    </a:buClr>
+                    <a:buSzPct val="85000"/>
+                    <a:buFont typeface="Wingdings" panose="05000000000000000000" pitchFamily="2" charset="2"/>
+                    <a:buChar char="w"/>
+                    <a:defRPr sz="2000">
+                      <a:solidFill>
+                        <a:schemeClr val="tx1"/>
+                      </a:solidFill>
+                      <a:latin typeface="Times New Roman" panose="02020603050405020304" pitchFamily="18" charset="0"/>
+                      <a:ea typeface="宋体" panose="02010600030101010101" pitchFamily="2" charset="-122"/>
+                    </a:defRPr>
+                  </a:lvl4pPr>
+                  <a:lvl5pPr marL="2057400" indent="-228600">
+                    <a:spcBef>
+                      <a:spcPct val="20000"/>
+                    </a:spcBef>
+                    <a:buClr>
+                      <a:schemeClr val="accent2"/>
+                    </a:buClr>
+                    <a:buSzPct val="80000"/>
+                    <a:buFont typeface="Wingdings" panose="05000000000000000000" pitchFamily="2" charset="2"/>
+                    <a:buChar char="§"/>
+                    <a:defRPr>
+                      <a:solidFill>
+                        <a:schemeClr val="tx1"/>
+                      </a:solidFill>
+                      <a:latin typeface="Times New Roman" panose="02020603050405020304" pitchFamily="18" charset="0"/>
+                      <a:ea typeface="宋体" panose="02010600030101010101" pitchFamily="2" charset="-122"/>
+                    </a:defRPr>
+                  </a:lvl5pPr>
+                  <a:lvl6pPr marL="2514600" indent="-228600" eaLnBrk="0" fontAlgn="base" hangingPunct="0">
+                    <a:spcBef>
+                      <a:spcPct val="20000"/>
+                    </a:spcBef>
+                    <a:spcAft>
+                      <a:spcPct val="0"/>
+                    </a:spcAft>
+                    <a:buClr>
+                      <a:schemeClr val="accent2"/>
+                    </a:buClr>
+                    <a:buSzPct val="80000"/>
+                    <a:buFont typeface="Wingdings" panose="05000000000000000000" pitchFamily="2" charset="2"/>
+                    <a:buChar char="§"/>
+                    <a:defRPr>
+                      <a:solidFill>
+                        <a:schemeClr val="tx1"/>
+                      </a:solidFill>
+                      <a:latin typeface="Times New Roman" panose="02020603050405020304" pitchFamily="18" charset="0"/>
+                      <a:ea typeface="宋体" panose="02010600030101010101" pitchFamily="2" charset="-122"/>
+                    </a:defRPr>
+                  </a:lvl6pPr>
+                  <a:lvl7pPr marL="2971800" indent="-228600" eaLnBrk="0" fontAlgn="base" hangingPunct="0">
+                    <a:spcBef>
+                      <a:spcPct val="20000"/>
+                    </a:spcBef>
+                    <a:spcAft>
+                      <a:spcPct val="0"/>
+                    </a:spcAft>
+                    <a:buClr>
+                      <a:schemeClr val="accent2"/>
+                    </a:buClr>
+                    <a:buSzPct val="80000"/>
+                    <a:buFont typeface="Wingdings" panose="05000000000000000000" pitchFamily="2" charset="2"/>
+                    <a:buChar char="§"/>
+                    <a:defRPr>
+                      <a:solidFill>
+                        <a:schemeClr val="tx1"/>
+                      </a:solidFill>
+                      <a:latin typeface="Times New Roman" panose="02020603050405020304" pitchFamily="18" charset="0"/>
+                      <a:ea typeface="宋体" panose="02010600030101010101" pitchFamily="2" charset="-122"/>
+                    </a:defRPr>
+                  </a:lvl7pPr>
+                  <a:lvl8pPr marL="3429000" indent="-228600" eaLnBrk="0" fontAlgn="base" hangingPunct="0">
+                    <a:spcBef>
+                      <a:spcPct val="20000"/>
+                    </a:spcBef>
+                    <a:spcAft>
+                      <a:spcPct val="0"/>
+                    </a:spcAft>
+                    <a:buClr>
+                      <a:schemeClr val="accent2"/>
+                    </a:buClr>
+                    <a:buSzPct val="80000"/>
+                    <a:buFont typeface="Wingdings" panose="05000000000000000000" pitchFamily="2" charset="2"/>
+                    <a:buChar char="§"/>
+                    <a:defRPr>
+                      <a:solidFill>
+                        <a:schemeClr val="tx1"/>
+                      </a:solidFill>
+                      <a:latin typeface="Times New Roman" panose="02020603050405020304" pitchFamily="18" charset="0"/>
+                      <a:ea typeface="宋体" panose="02010600030101010101" pitchFamily="2" charset="-122"/>
+                    </a:defRPr>
+                  </a:lvl8pPr>
+                  <a:lvl9pPr marL="3886200" indent="-228600" eaLnBrk="0" fontAlgn="base" hangingPunct="0">
+                    <a:spcBef>
+                      <a:spcPct val="20000"/>
+                    </a:spcBef>
+                    <a:spcAft>
+                      <a:spcPct val="0"/>
+                    </a:spcAft>
+                    <a:buClr>
+                      <a:schemeClr val="accent2"/>
+                    </a:buClr>
+                    <a:buSzPct val="80000"/>
+                    <a:buFont typeface="Wingdings" panose="05000000000000000000" pitchFamily="2" charset="2"/>
+                    <a:buChar char="§"/>
+                    <a:defRPr>
+                      <a:solidFill>
+                        <a:schemeClr val="tx1"/>
+                      </a:solidFill>
+                      <a:latin typeface="Times New Roman" panose="02020603050405020304" pitchFamily="18" charset="0"/>
+                      <a:ea typeface="宋体" panose="02010600030101010101" pitchFamily="2" charset="-122"/>
+                    </a:defRPr>
+                  </a:lvl9pPr>
+                </a:lstStyle>
+                <a:p>
+                  <a:pPr eaLnBrk="1" hangingPunct="1">
+                    <a:spcBef>
+                      <a:spcPct val="0"/>
+                    </a:spcBef>
+                    <a:buClrTx/>
+                    <a:buFont typeface="Arial" panose="020B0604020202020204" pitchFamily="34" charset="0"/>
+                    <a:buNone/>
+                  </a:pPr>
+                  <a:endParaRPr lang="zh-CN" altLang="en-US" sz="2000"/>
+                </a:p>
+              </p:txBody>
+            </p:sp>
+            <p:sp>
+              <p:nvSpPr>
+                <p:cNvPr id="25" name="Rectangle 11"/>
+                <p:cNvSpPr>
+                  <a:spLocks noChangeArrowheads="1"/>
+                </p:cNvSpPr>
+                <p:nvPr/>
+              </p:nvSpPr>
+              <p:spPr bwMode="auto">
+                <a:xfrm>
+                  <a:off x="600" y="1344"/>
+                  <a:ext cx="384" cy="192"/>
+                </a:xfrm>
+                <a:prstGeom prst="rect">
+                  <a:avLst/>
+                </a:prstGeom>
+                <a:ln>
+                  <a:headEnd/>
+                  <a:tailEnd/>
+                </a:ln>
+              </p:spPr>
+              <p:style>
+                <a:lnRef idx="2">
+                  <a:schemeClr val="accent2"/>
+                </a:lnRef>
+                <a:fillRef idx="1">
+                  <a:schemeClr val="lt1"/>
+                </a:fillRef>
+                <a:effectRef idx="0">
+                  <a:schemeClr val="accent2"/>
+                </a:effectRef>
+                <a:fontRef idx="minor">
+                  <a:schemeClr val="dk1"/>
+                </a:fontRef>
+              </p:style>
+              <p:txBody>
+                <a:bodyPr wrap="none" anchor="ctr"/>
+                <a:lstStyle>
+                  <a:lvl1pPr defTabSz="762000">
+                    <a:spcBef>
+                      <a:spcPct val="20000"/>
+                    </a:spcBef>
+                    <a:buClr>
+                      <a:schemeClr val="accent2"/>
+                    </a:buClr>
+                    <a:buFont typeface="Wingdings" panose="05000000000000000000" pitchFamily="2" charset="2"/>
+                    <a:buChar char="w"/>
+                    <a:defRPr sz="3200">
+                      <a:solidFill>
+                        <a:schemeClr val="tx1"/>
+                      </a:solidFill>
+                      <a:latin typeface="Times New Roman" panose="02020603050405020304" pitchFamily="18" charset="0"/>
+                      <a:ea typeface="宋体" panose="02010600030101010101" pitchFamily="2" charset="-122"/>
+                    </a:defRPr>
+                  </a:lvl1pPr>
+                  <a:lvl2pPr marL="742950" indent="-285750" defTabSz="762000">
+                    <a:spcBef>
+                      <a:spcPct val="20000"/>
+                    </a:spcBef>
+                    <a:buClr>
+                      <a:schemeClr val="accent2"/>
+                    </a:buClr>
+                    <a:buSzPct val="55000"/>
+                    <a:buFont typeface="Wingdings" panose="05000000000000000000" pitchFamily="2" charset="2"/>
+                    <a:buChar char="n"/>
+                    <a:defRPr sz="2800">
+                      <a:solidFill>
+                        <a:schemeClr val="tx1"/>
+                      </a:solidFill>
+                      <a:latin typeface="Times New Roman" panose="02020603050405020304" pitchFamily="18" charset="0"/>
+                      <a:ea typeface="宋体" panose="02010600030101010101" pitchFamily="2" charset="-122"/>
+                    </a:defRPr>
+                  </a:lvl2pPr>
+                  <a:lvl3pPr marL="1143000" indent="-228600" defTabSz="762000">
+                    <a:spcBef>
+                      <a:spcPct val="20000"/>
+                    </a:spcBef>
+                    <a:buClr>
+                      <a:schemeClr val="accent2"/>
+                    </a:buClr>
+                    <a:buSzPct val="65000"/>
+                    <a:buFont typeface="Wingdings" panose="05000000000000000000" pitchFamily="2" charset="2"/>
+                    <a:buChar char="l"/>
+                    <a:defRPr sz="2400">
+                      <a:solidFill>
+                        <a:schemeClr val="tx1"/>
+                      </a:solidFill>
+                      <a:latin typeface="Times New Roman" panose="02020603050405020304" pitchFamily="18" charset="0"/>
+                      <a:ea typeface="宋体" panose="02010600030101010101" pitchFamily="2" charset="-122"/>
+                    </a:defRPr>
+                  </a:lvl3pPr>
+                  <a:lvl4pPr marL="1600200" indent="-228600" defTabSz="762000">
+                    <a:spcBef>
+                      <a:spcPct val="20000"/>
+                    </a:spcBef>
+                    <a:buClr>
+                      <a:schemeClr val="accent2"/>
+                    </a:buClr>
+                    <a:buSzPct val="85000"/>
+                    <a:buFont typeface="Wingdings" panose="05000000000000000000" pitchFamily="2" charset="2"/>
+                    <a:buChar char="w"/>
+                    <a:defRPr sz="2000">
+                      <a:solidFill>
+                        <a:schemeClr val="tx1"/>
+                      </a:solidFill>
+                      <a:latin typeface="Times New Roman" panose="02020603050405020304" pitchFamily="18" charset="0"/>
+                      <a:ea typeface="宋体" panose="02010600030101010101" pitchFamily="2" charset="-122"/>
+                    </a:defRPr>
+                  </a:lvl4pPr>
+                  <a:lvl5pPr marL="2057400" indent="-228600" defTabSz="762000">
+                    <a:spcBef>
+                      <a:spcPct val="20000"/>
+                    </a:spcBef>
+                    <a:buClr>
+                      <a:schemeClr val="accent2"/>
+                    </a:buClr>
+                    <a:buSzPct val="80000"/>
+                    <a:buFont typeface="Wingdings" panose="05000000000000000000" pitchFamily="2" charset="2"/>
+                    <a:buChar char="§"/>
+                    <a:defRPr>
+                      <a:solidFill>
+                        <a:schemeClr val="tx1"/>
+                      </a:solidFill>
+                      <a:latin typeface="Times New Roman" panose="02020603050405020304" pitchFamily="18" charset="0"/>
+                      <a:ea typeface="宋体" panose="02010600030101010101" pitchFamily="2" charset="-122"/>
+                    </a:defRPr>
+                  </a:lvl5pPr>
+                  <a:lvl6pPr marL="2514600" indent="-228600" defTabSz="762000" eaLnBrk="0" fontAlgn="base" hangingPunct="0">
+                    <a:spcBef>
+                      <a:spcPct val="20000"/>
+                    </a:spcBef>
+                    <a:spcAft>
+                      <a:spcPct val="0"/>
+                    </a:spcAft>
+                    <a:buClr>
+                      <a:schemeClr val="accent2"/>
+                    </a:buClr>
+                    <a:buSzPct val="80000"/>
+                    <a:buFont typeface="Wingdings" panose="05000000000000000000" pitchFamily="2" charset="2"/>
+                    <a:buChar char="§"/>
+                    <a:defRPr>
+                      <a:solidFill>
+                        <a:schemeClr val="tx1"/>
+                      </a:solidFill>
+                      <a:latin typeface="Times New Roman" panose="02020603050405020304" pitchFamily="18" charset="0"/>
+                      <a:ea typeface="宋体" panose="02010600030101010101" pitchFamily="2" charset="-122"/>
+                    </a:defRPr>
+                  </a:lvl6pPr>
+                  <a:lvl7pPr marL="2971800" indent="-228600" defTabSz="762000" eaLnBrk="0" fontAlgn="base" hangingPunct="0">
+                    <a:spcBef>
+                      <a:spcPct val="20000"/>
+                    </a:spcBef>
+                    <a:spcAft>
+                      <a:spcPct val="0"/>
+                    </a:spcAft>
+                    <a:buClr>
+                      <a:schemeClr val="accent2"/>
+                    </a:buClr>
+                    <a:buSzPct val="80000"/>
+                    <a:buFont typeface="Wingdings" panose="05000000000000000000" pitchFamily="2" charset="2"/>
+                    <a:buChar char="§"/>
+                    <a:defRPr>
+                      <a:solidFill>
+                        <a:schemeClr val="tx1"/>
+                      </a:solidFill>
+                      <a:latin typeface="Times New Roman" panose="02020603050405020304" pitchFamily="18" charset="0"/>
+                      <a:ea typeface="宋体" panose="02010600030101010101" pitchFamily="2" charset="-122"/>
+                    </a:defRPr>
+                  </a:lvl7pPr>
+                  <a:lvl8pPr marL="3429000" indent="-228600" defTabSz="762000" eaLnBrk="0" fontAlgn="base" hangingPunct="0">
+                    <a:spcBef>
+                      <a:spcPct val="20000"/>
+                    </a:spcBef>
+                    <a:spcAft>
+                      <a:spcPct val="0"/>
+                    </a:spcAft>
+                    <a:buClr>
+                      <a:schemeClr val="accent2"/>
+                    </a:buClr>
+                    <a:buSzPct val="80000"/>
+                    <a:buFont typeface="Wingdings" panose="05000000000000000000" pitchFamily="2" charset="2"/>
+                    <a:buChar char="§"/>
+                    <a:defRPr>
+                      <a:solidFill>
+                        <a:schemeClr val="tx1"/>
+                      </a:solidFill>
+                      <a:latin typeface="Times New Roman" panose="02020603050405020304" pitchFamily="18" charset="0"/>
+                      <a:ea typeface="宋体" panose="02010600030101010101" pitchFamily="2" charset="-122"/>
+                    </a:defRPr>
+                  </a:lvl8pPr>
+                  <a:lvl9pPr marL="3886200" indent="-228600" defTabSz="762000" eaLnBrk="0" fontAlgn="base" hangingPunct="0">
+                    <a:spcBef>
+                      <a:spcPct val="20000"/>
+                    </a:spcBef>
+                    <a:spcAft>
+                      <a:spcPct val="0"/>
+                    </a:spcAft>
+                    <a:buClr>
+                      <a:schemeClr val="accent2"/>
+                    </a:buClr>
+                    <a:buSzPct val="80000"/>
+                    <a:buFont typeface="Wingdings" panose="05000000000000000000" pitchFamily="2" charset="2"/>
+                    <a:buChar char="§"/>
+                    <a:defRPr>
+                      <a:solidFill>
+                        <a:schemeClr val="tx1"/>
+                      </a:solidFill>
+                      <a:latin typeface="Times New Roman" panose="02020603050405020304" pitchFamily="18" charset="0"/>
+                      <a:ea typeface="宋体" panose="02010600030101010101" pitchFamily="2" charset="-122"/>
+                    </a:defRPr>
+                  </a:lvl9pPr>
+                </a:lstStyle>
+                <a:p>
+                  <a:pPr algn="ctr">
+                    <a:spcBef>
+                      <a:spcPct val="0"/>
+                    </a:spcBef>
+                    <a:buClrTx/>
+                    <a:buFont typeface="Arial" panose="020B0604020202020204" pitchFamily="34" charset="0"/>
+                    <a:buNone/>
+                  </a:pPr>
+                  <a:endParaRPr lang="en-CA" altLang="en-US" sz="1167"/>
+                </a:p>
+              </p:txBody>
+            </p:sp>
+            <p:sp>
+              <p:nvSpPr>
+                <p:cNvPr id="26" name="Rectangle 12"/>
+                <p:cNvSpPr>
+                  <a:spLocks noChangeArrowheads="1"/>
+                </p:cNvSpPr>
+                <p:nvPr/>
+              </p:nvSpPr>
+              <p:spPr bwMode="auto">
+                <a:xfrm>
+                  <a:off x="0" y="960"/>
+                  <a:ext cx="384" cy="192"/>
+                </a:xfrm>
+                <a:prstGeom prst="rect">
+                  <a:avLst/>
+                </a:prstGeom>
+                <a:ln>
+                  <a:headEnd/>
+                  <a:tailEnd/>
+                </a:ln>
+              </p:spPr>
+              <p:style>
+                <a:lnRef idx="2">
+                  <a:schemeClr val="accent2"/>
+                </a:lnRef>
+                <a:fillRef idx="1">
+                  <a:schemeClr val="lt1"/>
+                </a:fillRef>
+                <a:effectRef idx="0">
+                  <a:schemeClr val="accent2"/>
+                </a:effectRef>
+                <a:fontRef idx="minor">
+                  <a:schemeClr val="dk1"/>
+                </a:fontRef>
+              </p:style>
+              <p:txBody>
+                <a:bodyPr wrap="none" anchor="ctr"/>
+                <a:lstStyle>
+                  <a:lvl1pPr defTabSz="762000">
+                    <a:spcBef>
+                      <a:spcPct val="20000"/>
+                    </a:spcBef>
+                    <a:buClr>
+                      <a:schemeClr val="accent2"/>
+                    </a:buClr>
+                    <a:buFont typeface="Wingdings" panose="05000000000000000000" pitchFamily="2" charset="2"/>
+                    <a:buChar char="w"/>
+                    <a:defRPr sz="3200">
+                      <a:solidFill>
+                        <a:schemeClr val="tx1"/>
+                      </a:solidFill>
+                      <a:latin typeface="Times New Roman" panose="02020603050405020304" pitchFamily="18" charset="0"/>
+                      <a:ea typeface="宋体" panose="02010600030101010101" pitchFamily="2" charset="-122"/>
+                    </a:defRPr>
+                  </a:lvl1pPr>
+                  <a:lvl2pPr marL="742950" indent="-285750" defTabSz="762000">
+                    <a:spcBef>
+                      <a:spcPct val="20000"/>
+                    </a:spcBef>
+                    <a:buClr>
+                      <a:schemeClr val="accent2"/>
+                    </a:buClr>
+                    <a:buSzPct val="55000"/>
+                    <a:buFont typeface="Wingdings" panose="05000000000000000000" pitchFamily="2" charset="2"/>
+                    <a:buChar char="n"/>
+                    <a:defRPr sz="2800">
+                      <a:solidFill>
+                        <a:schemeClr val="tx1"/>
+                      </a:solidFill>
+                      <a:latin typeface="Times New Roman" panose="02020603050405020304" pitchFamily="18" charset="0"/>
+                      <a:ea typeface="宋体" panose="02010600030101010101" pitchFamily="2" charset="-122"/>
+                    </a:defRPr>
+                  </a:lvl2pPr>
+                  <a:lvl3pPr marL="1143000" indent="-228600" defTabSz="762000">
+                    <a:spcBef>
+                      <a:spcPct val="20000"/>
+                    </a:spcBef>
+                    <a:buClr>
+                      <a:schemeClr val="accent2"/>
+                    </a:buClr>
+                    <a:buSzPct val="65000"/>
+                    <a:buFont typeface="Wingdings" panose="05000000000000000000" pitchFamily="2" charset="2"/>
+                    <a:buChar char="l"/>
+                    <a:defRPr sz="2400">
+                      <a:solidFill>
+                        <a:schemeClr val="tx1"/>
+                      </a:solidFill>
+                      <a:latin typeface="Times New Roman" panose="02020603050405020304" pitchFamily="18" charset="0"/>
+                      <a:ea typeface="宋体" panose="02010600030101010101" pitchFamily="2" charset="-122"/>
+                    </a:defRPr>
+                  </a:lvl3pPr>
+                  <a:lvl4pPr marL="1600200" indent="-228600" defTabSz="762000">
+                    <a:spcBef>
+                      <a:spcPct val="20000"/>
+                    </a:spcBef>
+                    <a:buClr>
+                      <a:schemeClr val="accent2"/>
+                    </a:buClr>
+                    <a:buSzPct val="85000"/>
+                    <a:buFont typeface="Wingdings" panose="05000000000000000000" pitchFamily="2" charset="2"/>
+                    <a:buChar char="w"/>
+                    <a:defRPr sz="2000">
+                      <a:solidFill>
+                        <a:schemeClr val="tx1"/>
+                      </a:solidFill>
+                      <a:latin typeface="Times New Roman" panose="02020603050405020304" pitchFamily="18" charset="0"/>
+                      <a:ea typeface="宋体" panose="02010600030101010101" pitchFamily="2" charset="-122"/>
+                    </a:defRPr>
+                  </a:lvl4pPr>
+                  <a:lvl5pPr marL="2057400" indent="-228600" defTabSz="762000">
+                    <a:spcBef>
+                      <a:spcPct val="20000"/>
+                    </a:spcBef>
+                    <a:buClr>
+                      <a:schemeClr val="accent2"/>
+                    </a:buClr>
+                    <a:buSzPct val="80000"/>
+                    <a:buFont typeface="Wingdings" panose="05000000000000000000" pitchFamily="2" charset="2"/>
+                    <a:buChar char="§"/>
+                    <a:defRPr>
+                      <a:solidFill>
+                        <a:schemeClr val="tx1"/>
+                      </a:solidFill>
+                      <a:latin typeface="Times New Roman" panose="02020603050405020304" pitchFamily="18" charset="0"/>
+                      <a:ea typeface="宋体" panose="02010600030101010101" pitchFamily="2" charset="-122"/>
+                    </a:defRPr>
+                  </a:lvl5pPr>
+                  <a:lvl6pPr marL="2514600" indent="-228600" defTabSz="762000" eaLnBrk="0" fontAlgn="base" hangingPunct="0">
+                    <a:spcBef>
+                      <a:spcPct val="20000"/>
+                    </a:spcBef>
+                    <a:spcAft>
+                      <a:spcPct val="0"/>
+                    </a:spcAft>
+                    <a:buClr>
+                      <a:schemeClr val="accent2"/>
+                    </a:buClr>
+                    <a:buSzPct val="80000"/>
+                    <a:buFont typeface="Wingdings" panose="05000000000000000000" pitchFamily="2" charset="2"/>
+                    <a:buChar char="§"/>
+                    <a:defRPr>
+                      <a:solidFill>
+                        <a:schemeClr val="tx1"/>
+                      </a:solidFill>
+                      <a:latin typeface="Times New Roman" panose="02020603050405020304" pitchFamily="18" charset="0"/>
+                      <a:ea typeface="宋体" panose="02010600030101010101" pitchFamily="2" charset="-122"/>
+                    </a:defRPr>
+                  </a:lvl6pPr>
+                  <a:lvl7pPr marL="2971800" indent="-228600" defTabSz="762000" eaLnBrk="0" fontAlgn="base" hangingPunct="0">
+                    <a:spcBef>
+                      <a:spcPct val="20000"/>
+                    </a:spcBef>
+                    <a:spcAft>
+                      <a:spcPct val="0"/>
+                    </a:spcAft>
+                    <a:buClr>
+                      <a:schemeClr val="accent2"/>
+                    </a:buClr>
+                    <a:buSzPct val="80000"/>
+                    <a:buFont typeface="Wingdings" panose="05000000000000000000" pitchFamily="2" charset="2"/>
+                    <a:buChar char="§"/>
+                    <a:defRPr>
+                      <a:solidFill>
+                        <a:schemeClr val="tx1"/>
+                      </a:solidFill>
+                      <a:latin typeface="Times New Roman" panose="02020603050405020304" pitchFamily="18" charset="0"/>
+                      <a:ea typeface="宋体" panose="02010600030101010101" pitchFamily="2" charset="-122"/>
+                    </a:defRPr>
+                  </a:lvl7pPr>
+                  <a:lvl8pPr marL="3429000" indent="-228600" defTabSz="762000" eaLnBrk="0" fontAlgn="base" hangingPunct="0">
+                    <a:spcBef>
+                      <a:spcPct val="20000"/>
+                    </a:spcBef>
+                    <a:spcAft>
+                      <a:spcPct val="0"/>
+                    </a:spcAft>
+                    <a:buClr>
+                      <a:schemeClr val="accent2"/>
+                    </a:buClr>
+                    <a:buSzPct val="80000"/>
+                    <a:buFont typeface="Wingdings" panose="05000000000000000000" pitchFamily="2" charset="2"/>
+                    <a:buChar char="§"/>
+                    <a:defRPr>
+                      <a:solidFill>
+                        <a:schemeClr val="tx1"/>
+                      </a:solidFill>
+                      <a:latin typeface="Times New Roman" panose="02020603050405020304" pitchFamily="18" charset="0"/>
+                      <a:ea typeface="宋体" panose="02010600030101010101" pitchFamily="2" charset="-122"/>
+                    </a:defRPr>
+                  </a:lvl8pPr>
+                  <a:lvl9pPr marL="3886200" indent="-228600" defTabSz="762000" eaLnBrk="0" fontAlgn="base" hangingPunct="0">
+                    <a:spcBef>
+                      <a:spcPct val="20000"/>
+                    </a:spcBef>
+                    <a:spcAft>
+                      <a:spcPct val="0"/>
+                    </a:spcAft>
+                    <a:buClr>
+                      <a:schemeClr val="accent2"/>
+                    </a:buClr>
+                    <a:buSzPct val="80000"/>
+                    <a:buFont typeface="Wingdings" panose="05000000000000000000" pitchFamily="2" charset="2"/>
+                    <a:buChar char="§"/>
+                    <a:defRPr>
+                      <a:solidFill>
+                        <a:schemeClr val="tx1"/>
+                      </a:solidFill>
+                      <a:latin typeface="Times New Roman" panose="02020603050405020304" pitchFamily="18" charset="0"/>
+                      <a:ea typeface="宋体" panose="02010600030101010101" pitchFamily="2" charset="-122"/>
+                    </a:defRPr>
+                  </a:lvl9pPr>
+                </a:lstStyle>
+                <a:p>
+                  <a:pPr algn="ctr">
+                    <a:spcBef>
+                      <a:spcPct val="0"/>
+                    </a:spcBef>
+                    <a:buClrTx/>
+                    <a:buFont typeface="Arial" panose="020B0604020202020204" pitchFamily="34" charset="0"/>
+                    <a:buNone/>
+                  </a:pPr>
+                  <a:endParaRPr lang="en-CA" altLang="en-US" sz="1167"/>
+                </a:p>
+              </p:txBody>
+            </p:sp>
+            <p:sp>
+              <p:nvSpPr>
+                <p:cNvPr id="27" name="Rectangle 13"/>
+                <p:cNvSpPr>
+                  <a:spLocks noChangeArrowheads="1"/>
+                </p:cNvSpPr>
+                <p:nvPr/>
+              </p:nvSpPr>
+              <p:spPr bwMode="auto">
+                <a:xfrm>
+                  <a:off x="1152" y="960"/>
+                  <a:ext cx="384" cy="192"/>
+                </a:xfrm>
+                <a:prstGeom prst="rect">
+                  <a:avLst/>
+                </a:prstGeom>
+                <a:ln>
+                  <a:headEnd/>
+                  <a:tailEnd/>
+                </a:ln>
+              </p:spPr>
+              <p:style>
+                <a:lnRef idx="2">
+                  <a:schemeClr val="accent2"/>
+                </a:lnRef>
+                <a:fillRef idx="1">
+                  <a:schemeClr val="lt1"/>
+                </a:fillRef>
+                <a:effectRef idx="0">
+                  <a:schemeClr val="accent2"/>
+                </a:effectRef>
+                <a:fontRef idx="minor">
+                  <a:schemeClr val="dk1"/>
+                </a:fontRef>
+              </p:style>
+              <p:txBody>
+                <a:bodyPr wrap="none" anchor="ctr"/>
+                <a:lstStyle>
+                  <a:lvl1pPr defTabSz="762000">
+                    <a:spcBef>
+                      <a:spcPct val="20000"/>
+                    </a:spcBef>
+                    <a:buClr>
+                      <a:schemeClr val="accent2"/>
+                    </a:buClr>
+                    <a:buFont typeface="Wingdings" panose="05000000000000000000" pitchFamily="2" charset="2"/>
+                    <a:buChar char="w"/>
+                    <a:defRPr sz="3200">
+                      <a:solidFill>
+                        <a:schemeClr val="tx1"/>
+                      </a:solidFill>
+                      <a:latin typeface="Times New Roman" panose="02020603050405020304" pitchFamily="18" charset="0"/>
+                      <a:ea typeface="宋体" panose="02010600030101010101" pitchFamily="2" charset="-122"/>
+                    </a:defRPr>
+                  </a:lvl1pPr>
+                  <a:lvl2pPr marL="742950" indent="-285750" defTabSz="762000">
+                    <a:spcBef>
+                      <a:spcPct val="20000"/>
+                    </a:spcBef>
+                    <a:buClr>
+                      <a:schemeClr val="accent2"/>
+                    </a:buClr>
+                    <a:buSzPct val="55000"/>
+                    <a:buFont typeface="Wingdings" panose="05000000000000000000" pitchFamily="2" charset="2"/>
+                    <a:buChar char="n"/>
+                    <a:defRPr sz="2800">
+                      <a:solidFill>
+                        <a:schemeClr val="tx1"/>
+                      </a:solidFill>
+                      <a:latin typeface="Times New Roman" panose="02020603050405020304" pitchFamily="18" charset="0"/>
+                      <a:ea typeface="宋体" panose="02010600030101010101" pitchFamily="2" charset="-122"/>
+                    </a:defRPr>
+                  </a:lvl2pPr>
+                  <a:lvl3pPr marL="1143000" indent="-228600" defTabSz="762000">
+                    <a:spcBef>
+                      <a:spcPct val="20000"/>
+                    </a:spcBef>
+                    <a:buClr>
+                      <a:schemeClr val="accent2"/>
+                    </a:buClr>
+                    <a:buSzPct val="65000"/>
+                    <a:buFont typeface="Wingdings" panose="05000000000000000000" pitchFamily="2" charset="2"/>
+                    <a:buChar char="l"/>
+                    <a:defRPr sz="2400">
+                      <a:solidFill>
+                        <a:schemeClr val="tx1"/>
+                      </a:solidFill>
+                      <a:latin typeface="Times New Roman" panose="02020603050405020304" pitchFamily="18" charset="0"/>
+                      <a:ea typeface="宋体" panose="02010600030101010101" pitchFamily="2" charset="-122"/>
+                    </a:defRPr>
+                  </a:lvl3pPr>
+                  <a:lvl4pPr marL="1600200" indent="-228600" defTabSz="762000">
+                    <a:spcBef>
+                      <a:spcPct val="20000"/>
+                    </a:spcBef>
+                    <a:buClr>
+                      <a:schemeClr val="accent2"/>
+                    </a:buClr>
+                    <a:buSzPct val="85000"/>
+                    <a:buFont typeface="Wingdings" panose="05000000000000000000" pitchFamily="2" charset="2"/>
+                    <a:buChar char="w"/>
+                    <a:defRPr sz="2000">
+                      <a:solidFill>
+                        <a:schemeClr val="tx1"/>
+                      </a:solidFill>
+                      <a:latin typeface="Times New Roman" panose="02020603050405020304" pitchFamily="18" charset="0"/>
+                      <a:ea typeface="宋体" panose="02010600030101010101" pitchFamily="2" charset="-122"/>
+                    </a:defRPr>
+                  </a:lvl4pPr>
+                  <a:lvl5pPr marL="2057400" indent="-228600" defTabSz="762000">
+                    <a:spcBef>
+                      <a:spcPct val="20000"/>
+                    </a:spcBef>
+                    <a:buClr>
+                      <a:schemeClr val="accent2"/>
+                    </a:buClr>
+                    <a:buSzPct val="80000"/>
+                    <a:buFont typeface="Wingdings" panose="05000000000000000000" pitchFamily="2" charset="2"/>
+                    <a:buChar char="§"/>
+                    <a:defRPr>
+                      <a:solidFill>
+                        <a:schemeClr val="tx1"/>
+                      </a:solidFill>
+                      <a:latin typeface="Times New Roman" panose="02020603050405020304" pitchFamily="18" charset="0"/>
+                      <a:ea typeface="宋体" panose="02010600030101010101" pitchFamily="2" charset="-122"/>
+                    </a:defRPr>
+                  </a:lvl5pPr>
+                  <a:lvl6pPr marL="2514600" indent="-228600" defTabSz="762000" eaLnBrk="0" fontAlgn="base" hangingPunct="0">
+                    <a:spcBef>
+                      <a:spcPct val="20000"/>
+                    </a:spcBef>
+                    <a:spcAft>
+                      <a:spcPct val="0"/>
+                    </a:spcAft>
+                    <a:buClr>
+                      <a:schemeClr val="accent2"/>
+                    </a:buClr>
+                    <a:buSzPct val="80000"/>
+                    <a:buFont typeface="Wingdings" panose="05000000000000000000" pitchFamily="2" charset="2"/>
+                    <a:buChar char="§"/>
+                    <a:defRPr>
+                      <a:solidFill>
+                        <a:schemeClr val="tx1"/>
+                      </a:solidFill>
+                      <a:latin typeface="Times New Roman" panose="02020603050405020304" pitchFamily="18" charset="0"/>
+                      <a:ea typeface="宋体" panose="02010600030101010101" pitchFamily="2" charset="-122"/>
+                    </a:defRPr>
+                  </a:lvl6pPr>
+                  <a:lvl7pPr marL="2971800" indent="-228600" defTabSz="762000" eaLnBrk="0" fontAlgn="base" hangingPunct="0">
+                    <a:spcBef>
+                      <a:spcPct val="20000"/>
+                    </a:spcBef>
+                    <a:spcAft>
+                      <a:spcPct val="0"/>
+                    </a:spcAft>
+                    <a:buClr>
+                      <a:schemeClr val="accent2"/>
+                    </a:buClr>
+                    <a:buSzPct val="80000"/>
+                    <a:buFont typeface="Wingdings" panose="05000000000000000000" pitchFamily="2" charset="2"/>
+                    <a:buChar char="§"/>
+                    <a:defRPr>
+                      <a:solidFill>
+                        <a:schemeClr val="tx1"/>
+                      </a:solidFill>
+                      <a:latin typeface="Times New Roman" panose="02020603050405020304" pitchFamily="18" charset="0"/>
+                      <a:ea typeface="宋体" panose="02010600030101010101" pitchFamily="2" charset="-122"/>
+                    </a:defRPr>
+                  </a:lvl7pPr>
+                  <a:lvl8pPr marL="3429000" indent="-228600" defTabSz="762000" eaLnBrk="0" fontAlgn="base" hangingPunct="0">
+                    <a:spcBef>
+                      <a:spcPct val="20000"/>
+                    </a:spcBef>
+                    <a:spcAft>
+                      <a:spcPct val="0"/>
+                    </a:spcAft>
+                    <a:buClr>
+                      <a:schemeClr val="accent2"/>
+                    </a:buClr>
+                    <a:buSzPct val="80000"/>
+                    <a:buFont typeface="Wingdings" panose="05000000000000000000" pitchFamily="2" charset="2"/>
+                    <a:buChar char="§"/>
+                    <a:defRPr>
+                      <a:solidFill>
+                        <a:schemeClr val="tx1"/>
+                      </a:solidFill>
+                      <a:latin typeface="Times New Roman" panose="02020603050405020304" pitchFamily="18" charset="0"/>
+                      <a:ea typeface="宋体" panose="02010600030101010101" pitchFamily="2" charset="-122"/>
+                    </a:defRPr>
+                  </a:lvl8pPr>
+                  <a:lvl9pPr marL="3886200" indent="-228600" defTabSz="762000" eaLnBrk="0" fontAlgn="base" hangingPunct="0">
+                    <a:spcBef>
+                      <a:spcPct val="20000"/>
+                    </a:spcBef>
+                    <a:spcAft>
+                      <a:spcPct val="0"/>
+                    </a:spcAft>
+                    <a:buClr>
+                      <a:schemeClr val="accent2"/>
+                    </a:buClr>
+                    <a:buSzPct val="80000"/>
+                    <a:buFont typeface="Wingdings" panose="05000000000000000000" pitchFamily="2" charset="2"/>
+                    <a:buChar char="§"/>
+                    <a:defRPr>
+                      <a:solidFill>
+                        <a:schemeClr val="tx1"/>
+                      </a:solidFill>
+                      <a:latin typeface="Times New Roman" panose="02020603050405020304" pitchFamily="18" charset="0"/>
+                      <a:ea typeface="宋体" panose="02010600030101010101" pitchFamily="2" charset="-122"/>
+                    </a:defRPr>
+                  </a:lvl9pPr>
+                </a:lstStyle>
+                <a:p>
+                  <a:pPr algn="ctr">
+                    <a:spcBef>
+                      <a:spcPct val="0"/>
+                    </a:spcBef>
+                    <a:buClrTx/>
+                    <a:buFont typeface="Arial" panose="020B0604020202020204" pitchFamily="34" charset="0"/>
+                    <a:buNone/>
+                  </a:pPr>
+                  <a:endParaRPr lang="en-CA" altLang="en-US" sz="1167"/>
+                </a:p>
+              </p:txBody>
+            </p:sp>
+            <p:sp>
+              <p:nvSpPr>
+                <p:cNvPr id="28" name="AutoShape 14"/>
+                <p:cNvSpPr>
+                  <a:spLocks noChangeArrowheads="1"/>
+                </p:cNvSpPr>
+                <p:nvPr/>
+              </p:nvSpPr>
+              <p:spPr bwMode="auto">
+                <a:xfrm>
+                  <a:off x="696" y="1968"/>
+                  <a:ext cx="192" cy="192"/>
+                </a:xfrm>
+                <a:prstGeom prst="flowChartConnector">
+                  <a:avLst/>
+                </a:prstGeom>
+                <a:ln>
+                  <a:headEnd/>
+                  <a:tailEnd/>
+                </a:ln>
+              </p:spPr>
+              <p:style>
+                <a:lnRef idx="2">
+                  <a:schemeClr val="accent2"/>
+                </a:lnRef>
+                <a:fillRef idx="1">
+                  <a:schemeClr val="lt1"/>
+                </a:fillRef>
+                <a:effectRef idx="0">
+                  <a:schemeClr val="accent2"/>
+                </a:effectRef>
+                <a:fontRef idx="minor">
+                  <a:schemeClr val="dk1"/>
+                </a:fontRef>
+              </p:style>
+              <p:txBody>
+                <a:bodyPr wrap="none" anchor="ctr"/>
+                <a:lstStyle>
+                  <a:lvl1pPr>
+                    <a:spcBef>
+                      <a:spcPct val="20000"/>
+                    </a:spcBef>
+                    <a:buClr>
+                      <a:schemeClr val="accent2"/>
+                    </a:buClr>
+                    <a:buFont typeface="Wingdings" panose="05000000000000000000" pitchFamily="2" charset="2"/>
+                    <a:buChar char="w"/>
+                    <a:defRPr sz="3200">
+                      <a:solidFill>
+                        <a:schemeClr val="tx1"/>
+                      </a:solidFill>
+                      <a:latin typeface="Times New Roman" panose="02020603050405020304" pitchFamily="18" charset="0"/>
+                      <a:ea typeface="宋体" panose="02010600030101010101" pitchFamily="2" charset="-122"/>
+                    </a:defRPr>
+                  </a:lvl1pPr>
+                  <a:lvl2pPr marL="742950" indent="-285750">
+                    <a:spcBef>
+                      <a:spcPct val="20000"/>
+                    </a:spcBef>
+                    <a:buClr>
+                      <a:schemeClr val="accent2"/>
+                    </a:buClr>
+                    <a:buSzPct val="55000"/>
+                    <a:buFont typeface="Wingdings" panose="05000000000000000000" pitchFamily="2" charset="2"/>
+                    <a:buChar char="n"/>
+                    <a:defRPr sz="2800">
+                      <a:solidFill>
+                        <a:schemeClr val="tx1"/>
+                      </a:solidFill>
+                      <a:latin typeface="Times New Roman" panose="02020603050405020304" pitchFamily="18" charset="0"/>
+                      <a:ea typeface="宋体" panose="02010600030101010101" pitchFamily="2" charset="-122"/>
+                    </a:defRPr>
+                  </a:lvl2pPr>
+                  <a:lvl3pPr marL="1143000" indent="-228600">
+                    <a:spcBef>
+                      <a:spcPct val="20000"/>
+                    </a:spcBef>
+                    <a:buClr>
+                      <a:schemeClr val="accent2"/>
+                    </a:buClr>
+                    <a:buSzPct val="65000"/>
+                    <a:buFont typeface="Wingdings" panose="05000000000000000000" pitchFamily="2" charset="2"/>
+                    <a:buChar char="l"/>
+                    <a:defRPr sz="2400">
+                      <a:solidFill>
+                        <a:schemeClr val="tx1"/>
+                      </a:solidFill>
+                      <a:latin typeface="Times New Roman" panose="02020603050405020304" pitchFamily="18" charset="0"/>
+                      <a:ea typeface="宋体" panose="02010600030101010101" pitchFamily="2" charset="-122"/>
+                    </a:defRPr>
+                  </a:lvl3pPr>
+                  <a:lvl4pPr marL="1600200" indent="-228600">
+                    <a:spcBef>
+                      <a:spcPct val="20000"/>
+                    </a:spcBef>
+                    <a:buClr>
+                      <a:schemeClr val="accent2"/>
+                    </a:buClr>
+                    <a:buSzPct val="85000"/>
+                    <a:buFont typeface="Wingdings" panose="05000000000000000000" pitchFamily="2" charset="2"/>
+                    <a:buChar char="w"/>
+                    <a:defRPr sz="2000">
+                      <a:solidFill>
+                        <a:schemeClr val="tx1"/>
+                      </a:solidFill>
+                      <a:latin typeface="Times New Roman" panose="02020603050405020304" pitchFamily="18" charset="0"/>
+                      <a:ea typeface="宋体" panose="02010600030101010101" pitchFamily="2" charset="-122"/>
+                    </a:defRPr>
+                  </a:lvl4pPr>
+                  <a:lvl5pPr marL="2057400" indent="-228600">
+                    <a:spcBef>
+                      <a:spcPct val="20000"/>
+                    </a:spcBef>
+                    <a:buClr>
+                      <a:schemeClr val="accent2"/>
+                    </a:buClr>
+                    <a:buSzPct val="80000"/>
+                    <a:buFont typeface="Wingdings" panose="05000000000000000000" pitchFamily="2" charset="2"/>
+                    <a:buChar char="§"/>
+                    <a:defRPr>
+                      <a:solidFill>
+                        <a:schemeClr val="tx1"/>
+                      </a:solidFill>
+                      <a:latin typeface="Times New Roman" panose="02020603050405020304" pitchFamily="18" charset="0"/>
+                      <a:ea typeface="宋体" panose="02010600030101010101" pitchFamily="2" charset="-122"/>
+                    </a:defRPr>
+                  </a:lvl5pPr>
+                  <a:lvl6pPr marL="2514600" indent="-228600" eaLnBrk="0" fontAlgn="base" hangingPunct="0">
+                    <a:spcBef>
+                      <a:spcPct val="20000"/>
+                    </a:spcBef>
+                    <a:spcAft>
+                      <a:spcPct val="0"/>
+                    </a:spcAft>
+                    <a:buClr>
+                      <a:schemeClr val="accent2"/>
+                    </a:buClr>
+                    <a:buSzPct val="80000"/>
+                    <a:buFont typeface="Wingdings" panose="05000000000000000000" pitchFamily="2" charset="2"/>
+                    <a:buChar char="§"/>
+                    <a:defRPr>
+                      <a:solidFill>
+                        <a:schemeClr val="tx1"/>
+                      </a:solidFill>
+                      <a:latin typeface="Times New Roman" panose="02020603050405020304" pitchFamily="18" charset="0"/>
+                      <a:ea typeface="宋体" panose="02010600030101010101" pitchFamily="2" charset="-122"/>
+                    </a:defRPr>
+                  </a:lvl6pPr>
+                  <a:lvl7pPr marL="2971800" indent="-228600" eaLnBrk="0" fontAlgn="base" hangingPunct="0">
+                    <a:spcBef>
+                      <a:spcPct val="20000"/>
+                    </a:spcBef>
+                    <a:spcAft>
+                      <a:spcPct val="0"/>
+                    </a:spcAft>
+                    <a:buClr>
+                      <a:schemeClr val="accent2"/>
+                    </a:buClr>
+                    <a:buSzPct val="80000"/>
+                    <a:buFont typeface="Wingdings" panose="05000000000000000000" pitchFamily="2" charset="2"/>
+                    <a:buChar char="§"/>
+                    <a:defRPr>
+                      <a:solidFill>
+                        <a:schemeClr val="tx1"/>
+                      </a:solidFill>
+                      <a:latin typeface="Times New Roman" panose="02020603050405020304" pitchFamily="18" charset="0"/>
+                      <a:ea typeface="宋体" panose="02010600030101010101" pitchFamily="2" charset="-122"/>
+                    </a:defRPr>
+                  </a:lvl7pPr>
+                  <a:lvl8pPr marL="3429000" indent="-228600" eaLnBrk="0" fontAlgn="base" hangingPunct="0">
+                    <a:spcBef>
+                      <a:spcPct val="20000"/>
+                    </a:spcBef>
+                    <a:spcAft>
+                      <a:spcPct val="0"/>
+                    </a:spcAft>
+                    <a:buClr>
+                      <a:schemeClr val="accent2"/>
+                    </a:buClr>
+                    <a:buSzPct val="80000"/>
+                    <a:buFont typeface="Wingdings" panose="05000000000000000000" pitchFamily="2" charset="2"/>
+                    <a:buChar char="§"/>
+                    <a:defRPr>
+                      <a:solidFill>
+                        <a:schemeClr val="tx1"/>
+                      </a:solidFill>
+                      <a:latin typeface="Times New Roman" panose="02020603050405020304" pitchFamily="18" charset="0"/>
+                      <a:ea typeface="宋体" panose="02010600030101010101" pitchFamily="2" charset="-122"/>
+                    </a:defRPr>
+                  </a:lvl8pPr>
+                  <a:lvl9pPr marL="3886200" indent="-228600" eaLnBrk="0" fontAlgn="base" hangingPunct="0">
+                    <a:spcBef>
+                      <a:spcPct val="20000"/>
+                    </a:spcBef>
+                    <a:spcAft>
+                      <a:spcPct val="0"/>
+                    </a:spcAft>
+                    <a:buClr>
+                      <a:schemeClr val="accent2"/>
+                    </a:buClr>
+                    <a:buSzPct val="80000"/>
+                    <a:buFont typeface="Wingdings" panose="05000000000000000000" pitchFamily="2" charset="2"/>
+                    <a:buChar char="§"/>
+                    <a:defRPr>
+                      <a:solidFill>
+                        <a:schemeClr val="tx1"/>
+                      </a:solidFill>
+                      <a:latin typeface="Times New Roman" panose="02020603050405020304" pitchFamily="18" charset="0"/>
+                      <a:ea typeface="宋体" panose="02010600030101010101" pitchFamily="2" charset="-122"/>
+                    </a:defRPr>
+                  </a:lvl9pPr>
+                </a:lstStyle>
+                <a:p>
+                  <a:pPr eaLnBrk="1" hangingPunct="1">
+                    <a:spcBef>
+                      <a:spcPct val="0"/>
+                    </a:spcBef>
+                    <a:buClrTx/>
+                    <a:buFont typeface="Arial" panose="020B0604020202020204" pitchFamily="34" charset="0"/>
+                    <a:buNone/>
+                  </a:pPr>
+                  <a:endParaRPr lang="zh-CN" altLang="en-US" sz="2000"/>
+                </a:p>
+              </p:txBody>
+            </p:sp>
+            <p:sp>
+              <p:nvSpPr>
+                <p:cNvPr id="29" name="Line 15"/>
+                <p:cNvSpPr>
+                  <a:spLocks noChangeShapeType="1"/>
+                </p:cNvSpPr>
+                <p:nvPr/>
+              </p:nvSpPr>
+              <p:spPr bwMode="auto">
+                <a:xfrm>
+                  <a:off x="792" y="192"/>
+                  <a:ext cx="0" cy="96"/>
+                </a:xfrm>
+                <a:prstGeom prst="line">
+                  <a:avLst/>
+                </a:prstGeom>
+                <a:ln>
+                  <a:headEnd/>
+                  <a:tailEnd/>
+                </a:ln>
+                <a:extLst/>
+              </p:spPr>
+              <p:style>
+                <a:lnRef idx="2">
+                  <a:schemeClr val="accent2"/>
+                </a:lnRef>
+                <a:fillRef idx="1">
+                  <a:schemeClr val="lt1"/>
+                </a:fillRef>
+                <a:effectRef idx="0">
+                  <a:schemeClr val="accent2"/>
+                </a:effectRef>
+                <a:fontRef idx="minor">
+                  <a:schemeClr val="dk1"/>
+                </a:fontRef>
+              </p:style>
+              <p:txBody>
+                <a:bodyPr wrap="none" anchor="ctr"/>
+                <a:lstStyle/>
+                <a:p>
+                  <a:endParaRPr lang="zh-CN" altLang="en-US"/>
+                </a:p>
+              </p:txBody>
+            </p:sp>
+            <p:sp>
+              <p:nvSpPr>
+                <p:cNvPr id="30" name="Line 16"/>
+                <p:cNvSpPr>
+                  <a:spLocks noChangeShapeType="1"/>
+                </p:cNvSpPr>
+                <p:nvPr/>
+              </p:nvSpPr>
+              <p:spPr bwMode="auto">
+                <a:xfrm>
+                  <a:off x="792" y="480"/>
+                  <a:ext cx="0" cy="96"/>
+                </a:xfrm>
+                <a:prstGeom prst="line">
+                  <a:avLst/>
+                </a:prstGeom>
+                <a:ln>
+                  <a:headEnd/>
+                  <a:tailEnd/>
+                </a:ln>
+                <a:extLst/>
+              </p:spPr>
+              <p:style>
+                <a:lnRef idx="2">
+                  <a:schemeClr val="accent2"/>
+                </a:lnRef>
+                <a:fillRef idx="1">
+                  <a:schemeClr val="lt1"/>
+                </a:fillRef>
+                <a:effectRef idx="0">
+                  <a:schemeClr val="accent2"/>
+                </a:effectRef>
+                <a:fontRef idx="minor">
+                  <a:schemeClr val="dk1"/>
+                </a:fontRef>
+              </p:style>
+              <p:txBody>
+                <a:bodyPr wrap="none" anchor="ctr"/>
+                <a:lstStyle/>
+                <a:p>
+                  <a:endParaRPr lang="zh-CN" altLang="en-US"/>
+                </a:p>
+              </p:txBody>
+            </p:sp>
+            <p:sp>
+              <p:nvSpPr>
+                <p:cNvPr id="31" name="Line 17"/>
+                <p:cNvSpPr>
+                  <a:spLocks noChangeShapeType="1"/>
+                </p:cNvSpPr>
+                <p:nvPr/>
+              </p:nvSpPr>
+              <p:spPr bwMode="auto">
+                <a:xfrm>
+                  <a:off x="792" y="1536"/>
+                  <a:ext cx="0" cy="96"/>
+                </a:xfrm>
+                <a:prstGeom prst="line">
+                  <a:avLst/>
+                </a:prstGeom>
+                <a:ln>
+                  <a:headEnd/>
+                  <a:tailEnd/>
+                </a:ln>
+                <a:extLst/>
+              </p:spPr>
+              <p:style>
+                <a:lnRef idx="2">
+                  <a:schemeClr val="accent2"/>
+                </a:lnRef>
+                <a:fillRef idx="1">
+                  <a:schemeClr val="lt1"/>
+                </a:fillRef>
+                <a:effectRef idx="0">
+                  <a:schemeClr val="accent2"/>
+                </a:effectRef>
+                <a:fontRef idx="minor">
+                  <a:schemeClr val="dk1"/>
+                </a:fontRef>
+              </p:style>
+              <p:txBody>
+                <a:bodyPr wrap="none" anchor="ctr"/>
+                <a:lstStyle/>
+                <a:p>
+                  <a:endParaRPr lang="zh-CN" altLang="en-US"/>
+                </a:p>
+              </p:txBody>
+            </p:sp>
+            <p:sp>
+              <p:nvSpPr>
+                <p:cNvPr id="32" name="Line 18"/>
+                <p:cNvSpPr>
+                  <a:spLocks noChangeShapeType="1"/>
+                </p:cNvSpPr>
+                <p:nvPr/>
+              </p:nvSpPr>
+              <p:spPr bwMode="auto">
+                <a:xfrm>
+                  <a:off x="792" y="1872"/>
+                  <a:ext cx="0" cy="96"/>
+                </a:xfrm>
+                <a:prstGeom prst="line">
+                  <a:avLst/>
+                </a:prstGeom>
+                <a:ln>
+                  <a:headEnd/>
+                  <a:tailEnd/>
+                </a:ln>
+                <a:extLst/>
+              </p:spPr>
+              <p:style>
+                <a:lnRef idx="2">
+                  <a:schemeClr val="accent2"/>
+                </a:lnRef>
+                <a:fillRef idx="1">
+                  <a:schemeClr val="lt1"/>
+                </a:fillRef>
+                <a:effectRef idx="0">
+                  <a:schemeClr val="accent2"/>
+                </a:effectRef>
+                <a:fontRef idx="minor">
+                  <a:schemeClr val="dk1"/>
+                </a:fontRef>
+              </p:style>
+              <p:txBody>
+                <a:bodyPr wrap="none" anchor="ctr"/>
+                <a:lstStyle/>
+                <a:p>
+                  <a:endParaRPr lang="zh-CN" altLang="en-US"/>
+                </a:p>
+              </p:txBody>
+            </p:sp>
+            <p:grpSp>
+              <p:nvGrpSpPr>
+                <p:cNvPr id="33" name="Group 19"/>
+                <p:cNvGrpSpPr>
+                  <a:grpSpLocks/>
+                </p:cNvGrpSpPr>
+                <p:nvPr/>
+              </p:nvGrpSpPr>
+              <p:grpSpPr bwMode="auto">
+                <a:xfrm>
+                  <a:off x="192" y="816"/>
+                  <a:ext cx="1200" cy="144"/>
+                  <a:chOff x="0" y="0"/>
+                  <a:chExt cx="1200" cy="144"/>
+                </a:xfrm>
+              </p:grpSpPr>
+              <p:sp>
+                <p:nvSpPr>
+                  <p:cNvPr id="39" name="Line 20"/>
+                  <p:cNvSpPr>
+                    <a:spLocks noChangeShapeType="1"/>
+                  </p:cNvSpPr>
+                  <p:nvPr/>
+                </p:nvSpPr>
+                <p:spPr bwMode="auto">
+                  <a:xfrm>
+                    <a:off x="0" y="48"/>
+                    <a:ext cx="1200" cy="0"/>
+                  </a:xfrm>
+                  <a:prstGeom prst="line">
+                    <a:avLst/>
+                  </a:prstGeom>
+                  <a:ln>
+                    <a:headEnd/>
+                    <a:tailEnd/>
+                  </a:ln>
+                  <a:extLst/>
+                </p:spPr>
+                <p:style>
+                  <a:lnRef idx="2">
+                    <a:schemeClr val="accent2"/>
+                  </a:lnRef>
+                  <a:fillRef idx="1">
+                    <a:schemeClr val="lt1"/>
+                  </a:fillRef>
+                  <a:effectRef idx="0">
+                    <a:schemeClr val="accent2"/>
+                  </a:effectRef>
+                  <a:fontRef idx="minor">
+                    <a:schemeClr val="dk1"/>
+                  </a:fontRef>
+                </p:style>
+                <p:txBody>
+                  <a:bodyPr wrap="none" anchor="ctr"/>
+                  <a:lstStyle/>
+                  <a:p>
+                    <a:endParaRPr lang="zh-CN" altLang="en-US"/>
+                  </a:p>
+                </p:txBody>
+              </p:sp>
+              <p:sp>
+                <p:nvSpPr>
+                  <p:cNvPr id="40" name="Line 21"/>
+                  <p:cNvSpPr>
+                    <a:spLocks noChangeShapeType="1"/>
+                  </p:cNvSpPr>
+                  <p:nvPr/>
+                </p:nvSpPr>
+                <p:spPr bwMode="auto">
+                  <a:xfrm>
+                    <a:off x="576" y="0"/>
+                    <a:ext cx="0" cy="48"/>
+                  </a:xfrm>
+                  <a:prstGeom prst="line">
+                    <a:avLst/>
+                  </a:prstGeom>
+                  <a:ln>
+                    <a:headEnd/>
+                    <a:tailEnd/>
+                  </a:ln>
+                  <a:extLst/>
+                </p:spPr>
+                <p:style>
+                  <a:lnRef idx="2">
+                    <a:schemeClr val="accent2"/>
+                  </a:lnRef>
+                  <a:fillRef idx="1">
+                    <a:schemeClr val="lt1"/>
+                  </a:fillRef>
+                  <a:effectRef idx="0">
+                    <a:schemeClr val="accent2"/>
+                  </a:effectRef>
+                  <a:fontRef idx="minor">
+                    <a:schemeClr val="dk1"/>
+                  </a:fontRef>
+                </p:style>
+                <p:txBody>
+                  <a:bodyPr wrap="none" anchor="ctr"/>
+                  <a:lstStyle/>
+                  <a:p>
+                    <a:endParaRPr lang="zh-CN" altLang="en-US"/>
+                  </a:p>
+                </p:txBody>
+              </p:sp>
+              <p:sp>
+                <p:nvSpPr>
+                  <p:cNvPr id="41" name="Line 22"/>
+                  <p:cNvSpPr>
+                    <a:spLocks noChangeShapeType="1"/>
+                  </p:cNvSpPr>
+                  <p:nvPr/>
+                </p:nvSpPr>
+                <p:spPr bwMode="auto">
+                  <a:xfrm>
+                    <a:off x="0" y="48"/>
+                    <a:ext cx="0" cy="96"/>
+                  </a:xfrm>
+                  <a:prstGeom prst="line">
+                    <a:avLst/>
+                  </a:prstGeom>
+                  <a:ln>
+                    <a:headEnd/>
+                    <a:tailEnd/>
+                  </a:ln>
+                  <a:extLst/>
+                </p:spPr>
+                <p:style>
+                  <a:lnRef idx="2">
+                    <a:schemeClr val="accent2"/>
+                  </a:lnRef>
+                  <a:fillRef idx="1">
+                    <a:schemeClr val="lt1"/>
+                  </a:fillRef>
+                  <a:effectRef idx="0">
+                    <a:schemeClr val="accent2"/>
+                  </a:effectRef>
+                  <a:fontRef idx="minor">
+                    <a:schemeClr val="dk1"/>
+                  </a:fontRef>
+                </p:style>
+                <p:txBody>
+                  <a:bodyPr wrap="none" anchor="ctr"/>
+                  <a:lstStyle/>
+                  <a:p>
+                    <a:endParaRPr lang="zh-CN" altLang="en-US"/>
+                  </a:p>
+                </p:txBody>
+              </p:sp>
+              <p:sp>
+                <p:nvSpPr>
+                  <p:cNvPr id="42" name="Line 23"/>
+                  <p:cNvSpPr>
+                    <a:spLocks noChangeShapeType="1"/>
+                  </p:cNvSpPr>
+                  <p:nvPr/>
+                </p:nvSpPr>
+                <p:spPr bwMode="auto">
+                  <a:xfrm>
+                    <a:off x="1200" y="48"/>
+                    <a:ext cx="0" cy="96"/>
+                  </a:xfrm>
+                  <a:prstGeom prst="line">
+                    <a:avLst/>
+                  </a:prstGeom>
+                  <a:ln>
+                    <a:headEnd/>
+                    <a:tailEnd/>
+                  </a:ln>
+                  <a:extLst/>
+                </p:spPr>
+                <p:style>
+                  <a:lnRef idx="2">
+                    <a:schemeClr val="accent2"/>
+                  </a:lnRef>
+                  <a:fillRef idx="1">
+                    <a:schemeClr val="lt1"/>
+                  </a:fillRef>
+                  <a:effectRef idx="0">
+                    <a:schemeClr val="accent2"/>
+                  </a:effectRef>
+                  <a:fontRef idx="minor">
+                    <a:schemeClr val="dk1"/>
+                  </a:fontRef>
+                </p:style>
+                <p:txBody>
+                  <a:bodyPr wrap="none" anchor="ctr"/>
+                  <a:lstStyle/>
+                  <a:p>
+                    <a:endParaRPr lang="zh-CN" altLang="en-US"/>
+                  </a:p>
+                </p:txBody>
+              </p:sp>
+            </p:grpSp>
+            <p:grpSp>
+              <p:nvGrpSpPr>
+                <p:cNvPr id="34" name="Group 24"/>
+                <p:cNvGrpSpPr>
+                  <a:grpSpLocks/>
+                </p:cNvGrpSpPr>
+                <p:nvPr/>
+              </p:nvGrpSpPr>
+              <p:grpSpPr bwMode="auto">
+                <a:xfrm flipV="1">
+                  <a:off x="192" y="1152"/>
+                  <a:ext cx="1200" cy="192"/>
+                  <a:chOff x="0" y="0"/>
+                  <a:chExt cx="1200" cy="144"/>
+                </a:xfrm>
+              </p:grpSpPr>
+              <p:sp>
+                <p:nvSpPr>
+                  <p:cNvPr id="35" name="Line 25"/>
+                  <p:cNvSpPr>
+                    <a:spLocks noChangeShapeType="1"/>
+                  </p:cNvSpPr>
+                  <p:nvPr/>
+                </p:nvSpPr>
+                <p:spPr bwMode="auto">
+                  <a:xfrm>
+                    <a:off x="0" y="48"/>
+                    <a:ext cx="1200" cy="0"/>
+                  </a:xfrm>
+                  <a:prstGeom prst="line">
+                    <a:avLst/>
+                  </a:prstGeom>
+                  <a:ln>
+                    <a:headEnd/>
+                    <a:tailEnd/>
+                  </a:ln>
+                  <a:extLst/>
+                </p:spPr>
+                <p:style>
+                  <a:lnRef idx="2">
+                    <a:schemeClr val="accent2"/>
+                  </a:lnRef>
+                  <a:fillRef idx="1">
+                    <a:schemeClr val="lt1"/>
+                  </a:fillRef>
+                  <a:effectRef idx="0">
+                    <a:schemeClr val="accent2"/>
+                  </a:effectRef>
+                  <a:fontRef idx="minor">
+                    <a:schemeClr val="dk1"/>
+                  </a:fontRef>
+                </p:style>
+                <p:txBody>
+                  <a:bodyPr wrap="none" anchor="ctr"/>
+                  <a:lstStyle/>
+                  <a:p>
+                    <a:endParaRPr lang="zh-CN" altLang="en-US"/>
+                  </a:p>
+                </p:txBody>
+              </p:sp>
+              <p:sp>
+                <p:nvSpPr>
+                  <p:cNvPr id="36" name="Line 26"/>
+                  <p:cNvSpPr>
+                    <a:spLocks noChangeShapeType="1"/>
+                  </p:cNvSpPr>
+                  <p:nvPr/>
+                </p:nvSpPr>
+                <p:spPr bwMode="auto">
+                  <a:xfrm>
+                    <a:off x="576" y="0"/>
+                    <a:ext cx="0" cy="48"/>
+                  </a:xfrm>
+                  <a:prstGeom prst="line">
+                    <a:avLst/>
+                  </a:prstGeom>
+                  <a:ln>
+                    <a:headEnd/>
+                    <a:tailEnd/>
+                  </a:ln>
+                  <a:extLst/>
+                </p:spPr>
+                <p:style>
+                  <a:lnRef idx="2">
+                    <a:schemeClr val="accent2"/>
+                  </a:lnRef>
+                  <a:fillRef idx="1">
+                    <a:schemeClr val="lt1"/>
+                  </a:fillRef>
+                  <a:effectRef idx="0">
+                    <a:schemeClr val="accent2"/>
+                  </a:effectRef>
+                  <a:fontRef idx="minor">
+                    <a:schemeClr val="dk1"/>
+                  </a:fontRef>
+                </p:style>
+                <p:txBody>
+                  <a:bodyPr wrap="none" anchor="ctr"/>
+                  <a:lstStyle/>
+                  <a:p>
+                    <a:endParaRPr lang="zh-CN" altLang="en-US"/>
+                  </a:p>
+                </p:txBody>
+              </p:sp>
+              <p:sp>
+                <p:nvSpPr>
+                  <p:cNvPr id="37" name="Line 27"/>
+                  <p:cNvSpPr>
+                    <a:spLocks noChangeShapeType="1"/>
+                  </p:cNvSpPr>
+                  <p:nvPr/>
+                </p:nvSpPr>
+                <p:spPr bwMode="auto">
+                  <a:xfrm>
+                    <a:off x="0" y="48"/>
+                    <a:ext cx="0" cy="96"/>
+                  </a:xfrm>
+                  <a:prstGeom prst="line">
+                    <a:avLst/>
+                  </a:prstGeom>
+                  <a:ln>
+                    <a:headEnd/>
+                    <a:tailEnd/>
+                  </a:ln>
+                  <a:extLst/>
+                </p:spPr>
+                <p:style>
+                  <a:lnRef idx="2">
+                    <a:schemeClr val="accent2"/>
+                  </a:lnRef>
+                  <a:fillRef idx="1">
+                    <a:schemeClr val="lt1"/>
+                  </a:fillRef>
+                  <a:effectRef idx="0">
+                    <a:schemeClr val="accent2"/>
+                  </a:effectRef>
+                  <a:fontRef idx="minor">
+                    <a:schemeClr val="dk1"/>
+                  </a:fontRef>
+                </p:style>
+                <p:txBody>
+                  <a:bodyPr wrap="none" anchor="ctr"/>
+                  <a:lstStyle/>
+                  <a:p>
+                    <a:endParaRPr lang="zh-CN" altLang="en-US"/>
+                  </a:p>
+                </p:txBody>
+              </p:sp>
+              <p:sp>
+                <p:nvSpPr>
+                  <p:cNvPr id="38" name="Line 28"/>
+                  <p:cNvSpPr>
+                    <a:spLocks noChangeShapeType="1"/>
+                  </p:cNvSpPr>
+                  <p:nvPr/>
+                </p:nvSpPr>
+                <p:spPr bwMode="auto">
+                  <a:xfrm>
+                    <a:off x="1200" y="48"/>
+                    <a:ext cx="0" cy="96"/>
+                  </a:xfrm>
+                  <a:prstGeom prst="line">
+                    <a:avLst/>
+                  </a:prstGeom>
+                  <a:ln>
+                    <a:headEnd/>
+                    <a:tailEnd/>
+                  </a:ln>
+                  <a:extLst/>
+                </p:spPr>
+                <p:style>
+                  <a:lnRef idx="2">
+                    <a:schemeClr val="accent2"/>
+                  </a:lnRef>
+                  <a:fillRef idx="1">
+                    <a:schemeClr val="lt1"/>
+                  </a:fillRef>
+                  <a:effectRef idx="0">
+                    <a:schemeClr val="accent2"/>
+                  </a:effectRef>
+                  <a:fontRef idx="minor">
+                    <a:schemeClr val="dk1"/>
+                  </a:fontRef>
+                </p:style>
+                <p:txBody>
+                  <a:bodyPr wrap="none" anchor="ctr"/>
+                  <a:lstStyle/>
+                  <a:p>
+                    <a:endParaRPr lang="zh-CN" altLang="en-US"/>
+                  </a:p>
+                </p:txBody>
+              </p:sp>
+            </p:grpSp>
+          </p:grpSp>
+          <p:sp>
+            <p:nvSpPr>
+              <p:cNvPr id="18" name="Line 29"/>
+              <p:cNvSpPr>
+                <a:spLocks noChangeShapeType="1"/>
+              </p:cNvSpPr>
+              <p:nvPr/>
+            </p:nvSpPr>
+            <p:spPr bwMode="auto">
+              <a:xfrm>
+                <a:off x="816" y="240"/>
+                <a:ext cx="864" cy="0"/>
+              </a:xfrm>
+              <a:prstGeom prst="line">
+                <a:avLst/>
+              </a:prstGeom>
+              <a:ln>
+                <a:headEnd/>
+                <a:tailEnd/>
+              </a:ln>
+              <a:extLst/>
+            </p:spPr>
+            <p:style>
+              <a:lnRef idx="2">
+                <a:schemeClr val="accent2"/>
+              </a:lnRef>
+              <a:fillRef idx="1">
+                <a:schemeClr val="lt1"/>
+              </a:fillRef>
+              <a:effectRef idx="0">
+                <a:schemeClr val="accent2"/>
+              </a:effectRef>
+              <a:fontRef idx="minor">
+                <a:schemeClr val="dk1"/>
+              </a:fontRef>
+            </p:style>
+            <p:txBody>
+              <a:bodyPr wrap="none" anchor="ctr"/>
+              <a:lstStyle/>
+              <a:p>
+                <a:endParaRPr lang="zh-CN" altLang="en-US"/>
+              </a:p>
+            </p:txBody>
+          </p:sp>
+          <p:sp>
+            <p:nvSpPr>
+              <p:cNvPr id="19" name="Line 30"/>
+              <p:cNvSpPr>
+                <a:spLocks noChangeShapeType="1"/>
+              </p:cNvSpPr>
+              <p:nvPr/>
+            </p:nvSpPr>
+            <p:spPr bwMode="auto">
+              <a:xfrm>
+                <a:off x="1680" y="240"/>
+                <a:ext cx="0" cy="1680"/>
+              </a:xfrm>
+              <a:prstGeom prst="line">
+                <a:avLst/>
+              </a:prstGeom>
+              <a:ln>
+                <a:headEnd/>
+                <a:tailEnd/>
+              </a:ln>
+              <a:extLst/>
+            </p:spPr>
+            <p:style>
+              <a:lnRef idx="2">
+                <a:schemeClr val="accent2"/>
+              </a:lnRef>
+              <a:fillRef idx="1">
+                <a:schemeClr val="lt1"/>
+              </a:fillRef>
+              <a:effectRef idx="0">
+                <a:schemeClr val="accent2"/>
+              </a:effectRef>
+              <a:fontRef idx="minor">
+                <a:schemeClr val="dk1"/>
+              </a:fontRef>
+            </p:style>
+            <p:txBody>
+              <a:bodyPr wrap="none" anchor="ctr"/>
+              <a:lstStyle/>
+              <a:p>
+                <a:endParaRPr lang="zh-CN" altLang="en-US"/>
+              </a:p>
+            </p:txBody>
+          </p:sp>
+          <p:sp>
+            <p:nvSpPr>
+              <p:cNvPr id="20" name="Line 31"/>
+              <p:cNvSpPr>
+                <a:spLocks noChangeShapeType="1"/>
+              </p:cNvSpPr>
+              <p:nvPr/>
+            </p:nvSpPr>
+            <p:spPr bwMode="auto">
+              <a:xfrm flipH="1">
+                <a:off x="816" y="1920"/>
+                <a:ext cx="864" cy="0"/>
+              </a:xfrm>
+              <a:prstGeom prst="line">
+                <a:avLst/>
+              </a:prstGeom>
+              <a:ln>
+                <a:headEnd/>
+                <a:tailEnd/>
+              </a:ln>
+              <a:extLst/>
+            </p:spPr>
+            <p:style>
+              <a:lnRef idx="2">
+                <a:schemeClr val="accent2"/>
+              </a:lnRef>
+              <a:fillRef idx="1">
+                <a:schemeClr val="lt1"/>
+              </a:fillRef>
+              <a:effectRef idx="0">
+                <a:schemeClr val="accent2"/>
+              </a:effectRef>
+              <a:fontRef idx="minor">
+                <a:schemeClr val="dk1"/>
+              </a:fontRef>
+            </p:style>
+            <p:txBody>
+              <a:bodyPr wrap="none" anchor="ctr"/>
+              <a:lstStyle/>
+              <a:p>
+                <a:endParaRPr lang="zh-CN" altLang="en-US"/>
+              </a:p>
+            </p:txBody>
+          </p:sp>
+        </p:grpSp>
+      </p:grpSp>
+    </p:spTree>
+    <p:extLst>
+      <p:ext uri="{BB962C8B-B14F-4D97-AF65-F5344CB8AC3E}">
+        <p14:creationId xmlns:p14="http://schemas.microsoft.com/office/powerpoint/2010/main" val="4185707396"/>
+      </p:ext>
+    </p:extLst>
+  </p:cSld>
+  <p:clrMapOvr>
+    <a:masterClrMapping/>
+  </p:clrMapOvr>
+  <p:timing>
+    <p:tnLst>
+      <p:par>
+        <p:cTn id="1" dur="indefinite" restart="never" nodeType="tmRoot"/>
+      </p:par>
+    </p:tnLst>
+  </p:timing>
+</p:sld>
+</file>
+
+<file path=ppt/slides/slide58.xml><?xml version="1.0" encoding="utf-8"?>
 <p:sld xmlns:a="http://schemas.openxmlformats.org/drawingml/2006/main" xmlns:r="http://schemas.openxmlformats.org/officeDocument/2006/relationships" xmlns:p="http://schemas.openxmlformats.org/presentationml/2006/main">
   <p:cSld>
     <p:spTree>

--- a/software/Ch_4_pro.pptx
+++ b/software/Ch_4_pro.pptx
@@ -1124,88 +1124,6 @@
 </inkml:ink>
 </file>
 
-<file path=ppt/ink/ink3.xml><?xml version="1.0" encoding="utf-8"?>
-<inkml:ink xmlns:inkml="http://www.w3.org/2003/InkML">
-  <inkml:definitions>
-    <inkml:context xml:id="ctx0">
-      <inkml:inkSource xml:id="inkSrc0">
-        <inkml:traceFormat>
-          <inkml:channel name="X" type="integer" min="-2.14748E9" max="2.14748E9" units="cm"/>
-          <inkml:channel name="Y" type="integer" min="-2.14748E9" max="2.14748E9" units="cm"/>
-        </inkml:traceFormat>
-        <inkml:channelProperties>
-          <inkml:channelProperty channel="X" name="resolution" value="1000" units="1/cm"/>
-          <inkml:channelProperty channel="Y" name="resolution" value="1000" units="1/cm"/>
-        </inkml:channelProperties>
-      </inkml:inkSource>
-      <inkml:timestamp xml:id="ts0" timeString="2020-03-27T02:27:02.177"/>
-    </inkml:context>
-    <inkml:brush xml:id="br0">
-      <inkml:brushProperty name="width" value="0.35" units="cm"/>
-      <inkml:brushProperty name="height" value="0.35" units="cm"/>
-      <inkml:brushProperty name="color" value="#F6630D"/>
-      <inkml:brushProperty name="ignorePressure" value="1"/>
-    </inkml:brush>
-  </inkml:definitions>
-  <inkml:trace contextRef="#ctx0" brushRef="#br0">487 0,'-5'5,"-12"22,-12 21,-7 7,-3 10,-4 9,-4 7,-6 9,-2 5,2-4,5-7,12-13,11-18</inkml:trace>
-</inkml:ink>
-</file>
-
-<file path=ppt/ink/ink4.xml><?xml version="1.0" encoding="utf-8"?>
-<inkml:ink xmlns:inkml="http://www.w3.org/2003/InkML">
-  <inkml:definitions>
-    <inkml:context xml:id="ctx0">
-      <inkml:inkSource xml:id="inkSrc0">
-        <inkml:traceFormat>
-          <inkml:channel name="X" type="integer" min="-2.14748E9" max="2.14748E9" units="cm"/>
-          <inkml:channel name="Y" type="integer" min="-2.14748E9" max="2.14748E9" units="cm"/>
-        </inkml:traceFormat>
-        <inkml:channelProperties>
-          <inkml:channelProperty channel="X" name="resolution" value="1000" units="1/cm"/>
-          <inkml:channelProperty channel="Y" name="resolution" value="1000" units="1/cm"/>
-        </inkml:channelProperties>
-      </inkml:inkSource>
-      <inkml:timestamp xml:id="ts0" timeString="2020-03-27T02:27:03.328"/>
-    </inkml:context>
-    <inkml:brush xml:id="br0">
-      <inkml:brushProperty name="width" value="0.35" units="cm"/>
-      <inkml:brushProperty name="height" value="0.35" units="cm"/>
-      <inkml:brushProperty name="color" value="#F6630D"/>
-      <inkml:brushProperty name="ignorePressure" value="1"/>
-    </inkml:brush>
-  </inkml:definitions>
-  <inkml:trace contextRef="#ctx0" brushRef="#br0">2593 887,'-142'94,"100"-72,1 2,1 2,1 2,2 2,1 1,1 1,1 2,3 2,0 1,3 1,1 1,-10 22,32-52,0 1,1 0,1 0,0 0,0 1,0-1,2 1,-1 0,1-1,1 1,0 0,1 0,0-1,0 1,1 0,0-1,1 0,0 1,1-1,0 0,1-1,2 5,14 18,1-2,1-1,1 0,2-2,1-1,1-1,1-1,1-2,1-1,0-1,2-2,0-1,2-2,-1-1,2-2,-1-1,2-2,-1-1,1-2,0-2,1-1,-1-2,0-1,1-3,-1 0,0-3,0-1,-1-1,0-2,0-2,-1-1,21-13,167-127,-209 142,-1-2,-1 1,0-2,-1 0,0 0,-1-1,0 0,-2-1,1 0,-2 0,0-1,-2 0,5-18,-1-17,-3-1,-2 0,-3-1,-1 1,-4-5,-1 37,-1-1,-1 1,-1 1,-1 0,-1 0,-1 1,0 0,-2 1,0 0,0 1,-11-10,15 16,-5-8,0 1,-1 0,-1 1,-1 1,0 1,-1 0,-1 1,0 1,-1 1,0 1,-1 0,0 2,-1 0,0 2,0 0,0 1,-1 1,-4 1,-205 4,203 1</inkml:trace>
-  <inkml:trace contextRef="#ctx0" brushRef="#br0" timeOffset="926.28">1676 1,'-7'1,"-1"0,1 1,0-1,0 2,-1-1,2 1,-1 0,0 1,1 0,-1 0,1 0,0 0,-2 3,-6 3,-317 265,126-86,-91 102,7 21,112-118,-59 97,218-264,5-3</inkml:trace>
-</inkml:ink>
-</file>
-
-<file path=ppt/ink/ink5.xml><?xml version="1.0" encoding="utf-8"?>
-<inkml:ink xmlns:inkml="http://www.w3.org/2003/InkML">
-  <inkml:definitions>
-    <inkml:context xml:id="ctx0">
-      <inkml:inkSource xml:id="inkSrc0">
-        <inkml:traceFormat>
-          <inkml:channel name="X" type="integer" min="-2.14748E9" max="2.14748E9" units="cm"/>
-          <inkml:channel name="Y" type="integer" min="-2.14748E9" max="2.14748E9" units="cm"/>
-        </inkml:traceFormat>
-        <inkml:channelProperties>
-          <inkml:channelProperty channel="X" name="resolution" value="1000" units="1/cm"/>
-          <inkml:channelProperty channel="Y" name="resolution" value="1000" units="1/cm"/>
-        </inkml:channelProperties>
-      </inkml:inkSource>
-      <inkml:timestamp xml:id="ts0" timeString="2020-03-27T02:27:31.070"/>
-    </inkml:context>
-    <inkml:brush xml:id="br0">
-      <inkml:brushProperty name="width" value="0.35" units="cm"/>
-      <inkml:brushProperty name="height" value="0.35" units="cm"/>
-      <inkml:brushProperty name="color" value="#F6630D"/>
-      <inkml:brushProperty name="ignorePressure" value="1"/>
-    </inkml:brush>
-  </inkml:definitions>
-  <inkml:trace contextRef="#ctx0" brushRef="#br0">0 1,'0'0</inkml:trace>
-</inkml:ink>
-</file>
-
 <file path=ppt/notesMasters/notesMaster1.xml><?xml version="1.0" encoding="utf-8"?>
 <p:notesMaster xmlns:a="http://schemas.openxmlformats.org/drawingml/2006/main" xmlns:r="http://schemas.openxmlformats.org/officeDocument/2006/relationships" xmlns:p="http://schemas.openxmlformats.org/presentationml/2006/main">
   <p:cSld>
@@ -9201,159 +9119,6 @@
           </a:p>
         </p:txBody>
       </p:sp>
-      <mc:AlternateContent xmlns:mc="http://schemas.openxmlformats.org/markup-compatibility/2006" xmlns:p14="http://schemas.microsoft.com/office/powerpoint/2010/main">
-        <mc:Choice Requires="p14">
-          <p:contentPart p14:bwMode="auto" r:id="rId2">
-            <p14:nvContentPartPr>
-              <p14:cNvPr id="21" name="墨迹 20">
-                <a:extLst>
-                  <a:ext uri="{FF2B5EF4-FFF2-40B4-BE49-F238E27FC236}">
-                    <a16:creationId xmlns:a16="http://schemas.microsoft.com/office/drawing/2014/main" id="{A7DC2A65-828A-4F75-AEBB-7563867E86C9}"/>
-                  </a:ext>
-                </a:extLst>
-              </p14:cNvPr>
-              <p14:cNvContentPartPr/>
-              <p14:nvPr/>
-            </p14:nvContentPartPr>
-            <p14:xfrm>
-              <a:off x="5991145" y="3147162"/>
-              <a:ext cx="175320" cy="302040"/>
-            </p14:xfrm>
-          </p:contentPart>
-        </mc:Choice>
-        <mc:Fallback xmlns="">
-          <p:pic>
-            <p:nvPicPr>
-              <p:cNvPr id="21" name="墨迹 20">
-                <a:extLst>
-                  <a:ext uri="{FF2B5EF4-FFF2-40B4-BE49-F238E27FC236}">
-                    <a16:creationId xmlns:a16="http://schemas.microsoft.com/office/drawing/2014/main" id="{A7DC2A65-828A-4F75-AEBB-7563867E86C9}"/>
-                  </a:ext>
-                </a:extLst>
-              </p:cNvPr>
-              <p:cNvPicPr/>
-              <p:nvPr/>
-            </p:nvPicPr>
-            <p:blipFill>
-              <a:blip r:embed="rId3"/>
-              <a:stretch>
-                <a:fillRect/>
-              </a:stretch>
-            </p:blipFill>
-            <p:spPr>
-              <a:xfrm>
-                <a:off x="5928505" y="3084162"/>
-                <a:ext cx="300960" cy="427680"/>
-              </a:xfrm>
-              <a:prstGeom prst="rect">
-                <a:avLst/>
-              </a:prstGeom>
-            </p:spPr>
-          </p:pic>
-        </mc:Fallback>
-      </mc:AlternateContent>
-      <mc:AlternateContent xmlns:mc="http://schemas.openxmlformats.org/markup-compatibility/2006" xmlns:p14="http://schemas.microsoft.com/office/powerpoint/2010/main">
-        <mc:Choice Requires="p14">
-          <p:contentPart p14:bwMode="auto" r:id="rId4">
-            <p14:nvContentPartPr>
-              <p14:cNvPr id="24" name="墨迹 23">
-                <a:extLst>
-                  <a:ext uri="{FF2B5EF4-FFF2-40B4-BE49-F238E27FC236}">
-                    <a16:creationId xmlns:a16="http://schemas.microsoft.com/office/drawing/2014/main" id="{947F664A-C661-4180-96DC-2B7DA154B5F7}"/>
-                  </a:ext>
-                </a:extLst>
-              </p14:cNvPr>
-              <p14:cNvContentPartPr/>
-              <p14:nvPr/>
-            </p14:nvContentPartPr>
-            <p14:xfrm>
-              <a:off x="6519985" y="2902362"/>
-              <a:ext cx="1253880" cy="742680"/>
-            </p14:xfrm>
-          </p:contentPart>
-        </mc:Choice>
-        <mc:Fallback xmlns="">
-          <p:pic>
-            <p:nvPicPr>
-              <p:cNvPr id="24" name="墨迹 23">
-                <a:extLst>
-                  <a:ext uri="{FF2B5EF4-FFF2-40B4-BE49-F238E27FC236}">
-                    <a16:creationId xmlns:a16="http://schemas.microsoft.com/office/drawing/2014/main" id="{947F664A-C661-4180-96DC-2B7DA154B5F7}"/>
-                  </a:ext>
-                </a:extLst>
-              </p:cNvPr>
-              <p:cNvPicPr/>
-              <p:nvPr/>
-            </p:nvPicPr>
-            <p:blipFill>
-              <a:blip r:embed="rId5"/>
-              <a:stretch>
-                <a:fillRect/>
-              </a:stretch>
-            </p:blipFill>
-            <p:spPr>
-              <a:xfrm>
-                <a:off x="6457003" y="2839722"/>
-                <a:ext cx="1379484" cy="868320"/>
-              </a:xfrm>
-              <a:prstGeom prst="rect">
-                <a:avLst/>
-              </a:prstGeom>
-            </p:spPr>
-          </p:pic>
-        </mc:Fallback>
-      </mc:AlternateContent>
-      <mc:AlternateContent xmlns:mc="http://schemas.openxmlformats.org/markup-compatibility/2006" xmlns:p14="http://schemas.microsoft.com/office/powerpoint/2010/main">
-        <mc:Choice Requires="p14">
-          <p:contentPart p14:bwMode="auto" r:id="rId6">
-            <p14:nvContentPartPr>
-              <p14:cNvPr id="25" name="墨迹 24">
-                <a:extLst>
-                  <a:ext uri="{FF2B5EF4-FFF2-40B4-BE49-F238E27FC236}">
-                    <a16:creationId xmlns:a16="http://schemas.microsoft.com/office/drawing/2014/main" id="{BDC59950-5D06-4169-8FAD-DCA3B100B21D}"/>
-                  </a:ext>
-                </a:extLst>
-              </p14:cNvPr>
-              <p14:cNvContentPartPr/>
-              <p14:nvPr/>
-            </p14:nvContentPartPr>
-            <p14:xfrm>
-              <a:off x="6612865" y="4124922"/>
-              <a:ext cx="360" cy="360"/>
-            </p14:xfrm>
-          </p:contentPart>
-        </mc:Choice>
-        <mc:Fallback xmlns="">
-          <p:pic>
-            <p:nvPicPr>
-              <p:cNvPr id="25" name="墨迹 24">
-                <a:extLst>
-                  <a:ext uri="{FF2B5EF4-FFF2-40B4-BE49-F238E27FC236}">
-                    <a16:creationId xmlns:a16="http://schemas.microsoft.com/office/drawing/2014/main" id="{BDC59950-5D06-4169-8FAD-DCA3B100B21D}"/>
-                  </a:ext>
-                </a:extLst>
-              </p:cNvPr>
-              <p:cNvPicPr/>
-              <p:nvPr/>
-            </p:nvPicPr>
-            <p:blipFill>
-              <a:blip r:embed="rId7"/>
-              <a:stretch>
-                <a:fillRect/>
-              </a:stretch>
-            </p:blipFill>
-            <p:spPr>
-              <a:xfrm>
-                <a:off x="6549865" y="4062282"/>
-                <a:ext cx="126000" cy="126000"/>
-              </a:xfrm>
-              <a:prstGeom prst="rect">
-                <a:avLst/>
-              </a:prstGeom>
-            </p:spPr>
-          </p:pic>
-        </mc:Fallback>
-      </mc:AlternateContent>
     </p:spTree>
     <p:extLst>
       <p:ext uri="{BB962C8B-B14F-4D97-AF65-F5344CB8AC3E}">
@@ -13191,7 +12956,7 @@
                 <a:hlinkClick r:id="rId2">
                   <a:extLst>
                     <a:ext uri="{A12FA001-AC4F-418D-AE19-62706E023703}">
-                      <ahyp:hlinkClr xmlns="" xmlns:ahyp="http://schemas.microsoft.com/office/drawing/2018/hyperlinkcolor" val="tx"/>
+                      <ahyp:hlinkClr xmlns:ahyp="http://schemas.microsoft.com/office/drawing/2018/hyperlinkcolor" xmlns="" val="tx"/>
                     </a:ext>
                   </a:extLst>
                 </a:hlinkClick>
@@ -21052,7 +20817,7 @@
           <a:graphicData uri="http://schemas.openxmlformats.org/presentationml/2006/ole">
             <mc:AlternateContent xmlns:mc="http://schemas.openxmlformats.org/markup-compatibility/2006">
               <mc:Choice xmlns:v="urn:schemas-microsoft-com:vml" Requires="v">
-                <p:oleObj spid="_x0000_s3114" name="图表" r:id="rId3" imgW="9201088" imgH="4362480" progId="MSGraph.Chart.8">
+                <p:oleObj spid="_x0000_s3115" name="图表" r:id="rId3" imgW="9201088" imgH="4362480" progId="MSGraph.Chart.8">
                   <p:embed/>
                 </p:oleObj>
               </mc:Choice>

--- a/software/Ch_4_pro.pptx
+++ b/software/Ch_4_pro.pptx
@@ -12956,7 +12956,7 @@
                 <a:hlinkClick r:id="rId2">
                   <a:extLst>
                     <a:ext uri="{A12FA001-AC4F-418D-AE19-62706E023703}">
-                      <ahyp:hlinkClr xmlns:ahyp="http://schemas.microsoft.com/office/drawing/2018/hyperlinkcolor" xmlns="" val="tx"/>
+                      <ahyp:hlinkClr xmlns="" xmlns:ahyp="http://schemas.microsoft.com/office/drawing/2018/hyperlinkcolor" val="tx"/>
                     </a:ext>
                   </a:extLst>
                 </a:hlinkClick>
@@ -20817,7 +20817,7 @@
           <a:graphicData uri="http://schemas.openxmlformats.org/presentationml/2006/ole">
             <mc:AlternateContent xmlns:mc="http://schemas.openxmlformats.org/markup-compatibility/2006">
               <mc:Choice xmlns:v="urn:schemas-microsoft-com:vml" Requires="v">
-                <p:oleObj spid="_x0000_s3115" name="图表" r:id="rId3" imgW="9201088" imgH="4362480" progId="MSGraph.Chart.8">
+                <p:oleObj spid="_x0000_s3116" name="图表" r:id="rId3" imgW="9201088" imgH="4362480" progId="MSGraph.Chart.8">
                   <p:embed/>
                 </p:oleObj>
               </mc:Choice>
